--- a/presentation/final_presentation_stock_market.pptx
+++ b/presentation/final_presentation_stock_market.pptx
@@ -6,35 +6,23 @@
     <p:sldMasterId id="2147483729" r:id="rId2"/>
   </p:sldMasterIdLst>
   <p:notesMasterIdLst>
-    <p:notesMasterId r:id="rId26"/>
+    <p:notesMasterId r:id="rId14"/>
   </p:notesMasterIdLst>
   <p:handoutMasterIdLst>
-    <p:handoutMasterId r:id="rId27"/>
+    <p:handoutMasterId r:id="rId15"/>
   </p:handoutMasterIdLst>
   <p:sldIdLst>
     <p:sldId id="270" r:id="rId3"/>
     <p:sldId id="277" r:id="rId4"/>
     <p:sldId id="290" r:id="rId5"/>
-    <p:sldId id="285" r:id="rId6"/>
-    <p:sldId id="269" r:id="rId7"/>
-    <p:sldId id="271" r:id="rId8"/>
-    <p:sldId id="286" r:id="rId9"/>
-    <p:sldId id="273" r:id="rId10"/>
-    <p:sldId id="287" r:id="rId11"/>
-    <p:sldId id="288" r:id="rId12"/>
-    <p:sldId id="272" r:id="rId13"/>
-    <p:sldId id="276" r:id="rId14"/>
-    <p:sldId id="280" r:id="rId15"/>
-    <p:sldId id="289" r:id="rId16"/>
-    <p:sldId id="278" r:id="rId17"/>
-    <p:sldId id="283" r:id="rId18"/>
-    <p:sldId id="275" r:id="rId19"/>
-    <p:sldId id="279" r:id="rId20"/>
-    <p:sldId id="284" r:id="rId21"/>
-    <p:sldId id="291" r:id="rId22"/>
-    <p:sldId id="292" r:id="rId23"/>
-    <p:sldId id="293" r:id="rId24"/>
-    <p:sldId id="274" r:id="rId25"/>
+    <p:sldId id="293" r:id="rId6"/>
+    <p:sldId id="294" r:id="rId7"/>
+    <p:sldId id="278" r:id="rId8"/>
+    <p:sldId id="272" r:id="rId9"/>
+    <p:sldId id="292" r:id="rId10"/>
+    <p:sldId id="291" r:id="rId11"/>
+    <p:sldId id="284" r:id="rId12"/>
+    <p:sldId id="295" r:id="rId13"/>
   </p:sldIdLst>
   <p:sldSz cx="12192000" cy="6858000"/>
   <p:notesSz cx="6858000" cy="9144000"/>
@@ -9350,3461 +9338,6 @@
       </p:grpSpPr>
       <p:sp>
         <p:nvSpPr>
-          <p:cNvPr id="2" name="Inhaltsplatzhalter 1">
-            <a:extLst>
-              <a:ext uri="{FF2B5EF4-FFF2-40B4-BE49-F238E27FC236}">
-                <a16:creationId xmlns:a16="http://schemas.microsoft.com/office/drawing/2014/main" id="{AC510E26-461F-3124-556E-6006BC1A95D2}"/>
-              </a:ext>
-            </a:extLst>
-          </p:cNvPr>
-          <p:cNvSpPr>
-            <a:spLocks noGrp="1"/>
-          </p:cNvSpPr>
-          <p:nvPr>
-            <p:ph idx="1"/>
-          </p:nvPr>
-        </p:nvSpPr>
-        <p:spPr/>
-        <p:txBody>
-          <a:bodyPr/>
-          <a:lstStyle/>
-          <a:p>
-            <a:r>
-              <a:rPr lang="de-DE" dirty="0"/>
-              <a:t>Beobachteter Zeitraum: Nov 2022 – Juli 2024</a:t>
-            </a:r>
-          </a:p>
-          <a:p>
-            <a:endParaRPr lang="de-DE" dirty="0"/>
-          </a:p>
-          <a:p>
-            <a:r>
-              <a:rPr lang="de-DE" dirty="0"/>
-              <a:t>Krisen: </a:t>
-            </a:r>
-          </a:p>
-          <a:p>
-            <a:pPr lvl="1"/>
-            <a:r>
-              <a:rPr lang="de-DE" dirty="0"/>
-              <a:t>Corona-Pandemie (Nachwirkungen bis 2022)</a:t>
-            </a:r>
-          </a:p>
-          <a:p>
-            <a:pPr lvl="1"/>
-            <a:r>
-              <a:rPr lang="de-DE" dirty="0"/>
-              <a:t>Ukraine-Krieg (seit Februar 2022)</a:t>
-            </a:r>
-          </a:p>
-          <a:p>
-            <a:pPr lvl="2"/>
-            <a:r>
-              <a:rPr lang="de-DE" dirty="0"/>
-              <a:t>Energiepreise</a:t>
-            </a:r>
-          </a:p>
-          <a:p>
-            <a:pPr lvl="2"/>
-            <a:r>
-              <a:rPr lang="de-DE" dirty="0"/>
-              <a:t>Versorgungssicherheit</a:t>
-            </a:r>
-          </a:p>
-          <a:p>
-            <a:pPr lvl="1"/>
-            <a:r>
-              <a:rPr lang="de-DE" dirty="0"/>
-              <a:t>Inflation und Zinserhöhungen (2022–2023)</a:t>
-            </a:r>
-          </a:p>
-          <a:p>
-            <a:pPr lvl="1"/>
-            <a:r>
-              <a:rPr lang="de-DE" dirty="0"/>
-              <a:t>Bankenkrise in den USA (Frühjahr 2023)</a:t>
-            </a:r>
-          </a:p>
-          <a:p>
-            <a:pPr marL="0" indent="0">
-              <a:buNone/>
-            </a:pPr>
-            <a:endParaRPr lang="de-DE" dirty="0"/>
-          </a:p>
-          <a:p>
-            <a:endParaRPr lang="de-DE" dirty="0"/>
-          </a:p>
-        </p:txBody>
-      </p:sp>
-      <p:sp>
-        <p:nvSpPr>
-          <p:cNvPr id="3" name="Datumsplatzhalter 2">
-            <a:extLst>
-              <a:ext uri="{FF2B5EF4-FFF2-40B4-BE49-F238E27FC236}">
-                <a16:creationId xmlns:a16="http://schemas.microsoft.com/office/drawing/2014/main" id="{30842F17-3B5D-0A71-DD29-78694099D9B8}"/>
-              </a:ext>
-            </a:extLst>
-          </p:cNvPr>
-          <p:cNvSpPr>
-            <a:spLocks noGrp="1"/>
-          </p:cNvSpPr>
-          <p:nvPr>
-            <p:ph type="dt" sz="half" idx="10"/>
-          </p:nvPr>
-        </p:nvSpPr>
-        <p:spPr/>
-        <p:txBody>
-          <a:bodyPr/>
-          <a:lstStyle/>
-          <a:p>
-            <a:fld id="{0A9BFA6A-9A63-4E2D-92C0-C77BFA750EDB}" type="datetime1">
-              <a:rPr lang="de-DE" noProof="0" smtClean="0"/>
-              <a:t>26.11.24</a:t>
-            </a:fld>
-            <a:endParaRPr lang="en-US" noProof="0"/>
-          </a:p>
-        </p:txBody>
-      </p:sp>
-      <p:sp>
-        <p:nvSpPr>
-          <p:cNvPr id="4" name="Foliennummernplatzhalter 3">
-            <a:extLst>
-              <a:ext uri="{FF2B5EF4-FFF2-40B4-BE49-F238E27FC236}">
-                <a16:creationId xmlns:a16="http://schemas.microsoft.com/office/drawing/2014/main" id="{24900432-9D5F-D6BB-C40F-2D915FE5F698}"/>
-              </a:ext>
-            </a:extLst>
-          </p:cNvPr>
-          <p:cNvSpPr>
-            <a:spLocks noGrp="1"/>
-          </p:cNvSpPr>
-          <p:nvPr>
-            <p:ph type="sldNum" sz="quarter" idx="12"/>
-          </p:nvPr>
-        </p:nvSpPr>
-        <p:spPr/>
-        <p:txBody>
-          <a:bodyPr/>
-          <a:lstStyle/>
-          <a:p>
-            <a:fld id="{61696EC4-B4CF-4701-AD06-A8439D6D8E12}" type="slidenum">
-              <a:rPr lang="en-US" noProof="0" smtClean="0"/>
-              <a:t>10</a:t>
-            </a:fld>
-            <a:endParaRPr lang="en-US" noProof="0"/>
-          </a:p>
-        </p:txBody>
-      </p:sp>
-      <p:sp>
-        <p:nvSpPr>
-          <p:cNvPr id="5" name="Titel 4">
-            <a:extLst>
-              <a:ext uri="{FF2B5EF4-FFF2-40B4-BE49-F238E27FC236}">
-                <a16:creationId xmlns:a16="http://schemas.microsoft.com/office/drawing/2014/main" id="{302BEF6A-27D1-39CE-B8DD-C857D74BB10B}"/>
-              </a:ext>
-            </a:extLst>
-          </p:cNvPr>
-          <p:cNvSpPr>
-            <a:spLocks noGrp="1"/>
-          </p:cNvSpPr>
-          <p:nvPr>
-            <p:ph type="title"/>
-          </p:nvPr>
-        </p:nvSpPr>
-        <p:spPr/>
-        <p:txBody>
-          <a:bodyPr/>
-          <a:lstStyle/>
-          <a:p>
-            <a:r>
-              <a:rPr lang="de-DE" dirty="0"/>
-              <a:t>Übersicht Daten </a:t>
-            </a:r>
-            <a:r>
-              <a:rPr lang="de-DE"/>
-              <a:t>und Krisenzeitraum</a:t>
-            </a:r>
-            <a:endParaRPr lang="de-DE" dirty="0"/>
-          </a:p>
-        </p:txBody>
-      </p:sp>
-    </p:spTree>
-    <p:extLst>
-      <p:ext uri="{BB962C8B-B14F-4D97-AF65-F5344CB8AC3E}">
-        <p14:creationId xmlns:p14="http://schemas.microsoft.com/office/powerpoint/2010/main" val="4094725354"/>
-      </p:ext>
-    </p:extLst>
-  </p:cSld>
-  <p:clrMapOvr>
-    <a:masterClrMapping/>
-  </p:clrMapOvr>
-</p:sld>
-</file>
-
-<file path=ppt/slides/slide11.xml><?xml version="1.0" encoding="utf-8"?>
-<p:sld xmlns:a="http://schemas.openxmlformats.org/drawingml/2006/main" xmlns:r="http://schemas.openxmlformats.org/officeDocument/2006/relationships" xmlns:p="http://schemas.openxmlformats.org/presentationml/2006/main">
-  <p:cSld>
-    <p:spTree>
-      <p:nvGrpSpPr>
-        <p:cNvPr id="1" name=""/>
-        <p:cNvGrpSpPr/>
-        <p:nvPr/>
-      </p:nvGrpSpPr>
-      <p:grpSpPr>
-        <a:xfrm>
-          <a:off x="0" y="0"/>
-          <a:ext cx="0" cy="0"/>
-          <a:chOff x="0" y="0"/>
-          <a:chExt cx="0" cy="0"/>
-        </a:xfrm>
-      </p:grpSpPr>
-      <p:sp>
-        <p:nvSpPr>
-          <p:cNvPr id="2" name="Content Placeholder 1">
-            <a:extLst>
-              <a:ext uri="{FF2B5EF4-FFF2-40B4-BE49-F238E27FC236}">
-                <a16:creationId xmlns:a16="http://schemas.microsoft.com/office/drawing/2014/main" id="{3BD83C97-E3B1-0030-8027-46E7BD6A1843}"/>
-              </a:ext>
-            </a:extLst>
-          </p:cNvPr>
-          <p:cNvSpPr>
-            <a:spLocks noGrp="1"/>
-          </p:cNvSpPr>
-          <p:nvPr>
-            <p:ph idx="1"/>
-          </p:nvPr>
-        </p:nvSpPr>
-        <p:spPr/>
-        <p:txBody>
-          <a:bodyPr/>
-          <a:lstStyle/>
-          <a:p>
-            <a:r>
-              <a:rPr lang="en-GB" dirty="0"/>
-              <a:t>SOSEC Data Set</a:t>
-            </a:r>
-          </a:p>
-          <a:p>
-            <a:pPr lvl="1"/>
-            <a:r>
-              <a:rPr lang="en-DE" dirty="0"/>
-              <a:t>Fearures especially in use:</a:t>
-            </a:r>
-          </a:p>
-          <a:p>
-            <a:pPr lvl="2"/>
-            <a:r>
-              <a:rPr lang="en-GB" dirty="0"/>
-              <a:t>F3A21_1: ”</a:t>
-            </a:r>
-            <a:r>
-              <a:rPr lang="en-GB" dirty="0" err="1"/>
-              <a:t>Aktuell</a:t>
-            </a:r>
-            <a:r>
-              <a:rPr lang="en-GB" dirty="0"/>
-              <a:t> </a:t>
-            </a:r>
-            <a:r>
-              <a:rPr lang="en-GB" dirty="0" err="1"/>
-              <a:t>ergibt</a:t>
-            </a:r>
-            <a:r>
-              <a:rPr lang="en-GB" dirty="0"/>
-              <a:t> es Sinn in </a:t>
-            </a:r>
-            <a:r>
-              <a:rPr lang="en-GB" dirty="0" err="1"/>
-              <a:t>Aktien</a:t>
-            </a:r>
-            <a:r>
-              <a:rPr lang="en-GB" dirty="0"/>
-              <a:t> </a:t>
-            </a:r>
-            <a:r>
-              <a:rPr lang="en-GB" dirty="0" err="1"/>
-              <a:t>zu</a:t>
-            </a:r>
-            <a:r>
-              <a:rPr lang="en-GB" dirty="0"/>
-              <a:t> </a:t>
-            </a:r>
-            <a:r>
-              <a:rPr lang="en-GB" dirty="0" err="1"/>
-              <a:t>investieren</a:t>
-            </a:r>
-            <a:r>
-              <a:rPr lang="en-GB" dirty="0"/>
-              <a:t>”</a:t>
-            </a:r>
-          </a:p>
-          <a:p>
-            <a:pPr lvl="2"/>
-            <a:r>
-              <a:rPr lang="en-GB" dirty="0"/>
-              <a:t>F71invest: “</a:t>
-            </a:r>
-            <a:r>
-              <a:rPr lang="en-GB" dirty="0" err="1"/>
-              <a:t>Investieren</a:t>
-            </a:r>
-            <a:r>
-              <a:rPr lang="en-GB" dirty="0"/>
-              <a:t> Sie </a:t>
-            </a:r>
-            <a:r>
-              <a:rPr lang="en-GB" dirty="0" err="1"/>
-              <a:t>momentan</a:t>
-            </a:r>
-            <a:r>
-              <a:rPr lang="en-GB" dirty="0"/>
-              <a:t> in den </a:t>
-            </a:r>
-            <a:r>
-              <a:rPr lang="en-GB" dirty="0" err="1"/>
-              <a:t>Aktienmarkt</a:t>
-            </a:r>
-            <a:r>
-              <a:rPr lang="en-GB" dirty="0"/>
-              <a:t>”</a:t>
-            </a:r>
-          </a:p>
-          <a:p>
-            <a:pPr lvl="2"/>
-            <a:r>
-              <a:rPr lang="en-GB" dirty="0"/>
-              <a:t>F5A10_2: “Wie </a:t>
-            </a:r>
-            <a:r>
-              <a:rPr lang="en-GB" dirty="0" err="1"/>
-              <a:t>viel</a:t>
-            </a:r>
-            <a:r>
-              <a:rPr lang="en-GB" dirty="0"/>
-              <a:t> </a:t>
-            </a:r>
-            <a:r>
-              <a:rPr lang="en-GB" dirty="0" err="1"/>
-              <a:t>Vertrauen</a:t>
-            </a:r>
-            <a:r>
-              <a:rPr lang="en-GB" dirty="0"/>
-              <a:t> </a:t>
-            </a:r>
-            <a:r>
-              <a:rPr lang="en-GB" dirty="0" err="1"/>
-              <a:t>haben</a:t>
-            </a:r>
-            <a:r>
-              <a:rPr lang="en-GB" dirty="0"/>
-              <a:t> Sie in den </a:t>
-            </a:r>
-            <a:r>
-              <a:rPr lang="en-GB" dirty="0" err="1"/>
-              <a:t>Aktienmarkt</a:t>
-            </a:r>
-            <a:r>
-              <a:rPr lang="en-GB" dirty="0"/>
-              <a:t>”</a:t>
-            </a:r>
-          </a:p>
-          <a:p>
-            <a:pPr lvl="2"/>
-            <a:r>
-              <a:rPr lang="en-GB" dirty="0"/>
-              <a:t>F5a: ”Wie </a:t>
-            </a:r>
-            <a:r>
-              <a:rPr lang="en-GB" dirty="0" err="1"/>
-              <a:t>häufig</a:t>
-            </a:r>
-            <a:r>
-              <a:rPr lang="en-GB" dirty="0"/>
-              <a:t> </a:t>
-            </a:r>
-            <a:r>
-              <a:rPr lang="en-GB" dirty="0" err="1"/>
-              <a:t>beziehen</a:t>
-            </a:r>
-            <a:r>
-              <a:rPr lang="en-GB" dirty="0"/>
-              <a:t> Sie </a:t>
-            </a:r>
-            <a:r>
-              <a:rPr lang="en-GB" dirty="0" err="1"/>
-              <a:t>Nachrichten</a:t>
-            </a:r>
-            <a:r>
-              <a:rPr lang="en-GB" dirty="0"/>
-              <a:t> </a:t>
-            </a:r>
-            <a:r>
-              <a:rPr lang="en-GB" dirty="0" err="1"/>
-              <a:t>aus</a:t>
-            </a:r>
-            <a:r>
-              <a:rPr lang="en-GB" dirty="0"/>
-              <a:t> den </a:t>
-            </a:r>
-            <a:r>
-              <a:rPr lang="en-GB" dirty="0" err="1"/>
-              <a:t>Quellen</a:t>
-            </a:r>
-            <a:r>
-              <a:rPr lang="en-GB" dirty="0"/>
-              <a:t>? … ”</a:t>
-            </a:r>
-          </a:p>
-          <a:p>
-            <a:pPr lvl="2"/>
-            <a:r>
-              <a:rPr lang="en-GB" dirty="0"/>
-              <a:t>F5b: “Auf </a:t>
-            </a:r>
-            <a:r>
-              <a:rPr lang="en-GB" dirty="0" err="1"/>
-              <a:t>welche</a:t>
-            </a:r>
-            <a:r>
-              <a:rPr lang="en-GB" dirty="0"/>
-              <a:t> </a:t>
-            </a:r>
-            <a:r>
-              <a:rPr lang="en-GB" dirty="0" err="1"/>
-              <a:t>Kanäle</a:t>
-            </a:r>
-            <a:r>
-              <a:rPr lang="en-GB" dirty="0"/>
-              <a:t> </a:t>
-            </a:r>
-            <a:r>
-              <a:rPr lang="en-GB" dirty="0" err="1"/>
-              <a:t>greifen</a:t>
-            </a:r>
-            <a:r>
-              <a:rPr lang="en-GB" dirty="0"/>
-              <a:t> Sie </a:t>
-            </a:r>
-            <a:r>
-              <a:rPr lang="en-GB" dirty="0" err="1"/>
-              <a:t>dabei</a:t>
-            </a:r>
-            <a:r>
-              <a:rPr lang="en-GB" dirty="0"/>
-              <a:t> </a:t>
-            </a:r>
-            <a:r>
-              <a:rPr lang="en-GB" dirty="0" err="1"/>
-              <a:t>zu</a:t>
-            </a:r>
-            <a:r>
-              <a:rPr lang="en-GB" dirty="0"/>
-              <a:t>? … ”</a:t>
-            </a:r>
-          </a:p>
-          <a:p>
-            <a:pPr lvl="2"/>
-            <a:r>
-              <a:rPr lang="en-GB" dirty="0" err="1"/>
-              <a:t>i_START</a:t>
-            </a:r>
-            <a:r>
-              <a:rPr lang="en-GB" dirty="0"/>
-              <a:t> / </a:t>
-            </a:r>
-            <a:r>
-              <a:rPr lang="en-GB" dirty="0" err="1"/>
-              <a:t>i_END</a:t>
-            </a:r>
-            <a:endParaRPr lang="en-DE" dirty="0"/>
-          </a:p>
-          <a:p>
-            <a:pPr lvl="1"/>
-            <a:endParaRPr lang="en-DE" dirty="0"/>
-          </a:p>
-          <a:p>
-            <a:r>
-              <a:rPr lang="en-DE" dirty="0"/>
-              <a:t>External Datasets from Yahoo Finance and Deutsche Bundesbank for</a:t>
-            </a:r>
-          </a:p>
-          <a:p>
-            <a:pPr lvl="1"/>
-            <a:r>
-              <a:rPr lang="en-GB" dirty="0"/>
-              <a:t>I</a:t>
-            </a:r>
-            <a:r>
-              <a:rPr lang="en-DE" dirty="0"/>
-              <a:t>nterest rate, inflation rate, dax points, consumer price index</a:t>
-            </a:r>
-          </a:p>
-          <a:p>
-            <a:endParaRPr lang="en-DE" dirty="0"/>
-          </a:p>
-          <a:p>
-            <a:endParaRPr lang="en-DE" dirty="0"/>
-          </a:p>
-          <a:p>
-            <a:endParaRPr lang="en-DE" dirty="0"/>
-          </a:p>
-          <a:p>
-            <a:endParaRPr lang="en-DE" dirty="0"/>
-          </a:p>
-        </p:txBody>
-      </p:sp>
-      <p:sp>
-        <p:nvSpPr>
-          <p:cNvPr id="3" name="Date Placeholder 2">
-            <a:extLst>
-              <a:ext uri="{FF2B5EF4-FFF2-40B4-BE49-F238E27FC236}">
-                <a16:creationId xmlns:a16="http://schemas.microsoft.com/office/drawing/2014/main" id="{7A0E3AEF-0EC9-3281-27E8-073D237F5C5A}"/>
-              </a:ext>
-            </a:extLst>
-          </p:cNvPr>
-          <p:cNvSpPr>
-            <a:spLocks noGrp="1"/>
-          </p:cNvSpPr>
-          <p:nvPr>
-            <p:ph type="dt" sz="half" idx="10"/>
-          </p:nvPr>
-        </p:nvSpPr>
-        <p:spPr/>
-        <p:txBody>
-          <a:bodyPr/>
-          <a:lstStyle/>
-          <a:p>
-            <a:fld id="{162C1F81-0292-4658-B990-314031B5EEE0}" type="datetime4">
-              <a:rPr lang="en-US" noProof="0" smtClean="0"/>
-              <a:t>November 26, 2024</a:t>
-            </a:fld>
-            <a:endParaRPr lang="en-US" noProof="0"/>
-          </a:p>
-        </p:txBody>
-      </p:sp>
-      <p:sp>
-        <p:nvSpPr>
-          <p:cNvPr id="4" name="Slide Number Placeholder 3">
-            <a:extLst>
-              <a:ext uri="{FF2B5EF4-FFF2-40B4-BE49-F238E27FC236}">
-                <a16:creationId xmlns:a16="http://schemas.microsoft.com/office/drawing/2014/main" id="{441CD080-D238-BC68-FBAB-FD9D4CC49102}"/>
-              </a:ext>
-            </a:extLst>
-          </p:cNvPr>
-          <p:cNvSpPr>
-            <a:spLocks noGrp="1"/>
-          </p:cNvSpPr>
-          <p:nvPr>
-            <p:ph type="sldNum" sz="quarter" idx="12"/>
-          </p:nvPr>
-        </p:nvSpPr>
-        <p:spPr/>
-        <p:txBody>
-          <a:bodyPr/>
-          <a:lstStyle/>
-          <a:p>
-            <a:fld id="{61696EC4-B4CF-4701-AD06-A8439D6D8E12}" type="slidenum">
-              <a:rPr lang="en-US" noProof="0" smtClean="0"/>
-              <a:t>11</a:t>
-            </a:fld>
-            <a:endParaRPr lang="en-US" noProof="0"/>
-          </a:p>
-        </p:txBody>
-      </p:sp>
-      <p:sp>
-        <p:nvSpPr>
-          <p:cNvPr id="5" name="Title 4">
-            <a:extLst>
-              <a:ext uri="{FF2B5EF4-FFF2-40B4-BE49-F238E27FC236}">
-                <a16:creationId xmlns:a16="http://schemas.microsoft.com/office/drawing/2014/main" id="{68FE9C1A-CFC4-E8B3-CFB2-CAA259A98DA6}"/>
-              </a:ext>
-            </a:extLst>
-          </p:cNvPr>
-          <p:cNvSpPr>
-            <a:spLocks noGrp="1"/>
-          </p:cNvSpPr>
-          <p:nvPr>
-            <p:ph type="title"/>
-          </p:nvPr>
-        </p:nvSpPr>
-        <p:spPr/>
-        <p:txBody>
-          <a:bodyPr/>
-          <a:lstStyle/>
-          <a:p>
-            <a:r>
-              <a:rPr lang="en-DE" dirty="0"/>
-              <a:t>Data</a:t>
-            </a:r>
-          </a:p>
-        </p:txBody>
-      </p:sp>
-    </p:spTree>
-    <p:extLst>
-      <p:ext uri="{BB962C8B-B14F-4D97-AF65-F5344CB8AC3E}">
-        <p14:creationId xmlns:p14="http://schemas.microsoft.com/office/powerpoint/2010/main" val="3151015656"/>
-      </p:ext>
-    </p:extLst>
-  </p:cSld>
-  <p:clrMapOvr>
-    <a:masterClrMapping/>
-  </p:clrMapOvr>
-</p:sld>
-</file>
-
-<file path=ppt/slides/slide12.xml><?xml version="1.0" encoding="utf-8"?>
-<p:sld xmlns:a="http://schemas.openxmlformats.org/drawingml/2006/main" xmlns:r="http://schemas.openxmlformats.org/officeDocument/2006/relationships" xmlns:p="http://schemas.openxmlformats.org/presentationml/2006/main">
-  <p:cSld>
-    <p:spTree>
-      <p:nvGrpSpPr>
-        <p:cNvPr id="1" name=""/>
-        <p:cNvGrpSpPr/>
-        <p:nvPr/>
-      </p:nvGrpSpPr>
-      <p:grpSpPr>
-        <a:xfrm>
-          <a:off x="0" y="0"/>
-          <a:ext cx="0" cy="0"/>
-          <a:chOff x="0" y="0"/>
-          <a:chExt cx="0" cy="0"/>
-        </a:xfrm>
-      </p:grpSpPr>
-      <p:pic>
-        <p:nvPicPr>
-          <p:cNvPr id="6" name="Inhaltsplatzhalter 5">
-            <a:extLst>
-              <a:ext uri="{FF2B5EF4-FFF2-40B4-BE49-F238E27FC236}">
-                <a16:creationId xmlns:a16="http://schemas.microsoft.com/office/drawing/2014/main" id="{BB6262EB-0EF7-EE32-C7DC-C7235C47E98A}"/>
-              </a:ext>
-            </a:extLst>
-          </p:cNvPr>
-          <p:cNvPicPr>
-            <a:picLocks noGrp="1" noChangeAspect="1"/>
-          </p:cNvPicPr>
-          <p:nvPr>
-            <p:ph idx="1"/>
-          </p:nvPr>
-        </p:nvPicPr>
-        <p:blipFill>
-          <a:blip r:embed="rId2"/>
-          <a:stretch>
-            <a:fillRect/>
-          </a:stretch>
-        </p:blipFill>
-        <p:spPr>
-          <a:xfrm>
-            <a:off x="431040" y="2157889"/>
-            <a:ext cx="11227560" cy="3368268"/>
-          </a:xfrm>
-          <a:prstGeom prst="rect">
-            <a:avLst/>
-          </a:prstGeom>
-        </p:spPr>
-      </p:pic>
-      <p:sp>
-        <p:nvSpPr>
-          <p:cNvPr id="3" name="Datumsplatzhalter 2">
-            <a:extLst>
-              <a:ext uri="{FF2B5EF4-FFF2-40B4-BE49-F238E27FC236}">
-                <a16:creationId xmlns:a16="http://schemas.microsoft.com/office/drawing/2014/main" id="{95C65A7D-30A0-6143-908D-496614D06908}"/>
-              </a:ext>
-            </a:extLst>
-          </p:cNvPr>
-          <p:cNvSpPr>
-            <a:spLocks noGrp="1"/>
-          </p:cNvSpPr>
-          <p:nvPr>
-            <p:ph type="dt" sz="half" idx="10"/>
-          </p:nvPr>
-        </p:nvSpPr>
-        <p:spPr/>
-        <p:txBody>
-          <a:bodyPr/>
-          <a:lstStyle/>
-          <a:p>
-            <a:fld id="{0A9BFA6A-9A63-4E2D-92C0-C77BFA750EDB}" type="datetime1">
-              <a:rPr lang="de-DE" noProof="0" smtClean="0"/>
-              <a:t>26.11.24</a:t>
-            </a:fld>
-            <a:endParaRPr lang="en-US" noProof="0"/>
-          </a:p>
-        </p:txBody>
-      </p:sp>
-      <p:sp>
-        <p:nvSpPr>
-          <p:cNvPr id="4" name="Foliennummernplatzhalter 3">
-            <a:extLst>
-              <a:ext uri="{FF2B5EF4-FFF2-40B4-BE49-F238E27FC236}">
-                <a16:creationId xmlns:a16="http://schemas.microsoft.com/office/drawing/2014/main" id="{24FBFB78-AB01-CE66-EE15-064A3E10384E}"/>
-              </a:ext>
-            </a:extLst>
-          </p:cNvPr>
-          <p:cNvSpPr>
-            <a:spLocks noGrp="1"/>
-          </p:cNvSpPr>
-          <p:nvPr>
-            <p:ph type="sldNum" sz="quarter" idx="12"/>
-          </p:nvPr>
-        </p:nvSpPr>
-        <p:spPr/>
-        <p:txBody>
-          <a:bodyPr/>
-          <a:lstStyle/>
-          <a:p>
-            <a:fld id="{61696EC4-B4CF-4701-AD06-A8439D6D8E12}" type="slidenum">
-              <a:rPr lang="en-US" noProof="0" smtClean="0"/>
-              <a:t>12</a:t>
-            </a:fld>
-            <a:endParaRPr lang="en-US" noProof="0"/>
-          </a:p>
-        </p:txBody>
-      </p:sp>
-      <p:sp>
-        <p:nvSpPr>
-          <p:cNvPr id="5" name="Titel 4">
-            <a:extLst>
-              <a:ext uri="{FF2B5EF4-FFF2-40B4-BE49-F238E27FC236}">
-                <a16:creationId xmlns:a16="http://schemas.microsoft.com/office/drawing/2014/main" id="{6CEC0B47-D49D-B210-41CE-F3937B205701}"/>
-              </a:ext>
-            </a:extLst>
-          </p:cNvPr>
-          <p:cNvSpPr>
-            <a:spLocks noGrp="1"/>
-          </p:cNvSpPr>
-          <p:nvPr>
-            <p:ph type="title"/>
-          </p:nvPr>
-        </p:nvSpPr>
-        <p:spPr/>
-        <p:txBody>
-          <a:bodyPr/>
-          <a:lstStyle/>
-          <a:p>
-            <a:r>
-              <a:rPr lang="de-DE" dirty="0"/>
-              <a:t>DAX 2022-2024</a:t>
-            </a:r>
-          </a:p>
-        </p:txBody>
-      </p:sp>
-    </p:spTree>
-    <p:extLst>
-      <p:ext uri="{BB962C8B-B14F-4D97-AF65-F5344CB8AC3E}">
-        <p14:creationId xmlns:p14="http://schemas.microsoft.com/office/powerpoint/2010/main" val="213175629"/>
-      </p:ext>
-    </p:extLst>
-  </p:cSld>
-  <p:clrMapOvr>
-    <a:masterClrMapping/>
-  </p:clrMapOvr>
-</p:sld>
-</file>
-
-<file path=ppt/slides/slide13.xml><?xml version="1.0" encoding="utf-8"?>
-<p:sld xmlns:a="http://schemas.openxmlformats.org/drawingml/2006/main" xmlns:r="http://schemas.openxmlformats.org/officeDocument/2006/relationships" xmlns:p="http://schemas.openxmlformats.org/presentationml/2006/main">
-  <p:cSld>
-    <p:spTree>
-      <p:nvGrpSpPr>
-        <p:cNvPr id="1" name=""/>
-        <p:cNvGrpSpPr/>
-        <p:nvPr/>
-      </p:nvGrpSpPr>
-      <p:grpSpPr>
-        <a:xfrm>
-          <a:off x="0" y="0"/>
-          <a:ext cx="0" cy="0"/>
-          <a:chOff x="0" y="0"/>
-          <a:chExt cx="0" cy="0"/>
-        </a:xfrm>
-      </p:grpSpPr>
-      <p:sp>
-        <p:nvSpPr>
-          <p:cNvPr id="4" name="Datumsplatzhalter 3">
-            <a:extLst>
-              <a:ext uri="{FF2B5EF4-FFF2-40B4-BE49-F238E27FC236}">
-                <a16:creationId xmlns:a16="http://schemas.microsoft.com/office/drawing/2014/main" id="{60983A88-D35A-2DF4-2E54-583DDB73F685}"/>
-              </a:ext>
-            </a:extLst>
-          </p:cNvPr>
-          <p:cNvSpPr>
-            <a:spLocks noGrp="1"/>
-          </p:cNvSpPr>
-          <p:nvPr>
-            <p:ph type="dt" sz="half" idx="10"/>
-          </p:nvPr>
-        </p:nvSpPr>
-        <p:spPr/>
-        <p:txBody>
-          <a:bodyPr/>
-          <a:lstStyle/>
-          <a:p>
-            <a:fld id="{43A9179C-E631-47AA-B9CB-ABFD8F596650}" type="datetime1">
-              <a:rPr lang="de-DE" smtClean="0"/>
-              <a:t>26.11.24</a:t>
-            </a:fld>
-            <a:endParaRPr lang="de-DE"/>
-          </a:p>
-        </p:txBody>
-      </p:sp>
-      <p:sp>
-        <p:nvSpPr>
-          <p:cNvPr id="5" name="Foliennummernplatzhalter 4">
-            <a:extLst>
-              <a:ext uri="{FF2B5EF4-FFF2-40B4-BE49-F238E27FC236}">
-                <a16:creationId xmlns:a16="http://schemas.microsoft.com/office/drawing/2014/main" id="{4F2632A2-AE2D-B8B2-D7E3-DB1FD99DD259}"/>
-              </a:ext>
-            </a:extLst>
-          </p:cNvPr>
-          <p:cNvSpPr>
-            <a:spLocks noGrp="1"/>
-          </p:cNvSpPr>
-          <p:nvPr>
-            <p:ph type="sldNum" sz="quarter" idx="12"/>
-          </p:nvPr>
-        </p:nvSpPr>
-        <p:spPr/>
-        <p:txBody>
-          <a:bodyPr/>
-          <a:lstStyle/>
-          <a:p>
-            <a:fld id="{61696EC4-B4CF-4701-AD06-A8439D6D8E12}" type="slidenum">
-              <a:rPr lang="de-DE" smtClean="0"/>
-              <a:t>13</a:t>
-            </a:fld>
-            <a:endParaRPr lang="de-DE"/>
-          </a:p>
-        </p:txBody>
-      </p:sp>
-      <p:sp>
-        <p:nvSpPr>
-          <p:cNvPr id="6" name="Titel 5">
-            <a:extLst>
-              <a:ext uri="{FF2B5EF4-FFF2-40B4-BE49-F238E27FC236}">
-                <a16:creationId xmlns:a16="http://schemas.microsoft.com/office/drawing/2014/main" id="{D4051EBA-44D7-4A75-643D-275783645E74}"/>
-              </a:ext>
-            </a:extLst>
-          </p:cNvPr>
-          <p:cNvSpPr>
-            <a:spLocks noGrp="1"/>
-          </p:cNvSpPr>
-          <p:nvPr>
-            <p:ph type="title"/>
-          </p:nvPr>
-        </p:nvSpPr>
-        <p:spPr/>
-        <p:txBody>
-          <a:bodyPr/>
-          <a:lstStyle/>
-          <a:p>
-            <a:r>
-              <a:rPr lang="de-DE" dirty="0"/>
-              <a:t>Die Inflations- und Zinsrate</a:t>
-            </a:r>
-          </a:p>
-        </p:txBody>
-      </p:sp>
-      <p:pic>
-        <p:nvPicPr>
-          <p:cNvPr id="7" name="Inhaltsplatzhalter 5">
-            <a:extLst>
-              <a:ext uri="{FF2B5EF4-FFF2-40B4-BE49-F238E27FC236}">
-                <a16:creationId xmlns:a16="http://schemas.microsoft.com/office/drawing/2014/main" id="{7658A178-4257-F1D3-FD21-72D315708E00}"/>
-              </a:ext>
-            </a:extLst>
-          </p:cNvPr>
-          <p:cNvPicPr>
-            <a:picLocks noGrp="1" noChangeAspect="1"/>
-          </p:cNvPicPr>
-          <p:nvPr>
-            <p:ph sz="half" idx="1"/>
-          </p:nvPr>
-        </p:nvPicPr>
-        <p:blipFill>
-          <a:blip r:embed="rId2"/>
-          <a:stretch>
-            <a:fillRect/>
-          </a:stretch>
-        </p:blipFill>
-        <p:spPr>
-          <a:xfrm>
-            <a:off x="533400" y="2233930"/>
-            <a:ext cx="5486400" cy="3291840"/>
-          </a:xfrm>
-          <a:prstGeom prst="rect">
-            <a:avLst/>
-          </a:prstGeom>
-        </p:spPr>
-      </p:pic>
-      <p:pic>
-        <p:nvPicPr>
-          <p:cNvPr id="8" name="Inhaltsplatzhalter 5">
-            <a:extLst>
-              <a:ext uri="{FF2B5EF4-FFF2-40B4-BE49-F238E27FC236}">
-                <a16:creationId xmlns:a16="http://schemas.microsoft.com/office/drawing/2014/main" id="{527BB8B6-37B9-DF9B-80A1-6ADE4C3F3E63}"/>
-              </a:ext>
-            </a:extLst>
-          </p:cNvPr>
-          <p:cNvPicPr>
-            <a:picLocks noGrp="1" noChangeAspect="1"/>
-          </p:cNvPicPr>
-          <p:nvPr>
-            <p:ph sz="half" idx="2"/>
-          </p:nvPr>
-        </p:nvPicPr>
-        <p:blipFill>
-          <a:blip r:embed="rId3"/>
-          <a:stretch>
-            <a:fillRect/>
-          </a:stretch>
-        </p:blipFill>
-        <p:spPr>
-          <a:xfrm>
-            <a:off x="6172200" y="2233930"/>
-            <a:ext cx="5486400" cy="3291840"/>
-          </a:xfrm>
-          <a:prstGeom prst="rect">
-            <a:avLst/>
-          </a:prstGeom>
-        </p:spPr>
-      </p:pic>
-    </p:spTree>
-    <p:extLst>
-      <p:ext uri="{BB962C8B-B14F-4D97-AF65-F5344CB8AC3E}">
-        <p14:creationId xmlns:p14="http://schemas.microsoft.com/office/powerpoint/2010/main" val="844151387"/>
-      </p:ext>
-    </p:extLst>
-  </p:cSld>
-  <p:clrMapOvr>
-    <a:masterClrMapping/>
-  </p:clrMapOvr>
-</p:sld>
-</file>
-
-<file path=ppt/slides/slide14.xml><?xml version="1.0" encoding="utf-8"?>
-<p:sld xmlns:a="http://schemas.openxmlformats.org/drawingml/2006/main" xmlns:r="http://schemas.openxmlformats.org/officeDocument/2006/relationships" xmlns:p="http://schemas.openxmlformats.org/presentationml/2006/main">
-  <p:cSld>
-    <p:spTree>
-      <p:nvGrpSpPr>
-        <p:cNvPr id="1" name=""/>
-        <p:cNvGrpSpPr/>
-        <p:nvPr/>
-      </p:nvGrpSpPr>
-      <p:grpSpPr>
-        <a:xfrm>
-          <a:off x="0" y="0"/>
-          <a:ext cx="0" cy="0"/>
-          <a:chOff x="0" y="0"/>
-          <a:chExt cx="0" cy="0"/>
-        </a:xfrm>
-      </p:grpSpPr>
-      <p:pic>
-        <p:nvPicPr>
-          <p:cNvPr id="6" name="Inhaltsplatzhalter 5">
-            <a:extLst>
-              <a:ext uri="{FF2B5EF4-FFF2-40B4-BE49-F238E27FC236}">
-                <a16:creationId xmlns:a16="http://schemas.microsoft.com/office/drawing/2014/main" id="{E3D5D2A8-E60A-E8C6-4063-B142C4736622}"/>
-              </a:ext>
-            </a:extLst>
-          </p:cNvPr>
-          <p:cNvPicPr>
-            <a:picLocks noGrp="1" noChangeAspect="1"/>
-          </p:cNvPicPr>
-          <p:nvPr>
-            <p:ph idx="1"/>
-          </p:nvPr>
-        </p:nvPicPr>
-        <p:blipFill>
-          <a:blip r:embed="rId2"/>
-          <a:stretch>
-            <a:fillRect/>
-          </a:stretch>
-        </p:blipFill>
-        <p:spPr>
-          <a:xfrm>
-            <a:off x="2356115" y="1582738"/>
-            <a:ext cx="7479770" cy="4487862"/>
-          </a:xfrm>
-          <a:prstGeom prst="rect">
-            <a:avLst/>
-          </a:prstGeom>
-        </p:spPr>
-      </p:pic>
-      <p:sp>
-        <p:nvSpPr>
-          <p:cNvPr id="3" name="Datumsplatzhalter 2">
-            <a:extLst>
-              <a:ext uri="{FF2B5EF4-FFF2-40B4-BE49-F238E27FC236}">
-                <a16:creationId xmlns:a16="http://schemas.microsoft.com/office/drawing/2014/main" id="{38851C3C-FEB9-A112-EE38-D62C986FF9A9}"/>
-              </a:ext>
-            </a:extLst>
-          </p:cNvPr>
-          <p:cNvSpPr>
-            <a:spLocks noGrp="1"/>
-          </p:cNvSpPr>
-          <p:nvPr>
-            <p:ph type="dt" sz="half" idx="10"/>
-          </p:nvPr>
-        </p:nvSpPr>
-        <p:spPr/>
-        <p:txBody>
-          <a:bodyPr/>
-          <a:lstStyle/>
-          <a:p>
-            <a:fld id="{0A9BFA6A-9A63-4E2D-92C0-C77BFA750EDB}" type="datetime1">
-              <a:rPr lang="de-DE" noProof="0" smtClean="0"/>
-              <a:t>26.11.24</a:t>
-            </a:fld>
-            <a:endParaRPr lang="en-US" noProof="0"/>
-          </a:p>
-        </p:txBody>
-      </p:sp>
-      <p:sp>
-        <p:nvSpPr>
-          <p:cNvPr id="4" name="Foliennummernplatzhalter 3">
-            <a:extLst>
-              <a:ext uri="{FF2B5EF4-FFF2-40B4-BE49-F238E27FC236}">
-                <a16:creationId xmlns:a16="http://schemas.microsoft.com/office/drawing/2014/main" id="{90CA0897-B266-DD97-1AA6-5F96A3F388A3}"/>
-              </a:ext>
-            </a:extLst>
-          </p:cNvPr>
-          <p:cNvSpPr>
-            <a:spLocks noGrp="1"/>
-          </p:cNvSpPr>
-          <p:nvPr>
-            <p:ph type="sldNum" sz="quarter" idx="12"/>
-          </p:nvPr>
-        </p:nvSpPr>
-        <p:spPr/>
-        <p:txBody>
-          <a:bodyPr/>
-          <a:lstStyle/>
-          <a:p>
-            <a:fld id="{61696EC4-B4CF-4701-AD06-A8439D6D8E12}" type="slidenum">
-              <a:rPr lang="en-US" noProof="0" smtClean="0"/>
-              <a:t>14</a:t>
-            </a:fld>
-            <a:endParaRPr lang="en-US" noProof="0"/>
-          </a:p>
-        </p:txBody>
-      </p:sp>
-      <p:sp>
-        <p:nvSpPr>
-          <p:cNvPr id="5" name="Titel 4">
-            <a:extLst>
-              <a:ext uri="{FF2B5EF4-FFF2-40B4-BE49-F238E27FC236}">
-                <a16:creationId xmlns:a16="http://schemas.microsoft.com/office/drawing/2014/main" id="{43225961-E62B-585B-C08C-ADDE46F485E1}"/>
-              </a:ext>
-            </a:extLst>
-          </p:cNvPr>
-          <p:cNvSpPr>
-            <a:spLocks noGrp="1"/>
-          </p:cNvSpPr>
-          <p:nvPr>
-            <p:ph type="title"/>
-          </p:nvPr>
-        </p:nvSpPr>
-        <p:spPr/>
-        <p:txBody>
-          <a:bodyPr/>
-          <a:lstStyle/>
-          <a:p>
-            <a:r>
-              <a:rPr lang="de-DE" dirty="0"/>
-              <a:t>Der VPI</a:t>
-            </a:r>
-          </a:p>
-        </p:txBody>
-      </p:sp>
-    </p:spTree>
-    <p:extLst>
-      <p:ext uri="{BB962C8B-B14F-4D97-AF65-F5344CB8AC3E}">
-        <p14:creationId xmlns:p14="http://schemas.microsoft.com/office/powerpoint/2010/main" val="4046107452"/>
-      </p:ext>
-    </p:extLst>
-  </p:cSld>
-  <p:clrMapOvr>
-    <a:masterClrMapping/>
-  </p:clrMapOvr>
-</p:sld>
-</file>
-
-<file path=ppt/slides/slide15.xml><?xml version="1.0" encoding="utf-8"?>
-<p:sld xmlns:a="http://schemas.openxmlformats.org/drawingml/2006/main" xmlns:r="http://schemas.openxmlformats.org/officeDocument/2006/relationships" xmlns:p="http://schemas.openxmlformats.org/presentationml/2006/main">
-  <p:cSld>
-    <p:spTree>
-      <p:nvGrpSpPr>
-        <p:cNvPr id="1" name=""/>
-        <p:cNvGrpSpPr/>
-        <p:nvPr/>
-      </p:nvGrpSpPr>
-      <p:grpSpPr>
-        <a:xfrm>
-          <a:off x="0" y="0"/>
-          <a:ext cx="0" cy="0"/>
-          <a:chOff x="0" y="0"/>
-          <a:chExt cx="0" cy="0"/>
-        </a:xfrm>
-      </p:grpSpPr>
-      <p:sp>
-        <p:nvSpPr>
-          <p:cNvPr id="2" name="Content Placeholder 1">
-            <a:extLst>
-              <a:ext uri="{FF2B5EF4-FFF2-40B4-BE49-F238E27FC236}">
-                <a16:creationId xmlns:a16="http://schemas.microsoft.com/office/drawing/2014/main" id="{3A0AE68B-3CE8-AB6D-2678-CA9E9A79CA26}"/>
-              </a:ext>
-            </a:extLst>
-          </p:cNvPr>
-          <p:cNvSpPr>
-            <a:spLocks noGrp="1"/>
-          </p:cNvSpPr>
-          <p:nvPr>
-            <p:ph idx="1"/>
-          </p:nvPr>
-        </p:nvSpPr>
-        <p:spPr/>
-        <p:txBody>
-          <a:bodyPr/>
-          <a:lstStyle/>
-          <a:p>
-            <a:r>
-              <a:rPr lang="en-DE" b="0" dirty="0"/>
-              <a:t>Goal: Find relationships between observed and latent variables</a:t>
-            </a:r>
-          </a:p>
-          <a:p>
-            <a:endParaRPr lang="en-DE" dirty="0"/>
-          </a:p>
-          <a:p>
-            <a:r>
-              <a:rPr lang="en-GB" b="0" dirty="0"/>
-              <a:t>S</a:t>
-            </a:r>
-            <a:r>
-              <a:rPr lang="en-DE" b="0" dirty="0"/>
-              <a:t>imultaniously estimate latent variables and causal relationships between them</a:t>
-            </a:r>
-          </a:p>
-          <a:p>
-            <a:endParaRPr lang="en-DE" dirty="0"/>
-          </a:p>
-          <a:p>
-            <a:r>
-              <a:rPr lang="en-DE" dirty="0"/>
-              <a:t>Step 1: Define how latent variables depend on observed variables</a:t>
-            </a:r>
-          </a:p>
-          <a:p>
-            <a:r>
-              <a:rPr lang="en-DE" dirty="0"/>
-              <a:t>Step 2: Define causal relationships between latent variables</a:t>
-            </a:r>
-          </a:p>
-          <a:p>
-            <a:r>
-              <a:rPr lang="en-DE" dirty="0"/>
-              <a:t>Step 3: Define additional connection links between observed variables</a:t>
-            </a:r>
-          </a:p>
-          <a:p>
-            <a:endParaRPr lang="en-DE" dirty="0"/>
-          </a:p>
-          <a:p>
-            <a:r>
-              <a:rPr lang="en-DE" dirty="0"/>
-              <a:t>Limitations: </a:t>
-            </a:r>
-            <a:r>
-              <a:rPr lang="en-GB" dirty="0"/>
-              <a:t>i</a:t>
-            </a:r>
-            <a:r>
-              <a:rPr lang="en-DE" dirty="0"/>
-              <a:t>n general used for linear dependencies</a:t>
-            </a:r>
-          </a:p>
-        </p:txBody>
-      </p:sp>
-      <p:sp>
-        <p:nvSpPr>
-          <p:cNvPr id="3" name="Date Placeholder 2">
-            <a:extLst>
-              <a:ext uri="{FF2B5EF4-FFF2-40B4-BE49-F238E27FC236}">
-                <a16:creationId xmlns:a16="http://schemas.microsoft.com/office/drawing/2014/main" id="{B717F1E9-8FAE-DA15-5A98-FA4B456628E9}"/>
-              </a:ext>
-            </a:extLst>
-          </p:cNvPr>
-          <p:cNvSpPr>
-            <a:spLocks noGrp="1"/>
-          </p:cNvSpPr>
-          <p:nvPr>
-            <p:ph type="dt" sz="half" idx="10"/>
-          </p:nvPr>
-        </p:nvSpPr>
-        <p:spPr/>
-        <p:txBody>
-          <a:bodyPr/>
-          <a:lstStyle/>
-          <a:p>
-            <a:fld id="{162C1F81-0292-4658-B990-314031B5EEE0}" type="datetime4">
-              <a:rPr lang="en-US" noProof="0" smtClean="0"/>
-              <a:t>November 26, 2024</a:t>
-            </a:fld>
-            <a:endParaRPr lang="en-US" noProof="0" dirty="0"/>
-          </a:p>
-        </p:txBody>
-      </p:sp>
-      <p:sp>
-        <p:nvSpPr>
-          <p:cNvPr id="4" name="Slide Number Placeholder 3">
-            <a:extLst>
-              <a:ext uri="{FF2B5EF4-FFF2-40B4-BE49-F238E27FC236}">
-                <a16:creationId xmlns:a16="http://schemas.microsoft.com/office/drawing/2014/main" id="{24D3E383-51DD-F03D-5444-042943082A60}"/>
-              </a:ext>
-            </a:extLst>
-          </p:cNvPr>
-          <p:cNvSpPr>
-            <a:spLocks noGrp="1"/>
-          </p:cNvSpPr>
-          <p:nvPr>
-            <p:ph type="sldNum" sz="quarter" idx="12"/>
-          </p:nvPr>
-        </p:nvSpPr>
-        <p:spPr/>
-        <p:txBody>
-          <a:bodyPr/>
-          <a:lstStyle/>
-          <a:p>
-            <a:fld id="{61696EC4-B4CF-4701-AD06-A8439D6D8E12}" type="slidenum">
-              <a:rPr lang="en-US" noProof="0" smtClean="0"/>
-              <a:t>15</a:t>
-            </a:fld>
-            <a:endParaRPr lang="en-US" noProof="0" dirty="0"/>
-          </a:p>
-        </p:txBody>
-      </p:sp>
-      <p:sp>
-        <p:nvSpPr>
-          <p:cNvPr id="5" name="Title 4">
-            <a:extLst>
-              <a:ext uri="{FF2B5EF4-FFF2-40B4-BE49-F238E27FC236}">
-                <a16:creationId xmlns:a16="http://schemas.microsoft.com/office/drawing/2014/main" id="{2F07C33B-5D57-AC9B-2DB8-D4CE32C5EA35}"/>
-              </a:ext>
-            </a:extLst>
-          </p:cNvPr>
-          <p:cNvSpPr>
-            <a:spLocks noGrp="1"/>
-          </p:cNvSpPr>
-          <p:nvPr>
-            <p:ph type="title"/>
-          </p:nvPr>
-        </p:nvSpPr>
-        <p:spPr/>
-        <p:txBody>
-          <a:bodyPr/>
-          <a:lstStyle/>
-          <a:p>
-            <a:r>
-              <a:rPr lang="en-DE" dirty="0"/>
-              <a:t>Structural Equation Modelling - SEM</a:t>
-            </a:r>
-          </a:p>
-        </p:txBody>
-      </p:sp>
-    </p:spTree>
-    <p:extLst>
-      <p:ext uri="{BB962C8B-B14F-4D97-AF65-F5344CB8AC3E}">
-        <p14:creationId xmlns:p14="http://schemas.microsoft.com/office/powerpoint/2010/main" val="3094551934"/>
-      </p:ext>
-    </p:extLst>
-  </p:cSld>
-  <p:clrMapOvr>
-    <a:masterClrMapping/>
-  </p:clrMapOvr>
-</p:sld>
-</file>
-
-<file path=ppt/slides/slide16.xml><?xml version="1.0" encoding="utf-8"?>
-<p:sld xmlns:a="http://schemas.openxmlformats.org/drawingml/2006/main" xmlns:r="http://schemas.openxmlformats.org/officeDocument/2006/relationships" xmlns:p="http://schemas.openxmlformats.org/presentationml/2006/main">
-  <p:cSld>
-    <p:spTree>
-      <p:nvGrpSpPr>
-        <p:cNvPr id="1" name=""/>
-        <p:cNvGrpSpPr/>
-        <p:nvPr/>
-      </p:nvGrpSpPr>
-      <p:grpSpPr>
-        <a:xfrm>
-          <a:off x="0" y="0"/>
-          <a:ext cx="0" cy="0"/>
-          <a:chOff x="0" y="0"/>
-          <a:chExt cx="0" cy="0"/>
-        </a:xfrm>
-      </p:grpSpPr>
-      <p:sp>
-        <p:nvSpPr>
-          <p:cNvPr id="3" name="Date Placeholder 2">
-            <a:extLst>
-              <a:ext uri="{FF2B5EF4-FFF2-40B4-BE49-F238E27FC236}">
-                <a16:creationId xmlns:a16="http://schemas.microsoft.com/office/drawing/2014/main" id="{7D3FD53B-0005-1077-EB27-B125610A8753}"/>
-              </a:ext>
-            </a:extLst>
-          </p:cNvPr>
-          <p:cNvSpPr>
-            <a:spLocks noGrp="1"/>
-          </p:cNvSpPr>
-          <p:nvPr>
-            <p:ph type="dt" sz="half" idx="10"/>
-          </p:nvPr>
-        </p:nvSpPr>
-        <p:spPr/>
-        <p:txBody>
-          <a:bodyPr/>
-          <a:lstStyle/>
-          <a:p>
-            <a:fld id="{162C1F81-0292-4658-B990-314031B5EEE0}" type="datetime4">
-              <a:rPr lang="en-US" noProof="0" smtClean="0"/>
-              <a:t>November 26, 2024</a:t>
-            </a:fld>
-            <a:endParaRPr lang="en-US" noProof="0" dirty="0"/>
-          </a:p>
-        </p:txBody>
-      </p:sp>
-      <p:sp>
-        <p:nvSpPr>
-          <p:cNvPr id="4" name="Slide Number Placeholder 3">
-            <a:extLst>
-              <a:ext uri="{FF2B5EF4-FFF2-40B4-BE49-F238E27FC236}">
-                <a16:creationId xmlns:a16="http://schemas.microsoft.com/office/drawing/2014/main" id="{7E689195-355B-DB5F-3621-0776DDD8AF0A}"/>
-              </a:ext>
-            </a:extLst>
-          </p:cNvPr>
-          <p:cNvSpPr>
-            <a:spLocks noGrp="1"/>
-          </p:cNvSpPr>
-          <p:nvPr>
-            <p:ph type="sldNum" sz="quarter" idx="12"/>
-          </p:nvPr>
-        </p:nvSpPr>
-        <p:spPr/>
-        <p:txBody>
-          <a:bodyPr/>
-          <a:lstStyle/>
-          <a:p>
-            <a:fld id="{61696EC4-B4CF-4701-AD06-A8439D6D8E12}" type="slidenum">
-              <a:rPr lang="en-US" noProof="0" smtClean="0"/>
-              <a:t>16</a:t>
-            </a:fld>
-            <a:endParaRPr lang="en-US" noProof="0" dirty="0"/>
-          </a:p>
-        </p:txBody>
-      </p:sp>
-      <p:pic>
-        <p:nvPicPr>
-          <p:cNvPr id="6" name="Content Placeholder 7">
-            <a:extLst>
-              <a:ext uri="{FF2B5EF4-FFF2-40B4-BE49-F238E27FC236}">
-                <a16:creationId xmlns:a16="http://schemas.microsoft.com/office/drawing/2014/main" id="{A2ABC6FA-FC02-5409-FCE5-D71DD0661956}"/>
-              </a:ext>
-            </a:extLst>
-          </p:cNvPr>
-          <p:cNvPicPr>
-            <a:picLocks noChangeAspect="1"/>
-          </p:cNvPicPr>
-          <p:nvPr/>
-        </p:nvPicPr>
-        <p:blipFill>
-          <a:blip r:embed="rId2">
-            <a:extLst>
-              <a:ext uri="{28A0092B-C50C-407E-A947-70E740481C1C}">
-                <a14:useLocalDpi xmlns:a14="http://schemas.microsoft.com/office/drawing/2010/main" val="0"/>
-              </a:ext>
-            </a:extLst>
-          </a:blip>
-          <a:stretch>
-            <a:fillRect/>
-          </a:stretch>
-        </p:blipFill>
-        <p:spPr>
-          <a:xfrm>
-            <a:off x="1843105" y="1185069"/>
-            <a:ext cx="8505790" cy="4487862"/>
-          </a:xfrm>
-          <a:prstGeom prst="rect">
-            <a:avLst/>
-          </a:prstGeom>
-        </p:spPr>
-      </p:pic>
-    </p:spTree>
-    <p:extLst>
-      <p:ext uri="{BB962C8B-B14F-4D97-AF65-F5344CB8AC3E}">
-        <p14:creationId xmlns:p14="http://schemas.microsoft.com/office/powerpoint/2010/main" val="2029504176"/>
-      </p:ext>
-    </p:extLst>
-  </p:cSld>
-  <p:clrMapOvr>
-    <a:masterClrMapping/>
-  </p:clrMapOvr>
-</p:sld>
-</file>
-
-<file path=ppt/slides/slide17.xml><?xml version="1.0" encoding="utf-8"?>
-<p:sld xmlns:a="http://schemas.openxmlformats.org/drawingml/2006/main" xmlns:r="http://schemas.openxmlformats.org/officeDocument/2006/relationships" xmlns:p="http://schemas.openxmlformats.org/presentationml/2006/main">
-  <p:cSld>
-    <p:spTree>
-      <p:nvGrpSpPr>
-        <p:cNvPr id="1" name=""/>
-        <p:cNvGrpSpPr/>
-        <p:nvPr/>
-      </p:nvGrpSpPr>
-      <p:grpSpPr>
-        <a:xfrm>
-          <a:off x="0" y="0"/>
-          <a:ext cx="0" cy="0"/>
-          <a:chOff x="0" y="0"/>
-          <a:chExt cx="0" cy="0"/>
-        </a:xfrm>
-      </p:grpSpPr>
-      <p:sp>
-        <p:nvSpPr>
-          <p:cNvPr id="2" name="Content Placeholder 1">
-            <a:extLst>
-              <a:ext uri="{FF2B5EF4-FFF2-40B4-BE49-F238E27FC236}">
-                <a16:creationId xmlns:a16="http://schemas.microsoft.com/office/drawing/2014/main" id="{66A8D6F7-B030-E300-E923-0DC3A1D47748}"/>
-              </a:ext>
-            </a:extLst>
-          </p:cNvPr>
-          <p:cNvSpPr>
-            <a:spLocks noGrp="1"/>
-          </p:cNvSpPr>
-          <p:nvPr>
-            <p:ph sz="half" idx="2"/>
-          </p:nvPr>
-        </p:nvSpPr>
-        <p:spPr/>
-        <p:txBody>
-          <a:bodyPr>
-            <a:normAutofit lnSpcReduction="10000"/>
-          </a:bodyPr>
-          <a:lstStyle/>
-          <a:p>
-            <a:r>
-              <a:rPr lang="en-GB" dirty="0">
-                <a:solidFill>
-                  <a:schemeClr val="tx2"/>
-                </a:solidFill>
-              </a:rPr>
-              <a:t>H</a:t>
-            </a:r>
-            <a:r>
-              <a:rPr lang="en-DE" dirty="0">
-                <a:solidFill>
-                  <a:schemeClr val="tx2"/>
-                </a:solidFill>
-              </a:rPr>
-              <a:t>ow often are specific news channels used</a:t>
-            </a:r>
-          </a:p>
-          <a:p>
-            <a:r>
-              <a:rPr lang="en-DE" dirty="0">
-                <a:solidFill>
-                  <a:schemeClr val="tx2"/>
-                </a:solidFill>
-              </a:rPr>
-              <a:t>Which news channels are used mostly</a:t>
-            </a:r>
-          </a:p>
-          <a:p>
-            <a:r>
-              <a:rPr lang="en-DE" dirty="0">
-                <a:solidFill>
-                  <a:schemeClr val="accent1"/>
-                </a:solidFill>
-              </a:rPr>
-              <a:t>Trust in stock market</a:t>
-            </a:r>
-          </a:p>
-          <a:p>
-            <a:r>
-              <a:rPr lang="en-DE" dirty="0">
-                <a:solidFill>
-                  <a:schemeClr val="accent1"/>
-                </a:solidFill>
-              </a:rPr>
-              <a:t>Are people investing right now</a:t>
-            </a:r>
-          </a:p>
-          <a:p>
-            <a:r>
-              <a:rPr lang="en-DE" dirty="0">
-                <a:solidFill>
-                  <a:schemeClr val="accent1"/>
-                </a:solidFill>
-              </a:rPr>
-              <a:t>Do people think investing is a good idea right now</a:t>
-            </a:r>
-          </a:p>
-          <a:p>
-            <a:r>
-              <a:rPr lang="en-DE" dirty="0">
-                <a:solidFill>
-                  <a:schemeClr val="accent4"/>
-                </a:solidFill>
-              </a:rPr>
-              <a:t>Intrest rate, dax points, consumer price index, inflation rate</a:t>
-            </a:r>
-          </a:p>
-        </p:txBody>
-      </p:sp>
-      <p:sp>
-        <p:nvSpPr>
-          <p:cNvPr id="9" name="Text Placeholder 8">
-            <a:extLst>
-              <a:ext uri="{FF2B5EF4-FFF2-40B4-BE49-F238E27FC236}">
-                <a16:creationId xmlns:a16="http://schemas.microsoft.com/office/drawing/2014/main" id="{484C4523-AF28-D5E6-4122-0A4C042FEEF5}"/>
-              </a:ext>
-            </a:extLst>
-          </p:cNvPr>
-          <p:cNvSpPr>
-            <a:spLocks noGrp="1"/>
-          </p:cNvSpPr>
-          <p:nvPr>
-            <p:ph type="body" sz="quarter" idx="3"/>
-          </p:nvPr>
-        </p:nvSpPr>
-        <p:spPr/>
-        <p:txBody>
-          <a:bodyPr/>
-          <a:lstStyle/>
-          <a:p>
-            <a:r>
-              <a:rPr lang="en-DE" dirty="0"/>
-              <a:t>Latent variables</a:t>
-            </a:r>
-          </a:p>
-        </p:txBody>
-      </p:sp>
-      <p:sp>
-        <p:nvSpPr>
-          <p:cNvPr id="8" name="Content Placeholder 7">
-            <a:extLst>
-              <a:ext uri="{FF2B5EF4-FFF2-40B4-BE49-F238E27FC236}">
-                <a16:creationId xmlns:a16="http://schemas.microsoft.com/office/drawing/2014/main" id="{6F4E4302-9BFC-7786-CAFB-84EA0044A594}"/>
-              </a:ext>
-            </a:extLst>
-          </p:cNvPr>
-          <p:cNvSpPr>
-            <a:spLocks noGrp="1"/>
-          </p:cNvSpPr>
-          <p:nvPr>
-            <p:ph sz="quarter" idx="4"/>
-          </p:nvPr>
-        </p:nvSpPr>
-        <p:spPr/>
-        <p:txBody>
-          <a:bodyPr>
-            <a:normAutofit lnSpcReduction="10000"/>
-          </a:bodyPr>
-          <a:lstStyle/>
-          <a:p>
-            <a:r>
-              <a:rPr lang="en-DE" dirty="0">
-                <a:solidFill>
-                  <a:schemeClr val="tx2"/>
-                </a:solidFill>
-              </a:rPr>
-              <a:t>How informed individuals</a:t>
-            </a:r>
-          </a:p>
-          <a:p>
-            <a:endParaRPr lang="en-DE" dirty="0">
-              <a:solidFill>
-                <a:schemeClr val="tx2"/>
-              </a:solidFill>
-            </a:endParaRPr>
-          </a:p>
-          <a:p>
-            <a:endParaRPr lang="en-DE" dirty="0"/>
-          </a:p>
-          <a:p>
-            <a:endParaRPr lang="en-GB" dirty="0">
-              <a:solidFill>
-                <a:schemeClr val="accent1"/>
-              </a:solidFill>
-            </a:endParaRPr>
-          </a:p>
-          <a:p>
-            <a:r>
-              <a:rPr lang="en-GB" dirty="0">
-                <a:solidFill>
-                  <a:schemeClr val="accent1"/>
-                </a:solidFill>
-              </a:rPr>
-              <a:t>Opinion on t</a:t>
-            </a:r>
-            <a:r>
-              <a:rPr lang="en-DE" dirty="0">
-                <a:solidFill>
-                  <a:schemeClr val="accent1"/>
-                </a:solidFill>
-              </a:rPr>
-              <a:t>iming of investment</a:t>
-            </a:r>
-          </a:p>
-          <a:p>
-            <a:endParaRPr lang="en-DE" dirty="0"/>
-          </a:p>
-          <a:p>
-            <a:pPr marL="0" indent="0">
-              <a:buNone/>
-            </a:pPr>
-            <a:endParaRPr lang="en-DE" dirty="0"/>
-          </a:p>
-          <a:p>
-            <a:endParaRPr lang="en-DE" dirty="0"/>
-          </a:p>
-          <a:p>
-            <a:r>
-              <a:rPr lang="en-DE" dirty="0">
-                <a:solidFill>
-                  <a:schemeClr val="accent4"/>
-                </a:solidFill>
-              </a:rPr>
-              <a:t>Macroeconomic indizes</a:t>
-            </a:r>
-            <a:endParaRPr lang="en-DE" dirty="0"/>
-          </a:p>
-          <a:p>
-            <a:pPr lvl="1"/>
-            <a:endParaRPr lang="en-DE" dirty="0"/>
-          </a:p>
-          <a:p>
-            <a:endParaRPr lang="en-DE" dirty="0"/>
-          </a:p>
-        </p:txBody>
-      </p:sp>
-      <p:sp>
-        <p:nvSpPr>
-          <p:cNvPr id="3" name="Date Placeholder 2">
-            <a:extLst>
-              <a:ext uri="{FF2B5EF4-FFF2-40B4-BE49-F238E27FC236}">
-                <a16:creationId xmlns:a16="http://schemas.microsoft.com/office/drawing/2014/main" id="{BFBFF154-DEEB-CCE1-0E36-99431A09BB4B}"/>
-              </a:ext>
-            </a:extLst>
-          </p:cNvPr>
-          <p:cNvSpPr>
-            <a:spLocks noGrp="1"/>
-          </p:cNvSpPr>
-          <p:nvPr>
-            <p:ph type="dt" sz="half" idx="10"/>
-          </p:nvPr>
-        </p:nvSpPr>
-        <p:spPr/>
-        <p:txBody>
-          <a:bodyPr/>
-          <a:lstStyle/>
-          <a:p>
-            <a:fld id="{162C1F81-0292-4658-B990-314031B5EEE0}" type="datetime4">
-              <a:rPr lang="en-US" noProof="0" smtClean="0"/>
-              <a:t>November 26, 2024</a:t>
-            </a:fld>
-            <a:endParaRPr lang="en-US" noProof="0"/>
-          </a:p>
-        </p:txBody>
-      </p:sp>
-      <p:sp>
-        <p:nvSpPr>
-          <p:cNvPr id="4" name="Slide Number Placeholder 3">
-            <a:extLst>
-              <a:ext uri="{FF2B5EF4-FFF2-40B4-BE49-F238E27FC236}">
-                <a16:creationId xmlns:a16="http://schemas.microsoft.com/office/drawing/2014/main" id="{5102D819-A9F4-BD79-D154-E8A8FD065F95}"/>
-              </a:ext>
-            </a:extLst>
-          </p:cNvPr>
-          <p:cNvSpPr>
-            <a:spLocks noGrp="1"/>
-          </p:cNvSpPr>
-          <p:nvPr>
-            <p:ph type="sldNum" sz="quarter" idx="12"/>
-          </p:nvPr>
-        </p:nvSpPr>
-        <p:spPr/>
-        <p:txBody>
-          <a:bodyPr/>
-          <a:lstStyle/>
-          <a:p>
-            <a:fld id="{61696EC4-B4CF-4701-AD06-A8439D6D8E12}" type="slidenum">
-              <a:rPr lang="en-US" noProof="0" smtClean="0"/>
-              <a:t>17</a:t>
-            </a:fld>
-            <a:endParaRPr lang="en-US" noProof="0"/>
-          </a:p>
-        </p:txBody>
-      </p:sp>
-      <p:sp>
-        <p:nvSpPr>
-          <p:cNvPr id="5" name="Title 4">
-            <a:extLst>
-              <a:ext uri="{FF2B5EF4-FFF2-40B4-BE49-F238E27FC236}">
-                <a16:creationId xmlns:a16="http://schemas.microsoft.com/office/drawing/2014/main" id="{5CE1E777-ACBA-5FD3-60AC-B91DBEB9266D}"/>
-              </a:ext>
-            </a:extLst>
-          </p:cNvPr>
-          <p:cNvSpPr>
-            <a:spLocks noGrp="1"/>
-          </p:cNvSpPr>
-          <p:nvPr>
-            <p:ph type="title"/>
-          </p:nvPr>
-        </p:nvSpPr>
-        <p:spPr/>
-        <p:txBody>
-          <a:bodyPr>
-            <a:normAutofit fontScale="90000"/>
-          </a:bodyPr>
-          <a:lstStyle/>
-          <a:p>
-            <a:r>
-              <a:rPr lang="en-DE" dirty="0"/>
-              <a:t>SEM - Dependencies Observed and Latent Variables </a:t>
-            </a:r>
-          </a:p>
-        </p:txBody>
-      </p:sp>
-      <p:sp>
-        <p:nvSpPr>
-          <p:cNvPr id="11" name="Text Placeholder 10">
-            <a:extLst>
-              <a:ext uri="{FF2B5EF4-FFF2-40B4-BE49-F238E27FC236}">
-                <a16:creationId xmlns:a16="http://schemas.microsoft.com/office/drawing/2014/main" id="{63FD7588-588C-DB31-22E8-3074EF7B1547}"/>
-              </a:ext>
-            </a:extLst>
-          </p:cNvPr>
-          <p:cNvSpPr>
-            <a:spLocks noGrp="1"/>
-          </p:cNvSpPr>
-          <p:nvPr>
-            <p:ph type="body" idx="1"/>
-          </p:nvPr>
-        </p:nvSpPr>
-        <p:spPr/>
-        <p:txBody>
-          <a:bodyPr/>
-          <a:lstStyle/>
-          <a:p>
-            <a:r>
-              <a:rPr lang="en-DE" dirty="0"/>
-              <a:t>Observed variables:</a:t>
-            </a:r>
-          </a:p>
-        </p:txBody>
-      </p:sp>
-    </p:spTree>
-    <p:extLst>
-      <p:ext uri="{BB962C8B-B14F-4D97-AF65-F5344CB8AC3E}">
-        <p14:creationId xmlns:p14="http://schemas.microsoft.com/office/powerpoint/2010/main" val="3454481394"/>
-      </p:ext>
-    </p:extLst>
-  </p:cSld>
-  <p:clrMapOvr>
-    <a:masterClrMapping/>
-  </p:clrMapOvr>
-</p:sld>
-</file>
-
-<file path=ppt/slides/slide18.xml><?xml version="1.0" encoding="utf-8"?>
-<p:sld xmlns:a="http://schemas.openxmlformats.org/drawingml/2006/main" xmlns:r="http://schemas.openxmlformats.org/officeDocument/2006/relationships" xmlns:p="http://schemas.openxmlformats.org/presentationml/2006/main">
-  <p:cSld>
-    <p:spTree>
-      <p:nvGrpSpPr>
-        <p:cNvPr id="1" name=""/>
-        <p:cNvGrpSpPr/>
-        <p:nvPr/>
-      </p:nvGrpSpPr>
-      <p:grpSpPr>
-        <a:xfrm>
-          <a:off x="0" y="0"/>
-          <a:ext cx="0" cy="0"/>
-          <a:chOff x="0" y="0"/>
-          <a:chExt cx="0" cy="0"/>
-        </a:xfrm>
-      </p:grpSpPr>
-      <p:sp>
-        <p:nvSpPr>
-          <p:cNvPr id="3" name="Date Placeholder 2">
-            <a:extLst>
-              <a:ext uri="{FF2B5EF4-FFF2-40B4-BE49-F238E27FC236}">
-                <a16:creationId xmlns:a16="http://schemas.microsoft.com/office/drawing/2014/main" id="{F00729DC-384A-3998-6A57-0956F5B1ECC7}"/>
-              </a:ext>
-            </a:extLst>
-          </p:cNvPr>
-          <p:cNvSpPr>
-            <a:spLocks noGrp="1"/>
-          </p:cNvSpPr>
-          <p:nvPr>
-            <p:ph type="dt" sz="half" idx="10"/>
-          </p:nvPr>
-        </p:nvSpPr>
-        <p:spPr/>
-        <p:txBody>
-          <a:bodyPr/>
-          <a:lstStyle/>
-          <a:p>
-            <a:fld id="{162C1F81-0292-4658-B990-314031B5EEE0}" type="datetime4">
-              <a:rPr lang="en-US" noProof="0" smtClean="0"/>
-              <a:t>November 26, 2024</a:t>
-            </a:fld>
-            <a:endParaRPr lang="en-US" noProof="0" dirty="0"/>
-          </a:p>
-        </p:txBody>
-      </p:sp>
-      <p:sp>
-        <p:nvSpPr>
-          <p:cNvPr id="4" name="Slide Number Placeholder 3">
-            <a:extLst>
-              <a:ext uri="{FF2B5EF4-FFF2-40B4-BE49-F238E27FC236}">
-                <a16:creationId xmlns:a16="http://schemas.microsoft.com/office/drawing/2014/main" id="{DB7FAB24-E26F-42CA-A1B4-988C4260F080}"/>
-              </a:ext>
-            </a:extLst>
-          </p:cNvPr>
-          <p:cNvSpPr>
-            <a:spLocks noGrp="1"/>
-          </p:cNvSpPr>
-          <p:nvPr>
-            <p:ph type="sldNum" sz="quarter" idx="12"/>
-          </p:nvPr>
-        </p:nvSpPr>
-        <p:spPr/>
-        <p:txBody>
-          <a:bodyPr/>
-          <a:lstStyle/>
-          <a:p>
-            <a:fld id="{61696EC4-B4CF-4701-AD06-A8439D6D8E12}" type="slidenum">
-              <a:rPr lang="en-US" noProof="0" smtClean="0"/>
-              <a:t>18</a:t>
-            </a:fld>
-            <a:endParaRPr lang="en-US" noProof="0" dirty="0"/>
-          </a:p>
-        </p:txBody>
-      </p:sp>
-      <p:sp>
-        <p:nvSpPr>
-          <p:cNvPr id="5" name="Title 4">
-            <a:extLst>
-              <a:ext uri="{FF2B5EF4-FFF2-40B4-BE49-F238E27FC236}">
-                <a16:creationId xmlns:a16="http://schemas.microsoft.com/office/drawing/2014/main" id="{7A4642D6-635C-90A5-F2C2-52A010A5DBFC}"/>
-              </a:ext>
-            </a:extLst>
-          </p:cNvPr>
-          <p:cNvSpPr>
-            <a:spLocks noGrp="1"/>
-          </p:cNvSpPr>
-          <p:nvPr>
-            <p:ph type="title"/>
-          </p:nvPr>
-        </p:nvSpPr>
-        <p:spPr/>
-        <p:txBody>
-          <a:bodyPr/>
-          <a:lstStyle/>
-          <a:p>
-            <a:r>
-              <a:rPr lang="en-DE" dirty="0"/>
-              <a:t>SEM – Dependency Assumption</a:t>
-            </a:r>
-          </a:p>
-        </p:txBody>
-      </p:sp>
-      <p:sp>
-        <p:nvSpPr>
-          <p:cNvPr id="6" name="Oval 5">
-            <a:extLst>
-              <a:ext uri="{FF2B5EF4-FFF2-40B4-BE49-F238E27FC236}">
-                <a16:creationId xmlns:a16="http://schemas.microsoft.com/office/drawing/2014/main" id="{7401F212-3385-47A5-E918-DFF2502EA8BF}"/>
-              </a:ext>
-            </a:extLst>
-          </p:cNvPr>
-          <p:cNvSpPr>
-            <a:spLocks/>
-          </p:cNvSpPr>
-          <p:nvPr/>
-        </p:nvSpPr>
-        <p:spPr>
-          <a:xfrm>
-            <a:off x="3269617" y="2957922"/>
-            <a:ext cx="1800000" cy="1800000"/>
-          </a:xfrm>
-          <a:prstGeom prst="ellipse">
-            <a:avLst/>
-          </a:prstGeom>
-          <a:noFill/>
-          <a:ln w="57150">
-            <a:solidFill>
-              <a:schemeClr val="tx2"/>
-            </a:solidFill>
-          </a:ln>
-        </p:spPr>
-        <p:style>
-          <a:lnRef idx="2">
-            <a:schemeClr val="accent1">
-              <a:shade val="15000"/>
-            </a:schemeClr>
-          </a:lnRef>
-          <a:fillRef idx="1">
-            <a:schemeClr val="accent1"/>
-          </a:fillRef>
-          <a:effectRef idx="0">
-            <a:schemeClr val="accent1"/>
-          </a:effectRef>
-          <a:fontRef idx="minor">
-            <a:schemeClr val="lt1"/>
-          </a:fontRef>
-        </p:style>
-        <p:txBody>
-          <a:bodyPr rtlCol="0" anchor="ctr"/>
-          <a:lstStyle/>
-          <a:p>
-            <a:pPr algn="ctr"/>
-            <a:endParaRPr lang="en-DE"/>
-          </a:p>
-        </p:txBody>
-      </p:sp>
-      <p:sp>
-        <p:nvSpPr>
-          <p:cNvPr id="8" name="Oval 7">
-            <a:extLst>
-              <a:ext uri="{FF2B5EF4-FFF2-40B4-BE49-F238E27FC236}">
-                <a16:creationId xmlns:a16="http://schemas.microsoft.com/office/drawing/2014/main" id="{B05B964C-48BC-3B78-CF2A-CB1BD23B5003}"/>
-              </a:ext>
-            </a:extLst>
-          </p:cNvPr>
-          <p:cNvSpPr>
-            <a:spLocks/>
-          </p:cNvSpPr>
-          <p:nvPr/>
-        </p:nvSpPr>
-        <p:spPr>
-          <a:xfrm>
-            <a:off x="5999907" y="1448431"/>
-            <a:ext cx="1800000" cy="1800000"/>
-          </a:xfrm>
-          <a:prstGeom prst="ellipse">
-            <a:avLst/>
-          </a:prstGeom>
-          <a:noFill/>
-          <a:ln w="57150">
-            <a:solidFill>
-              <a:schemeClr val="tx2"/>
-            </a:solidFill>
-          </a:ln>
-        </p:spPr>
-        <p:style>
-          <a:lnRef idx="2">
-            <a:schemeClr val="accent1">
-              <a:shade val="15000"/>
-            </a:schemeClr>
-          </a:lnRef>
-          <a:fillRef idx="1">
-            <a:schemeClr val="accent1"/>
-          </a:fillRef>
-          <a:effectRef idx="0">
-            <a:schemeClr val="accent1"/>
-          </a:effectRef>
-          <a:fontRef idx="minor">
-            <a:schemeClr val="lt1"/>
-          </a:fontRef>
-        </p:style>
-        <p:txBody>
-          <a:bodyPr rtlCol="0" anchor="ctr"/>
-          <a:lstStyle/>
-          <a:p>
-            <a:pPr algn="ctr"/>
-            <a:endParaRPr lang="en-DE"/>
-          </a:p>
-        </p:txBody>
-      </p:sp>
-      <p:sp>
-        <p:nvSpPr>
-          <p:cNvPr id="9" name="Oval 8">
-            <a:extLst>
-              <a:ext uri="{FF2B5EF4-FFF2-40B4-BE49-F238E27FC236}">
-                <a16:creationId xmlns:a16="http://schemas.microsoft.com/office/drawing/2014/main" id="{E3774339-A6D0-3F20-14A0-9B167308E33E}"/>
-              </a:ext>
-            </a:extLst>
-          </p:cNvPr>
-          <p:cNvSpPr>
-            <a:spLocks/>
-          </p:cNvSpPr>
-          <p:nvPr/>
-        </p:nvSpPr>
-        <p:spPr>
-          <a:xfrm>
-            <a:off x="5999907" y="4394730"/>
-            <a:ext cx="1800000" cy="1800000"/>
-          </a:xfrm>
-          <a:prstGeom prst="ellipse">
-            <a:avLst/>
-          </a:prstGeom>
-          <a:noFill/>
-          <a:ln w="57150">
-            <a:solidFill>
-              <a:schemeClr val="tx2"/>
-            </a:solidFill>
-          </a:ln>
-        </p:spPr>
-        <p:style>
-          <a:lnRef idx="2">
-            <a:schemeClr val="accent1">
-              <a:shade val="15000"/>
-            </a:schemeClr>
-          </a:lnRef>
-          <a:fillRef idx="1">
-            <a:schemeClr val="accent1"/>
-          </a:fillRef>
-          <a:effectRef idx="0">
-            <a:schemeClr val="accent1"/>
-          </a:effectRef>
-          <a:fontRef idx="minor">
-            <a:schemeClr val="lt1"/>
-          </a:fontRef>
-        </p:style>
-        <p:txBody>
-          <a:bodyPr rtlCol="0" anchor="ctr"/>
-          <a:lstStyle/>
-          <a:p>
-            <a:pPr algn="ctr"/>
-            <a:endParaRPr lang="en-DE"/>
-          </a:p>
-        </p:txBody>
-      </p:sp>
-      <p:sp>
-        <p:nvSpPr>
-          <p:cNvPr id="10" name="TextBox 9">
-            <a:extLst>
-              <a:ext uri="{FF2B5EF4-FFF2-40B4-BE49-F238E27FC236}">
-                <a16:creationId xmlns:a16="http://schemas.microsoft.com/office/drawing/2014/main" id="{90C83C91-FC91-D40E-8E2E-64BF47C5C6C3}"/>
-              </a:ext>
-            </a:extLst>
-          </p:cNvPr>
-          <p:cNvSpPr txBox="1"/>
-          <p:nvPr/>
-        </p:nvSpPr>
-        <p:spPr>
-          <a:xfrm>
-            <a:off x="3202443" y="3583501"/>
-            <a:ext cx="1934347" cy="584775"/>
-          </a:xfrm>
-          <a:prstGeom prst="rect">
-            <a:avLst/>
-          </a:prstGeom>
-          <a:noFill/>
-        </p:spPr>
-        <p:txBody>
-          <a:bodyPr wrap="square" rtlCol="0">
-            <a:spAutoFit/>
-          </a:bodyPr>
-          <a:lstStyle/>
-          <a:p>
-            <a:pPr algn="ctr"/>
-            <a:r>
-              <a:rPr lang="en-DE" sz="1600" dirty="0"/>
-              <a:t>Opinion on Timing of Investment</a:t>
-            </a:r>
-          </a:p>
-        </p:txBody>
-      </p:sp>
-      <p:sp>
-        <p:nvSpPr>
-          <p:cNvPr id="11" name="TextBox 10">
-            <a:extLst>
-              <a:ext uri="{FF2B5EF4-FFF2-40B4-BE49-F238E27FC236}">
-                <a16:creationId xmlns:a16="http://schemas.microsoft.com/office/drawing/2014/main" id="{EFAAF26F-D6D7-9DEA-3A25-EDA6165E796F}"/>
-              </a:ext>
-            </a:extLst>
-          </p:cNvPr>
-          <p:cNvSpPr txBox="1"/>
-          <p:nvPr/>
-        </p:nvSpPr>
-        <p:spPr>
-          <a:xfrm>
-            <a:off x="6146652" y="2056043"/>
-            <a:ext cx="1506510" cy="584775"/>
-          </a:xfrm>
-          <a:prstGeom prst="rect">
-            <a:avLst/>
-          </a:prstGeom>
-          <a:noFill/>
-        </p:spPr>
-        <p:txBody>
-          <a:bodyPr wrap="square" rtlCol="0">
-            <a:spAutoFit/>
-          </a:bodyPr>
-          <a:lstStyle/>
-          <a:p>
-            <a:pPr algn="ctr"/>
-            <a:r>
-              <a:rPr lang="en-DE" sz="1600" dirty="0"/>
-              <a:t>How Informed are Individuals</a:t>
-            </a:r>
-          </a:p>
-        </p:txBody>
-      </p:sp>
-      <p:sp>
-        <p:nvSpPr>
-          <p:cNvPr id="12" name="TextBox 11">
-            <a:extLst>
-              <a:ext uri="{FF2B5EF4-FFF2-40B4-BE49-F238E27FC236}">
-                <a16:creationId xmlns:a16="http://schemas.microsoft.com/office/drawing/2014/main" id="{7E8D8407-350A-F26B-3F70-4D4EA77EFCF5}"/>
-              </a:ext>
-            </a:extLst>
-          </p:cNvPr>
-          <p:cNvSpPr txBox="1"/>
-          <p:nvPr/>
-        </p:nvSpPr>
-        <p:spPr>
-          <a:xfrm>
-            <a:off x="6048024" y="5002342"/>
-            <a:ext cx="1703766" cy="584775"/>
-          </a:xfrm>
-          <a:prstGeom prst="rect">
-            <a:avLst/>
-          </a:prstGeom>
-          <a:noFill/>
-        </p:spPr>
-        <p:txBody>
-          <a:bodyPr wrap="square" rtlCol="0">
-            <a:spAutoFit/>
-          </a:bodyPr>
-          <a:lstStyle/>
-          <a:p>
-            <a:pPr algn="ctr"/>
-            <a:r>
-              <a:rPr lang="en-DE" sz="1600" dirty="0"/>
-              <a:t>Macroeconomic Indices</a:t>
-            </a:r>
-          </a:p>
-        </p:txBody>
-      </p:sp>
-      <p:cxnSp>
-        <p:nvCxnSpPr>
-          <p:cNvPr id="14" name="Straight Arrow Connector 13">
-            <a:extLst>
-              <a:ext uri="{FF2B5EF4-FFF2-40B4-BE49-F238E27FC236}">
-                <a16:creationId xmlns:a16="http://schemas.microsoft.com/office/drawing/2014/main" id="{2C60AC6B-BEB9-9E75-BDAF-DF180AADB774}"/>
-              </a:ext>
-            </a:extLst>
-          </p:cNvPr>
-          <p:cNvCxnSpPr>
-            <a:cxnSpLocks/>
-            <a:stCxn id="8" idx="2"/>
-            <a:endCxn id="6" idx="7"/>
-          </p:cNvCxnSpPr>
-          <p:nvPr/>
-        </p:nvCxnSpPr>
-        <p:spPr>
-          <a:xfrm flipH="1">
-            <a:off x="4806013" y="2348431"/>
-            <a:ext cx="1193894" cy="873095"/>
-          </a:xfrm>
-          <a:prstGeom prst="straightConnector1">
-            <a:avLst/>
-          </a:prstGeom>
-          <a:ln w="57150">
-            <a:solidFill>
-              <a:schemeClr val="tx2"/>
-            </a:solidFill>
-            <a:tailEnd type="triangle"/>
-          </a:ln>
-        </p:spPr>
-        <p:style>
-          <a:lnRef idx="1">
-            <a:schemeClr val="accent1"/>
-          </a:lnRef>
-          <a:fillRef idx="0">
-            <a:schemeClr val="accent1"/>
-          </a:fillRef>
-          <a:effectRef idx="0">
-            <a:schemeClr val="accent1"/>
-          </a:effectRef>
-          <a:fontRef idx="minor">
-            <a:schemeClr val="tx1"/>
-          </a:fontRef>
-        </p:style>
-      </p:cxnSp>
-      <p:cxnSp>
-        <p:nvCxnSpPr>
-          <p:cNvPr id="17" name="Straight Arrow Connector 16">
-            <a:extLst>
-              <a:ext uri="{FF2B5EF4-FFF2-40B4-BE49-F238E27FC236}">
-                <a16:creationId xmlns:a16="http://schemas.microsoft.com/office/drawing/2014/main" id="{71DC6EC6-80D6-A965-979E-67195652EB37}"/>
-              </a:ext>
-            </a:extLst>
-          </p:cNvPr>
-          <p:cNvCxnSpPr>
-            <a:stCxn id="9" idx="2"/>
-            <a:endCxn id="6" idx="5"/>
-          </p:cNvCxnSpPr>
-          <p:nvPr/>
-        </p:nvCxnSpPr>
-        <p:spPr>
-          <a:xfrm flipH="1" flipV="1">
-            <a:off x="4806013" y="4494318"/>
-            <a:ext cx="1193894" cy="800412"/>
-          </a:xfrm>
-          <a:prstGeom prst="straightConnector1">
-            <a:avLst/>
-          </a:prstGeom>
-          <a:ln w="57150">
-            <a:solidFill>
-              <a:schemeClr val="tx2"/>
-            </a:solidFill>
-            <a:tailEnd type="triangle"/>
-          </a:ln>
-        </p:spPr>
-        <p:style>
-          <a:lnRef idx="1">
-            <a:schemeClr val="accent1"/>
-          </a:lnRef>
-          <a:fillRef idx="0">
-            <a:schemeClr val="accent1"/>
-          </a:fillRef>
-          <a:effectRef idx="0">
-            <a:schemeClr val="accent1"/>
-          </a:effectRef>
-          <a:fontRef idx="minor">
-            <a:schemeClr val="tx1"/>
-          </a:fontRef>
-        </p:style>
-      </p:cxnSp>
-      <p:sp>
-        <p:nvSpPr>
-          <p:cNvPr id="18" name="Rectangle 17">
-            <a:extLst>
-              <a:ext uri="{FF2B5EF4-FFF2-40B4-BE49-F238E27FC236}">
-                <a16:creationId xmlns:a16="http://schemas.microsoft.com/office/drawing/2014/main" id="{30B2987C-774F-D8AF-D823-DD9803AEC250}"/>
-              </a:ext>
-            </a:extLst>
-          </p:cNvPr>
-          <p:cNvSpPr/>
-          <p:nvPr/>
-        </p:nvSpPr>
-        <p:spPr>
-          <a:xfrm>
-            <a:off x="723157" y="2705122"/>
-            <a:ext cx="1662545" cy="666545"/>
-          </a:xfrm>
-          <a:prstGeom prst="rect">
-            <a:avLst/>
-          </a:prstGeom>
-          <a:noFill/>
-          <a:ln w="57150">
-            <a:solidFill>
-              <a:schemeClr val="accent1"/>
-            </a:solidFill>
-          </a:ln>
-        </p:spPr>
-        <p:style>
-          <a:lnRef idx="2">
-            <a:schemeClr val="accent1">
-              <a:shade val="15000"/>
-            </a:schemeClr>
-          </a:lnRef>
-          <a:fillRef idx="1">
-            <a:schemeClr val="accent1"/>
-          </a:fillRef>
-          <a:effectRef idx="0">
-            <a:schemeClr val="accent1"/>
-          </a:effectRef>
-          <a:fontRef idx="minor">
-            <a:schemeClr val="lt1"/>
-          </a:fontRef>
-        </p:style>
-        <p:txBody>
-          <a:bodyPr rtlCol="0" anchor="ctr"/>
-          <a:lstStyle/>
-          <a:p>
-            <a:pPr algn="ctr"/>
-            <a:endParaRPr lang="en-DE"/>
-          </a:p>
-        </p:txBody>
-      </p:sp>
-      <p:sp>
-        <p:nvSpPr>
-          <p:cNvPr id="19" name="TextBox 18">
-            <a:extLst>
-              <a:ext uri="{FF2B5EF4-FFF2-40B4-BE49-F238E27FC236}">
-                <a16:creationId xmlns:a16="http://schemas.microsoft.com/office/drawing/2014/main" id="{922B395A-B2CA-A45B-2F1D-5E90D34F48D2}"/>
-              </a:ext>
-            </a:extLst>
-          </p:cNvPr>
-          <p:cNvSpPr txBox="1"/>
-          <p:nvPr/>
-        </p:nvSpPr>
-        <p:spPr>
-          <a:xfrm>
-            <a:off x="860427" y="2771366"/>
-            <a:ext cx="1388003" cy="584775"/>
-          </a:xfrm>
-          <a:prstGeom prst="rect">
-            <a:avLst/>
-          </a:prstGeom>
-          <a:noFill/>
-        </p:spPr>
-        <p:txBody>
-          <a:bodyPr wrap="square" rtlCol="0">
-            <a:spAutoFit/>
-          </a:bodyPr>
-          <a:lstStyle/>
-          <a:p>
-            <a:pPr algn="ctr"/>
-            <a:r>
-              <a:rPr lang="en-DE" sz="1600" dirty="0"/>
-              <a:t>Trust in Stock Market</a:t>
-            </a:r>
-          </a:p>
-        </p:txBody>
-      </p:sp>
-      <p:sp>
-        <p:nvSpPr>
-          <p:cNvPr id="20" name="Rectangle 19">
-            <a:extLst>
-              <a:ext uri="{FF2B5EF4-FFF2-40B4-BE49-F238E27FC236}">
-                <a16:creationId xmlns:a16="http://schemas.microsoft.com/office/drawing/2014/main" id="{A384132E-8C75-5897-431F-97F382C53C71}"/>
-              </a:ext>
-            </a:extLst>
-          </p:cNvPr>
-          <p:cNvSpPr/>
-          <p:nvPr/>
-        </p:nvSpPr>
-        <p:spPr>
-          <a:xfrm>
-            <a:off x="723157" y="3522771"/>
-            <a:ext cx="1662545" cy="666545"/>
-          </a:xfrm>
-          <a:prstGeom prst="rect">
-            <a:avLst/>
-          </a:prstGeom>
-          <a:noFill/>
-          <a:ln w="57150">
-            <a:solidFill>
-              <a:schemeClr val="accent1"/>
-            </a:solidFill>
-          </a:ln>
-        </p:spPr>
-        <p:style>
-          <a:lnRef idx="2">
-            <a:schemeClr val="accent1">
-              <a:shade val="15000"/>
-            </a:schemeClr>
-          </a:lnRef>
-          <a:fillRef idx="1">
-            <a:schemeClr val="accent1"/>
-          </a:fillRef>
-          <a:effectRef idx="0">
-            <a:schemeClr val="accent1"/>
-          </a:effectRef>
-          <a:fontRef idx="minor">
-            <a:schemeClr val="lt1"/>
-          </a:fontRef>
-        </p:style>
-        <p:txBody>
-          <a:bodyPr rtlCol="0" anchor="ctr"/>
-          <a:lstStyle/>
-          <a:p>
-            <a:pPr algn="ctr"/>
-            <a:endParaRPr lang="en-DE"/>
-          </a:p>
-        </p:txBody>
-      </p:sp>
-      <p:sp>
-        <p:nvSpPr>
-          <p:cNvPr id="21" name="TextBox 20">
-            <a:extLst>
-              <a:ext uri="{FF2B5EF4-FFF2-40B4-BE49-F238E27FC236}">
-                <a16:creationId xmlns:a16="http://schemas.microsoft.com/office/drawing/2014/main" id="{C3733BD5-EF8C-F2D1-589C-A65938828E97}"/>
-              </a:ext>
-            </a:extLst>
-          </p:cNvPr>
-          <p:cNvSpPr txBox="1"/>
-          <p:nvPr/>
-        </p:nvSpPr>
-        <p:spPr>
-          <a:xfrm>
-            <a:off x="860427" y="3589015"/>
-            <a:ext cx="1388003" cy="584775"/>
-          </a:xfrm>
-          <a:prstGeom prst="rect">
-            <a:avLst/>
-          </a:prstGeom>
-          <a:noFill/>
-        </p:spPr>
-        <p:txBody>
-          <a:bodyPr wrap="square" rtlCol="0">
-            <a:spAutoFit/>
-          </a:bodyPr>
-          <a:lstStyle/>
-          <a:p>
-            <a:pPr algn="ctr"/>
-            <a:r>
-              <a:rPr lang="en-DE" sz="1600" dirty="0"/>
-              <a:t>Currently Investing</a:t>
-            </a:r>
-          </a:p>
-        </p:txBody>
-      </p:sp>
-      <p:sp>
-        <p:nvSpPr>
-          <p:cNvPr id="22" name="Rectangle 21">
-            <a:extLst>
-              <a:ext uri="{FF2B5EF4-FFF2-40B4-BE49-F238E27FC236}">
-                <a16:creationId xmlns:a16="http://schemas.microsoft.com/office/drawing/2014/main" id="{2D1C7602-CB43-BD52-7544-E21DF771FDAA}"/>
-              </a:ext>
-            </a:extLst>
-          </p:cNvPr>
-          <p:cNvSpPr/>
-          <p:nvPr/>
-        </p:nvSpPr>
-        <p:spPr>
-          <a:xfrm>
-            <a:off x="723157" y="4335797"/>
-            <a:ext cx="1662545" cy="666545"/>
-          </a:xfrm>
-          <a:prstGeom prst="rect">
-            <a:avLst/>
-          </a:prstGeom>
-          <a:noFill/>
-          <a:ln w="57150">
-            <a:solidFill>
-              <a:schemeClr val="accent1"/>
-            </a:solidFill>
-          </a:ln>
-        </p:spPr>
-        <p:style>
-          <a:lnRef idx="2">
-            <a:schemeClr val="accent1">
-              <a:shade val="15000"/>
-            </a:schemeClr>
-          </a:lnRef>
-          <a:fillRef idx="1">
-            <a:schemeClr val="accent1"/>
-          </a:fillRef>
-          <a:effectRef idx="0">
-            <a:schemeClr val="accent1"/>
-          </a:effectRef>
-          <a:fontRef idx="minor">
-            <a:schemeClr val="lt1"/>
-          </a:fontRef>
-        </p:style>
-        <p:txBody>
-          <a:bodyPr rtlCol="0" anchor="ctr"/>
-          <a:lstStyle/>
-          <a:p>
-            <a:pPr algn="ctr"/>
-            <a:endParaRPr lang="en-DE"/>
-          </a:p>
-        </p:txBody>
-      </p:sp>
-      <p:sp>
-        <p:nvSpPr>
-          <p:cNvPr id="23" name="TextBox 22">
-            <a:extLst>
-              <a:ext uri="{FF2B5EF4-FFF2-40B4-BE49-F238E27FC236}">
-                <a16:creationId xmlns:a16="http://schemas.microsoft.com/office/drawing/2014/main" id="{CE56108E-35DD-7155-CB97-153C0BF28903}"/>
-              </a:ext>
-            </a:extLst>
-          </p:cNvPr>
-          <p:cNvSpPr txBox="1"/>
-          <p:nvPr/>
-        </p:nvSpPr>
-        <p:spPr>
-          <a:xfrm>
-            <a:off x="723157" y="4402041"/>
-            <a:ext cx="1662545" cy="584775"/>
-          </a:xfrm>
-          <a:prstGeom prst="rect">
-            <a:avLst/>
-          </a:prstGeom>
-          <a:noFill/>
-        </p:spPr>
-        <p:txBody>
-          <a:bodyPr wrap="square" rtlCol="0">
-            <a:spAutoFit/>
-          </a:bodyPr>
-          <a:lstStyle/>
-          <a:p>
-            <a:pPr algn="ctr"/>
-            <a:r>
-              <a:rPr lang="en-DE" sz="1600" dirty="0"/>
-              <a:t>Current Opinion of Investing</a:t>
-            </a:r>
-          </a:p>
-        </p:txBody>
-      </p:sp>
-      <p:sp>
-        <p:nvSpPr>
-          <p:cNvPr id="24" name="Rectangle 23">
-            <a:extLst>
-              <a:ext uri="{FF2B5EF4-FFF2-40B4-BE49-F238E27FC236}">
-                <a16:creationId xmlns:a16="http://schemas.microsoft.com/office/drawing/2014/main" id="{7C14B0F8-0CFD-0541-56CE-06DBEF98A813}"/>
-              </a:ext>
-            </a:extLst>
-          </p:cNvPr>
-          <p:cNvSpPr/>
-          <p:nvPr/>
-        </p:nvSpPr>
-        <p:spPr>
-          <a:xfrm>
-            <a:off x="8730197" y="1245621"/>
-            <a:ext cx="1662545" cy="666545"/>
-          </a:xfrm>
-          <a:prstGeom prst="rect">
-            <a:avLst/>
-          </a:prstGeom>
-          <a:noFill/>
-          <a:ln w="57150">
-            <a:solidFill>
-              <a:schemeClr val="accent1"/>
-            </a:solidFill>
-          </a:ln>
-        </p:spPr>
-        <p:style>
-          <a:lnRef idx="2">
-            <a:schemeClr val="accent1">
-              <a:shade val="15000"/>
-            </a:schemeClr>
-          </a:lnRef>
-          <a:fillRef idx="1">
-            <a:schemeClr val="accent1"/>
-          </a:fillRef>
-          <a:effectRef idx="0">
-            <a:schemeClr val="accent1"/>
-          </a:effectRef>
-          <a:fontRef idx="minor">
-            <a:schemeClr val="lt1"/>
-          </a:fontRef>
-        </p:style>
-        <p:txBody>
-          <a:bodyPr rtlCol="0" anchor="ctr"/>
-          <a:lstStyle/>
-          <a:p>
-            <a:pPr algn="ctr"/>
-            <a:endParaRPr lang="en-DE"/>
-          </a:p>
-        </p:txBody>
-      </p:sp>
-      <p:sp>
-        <p:nvSpPr>
-          <p:cNvPr id="25" name="TextBox 24">
-            <a:extLst>
-              <a:ext uri="{FF2B5EF4-FFF2-40B4-BE49-F238E27FC236}">
-                <a16:creationId xmlns:a16="http://schemas.microsoft.com/office/drawing/2014/main" id="{9991DB5B-BB85-6DC0-AD62-C7CEE3D25226}"/>
-              </a:ext>
-            </a:extLst>
-          </p:cNvPr>
-          <p:cNvSpPr txBox="1"/>
-          <p:nvPr/>
-        </p:nvSpPr>
-        <p:spPr>
-          <a:xfrm>
-            <a:off x="8867467" y="1311865"/>
-            <a:ext cx="1388003" cy="584775"/>
-          </a:xfrm>
-          <a:prstGeom prst="rect">
-            <a:avLst/>
-          </a:prstGeom>
-          <a:noFill/>
-        </p:spPr>
-        <p:txBody>
-          <a:bodyPr wrap="square" rtlCol="0">
-            <a:spAutoFit/>
-          </a:bodyPr>
-          <a:lstStyle/>
-          <a:p>
-            <a:pPr algn="ctr"/>
-            <a:r>
-              <a:rPr lang="en-DE" sz="1600" dirty="0"/>
-              <a:t>Channels of Information</a:t>
-            </a:r>
-          </a:p>
-        </p:txBody>
-      </p:sp>
-      <p:sp>
-        <p:nvSpPr>
-          <p:cNvPr id="26" name="Rectangle 25">
-            <a:extLst>
-              <a:ext uri="{FF2B5EF4-FFF2-40B4-BE49-F238E27FC236}">
-                <a16:creationId xmlns:a16="http://schemas.microsoft.com/office/drawing/2014/main" id="{5A950A7A-7EB6-F363-87F2-82DFC170392F}"/>
-              </a:ext>
-            </a:extLst>
-          </p:cNvPr>
-          <p:cNvSpPr/>
-          <p:nvPr/>
-        </p:nvSpPr>
-        <p:spPr>
-          <a:xfrm>
-            <a:off x="8730197" y="2084823"/>
-            <a:ext cx="1662545" cy="666545"/>
-          </a:xfrm>
-          <a:prstGeom prst="rect">
-            <a:avLst/>
-          </a:prstGeom>
-          <a:noFill/>
-          <a:ln w="57150">
-            <a:solidFill>
-              <a:schemeClr val="accent1"/>
-            </a:solidFill>
-          </a:ln>
-        </p:spPr>
-        <p:style>
-          <a:lnRef idx="2">
-            <a:schemeClr val="accent1">
-              <a:shade val="15000"/>
-            </a:schemeClr>
-          </a:lnRef>
-          <a:fillRef idx="1">
-            <a:schemeClr val="accent1"/>
-          </a:fillRef>
-          <a:effectRef idx="0">
-            <a:schemeClr val="accent1"/>
-          </a:effectRef>
-          <a:fontRef idx="minor">
-            <a:schemeClr val="lt1"/>
-          </a:fontRef>
-        </p:style>
-        <p:txBody>
-          <a:bodyPr rtlCol="0" anchor="ctr"/>
-          <a:lstStyle/>
-          <a:p>
-            <a:pPr algn="ctr"/>
-            <a:endParaRPr lang="en-DE"/>
-          </a:p>
-        </p:txBody>
-      </p:sp>
-      <p:sp>
-        <p:nvSpPr>
-          <p:cNvPr id="27" name="TextBox 26">
-            <a:extLst>
-              <a:ext uri="{FF2B5EF4-FFF2-40B4-BE49-F238E27FC236}">
-                <a16:creationId xmlns:a16="http://schemas.microsoft.com/office/drawing/2014/main" id="{AF457FEA-4A2E-D594-FCFD-B99A1823E271}"/>
-              </a:ext>
-            </a:extLst>
-          </p:cNvPr>
-          <p:cNvSpPr txBox="1"/>
-          <p:nvPr/>
-        </p:nvSpPr>
-        <p:spPr>
-          <a:xfrm>
-            <a:off x="8867467" y="2146969"/>
-            <a:ext cx="1388003" cy="584775"/>
-          </a:xfrm>
-          <a:prstGeom prst="rect">
-            <a:avLst/>
-          </a:prstGeom>
-          <a:noFill/>
-        </p:spPr>
-        <p:txBody>
-          <a:bodyPr wrap="square" rtlCol="0">
-            <a:spAutoFit/>
-          </a:bodyPr>
-          <a:lstStyle/>
-          <a:p>
-            <a:pPr algn="ctr"/>
-            <a:r>
-              <a:rPr lang="en-DE" sz="1600" dirty="0"/>
-              <a:t>Frequency of Informing</a:t>
-            </a:r>
-          </a:p>
-        </p:txBody>
-      </p:sp>
-      <p:sp>
-        <p:nvSpPr>
-          <p:cNvPr id="42" name="Rectangle 41">
-            <a:extLst>
-              <a:ext uri="{FF2B5EF4-FFF2-40B4-BE49-F238E27FC236}">
-                <a16:creationId xmlns:a16="http://schemas.microsoft.com/office/drawing/2014/main" id="{D1C6DC6C-070A-CA9B-972D-74AD69FAE7FA}"/>
-              </a:ext>
-            </a:extLst>
-          </p:cNvPr>
-          <p:cNvSpPr/>
-          <p:nvPr/>
-        </p:nvSpPr>
-        <p:spPr>
-          <a:xfrm>
-            <a:off x="8723282" y="2922470"/>
-            <a:ext cx="1662545" cy="666545"/>
-          </a:xfrm>
-          <a:prstGeom prst="rect">
-            <a:avLst/>
-          </a:prstGeom>
-          <a:noFill/>
-          <a:ln w="57150">
-            <a:solidFill>
-              <a:schemeClr val="accent1"/>
-            </a:solidFill>
-          </a:ln>
-        </p:spPr>
-        <p:style>
-          <a:lnRef idx="2">
-            <a:schemeClr val="accent1">
-              <a:shade val="15000"/>
-            </a:schemeClr>
-          </a:lnRef>
-          <a:fillRef idx="1">
-            <a:schemeClr val="accent1"/>
-          </a:fillRef>
-          <a:effectRef idx="0">
-            <a:schemeClr val="accent1"/>
-          </a:effectRef>
-          <a:fontRef idx="minor">
-            <a:schemeClr val="lt1"/>
-          </a:fontRef>
-        </p:style>
-        <p:txBody>
-          <a:bodyPr rtlCol="0" anchor="ctr"/>
-          <a:lstStyle/>
-          <a:p>
-            <a:pPr algn="ctr"/>
-            <a:endParaRPr lang="en-DE"/>
-          </a:p>
-        </p:txBody>
-      </p:sp>
-      <p:sp>
-        <p:nvSpPr>
-          <p:cNvPr id="43" name="TextBox 42">
-            <a:extLst>
-              <a:ext uri="{FF2B5EF4-FFF2-40B4-BE49-F238E27FC236}">
-                <a16:creationId xmlns:a16="http://schemas.microsoft.com/office/drawing/2014/main" id="{8CD140BD-113A-F09A-0EFA-7F5CCA3285D1}"/>
-              </a:ext>
-            </a:extLst>
-          </p:cNvPr>
-          <p:cNvSpPr txBox="1"/>
-          <p:nvPr/>
-        </p:nvSpPr>
-        <p:spPr>
-          <a:xfrm>
-            <a:off x="8859135" y="3086465"/>
-            <a:ext cx="1388003" cy="338554"/>
-          </a:xfrm>
-          <a:prstGeom prst="rect">
-            <a:avLst/>
-          </a:prstGeom>
-          <a:noFill/>
-        </p:spPr>
-        <p:txBody>
-          <a:bodyPr wrap="square" rtlCol="0">
-            <a:spAutoFit/>
-          </a:bodyPr>
-          <a:lstStyle/>
-          <a:p>
-            <a:pPr algn="ctr"/>
-            <a:r>
-              <a:rPr lang="en-DE" sz="1600" dirty="0"/>
-              <a:t>Interest Rate</a:t>
-            </a:r>
-          </a:p>
-        </p:txBody>
-      </p:sp>
-      <p:sp>
-        <p:nvSpPr>
-          <p:cNvPr id="44" name="Rectangle 43">
-            <a:extLst>
-              <a:ext uri="{FF2B5EF4-FFF2-40B4-BE49-F238E27FC236}">
-                <a16:creationId xmlns:a16="http://schemas.microsoft.com/office/drawing/2014/main" id="{8E0325F4-1E71-C7C9-E332-4E7F59755AEF}"/>
-              </a:ext>
-            </a:extLst>
-          </p:cNvPr>
-          <p:cNvSpPr/>
-          <p:nvPr/>
-        </p:nvSpPr>
-        <p:spPr>
-          <a:xfrm>
-            <a:off x="8730197" y="3756762"/>
-            <a:ext cx="1662545" cy="666545"/>
-          </a:xfrm>
-          <a:prstGeom prst="rect">
-            <a:avLst/>
-          </a:prstGeom>
-          <a:noFill/>
-          <a:ln w="57150">
-            <a:solidFill>
-              <a:schemeClr val="accent1"/>
-            </a:solidFill>
-          </a:ln>
-        </p:spPr>
-        <p:style>
-          <a:lnRef idx="2">
-            <a:schemeClr val="accent1">
-              <a:shade val="15000"/>
-            </a:schemeClr>
-          </a:lnRef>
-          <a:fillRef idx="1">
-            <a:schemeClr val="accent1"/>
-          </a:fillRef>
-          <a:effectRef idx="0">
-            <a:schemeClr val="accent1"/>
-          </a:effectRef>
-          <a:fontRef idx="minor">
-            <a:schemeClr val="lt1"/>
-          </a:fontRef>
-        </p:style>
-        <p:txBody>
-          <a:bodyPr rtlCol="0" anchor="ctr"/>
-          <a:lstStyle/>
-          <a:p>
-            <a:pPr algn="ctr"/>
-            <a:endParaRPr lang="en-DE"/>
-          </a:p>
-        </p:txBody>
-      </p:sp>
-      <p:sp>
-        <p:nvSpPr>
-          <p:cNvPr id="45" name="TextBox 44">
-            <a:extLst>
-              <a:ext uri="{FF2B5EF4-FFF2-40B4-BE49-F238E27FC236}">
-                <a16:creationId xmlns:a16="http://schemas.microsoft.com/office/drawing/2014/main" id="{C5068376-91E6-FDCA-1876-4CAC6510A746}"/>
-              </a:ext>
-            </a:extLst>
-          </p:cNvPr>
-          <p:cNvSpPr txBox="1"/>
-          <p:nvPr/>
-        </p:nvSpPr>
-        <p:spPr>
-          <a:xfrm>
-            <a:off x="8864545" y="3926652"/>
-            <a:ext cx="1388003" cy="338554"/>
-          </a:xfrm>
-          <a:prstGeom prst="rect">
-            <a:avLst/>
-          </a:prstGeom>
-          <a:noFill/>
-        </p:spPr>
-        <p:txBody>
-          <a:bodyPr wrap="square" rtlCol="0">
-            <a:spAutoFit/>
-          </a:bodyPr>
-          <a:lstStyle/>
-          <a:p>
-            <a:pPr algn="ctr"/>
-            <a:r>
-              <a:rPr lang="en-DE" sz="1600" dirty="0"/>
-              <a:t>Inflation Rate</a:t>
-            </a:r>
-          </a:p>
-        </p:txBody>
-      </p:sp>
-      <p:sp>
-        <p:nvSpPr>
-          <p:cNvPr id="46" name="Rectangle 45">
-            <a:extLst>
-              <a:ext uri="{FF2B5EF4-FFF2-40B4-BE49-F238E27FC236}">
-                <a16:creationId xmlns:a16="http://schemas.microsoft.com/office/drawing/2014/main" id="{E0FC0E9A-06B5-DAB0-D1A6-A66C5F35729A}"/>
-              </a:ext>
-            </a:extLst>
-          </p:cNvPr>
-          <p:cNvSpPr/>
-          <p:nvPr/>
-        </p:nvSpPr>
-        <p:spPr>
-          <a:xfrm>
-            <a:off x="8733118" y="4594409"/>
-            <a:ext cx="1662545" cy="666545"/>
-          </a:xfrm>
-          <a:prstGeom prst="rect">
-            <a:avLst/>
-          </a:prstGeom>
-          <a:noFill/>
-          <a:ln w="57150">
-            <a:solidFill>
-              <a:schemeClr val="accent1"/>
-            </a:solidFill>
-          </a:ln>
-        </p:spPr>
-        <p:style>
-          <a:lnRef idx="2">
-            <a:schemeClr val="accent1">
-              <a:shade val="15000"/>
-            </a:schemeClr>
-          </a:lnRef>
-          <a:fillRef idx="1">
-            <a:schemeClr val="accent1"/>
-          </a:fillRef>
-          <a:effectRef idx="0">
-            <a:schemeClr val="accent1"/>
-          </a:effectRef>
-          <a:fontRef idx="minor">
-            <a:schemeClr val="lt1"/>
-          </a:fontRef>
-        </p:style>
-        <p:txBody>
-          <a:bodyPr rtlCol="0" anchor="ctr"/>
-          <a:lstStyle/>
-          <a:p>
-            <a:pPr algn="ctr"/>
-            <a:endParaRPr lang="en-DE"/>
-          </a:p>
-        </p:txBody>
-      </p:sp>
-      <p:sp>
-        <p:nvSpPr>
-          <p:cNvPr id="47" name="TextBox 46">
-            <a:extLst>
-              <a:ext uri="{FF2B5EF4-FFF2-40B4-BE49-F238E27FC236}">
-                <a16:creationId xmlns:a16="http://schemas.microsoft.com/office/drawing/2014/main" id="{F4A5DDFB-5187-DA4B-3907-2A50C3C3283B}"/>
-              </a:ext>
-            </a:extLst>
-          </p:cNvPr>
-          <p:cNvSpPr txBox="1"/>
-          <p:nvPr/>
-        </p:nvSpPr>
-        <p:spPr>
-          <a:xfrm>
-            <a:off x="8730197" y="4758404"/>
-            <a:ext cx="1662545" cy="338554"/>
-          </a:xfrm>
-          <a:prstGeom prst="rect">
-            <a:avLst/>
-          </a:prstGeom>
-          <a:noFill/>
-        </p:spPr>
-        <p:txBody>
-          <a:bodyPr wrap="square" rtlCol="0">
-            <a:spAutoFit/>
-          </a:bodyPr>
-          <a:lstStyle/>
-          <a:p>
-            <a:pPr algn="ctr"/>
-            <a:r>
-              <a:rPr lang="en-DE" sz="1600" dirty="0"/>
-              <a:t>Dax Points</a:t>
-            </a:r>
-          </a:p>
-        </p:txBody>
-      </p:sp>
-      <p:sp>
-        <p:nvSpPr>
-          <p:cNvPr id="48" name="Rectangle 47">
-            <a:extLst>
-              <a:ext uri="{FF2B5EF4-FFF2-40B4-BE49-F238E27FC236}">
-                <a16:creationId xmlns:a16="http://schemas.microsoft.com/office/drawing/2014/main" id="{EADF2B28-626C-ECBF-6EB1-C80377CCDB76}"/>
-              </a:ext>
-            </a:extLst>
-          </p:cNvPr>
-          <p:cNvSpPr/>
-          <p:nvPr/>
-        </p:nvSpPr>
-        <p:spPr>
-          <a:xfrm>
-            <a:off x="8733118" y="5432055"/>
-            <a:ext cx="1662545" cy="666545"/>
-          </a:xfrm>
-          <a:prstGeom prst="rect">
-            <a:avLst/>
-          </a:prstGeom>
-          <a:noFill/>
-          <a:ln w="57150">
-            <a:solidFill>
-              <a:schemeClr val="accent1"/>
-            </a:solidFill>
-          </a:ln>
-        </p:spPr>
-        <p:style>
-          <a:lnRef idx="2">
-            <a:schemeClr val="accent1">
-              <a:shade val="15000"/>
-            </a:schemeClr>
-          </a:lnRef>
-          <a:fillRef idx="1">
-            <a:schemeClr val="accent1"/>
-          </a:fillRef>
-          <a:effectRef idx="0">
-            <a:schemeClr val="accent1"/>
-          </a:effectRef>
-          <a:fontRef idx="minor">
-            <a:schemeClr val="lt1"/>
-          </a:fontRef>
-        </p:style>
-        <p:txBody>
-          <a:bodyPr rtlCol="0" anchor="ctr"/>
-          <a:lstStyle/>
-          <a:p>
-            <a:pPr algn="ctr"/>
-            <a:endParaRPr lang="en-DE"/>
-          </a:p>
-        </p:txBody>
-      </p:sp>
-      <p:sp>
-        <p:nvSpPr>
-          <p:cNvPr id="49" name="TextBox 48">
-            <a:extLst>
-              <a:ext uri="{FF2B5EF4-FFF2-40B4-BE49-F238E27FC236}">
-                <a16:creationId xmlns:a16="http://schemas.microsoft.com/office/drawing/2014/main" id="{D3954B3C-ACE6-6A75-07E8-4DC1C01916D3}"/>
-              </a:ext>
-            </a:extLst>
-          </p:cNvPr>
-          <p:cNvSpPr txBox="1"/>
-          <p:nvPr/>
-        </p:nvSpPr>
-        <p:spPr>
-          <a:xfrm>
-            <a:off x="8730197" y="5472939"/>
-            <a:ext cx="1662545" cy="584775"/>
-          </a:xfrm>
-          <a:prstGeom prst="rect">
-            <a:avLst/>
-          </a:prstGeom>
-          <a:noFill/>
-        </p:spPr>
-        <p:txBody>
-          <a:bodyPr wrap="square" rtlCol="0">
-            <a:spAutoFit/>
-          </a:bodyPr>
-          <a:lstStyle/>
-          <a:p>
-            <a:pPr algn="ctr"/>
-            <a:r>
-              <a:rPr lang="en-DE" sz="1600" dirty="0"/>
-              <a:t>Consumer Price Index</a:t>
-            </a:r>
-          </a:p>
-        </p:txBody>
-      </p:sp>
-      <p:cxnSp>
-        <p:nvCxnSpPr>
-          <p:cNvPr id="50" name="Straight Arrow Connector 49">
-            <a:extLst>
-              <a:ext uri="{FF2B5EF4-FFF2-40B4-BE49-F238E27FC236}">
-                <a16:creationId xmlns:a16="http://schemas.microsoft.com/office/drawing/2014/main" id="{401F010D-6085-35E6-0AE8-B9D56FE65B99}"/>
-              </a:ext>
-            </a:extLst>
-          </p:cNvPr>
-          <p:cNvCxnSpPr>
-            <a:cxnSpLocks/>
-          </p:cNvCxnSpPr>
-          <p:nvPr/>
-        </p:nvCxnSpPr>
-        <p:spPr>
-          <a:xfrm flipH="1">
-            <a:off x="7748869" y="1505370"/>
-            <a:ext cx="981328" cy="570791"/>
-          </a:xfrm>
-          <a:prstGeom prst="straightConnector1">
-            <a:avLst/>
-          </a:prstGeom>
-          <a:ln w="38100">
-            <a:solidFill>
-              <a:schemeClr val="accent1"/>
-            </a:solidFill>
-            <a:tailEnd type="triangle"/>
-          </a:ln>
-        </p:spPr>
-        <p:style>
-          <a:lnRef idx="1">
-            <a:schemeClr val="accent1"/>
-          </a:lnRef>
-          <a:fillRef idx="0">
-            <a:schemeClr val="accent1"/>
-          </a:fillRef>
-          <a:effectRef idx="0">
-            <a:schemeClr val="accent1"/>
-          </a:effectRef>
-          <a:fontRef idx="minor">
-            <a:schemeClr val="tx1"/>
-          </a:fontRef>
-        </p:style>
-      </p:cxnSp>
-      <p:cxnSp>
-        <p:nvCxnSpPr>
-          <p:cNvPr id="52" name="Straight Arrow Connector 51">
-            <a:extLst>
-              <a:ext uri="{FF2B5EF4-FFF2-40B4-BE49-F238E27FC236}">
-                <a16:creationId xmlns:a16="http://schemas.microsoft.com/office/drawing/2014/main" id="{AA4447D6-E35A-F34E-87DD-65E8C235AEFB}"/>
-              </a:ext>
-            </a:extLst>
-          </p:cNvPr>
-          <p:cNvCxnSpPr>
-            <a:cxnSpLocks/>
-            <a:stCxn id="26" idx="1"/>
-            <a:endCxn id="8" idx="6"/>
-          </p:cNvCxnSpPr>
-          <p:nvPr/>
-        </p:nvCxnSpPr>
-        <p:spPr>
-          <a:xfrm flipH="1" flipV="1">
-            <a:off x="7799907" y="2348431"/>
-            <a:ext cx="930290" cy="69665"/>
-          </a:xfrm>
-          <a:prstGeom prst="straightConnector1">
-            <a:avLst/>
-          </a:prstGeom>
-          <a:ln w="38100">
-            <a:solidFill>
-              <a:schemeClr val="accent1"/>
-            </a:solidFill>
-            <a:tailEnd type="triangle"/>
-          </a:ln>
-        </p:spPr>
-        <p:style>
-          <a:lnRef idx="1">
-            <a:schemeClr val="accent1"/>
-          </a:lnRef>
-          <a:fillRef idx="0">
-            <a:schemeClr val="accent1"/>
-          </a:fillRef>
-          <a:effectRef idx="0">
-            <a:schemeClr val="accent1"/>
-          </a:effectRef>
-          <a:fontRef idx="minor">
-            <a:schemeClr val="tx1"/>
-          </a:fontRef>
-        </p:style>
-      </p:cxnSp>
-      <p:cxnSp>
-        <p:nvCxnSpPr>
-          <p:cNvPr id="55" name="Straight Arrow Connector 54">
-            <a:extLst>
-              <a:ext uri="{FF2B5EF4-FFF2-40B4-BE49-F238E27FC236}">
-                <a16:creationId xmlns:a16="http://schemas.microsoft.com/office/drawing/2014/main" id="{32245209-4923-6569-068C-291F856CF47F}"/>
-              </a:ext>
-            </a:extLst>
-          </p:cNvPr>
-          <p:cNvCxnSpPr>
-            <a:cxnSpLocks/>
-            <a:stCxn id="42" idx="1"/>
-          </p:cNvCxnSpPr>
-          <p:nvPr/>
-        </p:nvCxnSpPr>
-        <p:spPr>
-          <a:xfrm flipH="1">
-            <a:off x="7621432" y="3255743"/>
-            <a:ext cx="1101850" cy="1554943"/>
-          </a:xfrm>
-          <a:prstGeom prst="straightConnector1">
-            <a:avLst/>
-          </a:prstGeom>
-          <a:ln w="38100">
-            <a:solidFill>
-              <a:schemeClr val="accent1"/>
-            </a:solidFill>
-            <a:tailEnd type="triangle"/>
-          </a:ln>
-        </p:spPr>
-        <p:style>
-          <a:lnRef idx="1">
-            <a:schemeClr val="accent1"/>
-          </a:lnRef>
-          <a:fillRef idx="0">
-            <a:schemeClr val="accent1"/>
-          </a:fillRef>
-          <a:effectRef idx="0">
-            <a:schemeClr val="accent1"/>
-          </a:effectRef>
-          <a:fontRef idx="minor">
-            <a:schemeClr val="tx1"/>
-          </a:fontRef>
-        </p:style>
-      </p:cxnSp>
-      <p:cxnSp>
-        <p:nvCxnSpPr>
-          <p:cNvPr id="58" name="Straight Arrow Connector 57">
-            <a:extLst>
-              <a:ext uri="{FF2B5EF4-FFF2-40B4-BE49-F238E27FC236}">
-                <a16:creationId xmlns:a16="http://schemas.microsoft.com/office/drawing/2014/main" id="{15D7DAA2-71FE-EC9C-EA06-CFDDAED50BAA}"/>
-              </a:ext>
-            </a:extLst>
-          </p:cNvPr>
-          <p:cNvCxnSpPr>
-            <a:cxnSpLocks/>
-            <a:stCxn id="44" idx="1"/>
-          </p:cNvCxnSpPr>
-          <p:nvPr/>
-        </p:nvCxnSpPr>
-        <p:spPr>
-          <a:xfrm flipH="1">
-            <a:off x="7748869" y="4090035"/>
-            <a:ext cx="981328" cy="974971"/>
-          </a:xfrm>
-          <a:prstGeom prst="straightConnector1">
-            <a:avLst/>
-          </a:prstGeom>
-          <a:ln w="38100">
-            <a:solidFill>
-              <a:schemeClr val="accent1"/>
-            </a:solidFill>
-            <a:tailEnd type="triangle"/>
-          </a:ln>
-        </p:spPr>
-        <p:style>
-          <a:lnRef idx="1">
-            <a:schemeClr val="accent1"/>
-          </a:lnRef>
-          <a:fillRef idx="0">
-            <a:schemeClr val="accent1"/>
-          </a:fillRef>
-          <a:effectRef idx="0">
-            <a:schemeClr val="accent1"/>
-          </a:effectRef>
-          <a:fontRef idx="minor">
-            <a:schemeClr val="tx1"/>
-          </a:fontRef>
-        </p:style>
-      </p:cxnSp>
-      <p:cxnSp>
-        <p:nvCxnSpPr>
-          <p:cNvPr id="61" name="Straight Arrow Connector 60">
-            <a:extLst>
-              <a:ext uri="{FF2B5EF4-FFF2-40B4-BE49-F238E27FC236}">
-                <a16:creationId xmlns:a16="http://schemas.microsoft.com/office/drawing/2014/main" id="{E6A818F8-6598-08E2-F486-BD45712D9911}"/>
-              </a:ext>
-            </a:extLst>
-          </p:cNvPr>
-          <p:cNvCxnSpPr>
-            <a:cxnSpLocks/>
-            <a:stCxn id="47" idx="1"/>
-            <a:endCxn id="9" idx="6"/>
-          </p:cNvCxnSpPr>
-          <p:nvPr/>
-        </p:nvCxnSpPr>
-        <p:spPr>
-          <a:xfrm flipH="1">
-            <a:off x="7799907" y="4927681"/>
-            <a:ext cx="930290" cy="367049"/>
-          </a:xfrm>
-          <a:prstGeom prst="straightConnector1">
-            <a:avLst/>
-          </a:prstGeom>
-          <a:ln w="38100">
-            <a:solidFill>
-              <a:schemeClr val="accent1"/>
-            </a:solidFill>
-            <a:tailEnd type="triangle"/>
-          </a:ln>
-        </p:spPr>
-        <p:style>
-          <a:lnRef idx="1">
-            <a:schemeClr val="accent1"/>
-          </a:lnRef>
-          <a:fillRef idx="0">
-            <a:schemeClr val="accent1"/>
-          </a:fillRef>
-          <a:effectRef idx="0">
-            <a:schemeClr val="accent1"/>
-          </a:effectRef>
-          <a:fontRef idx="minor">
-            <a:schemeClr val="tx1"/>
-          </a:fontRef>
-        </p:style>
-      </p:cxnSp>
-      <p:cxnSp>
-        <p:nvCxnSpPr>
-          <p:cNvPr id="65" name="Straight Arrow Connector 64">
-            <a:extLst>
-              <a:ext uri="{FF2B5EF4-FFF2-40B4-BE49-F238E27FC236}">
-                <a16:creationId xmlns:a16="http://schemas.microsoft.com/office/drawing/2014/main" id="{2E6DB1D7-8CC8-05F4-431F-980B0B259DC0}"/>
-              </a:ext>
-            </a:extLst>
-          </p:cNvPr>
-          <p:cNvCxnSpPr>
-            <a:cxnSpLocks/>
-            <a:stCxn id="49" idx="1"/>
-          </p:cNvCxnSpPr>
-          <p:nvPr/>
-        </p:nvCxnSpPr>
-        <p:spPr>
-          <a:xfrm flipH="1" flipV="1">
-            <a:off x="7748869" y="5506715"/>
-            <a:ext cx="981328" cy="258612"/>
-          </a:xfrm>
-          <a:prstGeom prst="straightConnector1">
-            <a:avLst/>
-          </a:prstGeom>
-          <a:ln w="38100">
-            <a:solidFill>
-              <a:schemeClr val="accent1"/>
-            </a:solidFill>
-            <a:tailEnd type="triangle"/>
-          </a:ln>
-        </p:spPr>
-        <p:style>
-          <a:lnRef idx="1">
-            <a:schemeClr val="accent1"/>
-          </a:lnRef>
-          <a:fillRef idx="0">
-            <a:schemeClr val="accent1"/>
-          </a:fillRef>
-          <a:effectRef idx="0">
-            <a:schemeClr val="accent1"/>
-          </a:effectRef>
-          <a:fontRef idx="minor">
-            <a:schemeClr val="tx1"/>
-          </a:fontRef>
-        </p:style>
-      </p:cxnSp>
-      <p:cxnSp>
-        <p:nvCxnSpPr>
-          <p:cNvPr id="68" name="Straight Arrow Connector 67">
-            <a:extLst>
-              <a:ext uri="{FF2B5EF4-FFF2-40B4-BE49-F238E27FC236}">
-                <a16:creationId xmlns:a16="http://schemas.microsoft.com/office/drawing/2014/main" id="{2F652806-2F54-C517-7B8C-62564EAA1AF9}"/>
-              </a:ext>
-            </a:extLst>
-          </p:cNvPr>
-          <p:cNvCxnSpPr>
-            <a:cxnSpLocks/>
-            <a:stCxn id="18" idx="3"/>
-          </p:cNvCxnSpPr>
-          <p:nvPr/>
-        </p:nvCxnSpPr>
-        <p:spPr>
-          <a:xfrm>
-            <a:off x="2385702" y="3038395"/>
-            <a:ext cx="923375" cy="666539"/>
-          </a:xfrm>
-          <a:prstGeom prst="straightConnector1">
-            <a:avLst/>
-          </a:prstGeom>
-          <a:ln w="38100">
-            <a:solidFill>
-              <a:schemeClr val="accent1"/>
-            </a:solidFill>
-            <a:tailEnd type="triangle"/>
-          </a:ln>
-        </p:spPr>
-        <p:style>
-          <a:lnRef idx="1">
-            <a:schemeClr val="accent1"/>
-          </a:lnRef>
-          <a:fillRef idx="0">
-            <a:schemeClr val="accent1"/>
-          </a:fillRef>
-          <a:effectRef idx="0">
-            <a:schemeClr val="accent1"/>
-          </a:effectRef>
-          <a:fontRef idx="minor">
-            <a:schemeClr val="tx1"/>
-          </a:fontRef>
-        </p:style>
-      </p:cxnSp>
-      <p:cxnSp>
-        <p:nvCxnSpPr>
-          <p:cNvPr id="71" name="Straight Arrow Connector 70">
-            <a:extLst>
-              <a:ext uri="{FF2B5EF4-FFF2-40B4-BE49-F238E27FC236}">
-                <a16:creationId xmlns:a16="http://schemas.microsoft.com/office/drawing/2014/main" id="{6BFFA70B-5E9A-6A63-81F3-51524BD5F9F4}"/>
-              </a:ext>
-            </a:extLst>
-          </p:cNvPr>
-          <p:cNvCxnSpPr>
-            <a:cxnSpLocks/>
-            <a:stCxn id="20" idx="3"/>
-          </p:cNvCxnSpPr>
-          <p:nvPr/>
-        </p:nvCxnSpPr>
-        <p:spPr>
-          <a:xfrm>
-            <a:off x="2385702" y="3856044"/>
-            <a:ext cx="930290" cy="19844"/>
-          </a:xfrm>
-          <a:prstGeom prst="straightConnector1">
-            <a:avLst/>
-          </a:prstGeom>
-          <a:ln w="38100">
-            <a:solidFill>
-              <a:schemeClr val="accent1"/>
-            </a:solidFill>
-            <a:tailEnd type="triangle"/>
-          </a:ln>
-        </p:spPr>
-        <p:style>
-          <a:lnRef idx="1">
-            <a:schemeClr val="accent1"/>
-          </a:lnRef>
-          <a:fillRef idx="0">
-            <a:schemeClr val="accent1"/>
-          </a:fillRef>
-          <a:effectRef idx="0">
-            <a:schemeClr val="accent1"/>
-          </a:effectRef>
-          <a:fontRef idx="minor">
-            <a:schemeClr val="tx1"/>
-          </a:fontRef>
-        </p:style>
-      </p:cxnSp>
-      <p:cxnSp>
-        <p:nvCxnSpPr>
-          <p:cNvPr id="74" name="Straight Arrow Connector 73">
-            <a:extLst>
-              <a:ext uri="{FF2B5EF4-FFF2-40B4-BE49-F238E27FC236}">
-                <a16:creationId xmlns:a16="http://schemas.microsoft.com/office/drawing/2014/main" id="{6B5FC605-3C56-DC17-1B60-67A165367B71}"/>
-              </a:ext>
-            </a:extLst>
-          </p:cNvPr>
-          <p:cNvCxnSpPr>
-            <a:cxnSpLocks/>
-            <a:stCxn id="22" idx="3"/>
-          </p:cNvCxnSpPr>
-          <p:nvPr/>
-        </p:nvCxnSpPr>
-        <p:spPr>
-          <a:xfrm flipV="1">
-            <a:off x="2385702" y="4022680"/>
-            <a:ext cx="930290" cy="646390"/>
-          </a:xfrm>
-          <a:prstGeom prst="straightConnector1">
-            <a:avLst/>
-          </a:prstGeom>
-          <a:ln w="38100">
-            <a:solidFill>
-              <a:schemeClr val="accent1"/>
-            </a:solidFill>
-            <a:tailEnd type="triangle"/>
-          </a:ln>
-        </p:spPr>
-        <p:style>
-          <a:lnRef idx="1">
-            <a:schemeClr val="accent1"/>
-          </a:lnRef>
-          <a:fillRef idx="0">
-            <a:schemeClr val="accent1"/>
-          </a:fillRef>
-          <a:effectRef idx="0">
-            <a:schemeClr val="accent1"/>
-          </a:effectRef>
-          <a:fontRef idx="minor">
-            <a:schemeClr val="tx1"/>
-          </a:fontRef>
-        </p:style>
-      </p:cxnSp>
-    </p:spTree>
-    <p:extLst>
-      <p:ext uri="{BB962C8B-B14F-4D97-AF65-F5344CB8AC3E}">
-        <p14:creationId xmlns:p14="http://schemas.microsoft.com/office/powerpoint/2010/main" val="2835002326"/>
-      </p:ext>
-    </p:extLst>
-  </p:cSld>
-  <p:clrMapOvr>
-    <a:masterClrMapping/>
-  </p:clrMapOvr>
-</p:sld>
-</file>
-
-<file path=ppt/slides/slide19.xml><?xml version="1.0" encoding="utf-8"?>
-<p:sld xmlns:a="http://schemas.openxmlformats.org/drawingml/2006/main" xmlns:r="http://schemas.openxmlformats.org/officeDocument/2006/relationships" xmlns:p="http://schemas.openxmlformats.org/presentationml/2006/main">
-  <p:cSld>
-    <p:spTree>
-      <p:nvGrpSpPr>
-        <p:cNvPr id="1" name=""/>
-        <p:cNvGrpSpPr/>
-        <p:nvPr/>
-      </p:nvGrpSpPr>
-      <p:grpSpPr>
-        <a:xfrm>
-          <a:off x="0" y="0"/>
-          <a:ext cx="0" cy="0"/>
-          <a:chOff x="0" y="0"/>
-          <a:chExt cx="0" cy="0"/>
-        </a:xfrm>
-      </p:grpSpPr>
-      <p:sp>
-        <p:nvSpPr>
           <p:cNvPr id="2" name="Content Placeholder 1">
             <a:extLst>
               <a:ext uri="{FF2B5EF4-FFF2-40B4-BE49-F238E27FC236}">
@@ -13044,7 +9577,7 @@
           <a:p>
             <a:fld id="{61696EC4-B4CF-4701-AD06-A8439D6D8E12}" type="slidenum">
               <a:rPr lang="en-US" noProof="0" smtClean="0"/>
-              <a:t>19</a:t>
+              <a:t>10</a:t>
             </a:fld>
             <a:endParaRPr lang="en-US" noProof="0" dirty="0"/>
           </a:p>
@@ -13073,7 +9606,7 @@
           <a:p>
             <a:r>
               <a:rPr lang="en-DE" dirty="0"/>
-              <a:t>SEM – Connection Links Observed Variables</a:t>
+              <a:t>Connection Links Observed Variables</a:t>
             </a:r>
             <a:endParaRPr lang="en-DE" b="0" dirty="0"/>
           </a:p>
@@ -13478,6 +10011,128 @@
 </p:sld>
 </file>
 
+<file path=ppt/slides/slide11.xml><?xml version="1.0" encoding="utf-8"?>
+<p:sld xmlns:a="http://schemas.openxmlformats.org/drawingml/2006/main" xmlns:r="http://schemas.openxmlformats.org/officeDocument/2006/relationships" xmlns:p="http://schemas.openxmlformats.org/presentationml/2006/main">
+  <p:cSld>
+    <p:spTree>
+      <p:nvGrpSpPr>
+        <p:cNvPr id="1" name="">
+          <a:extLst>
+            <a:ext uri="{FF2B5EF4-FFF2-40B4-BE49-F238E27FC236}">
+              <a16:creationId xmlns:a16="http://schemas.microsoft.com/office/drawing/2014/main" id="{8B9BE739-E41F-3ABD-EE27-E7F09AB6D725}"/>
+            </a:ext>
+          </a:extLst>
+        </p:cNvPr>
+        <p:cNvGrpSpPr/>
+        <p:nvPr/>
+      </p:nvGrpSpPr>
+      <p:grpSpPr>
+        <a:xfrm>
+          <a:off x="0" y="0"/>
+          <a:ext cx="0" cy="0"/>
+          <a:chOff x="0" y="0"/>
+          <a:chExt cx="0" cy="0"/>
+        </a:xfrm>
+      </p:grpSpPr>
+      <p:sp>
+        <p:nvSpPr>
+          <p:cNvPr id="3" name="Date Placeholder 2">
+            <a:extLst>
+              <a:ext uri="{FF2B5EF4-FFF2-40B4-BE49-F238E27FC236}">
+                <a16:creationId xmlns:a16="http://schemas.microsoft.com/office/drawing/2014/main" id="{93296110-AB02-5D94-CEC6-0AA209824F46}"/>
+              </a:ext>
+            </a:extLst>
+          </p:cNvPr>
+          <p:cNvSpPr>
+            <a:spLocks noGrp="1"/>
+          </p:cNvSpPr>
+          <p:nvPr>
+            <p:ph type="dt" sz="half" idx="10"/>
+          </p:nvPr>
+        </p:nvSpPr>
+        <p:spPr/>
+        <p:txBody>
+          <a:bodyPr/>
+          <a:lstStyle/>
+          <a:p>
+            <a:fld id="{162C1F81-0292-4658-B990-314031B5EEE0}" type="datetime4">
+              <a:rPr lang="en-US" noProof="0" smtClean="0"/>
+              <a:t>November 26, 2024</a:t>
+            </a:fld>
+            <a:endParaRPr lang="en-US" noProof="0" dirty="0"/>
+          </a:p>
+        </p:txBody>
+      </p:sp>
+      <p:sp>
+        <p:nvSpPr>
+          <p:cNvPr id="4" name="Slide Number Placeholder 3">
+            <a:extLst>
+              <a:ext uri="{FF2B5EF4-FFF2-40B4-BE49-F238E27FC236}">
+                <a16:creationId xmlns:a16="http://schemas.microsoft.com/office/drawing/2014/main" id="{74D81389-EBBB-003B-5F3E-58F9A42741D6}"/>
+              </a:ext>
+            </a:extLst>
+          </p:cNvPr>
+          <p:cNvSpPr>
+            <a:spLocks noGrp="1"/>
+          </p:cNvSpPr>
+          <p:nvPr>
+            <p:ph type="sldNum" sz="quarter" idx="12"/>
+          </p:nvPr>
+        </p:nvSpPr>
+        <p:spPr/>
+        <p:txBody>
+          <a:bodyPr/>
+          <a:lstStyle/>
+          <a:p>
+            <a:fld id="{61696EC4-B4CF-4701-AD06-A8439D6D8E12}" type="slidenum">
+              <a:rPr lang="en-US" noProof="0" smtClean="0"/>
+              <a:t>11</a:t>
+            </a:fld>
+            <a:endParaRPr lang="en-US" noProof="0" dirty="0"/>
+          </a:p>
+        </p:txBody>
+      </p:sp>
+      <p:sp>
+        <p:nvSpPr>
+          <p:cNvPr id="6" name="Title 5">
+            <a:extLst>
+              <a:ext uri="{FF2B5EF4-FFF2-40B4-BE49-F238E27FC236}">
+                <a16:creationId xmlns:a16="http://schemas.microsoft.com/office/drawing/2014/main" id="{F49D68C5-F432-4D0B-830C-7721526A8FB7}"/>
+              </a:ext>
+            </a:extLst>
+          </p:cNvPr>
+          <p:cNvSpPr>
+            <a:spLocks noGrp="1"/>
+          </p:cNvSpPr>
+          <p:nvPr>
+            <p:ph type="title"/>
+          </p:nvPr>
+        </p:nvSpPr>
+        <p:spPr/>
+        <p:txBody>
+          <a:bodyPr/>
+          <a:lstStyle/>
+          <a:p>
+            <a:r>
+              <a:rPr lang="en-DE" dirty="0"/>
+              <a:t>Results</a:t>
+            </a:r>
+          </a:p>
+        </p:txBody>
+      </p:sp>
+    </p:spTree>
+    <p:extLst>
+      <p:ext uri="{BB962C8B-B14F-4D97-AF65-F5344CB8AC3E}">
+        <p14:creationId xmlns:p14="http://schemas.microsoft.com/office/powerpoint/2010/main" val="2190308011"/>
+      </p:ext>
+    </p:extLst>
+  </p:cSld>
+  <p:clrMapOvr>
+    <a:masterClrMapping/>
+  </p:clrMapOvr>
+</p:sld>
+</file>
+
 <file path=ppt/slides/slide2.xml><?xml version="1.0" encoding="utf-8"?>
 <p:sld xmlns:a="http://schemas.openxmlformats.org/drawingml/2006/main" xmlns:r="http://schemas.openxmlformats.org/officeDocument/2006/relationships" xmlns:p="http://schemas.openxmlformats.org/presentationml/2006/main">
   <p:cSld>
@@ -13513,121 +10168,120 @@
         </p:nvSpPr>
         <p:spPr/>
         <p:txBody>
-          <a:bodyPr/>
+          <a:bodyPr anchor="ctr">
+            <a:normAutofit/>
+          </a:bodyPr>
           <a:lstStyle/>
           <a:p>
             <a:pPr marL="0" indent="0" algn="ctr">
               <a:buNone/>
             </a:pPr>
-            <a:endParaRPr lang="en-GB" b="0" i="0" u="none" strike="noStrike" dirty="0">
-              <a:effectLst/>
-              <a:latin typeface="Arial" panose="020B0604020202020204" pitchFamily="34" charset="0"/>
-            </a:endParaRPr>
-          </a:p>
-          <a:p>
-            <a:pPr marL="0" indent="0" algn="ctr">
-              <a:buNone/>
-            </a:pPr>
-            <a:endParaRPr lang="en-GB" dirty="0">
-              <a:latin typeface="Arial" panose="020B0604020202020204" pitchFamily="34" charset="0"/>
-            </a:endParaRPr>
-          </a:p>
-          <a:p>
-            <a:pPr marL="0" indent="0" algn="ctr">
-              <a:buNone/>
-            </a:pPr>
-            <a:r>
-              <a:rPr lang="en-GB" b="0" i="0" u="none" strike="noStrike" dirty="0">
+            <a:r>
+              <a:rPr lang="en-GB" sz="3200" b="0" i="0" u="none" strike="noStrike" dirty="0">
                 <a:effectLst/>
                 <a:latin typeface="Arial" panose="020B0604020202020204" pitchFamily="34" charset="0"/>
               </a:rPr>
               <a:t>For </a:t>
             </a:r>
             <a:r>
-              <a:rPr lang="en-GB" b="1" i="0" u="none" strike="noStrike" dirty="0">
+              <a:rPr lang="en-GB" sz="3200" b="1" i="0" u="none" strike="noStrike" dirty="0">
                 <a:effectLst/>
                 <a:latin typeface="Arial" panose="020B0604020202020204" pitchFamily="34" charset="0"/>
               </a:rPr>
-              <a:t>informed individuals</a:t>
-            </a:r>
-            <a:r>
-              <a:rPr lang="en-GB" b="0" i="0" u="none" strike="noStrike" dirty="0">
+              <a:t>individuals</a:t>
+            </a:r>
+            <a:r>
+              <a:rPr lang="en-GB" sz="3200" b="0" i="0" u="none" strike="noStrike" dirty="0">
                 <a:effectLst/>
                 <a:latin typeface="Arial" panose="020B0604020202020204" pitchFamily="34" charset="0"/>
               </a:rPr>
-              <a:t>, we expect </a:t>
-            </a:r>
-            <a:r>
-              <a:rPr lang="en-GB" b="1" i="0" u="none" strike="noStrike" dirty="0">
+              <a:t>, we expect that the sentiment on </a:t>
+            </a:r>
+            <a:r>
+              <a:rPr lang="en-GB" sz="3200" b="1" i="0" u="none" strike="noStrike" dirty="0">
                 <a:effectLst/>
                 <a:latin typeface="Arial" panose="020B0604020202020204" pitchFamily="34" charset="0"/>
               </a:rPr>
               <a:t>current events</a:t>
             </a:r>
             <a:r>
-              <a:rPr lang="en-GB" b="0" i="0" u="none" strike="noStrike" dirty="0">
+              <a:rPr lang="en-GB" sz="3200" b="0" i="0" u="none" strike="noStrike" dirty="0">
                 <a:effectLst/>
                 <a:latin typeface="Arial" panose="020B0604020202020204" pitchFamily="34" charset="0"/>
               </a:rPr>
-              <a:t>, particularly those with economic implications, as well as </a:t>
-            </a:r>
-            <a:r>
-              <a:rPr lang="en-GB" b="1" i="0" u="none" strike="noStrike" dirty="0">
+              <a:t>, particularly those with implications on </a:t>
+            </a:r>
+            <a:r>
+              <a:rPr lang="en-GB" sz="3200" b="1" i="0" u="none" strike="noStrike" dirty="0">
                 <a:effectLst/>
                 <a:latin typeface="Arial" panose="020B0604020202020204" pitchFamily="34" charset="0"/>
               </a:rPr>
-              <a:t>macroeconomic indices</a:t>
-            </a:r>
-            <a:r>
-              <a:rPr lang="en-GB" b="0" i="0" u="none" strike="noStrike" dirty="0">
+              <a:t>macroeconomic indices,</a:t>
+            </a:r>
+            <a:r>
+              <a:rPr lang="en-GB" sz="3200" b="0" i="0" u="none" strike="noStrike" dirty="0">
                 <a:effectLst/>
                 <a:latin typeface="Arial" panose="020B0604020202020204" pitchFamily="34" charset="0"/>
               </a:rPr>
-              <a:t> to </a:t>
-            </a:r>
-            <a:r>
-              <a:rPr lang="en-GB" b="1" i="0" u="none" strike="noStrike" dirty="0">
+              <a:t> as well as the grade of the individuals </a:t>
+            </a:r>
+            <a:r>
+              <a:rPr lang="en-GB" sz="3200" b="1" i="0" u="none" strike="noStrike" dirty="0">
+                <a:effectLst/>
+                <a:latin typeface="Arial" panose="020B0604020202020204" pitchFamily="34" charset="0"/>
+              </a:rPr>
+              <a:t>information </a:t>
+            </a:r>
+            <a:r>
+              <a:rPr lang="en-GB" sz="3200" b="0" i="0" u="none" strike="noStrike" dirty="0">
+                <a:effectLst/>
+                <a:latin typeface="Arial" panose="020B0604020202020204" pitchFamily="34" charset="0"/>
+              </a:rPr>
+              <a:t>to </a:t>
+            </a:r>
+            <a:r>
+              <a:rPr lang="en-GB" sz="3200" b="1" i="0" u="none" strike="noStrike" dirty="0">
                 <a:effectLst/>
                 <a:latin typeface="Arial" panose="020B0604020202020204" pitchFamily="34" charset="0"/>
               </a:rPr>
               <a:t>influence </a:t>
             </a:r>
             <a:r>
-              <a:rPr lang="en-GB" b="0" i="0" u="none" strike="noStrike" dirty="0">
+              <a:rPr lang="en-GB" sz="3200" b="0" i="0" u="none" strike="noStrike" dirty="0">
                 <a:effectLst/>
                 <a:latin typeface="Arial" panose="020B0604020202020204" pitchFamily="34" charset="0"/>
               </a:rPr>
-              <a:t>their </a:t>
-            </a:r>
-            <a:r>
-              <a:rPr lang="en-GB" b="1" i="0" u="none" strike="noStrike" dirty="0">
+              <a:t>the </a:t>
+            </a:r>
+            <a:r>
+              <a:rPr lang="en-GB" sz="3200" b="1" i="0" u="none" strike="noStrike" dirty="0">
                 <a:effectLst/>
                 <a:latin typeface="Arial" panose="020B0604020202020204" pitchFamily="34" charset="0"/>
               </a:rPr>
               <a:t>opinion</a:t>
             </a:r>
             <a:r>
-              <a:rPr lang="en-GB" b="0" i="0" u="none" strike="noStrike" dirty="0">
+              <a:rPr lang="en-GB" sz="3200" b="0" i="0" u="none" strike="noStrike" dirty="0">
                 <a:effectLst/>
                 <a:latin typeface="Arial" panose="020B0604020202020204" pitchFamily="34" charset="0"/>
               </a:rPr>
-              <a:t> on the </a:t>
-            </a:r>
-            <a:r>
-              <a:rPr lang="en-GB" b="1" i="0" u="none" strike="noStrike" dirty="0">
+              <a:t> on </a:t>
+            </a:r>
+            <a:r>
+              <a:rPr lang="en-GB" sz="3200" b="1" i="0" u="none" strike="noStrike" dirty="0">
                 <a:effectLst/>
                 <a:latin typeface="Arial" panose="020B0604020202020204" pitchFamily="34" charset="0"/>
               </a:rPr>
-              <a:t>timing of investments</a:t>
-            </a:r>
-            <a:r>
-              <a:rPr lang="en-GB" b="0" i="0" u="none" strike="noStrike" dirty="0">
+              <a:t>investments</a:t>
+            </a:r>
+            <a:r>
+              <a:rPr lang="en-GB" sz="3200" b="0" i="0" u="none" strike="noStrike" dirty="0">
                 <a:effectLst/>
                 <a:latin typeface="Arial" panose="020B0604020202020204" pitchFamily="34" charset="0"/>
               </a:rPr>
-              <a:t>. Negative events, higher interest rates, and higher inflation lead to lower investment intention, while rising markets cause higher investment intention.</a:t>
-            </a:r>
-            <a:endParaRPr lang="en-DE" dirty="0"/>
+              <a:t>.</a:t>
+            </a:r>
+            <a:endParaRPr lang="en-DE" sz="3200" dirty="0"/>
           </a:p>
         </p:txBody>
       </p:sp>
@@ -13693,2788 +10347,6 @@
     <p:extLst>
       <p:ext uri="{BB962C8B-B14F-4D97-AF65-F5344CB8AC3E}">
         <p14:creationId xmlns:p14="http://schemas.microsoft.com/office/powerpoint/2010/main" val="3250205473"/>
-      </p:ext>
-    </p:extLst>
-  </p:cSld>
-  <p:clrMapOvr>
-    <a:masterClrMapping/>
-  </p:clrMapOvr>
-</p:sld>
-</file>
-
-<file path=ppt/slides/slide20.xml><?xml version="1.0" encoding="utf-8"?>
-<p:sld xmlns:a="http://schemas.openxmlformats.org/drawingml/2006/main" xmlns:r="http://schemas.openxmlformats.org/officeDocument/2006/relationships" xmlns:p="http://schemas.openxmlformats.org/presentationml/2006/main">
-  <p:cSld>
-    <p:spTree>
-      <p:nvGrpSpPr>
-        <p:cNvPr id="1" name=""/>
-        <p:cNvGrpSpPr/>
-        <p:nvPr/>
-      </p:nvGrpSpPr>
-      <p:grpSpPr>
-        <a:xfrm>
-          <a:off x="0" y="0"/>
-          <a:ext cx="0" cy="0"/>
-          <a:chOff x="0" y="0"/>
-          <a:chExt cx="0" cy="0"/>
-        </a:xfrm>
-      </p:grpSpPr>
-      <p:sp>
-        <p:nvSpPr>
-          <p:cNvPr id="3" name="Date Placeholder 2">
-            <a:extLst>
-              <a:ext uri="{FF2B5EF4-FFF2-40B4-BE49-F238E27FC236}">
-                <a16:creationId xmlns:a16="http://schemas.microsoft.com/office/drawing/2014/main" id="{AC2E9A60-72DE-54B6-ED01-4723CCA951CB}"/>
-              </a:ext>
-            </a:extLst>
-          </p:cNvPr>
-          <p:cNvSpPr>
-            <a:spLocks noGrp="1"/>
-          </p:cNvSpPr>
-          <p:nvPr>
-            <p:ph type="dt" sz="half" idx="10"/>
-          </p:nvPr>
-        </p:nvSpPr>
-        <p:spPr/>
-        <p:txBody>
-          <a:bodyPr/>
-          <a:lstStyle/>
-          <a:p>
-            <a:fld id="{162C1F81-0292-4658-B990-314031B5EEE0}" type="datetime4">
-              <a:rPr lang="en-US" noProof="0" smtClean="0"/>
-              <a:t>November 26, 2024</a:t>
-            </a:fld>
-            <a:endParaRPr lang="en-US" noProof="0" dirty="0"/>
-          </a:p>
-        </p:txBody>
-      </p:sp>
-      <p:sp>
-        <p:nvSpPr>
-          <p:cNvPr id="4" name="Slide Number Placeholder 3">
-            <a:extLst>
-              <a:ext uri="{FF2B5EF4-FFF2-40B4-BE49-F238E27FC236}">
-                <a16:creationId xmlns:a16="http://schemas.microsoft.com/office/drawing/2014/main" id="{5C8E70CD-48B4-ABA9-745D-5E3C6EF0D764}"/>
-              </a:ext>
-            </a:extLst>
-          </p:cNvPr>
-          <p:cNvSpPr>
-            <a:spLocks noGrp="1"/>
-          </p:cNvSpPr>
-          <p:nvPr>
-            <p:ph type="sldNum" sz="quarter" idx="12"/>
-          </p:nvPr>
-        </p:nvSpPr>
-        <p:spPr/>
-        <p:txBody>
-          <a:bodyPr/>
-          <a:lstStyle/>
-          <a:p>
-            <a:fld id="{61696EC4-B4CF-4701-AD06-A8439D6D8E12}" type="slidenum">
-              <a:rPr lang="en-US" noProof="0" smtClean="0"/>
-              <a:t>20</a:t>
-            </a:fld>
-            <a:endParaRPr lang="en-US" noProof="0" dirty="0"/>
-          </a:p>
-        </p:txBody>
-      </p:sp>
-      <p:sp>
-        <p:nvSpPr>
-          <p:cNvPr id="5" name="Title 4">
-            <a:extLst>
-              <a:ext uri="{FF2B5EF4-FFF2-40B4-BE49-F238E27FC236}">
-                <a16:creationId xmlns:a16="http://schemas.microsoft.com/office/drawing/2014/main" id="{A01812BC-FDD2-AB84-A59E-114BEF278809}"/>
-              </a:ext>
-            </a:extLst>
-          </p:cNvPr>
-          <p:cNvSpPr>
-            <a:spLocks noGrp="1"/>
-          </p:cNvSpPr>
-          <p:nvPr>
-            <p:ph type="title"/>
-          </p:nvPr>
-        </p:nvSpPr>
-        <p:spPr/>
-        <p:txBody>
-          <a:bodyPr>
-            <a:normAutofit fontScale="90000"/>
-          </a:bodyPr>
-          <a:lstStyle/>
-          <a:p>
-            <a:r>
-              <a:rPr lang="en-DE" dirty="0"/>
-              <a:t>Correlation -</a:t>
-            </a:r>
-            <a:br>
-              <a:rPr lang="en-DE" dirty="0"/>
-            </a:br>
-            <a:r>
-              <a:rPr lang="en-DE" dirty="0"/>
-              <a:t>Financial Opinion and M</a:t>
-            </a:r>
-            <a:r>
-              <a:rPr lang="en-GB" dirty="0"/>
-              <a:t>a</a:t>
-            </a:r>
-            <a:r>
-              <a:rPr lang="en-DE" dirty="0"/>
-              <a:t>croeconomic Indizes</a:t>
-            </a:r>
-          </a:p>
-        </p:txBody>
-      </p:sp>
-      <p:pic>
-        <p:nvPicPr>
-          <p:cNvPr id="10" name="Content Placeholder 9">
-            <a:extLst>
-              <a:ext uri="{FF2B5EF4-FFF2-40B4-BE49-F238E27FC236}">
-                <a16:creationId xmlns:a16="http://schemas.microsoft.com/office/drawing/2014/main" id="{7741D92B-0BD9-AE2B-30F2-F6DFDC52B5A1}"/>
-              </a:ext>
-            </a:extLst>
-          </p:cNvPr>
-          <p:cNvPicPr>
-            <a:picLocks noGrp="1" noChangeAspect="1"/>
-          </p:cNvPicPr>
-          <p:nvPr>
-            <p:ph idx="1"/>
-          </p:nvPr>
-        </p:nvPicPr>
-        <p:blipFill>
-          <a:blip r:embed="rId2">
-            <a:extLst>
-              <a:ext uri="{28A0092B-C50C-407E-A947-70E740481C1C}">
-                <a14:useLocalDpi xmlns:a14="http://schemas.microsoft.com/office/drawing/2010/main" val="0"/>
-              </a:ext>
-            </a:extLst>
-          </a:blip>
-          <a:stretch>
-            <a:fillRect/>
-          </a:stretch>
-        </p:blipFill>
-        <p:spPr>
-          <a:xfrm>
-            <a:off x="288000" y="1609596"/>
-            <a:ext cx="5572046" cy="4635469"/>
-          </a:xfrm>
-        </p:spPr>
-      </p:pic>
-      <p:graphicFrame>
-        <p:nvGraphicFramePr>
-          <p:cNvPr id="13" name="Table 12">
-            <a:extLst>
-              <a:ext uri="{FF2B5EF4-FFF2-40B4-BE49-F238E27FC236}">
-                <a16:creationId xmlns:a16="http://schemas.microsoft.com/office/drawing/2014/main" id="{47D93929-512D-5796-F1BC-AE42E914C2D8}"/>
-              </a:ext>
-            </a:extLst>
-          </p:cNvPr>
-          <p:cNvGraphicFramePr>
-            <a:graphicFrameLocks noGrp="1"/>
-          </p:cNvGraphicFramePr>
-          <p:nvPr>
-            <p:extLst>
-              <p:ext uri="{D42A27DB-BD31-4B8C-83A1-F6EECF244321}">
-                <p14:modId xmlns:p14="http://schemas.microsoft.com/office/powerpoint/2010/main" val="860084214"/>
-              </p:ext>
-            </p:extLst>
-          </p:nvPr>
-        </p:nvGraphicFramePr>
-        <p:xfrm>
-          <a:off x="6331956" y="2574101"/>
-          <a:ext cx="5096418" cy="1482584"/>
-        </p:xfrm>
-        <a:graphic>
-          <a:graphicData uri="http://schemas.openxmlformats.org/drawingml/2006/table">
-            <a:tbl>
-              <a:tblPr firstRow="1" bandRow="1">
-                <a:tableStyleId>{D7AC3CCA-C797-4891-BE02-D94E43425B78}</a:tableStyleId>
-              </a:tblPr>
-              <a:tblGrid>
-                <a:gridCol w="1100614">
-                  <a:extLst>
-                    <a:ext uri="{9D8B030D-6E8A-4147-A177-3AD203B41FA5}">
-                      <a16:colId xmlns:a16="http://schemas.microsoft.com/office/drawing/2014/main" val="250032926"/>
-                    </a:ext>
-                  </a:extLst>
-                </a:gridCol>
-                <a:gridCol w="3995804">
-                  <a:extLst>
-                    <a:ext uri="{9D8B030D-6E8A-4147-A177-3AD203B41FA5}">
-                      <a16:colId xmlns:a16="http://schemas.microsoft.com/office/drawing/2014/main" val="1649328074"/>
-                    </a:ext>
-                  </a:extLst>
-                </a:gridCol>
-              </a:tblGrid>
-              <a:tr h="370646">
-                <a:tc>
-                  <a:txBody>
-                    <a:bodyPr/>
-                    <a:lstStyle/>
-                    <a:p>
-                      <a:r>
-                        <a:rPr lang="en-DE" sz="1400" dirty="0"/>
-                        <a:t>Ind</a:t>
-                      </a:r>
-                    </a:p>
-                  </a:txBody>
-                  <a:tcPr/>
-                </a:tc>
-                <a:tc>
-                  <a:txBody>
-                    <a:bodyPr/>
-                    <a:lstStyle/>
-                    <a:p>
-                      <a:r>
-                        <a:rPr lang="en-DE" sz="1400" dirty="0"/>
-                        <a:t>Question</a:t>
-                      </a:r>
-                    </a:p>
-                  </a:txBody>
-                  <a:tcPr/>
-                </a:tc>
-                <a:extLst>
-                  <a:ext uri="{0D108BD9-81ED-4DB2-BD59-A6C34878D82A}">
-                    <a16:rowId xmlns:a16="http://schemas.microsoft.com/office/drawing/2014/main" val="1110645789"/>
-                  </a:ext>
-                </a:extLst>
-              </a:tr>
-              <a:tr h="370646">
-                <a:tc>
-                  <a:txBody>
-                    <a:bodyPr/>
-                    <a:lstStyle/>
-                    <a:p>
-                      <a:r>
-                        <a:rPr lang="en-GB" sz="1400" dirty="0"/>
-                        <a:t>F71invest</a:t>
-                      </a:r>
-                      <a:endParaRPr lang="en-DE" sz="1400" dirty="0"/>
-                    </a:p>
-                  </a:txBody>
-                  <a:tcPr/>
-                </a:tc>
-                <a:tc>
-                  <a:txBody>
-                    <a:bodyPr/>
-                    <a:lstStyle/>
-                    <a:p>
-                      <a:r>
-                        <a:rPr lang="en-GB" sz="1400" dirty="0" err="1"/>
-                        <a:t>Investieren</a:t>
-                      </a:r>
-                      <a:r>
-                        <a:rPr lang="en-GB" sz="1400" dirty="0"/>
-                        <a:t> Sie </a:t>
-                      </a:r>
-                      <a:r>
-                        <a:rPr lang="en-GB" sz="1400" dirty="0" err="1"/>
-                        <a:t>momentan</a:t>
-                      </a:r>
-                      <a:r>
-                        <a:rPr lang="en-GB" sz="1400" dirty="0"/>
-                        <a:t> in den </a:t>
-                      </a:r>
-                      <a:r>
-                        <a:rPr lang="en-GB" sz="1400" dirty="0" err="1"/>
-                        <a:t>Aktienmarkt</a:t>
-                      </a:r>
-                      <a:endParaRPr lang="en-DE" sz="1400" dirty="0"/>
-                    </a:p>
-                  </a:txBody>
-                  <a:tcPr/>
-                </a:tc>
-                <a:extLst>
-                  <a:ext uri="{0D108BD9-81ED-4DB2-BD59-A6C34878D82A}">
-                    <a16:rowId xmlns:a16="http://schemas.microsoft.com/office/drawing/2014/main" val="287651475"/>
-                  </a:ext>
-                </a:extLst>
-              </a:tr>
-              <a:tr h="370646">
-                <a:tc>
-                  <a:txBody>
-                    <a:bodyPr/>
-                    <a:lstStyle/>
-                    <a:p>
-                      <a:r>
-                        <a:rPr lang="en-GB" sz="1400" dirty="0"/>
-                        <a:t>F5A10_2</a:t>
-                      </a:r>
-                      <a:endParaRPr lang="en-DE" sz="1400" dirty="0"/>
-                    </a:p>
-                  </a:txBody>
-                  <a:tcPr/>
-                </a:tc>
-                <a:tc>
-                  <a:txBody>
-                    <a:bodyPr/>
-                    <a:lstStyle/>
-                    <a:p>
-                      <a:r>
-                        <a:rPr lang="en-GB" sz="1400" dirty="0"/>
-                        <a:t>Wie </a:t>
-                      </a:r>
-                      <a:r>
-                        <a:rPr lang="en-GB" sz="1400" dirty="0" err="1"/>
-                        <a:t>viel</a:t>
-                      </a:r>
-                      <a:r>
-                        <a:rPr lang="en-GB" sz="1400" dirty="0"/>
-                        <a:t> </a:t>
-                      </a:r>
-                      <a:r>
-                        <a:rPr lang="en-GB" sz="1400" dirty="0" err="1"/>
-                        <a:t>Vertrauen</a:t>
-                      </a:r>
-                      <a:r>
-                        <a:rPr lang="en-GB" sz="1400" dirty="0"/>
-                        <a:t> </a:t>
-                      </a:r>
-                      <a:r>
-                        <a:rPr lang="en-GB" sz="1400" dirty="0" err="1"/>
-                        <a:t>haben</a:t>
-                      </a:r>
-                      <a:r>
-                        <a:rPr lang="en-GB" sz="1400" dirty="0"/>
-                        <a:t> Sie in den </a:t>
-                      </a:r>
-                      <a:r>
-                        <a:rPr lang="en-GB" sz="1400" dirty="0" err="1"/>
-                        <a:t>Aktienmarkt</a:t>
-                      </a:r>
-                      <a:endParaRPr lang="en-DE" sz="1400" dirty="0"/>
-                    </a:p>
-                  </a:txBody>
-                  <a:tcPr/>
-                </a:tc>
-                <a:extLst>
-                  <a:ext uri="{0D108BD9-81ED-4DB2-BD59-A6C34878D82A}">
-                    <a16:rowId xmlns:a16="http://schemas.microsoft.com/office/drawing/2014/main" val="178695585"/>
-                  </a:ext>
-                </a:extLst>
-              </a:tr>
-              <a:tr h="370646">
-                <a:tc>
-                  <a:txBody>
-                    <a:bodyPr/>
-                    <a:lstStyle/>
-                    <a:p>
-                      <a:r>
-                        <a:rPr lang="en-DE" sz="1400" dirty="0"/>
-                        <a:t>F3A21_1</a:t>
-                      </a:r>
-                    </a:p>
-                  </a:txBody>
-                  <a:tcPr/>
-                </a:tc>
-                <a:tc>
-                  <a:txBody>
-                    <a:bodyPr/>
-                    <a:lstStyle/>
-                    <a:p>
-                      <a:r>
-                        <a:rPr lang="en-GB" sz="1400" dirty="0" err="1"/>
-                        <a:t>Aktuell</a:t>
-                      </a:r>
-                      <a:r>
-                        <a:rPr lang="en-GB" sz="1400" dirty="0"/>
-                        <a:t> </a:t>
-                      </a:r>
-                      <a:r>
-                        <a:rPr lang="en-GB" sz="1400" dirty="0" err="1"/>
-                        <a:t>ergibt</a:t>
-                      </a:r>
-                      <a:r>
-                        <a:rPr lang="en-GB" sz="1400" dirty="0"/>
-                        <a:t> es Sinn in </a:t>
-                      </a:r>
-                      <a:r>
-                        <a:rPr lang="en-GB" sz="1400" dirty="0" err="1"/>
-                        <a:t>Aktien</a:t>
-                      </a:r>
-                      <a:r>
-                        <a:rPr lang="en-GB" sz="1400" dirty="0"/>
-                        <a:t> </a:t>
-                      </a:r>
-                      <a:r>
-                        <a:rPr lang="en-GB" sz="1400" dirty="0" err="1"/>
-                        <a:t>zu</a:t>
-                      </a:r>
-                      <a:r>
-                        <a:rPr lang="en-GB" sz="1400" dirty="0"/>
-                        <a:t> </a:t>
-                      </a:r>
-                      <a:r>
-                        <a:rPr lang="en-GB" sz="1400" dirty="0" err="1"/>
-                        <a:t>investieren</a:t>
-                      </a:r>
-                      <a:endParaRPr lang="en-DE" sz="1400" dirty="0"/>
-                    </a:p>
-                  </a:txBody>
-                  <a:tcPr/>
-                </a:tc>
-                <a:extLst>
-                  <a:ext uri="{0D108BD9-81ED-4DB2-BD59-A6C34878D82A}">
-                    <a16:rowId xmlns:a16="http://schemas.microsoft.com/office/drawing/2014/main" val="4215868940"/>
-                  </a:ext>
-                </a:extLst>
-              </a:tr>
-            </a:tbl>
-          </a:graphicData>
-        </a:graphic>
-      </p:graphicFrame>
-    </p:spTree>
-    <p:extLst>
-      <p:ext uri="{BB962C8B-B14F-4D97-AF65-F5344CB8AC3E}">
-        <p14:creationId xmlns:p14="http://schemas.microsoft.com/office/powerpoint/2010/main" val="1301549188"/>
-      </p:ext>
-    </p:extLst>
-  </p:cSld>
-  <p:clrMapOvr>
-    <a:masterClrMapping/>
-  </p:clrMapOvr>
-</p:sld>
-</file>
-
-<file path=ppt/slides/slide21.xml><?xml version="1.0" encoding="utf-8"?>
-<p:sld xmlns:a="http://schemas.openxmlformats.org/drawingml/2006/main" xmlns:r="http://schemas.openxmlformats.org/officeDocument/2006/relationships" xmlns:p="http://schemas.openxmlformats.org/presentationml/2006/main">
-  <p:cSld>
-    <p:spTree>
-      <p:nvGrpSpPr>
-        <p:cNvPr id="1" name=""/>
-        <p:cNvGrpSpPr/>
-        <p:nvPr/>
-      </p:nvGrpSpPr>
-      <p:grpSpPr>
-        <a:xfrm>
-          <a:off x="0" y="0"/>
-          <a:ext cx="0" cy="0"/>
-          <a:chOff x="0" y="0"/>
-          <a:chExt cx="0" cy="0"/>
-        </a:xfrm>
-      </p:grpSpPr>
-      <p:pic>
-        <p:nvPicPr>
-          <p:cNvPr id="6" name="Content Placeholder 5">
-            <a:extLst>
-              <a:ext uri="{FF2B5EF4-FFF2-40B4-BE49-F238E27FC236}">
-                <a16:creationId xmlns:a16="http://schemas.microsoft.com/office/drawing/2014/main" id="{7C2C3674-3B98-1615-2254-6E85C6F01503}"/>
-              </a:ext>
-            </a:extLst>
-          </p:cNvPr>
-          <p:cNvPicPr>
-            <a:picLocks noGrp="1" noChangeAspect="1"/>
-          </p:cNvPicPr>
-          <p:nvPr>
-            <p:ph idx="1"/>
-          </p:nvPr>
-        </p:nvPicPr>
-        <p:blipFill>
-          <a:blip r:embed="rId2"/>
-          <a:stretch>
-            <a:fillRect/>
-          </a:stretch>
-        </p:blipFill>
-        <p:spPr>
-          <a:xfrm>
-            <a:off x="723157" y="1426543"/>
-            <a:ext cx="5688632" cy="4598476"/>
-          </a:xfrm>
-          <a:prstGeom prst="rect">
-            <a:avLst/>
-          </a:prstGeom>
-        </p:spPr>
-      </p:pic>
-      <p:sp>
-        <p:nvSpPr>
-          <p:cNvPr id="3" name="Date Placeholder 2">
-            <a:extLst>
-              <a:ext uri="{FF2B5EF4-FFF2-40B4-BE49-F238E27FC236}">
-                <a16:creationId xmlns:a16="http://schemas.microsoft.com/office/drawing/2014/main" id="{358895BD-E843-B6D1-5308-62076CE32210}"/>
-              </a:ext>
-            </a:extLst>
-          </p:cNvPr>
-          <p:cNvSpPr>
-            <a:spLocks noGrp="1"/>
-          </p:cNvSpPr>
-          <p:nvPr>
-            <p:ph type="dt" sz="half" idx="10"/>
-          </p:nvPr>
-        </p:nvSpPr>
-        <p:spPr/>
-        <p:txBody>
-          <a:bodyPr/>
-          <a:lstStyle/>
-          <a:p>
-            <a:fld id="{162C1F81-0292-4658-B990-314031B5EEE0}" type="datetime4">
-              <a:rPr lang="en-US" noProof="0" smtClean="0"/>
-              <a:t>November 26, 2024</a:t>
-            </a:fld>
-            <a:endParaRPr lang="en-US" noProof="0" dirty="0"/>
-          </a:p>
-        </p:txBody>
-      </p:sp>
-      <p:sp>
-        <p:nvSpPr>
-          <p:cNvPr id="4" name="Slide Number Placeholder 3">
-            <a:extLst>
-              <a:ext uri="{FF2B5EF4-FFF2-40B4-BE49-F238E27FC236}">
-                <a16:creationId xmlns:a16="http://schemas.microsoft.com/office/drawing/2014/main" id="{8E80C3A0-2D0B-2FF4-1510-CD612FB21EF9}"/>
-              </a:ext>
-            </a:extLst>
-          </p:cNvPr>
-          <p:cNvSpPr>
-            <a:spLocks noGrp="1"/>
-          </p:cNvSpPr>
-          <p:nvPr>
-            <p:ph type="sldNum" sz="quarter" idx="12"/>
-          </p:nvPr>
-        </p:nvSpPr>
-        <p:spPr/>
-        <p:txBody>
-          <a:bodyPr/>
-          <a:lstStyle/>
-          <a:p>
-            <a:fld id="{61696EC4-B4CF-4701-AD06-A8439D6D8E12}" type="slidenum">
-              <a:rPr lang="en-US" noProof="0" smtClean="0"/>
-              <a:t>21</a:t>
-            </a:fld>
-            <a:endParaRPr lang="en-US" noProof="0" dirty="0"/>
-          </a:p>
-        </p:txBody>
-      </p:sp>
-      <p:sp>
-        <p:nvSpPr>
-          <p:cNvPr id="5" name="Title 4">
-            <a:extLst>
-              <a:ext uri="{FF2B5EF4-FFF2-40B4-BE49-F238E27FC236}">
-                <a16:creationId xmlns:a16="http://schemas.microsoft.com/office/drawing/2014/main" id="{60A61238-1934-AF43-2E3B-8AA49DDE1B10}"/>
-              </a:ext>
-            </a:extLst>
-          </p:cNvPr>
-          <p:cNvSpPr>
-            <a:spLocks noGrp="1"/>
-          </p:cNvSpPr>
-          <p:nvPr>
-            <p:ph type="title"/>
-          </p:nvPr>
-        </p:nvSpPr>
-        <p:spPr/>
-        <p:txBody>
-          <a:bodyPr anchor="t">
-            <a:normAutofit fontScale="90000"/>
-          </a:bodyPr>
-          <a:lstStyle/>
-          <a:p>
-            <a:r>
-              <a:rPr lang="en-DE" dirty="0"/>
-              <a:t>Correlation - Financial Opinion and </a:t>
-            </a:r>
-            <a:r>
-              <a:rPr lang="de-DE" dirty="0" err="1"/>
-              <a:t>Being</a:t>
-            </a:r>
-            <a:r>
-              <a:rPr lang="de-DE" dirty="0"/>
-              <a:t> </a:t>
-            </a:r>
-            <a:r>
-              <a:rPr lang="de-DE" dirty="0" err="1"/>
-              <a:t>Informed</a:t>
-            </a:r>
-            <a:endParaRPr lang="en-DE" dirty="0"/>
-          </a:p>
-        </p:txBody>
-      </p:sp>
-      <p:graphicFrame>
-        <p:nvGraphicFramePr>
-          <p:cNvPr id="9" name="Table 8">
-            <a:extLst>
-              <a:ext uri="{FF2B5EF4-FFF2-40B4-BE49-F238E27FC236}">
-                <a16:creationId xmlns:a16="http://schemas.microsoft.com/office/drawing/2014/main" id="{4C42CF2B-DD69-4EDA-F454-D8D36CFD96CB}"/>
-              </a:ext>
-            </a:extLst>
-          </p:cNvPr>
-          <p:cNvGraphicFramePr>
-            <a:graphicFrameLocks noGrp="1"/>
-          </p:cNvGraphicFramePr>
-          <p:nvPr>
-            <p:extLst>
-              <p:ext uri="{D42A27DB-BD31-4B8C-83A1-F6EECF244321}">
-                <p14:modId xmlns:p14="http://schemas.microsoft.com/office/powerpoint/2010/main" val="236061931"/>
-              </p:ext>
-            </p:extLst>
-          </p:nvPr>
-        </p:nvGraphicFramePr>
-        <p:xfrm>
-          <a:off x="6567582" y="1020566"/>
-          <a:ext cx="5096418" cy="5326786"/>
-        </p:xfrm>
-        <a:graphic>
-          <a:graphicData uri="http://schemas.openxmlformats.org/drawingml/2006/table">
-            <a:tbl>
-              <a:tblPr firstRow="1" bandRow="1">
-                <a:tableStyleId>{D7AC3CCA-C797-4891-BE02-D94E43425B78}</a:tableStyleId>
-              </a:tblPr>
-              <a:tblGrid>
-                <a:gridCol w="1108505">
-                  <a:extLst>
-                    <a:ext uri="{9D8B030D-6E8A-4147-A177-3AD203B41FA5}">
-                      <a16:colId xmlns:a16="http://schemas.microsoft.com/office/drawing/2014/main" val="250032926"/>
-                    </a:ext>
-                  </a:extLst>
-                </a:gridCol>
-                <a:gridCol w="3987913">
-                  <a:extLst>
-                    <a:ext uri="{9D8B030D-6E8A-4147-A177-3AD203B41FA5}">
-                      <a16:colId xmlns:a16="http://schemas.microsoft.com/office/drawing/2014/main" val="1649328074"/>
-                    </a:ext>
-                  </a:extLst>
-                </a:gridCol>
-              </a:tblGrid>
-              <a:tr h="295273">
-                <a:tc>
-                  <a:txBody>
-                    <a:bodyPr/>
-                    <a:lstStyle/>
-                    <a:p>
-                      <a:r>
-                        <a:rPr lang="en-DE" sz="1400" dirty="0"/>
-                        <a:t>Ind</a:t>
-                      </a:r>
-                    </a:p>
-                  </a:txBody>
-                  <a:tcPr/>
-                </a:tc>
-                <a:tc>
-                  <a:txBody>
-                    <a:bodyPr/>
-                    <a:lstStyle/>
-                    <a:p>
-                      <a:r>
-                        <a:rPr lang="en-DE" sz="1400" dirty="0"/>
-                        <a:t>Question</a:t>
-                      </a:r>
-                    </a:p>
-                  </a:txBody>
-                  <a:tcPr/>
-                </a:tc>
-                <a:extLst>
-                  <a:ext uri="{0D108BD9-81ED-4DB2-BD59-A6C34878D82A}">
-                    <a16:rowId xmlns:a16="http://schemas.microsoft.com/office/drawing/2014/main" val="1110645789"/>
-                  </a:ext>
-                </a:extLst>
-              </a:tr>
-              <a:tr h="370646">
-                <a:tc>
-                  <a:txBody>
-                    <a:bodyPr/>
-                    <a:lstStyle/>
-                    <a:p>
-                      <a:r>
-                        <a:rPr lang="en-GB" sz="1400" dirty="0"/>
-                        <a:t>F71invest</a:t>
-                      </a:r>
-                      <a:endParaRPr lang="en-DE" sz="1400" dirty="0"/>
-                    </a:p>
-                  </a:txBody>
-                  <a:tcPr>
-                    <a:solidFill>
-                      <a:schemeClr val="accent1">
-                        <a:lumMod val="20000"/>
-                        <a:lumOff val="80000"/>
-                      </a:schemeClr>
-                    </a:solidFill>
-                  </a:tcPr>
-                </a:tc>
-                <a:tc>
-                  <a:txBody>
-                    <a:bodyPr/>
-                    <a:lstStyle/>
-                    <a:p>
-                      <a:r>
-                        <a:rPr lang="en-GB" sz="1400" dirty="0" err="1"/>
-                        <a:t>Investieren</a:t>
-                      </a:r>
-                      <a:r>
-                        <a:rPr lang="en-GB" sz="1400" dirty="0"/>
-                        <a:t> Sie </a:t>
-                      </a:r>
-                      <a:r>
-                        <a:rPr lang="en-GB" sz="1400" dirty="0" err="1"/>
-                        <a:t>momentan</a:t>
-                      </a:r>
-                      <a:r>
-                        <a:rPr lang="en-GB" sz="1400" dirty="0"/>
-                        <a:t> in den </a:t>
-                      </a:r>
-                      <a:r>
-                        <a:rPr lang="en-GB" sz="1400" dirty="0" err="1"/>
-                        <a:t>Aktienmarkt</a:t>
-                      </a:r>
-                      <a:endParaRPr lang="en-DE" sz="1400" dirty="0"/>
-                    </a:p>
-                  </a:txBody>
-                  <a:tcPr>
-                    <a:solidFill>
-                      <a:schemeClr val="accent1">
-                        <a:lumMod val="20000"/>
-                        <a:lumOff val="80000"/>
-                      </a:schemeClr>
-                    </a:solidFill>
-                  </a:tcPr>
-                </a:tc>
-                <a:extLst>
-                  <a:ext uri="{0D108BD9-81ED-4DB2-BD59-A6C34878D82A}">
-                    <a16:rowId xmlns:a16="http://schemas.microsoft.com/office/drawing/2014/main" val="287651475"/>
-                  </a:ext>
-                </a:extLst>
-              </a:tr>
-              <a:tr h="370646">
-                <a:tc>
-                  <a:txBody>
-                    <a:bodyPr/>
-                    <a:lstStyle/>
-                    <a:p>
-                      <a:r>
-                        <a:rPr lang="en-GB" sz="1400" dirty="0"/>
-                        <a:t>F5A10_2</a:t>
-                      </a:r>
-                      <a:endParaRPr lang="en-DE" sz="1400" dirty="0"/>
-                    </a:p>
-                  </a:txBody>
-                  <a:tcPr>
-                    <a:solidFill>
-                      <a:schemeClr val="accent1">
-                        <a:lumMod val="20000"/>
-                        <a:lumOff val="80000"/>
-                      </a:schemeClr>
-                    </a:solidFill>
-                  </a:tcPr>
-                </a:tc>
-                <a:tc>
-                  <a:txBody>
-                    <a:bodyPr/>
-                    <a:lstStyle/>
-                    <a:p>
-                      <a:r>
-                        <a:rPr lang="en-GB" sz="1400" dirty="0"/>
-                        <a:t>Wie </a:t>
-                      </a:r>
-                      <a:r>
-                        <a:rPr lang="en-GB" sz="1400" dirty="0" err="1"/>
-                        <a:t>viel</a:t>
-                      </a:r>
-                      <a:r>
-                        <a:rPr lang="en-GB" sz="1400" dirty="0"/>
-                        <a:t> </a:t>
-                      </a:r>
-                      <a:r>
-                        <a:rPr lang="en-GB" sz="1400" dirty="0" err="1"/>
-                        <a:t>Vertrauen</a:t>
-                      </a:r>
-                      <a:r>
-                        <a:rPr lang="en-GB" sz="1400" dirty="0"/>
-                        <a:t> </a:t>
-                      </a:r>
-                      <a:r>
-                        <a:rPr lang="en-GB" sz="1400" dirty="0" err="1"/>
-                        <a:t>haben</a:t>
-                      </a:r>
-                      <a:r>
-                        <a:rPr lang="en-GB" sz="1400" dirty="0"/>
-                        <a:t> Sie in den </a:t>
-                      </a:r>
-                      <a:r>
-                        <a:rPr lang="en-GB" sz="1400" dirty="0" err="1"/>
-                        <a:t>Aktienmarkt</a:t>
-                      </a:r>
-                      <a:endParaRPr lang="en-DE" sz="1400" dirty="0"/>
-                    </a:p>
-                  </a:txBody>
-                  <a:tcPr>
-                    <a:solidFill>
-                      <a:schemeClr val="accent1">
-                        <a:lumMod val="20000"/>
-                        <a:lumOff val="80000"/>
-                      </a:schemeClr>
-                    </a:solidFill>
-                  </a:tcPr>
-                </a:tc>
-                <a:extLst>
-                  <a:ext uri="{0D108BD9-81ED-4DB2-BD59-A6C34878D82A}">
-                    <a16:rowId xmlns:a16="http://schemas.microsoft.com/office/drawing/2014/main" val="178695585"/>
-                  </a:ext>
-                </a:extLst>
-              </a:tr>
-              <a:tr h="370646">
-                <a:tc>
-                  <a:txBody>
-                    <a:bodyPr/>
-                    <a:lstStyle/>
-                    <a:p>
-                      <a:r>
-                        <a:rPr lang="en-DE" sz="1400" dirty="0"/>
-                        <a:t>F3A21_1</a:t>
-                      </a:r>
-                    </a:p>
-                  </a:txBody>
-                  <a:tcPr>
-                    <a:solidFill>
-                      <a:schemeClr val="accent1">
-                        <a:lumMod val="20000"/>
-                        <a:lumOff val="80000"/>
-                      </a:schemeClr>
-                    </a:solidFill>
-                  </a:tcPr>
-                </a:tc>
-                <a:tc>
-                  <a:txBody>
-                    <a:bodyPr/>
-                    <a:lstStyle/>
-                    <a:p>
-                      <a:r>
-                        <a:rPr lang="en-GB" sz="1400" dirty="0" err="1"/>
-                        <a:t>Aktuell</a:t>
-                      </a:r>
-                      <a:r>
-                        <a:rPr lang="en-GB" sz="1400" dirty="0"/>
-                        <a:t> </a:t>
-                      </a:r>
-                      <a:r>
-                        <a:rPr lang="en-GB" sz="1400" dirty="0" err="1"/>
-                        <a:t>ergibt</a:t>
-                      </a:r>
-                      <a:r>
-                        <a:rPr lang="en-GB" sz="1400" dirty="0"/>
-                        <a:t> es Sinn in </a:t>
-                      </a:r>
-                      <a:r>
-                        <a:rPr lang="en-GB" sz="1400" dirty="0" err="1"/>
-                        <a:t>Aktien</a:t>
-                      </a:r>
-                      <a:r>
-                        <a:rPr lang="en-GB" sz="1400" dirty="0"/>
-                        <a:t> </a:t>
-                      </a:r>
-                      <a:r>
-                        <a:rPr lang="en-GB" sz="1400" dirty="0" err="1"/>
-                        <a:t>zu</a:t>
-                      </a:r>
-                      <a:r>
-                        <a:rPr lang="en-GB" sz="1400" dirty="0"/>
-                        <a:t> </a:t>
-                      </a:r>
-                      <a:r>
-                        <a:rPr lang="en-GB" sz="1400" dirty="0" err="1"/>
-                        <a:t>investieren</a:t>
-                      </a:r>
-                      <a:endParaRPr lang="en-DE" sz="1400" dirty="0"/>
-                    </a:p>
-                  </a:txBody>
-                  <a:tcPr>
-                    <a:solidFill>
-                      <a:schemeClr val="accent1">
-                        <a:lumMod val="20000"/>
-                        <a:lumOff val="80000"/>
-                      </a:schemeClr>
-                    </a:solidFill>
-                  </a:tcPr>
-                </a:tc>
-                <a:extLst>
-                  <a:ext uri="{0D108BD9-81ED-4DB2-BD59-A6C34878D82A}">
-                    <a16:rowId xmlns:a16="http://schemas.microsoft.com/office/drawing/2014/main" val="4215868940"/>
-                  </a:ext>
-                </a:extLst>
-              </a:tr>
-              <a:tr h="370646">
-                <a:tc>
-                  <a:txBody>
-                    <a:bodyPr/>
-                    <a:lstStyle/>
-                    <a:p>
-                      <a:r>
-                        <a:rPr lang="en-DE" sz="1400" dirty="0"/>
-                        <a:t>F5aA1_1</a:t>
-                      </a:r>
-                    </a:p>
-                  </a:txBody>
-                  <a:tcPr>
-                    <a:solidFill>
-                      <a:schemeClr val="accent3">
-                        <a:lumMod val="20000"/>
-                        <a:lumOff val="80000"/>
-                      </a:schemeClr>
-                    </a:solidFill>
-                  </a:tcPr>
-                </a:tc>
-                <a:tc>
-                  <a:txBody>
-                    <a:bodyPr/>
-                    <a:lstStyle/>
-                    <a:p>
-                      <a:pPr lvl="0" algn="l" fontAlgn="b"/>
-                      <a:r>
-                        <a:rPr lang="en-GB" sz="1400" b="0" i="0" u="none" strike="noStrike" dirty="0">
-                          <a:solidFill>
-                            <a:srgbClr val="000000"/>
-                          </a:solidFill>
-                          <a:effectLst/>
-                          <a:latin typeface="+mn-lt"/>
-                        </a:rPr>
-                        <a:t>   Wie </a:t>
-                      </a:r>
-                      <a:r>
-                        <a:rPr lang="en-GB" sz="1400" b="0" i="0" u="none" strike="noStrike" dirty="0" err="1">
-                          <a:solidFill>
-                            <a:srgbClr val="000000"/>
-                          </a:solidFill>
-                          <a:effectLst/>
-                          <a:latin typeface="+mn-lt"/>
-                        </a:rPr>
-                        <a:t>häufig</a:t>
-                      </a:r>
-                      <a:r>
-                        <a:rPr lang="en-GB" sz="1400" b="0" i="0" u="none" strike="noStrike" dirty="0">
-                          <a:solidFill>
-                            <a:srgbClr val="000000"/>
-                          </a:solidFill>
-                          <a:effectLst/>
-                          <a:latin typeface="+mn-lt"/>
-                        </a:rPr>
-                        <a:t> </a:t>
-                      </a:r>
-                      <a:r>
-                        <a:rPr lang="en-GB" sz="1400" b="0" i="0" u="none" strike="noStrike" dirty="0" err="1">
-                          <a:solidFill>
-                            <a:srgbClr val="000000"/>
-                          </a:solidFill>
-                          <a:effectLst/>
-                          <a:latin typeface="+mn-lt"/>
-                        </a:rPr>
-                        <a:t>beziehen</a:t>
-                      </a:r>
-                      <a:r>
-                        <a:rPr lang="en-GB" sz="1400" b="0" i="0" u="none" strike="noStrike" dirty="0">
-                          <a:solidFill>
-                            <a:srgbClr val="000000"/>
-                          </a:solidFill>
-                          <a:effectLst/>
-                          <a:latin typeface="+mn-lt"/>
-                        </a:rPr>
-                        <a:t> Sie </a:t>
-                      </a:r>
-                      <a:r>
-                        <a:rPr lang="en-GB" sz="1400" b="0" i="0" u="none" strike="noStrike" dirty="0" err="1">
-                          <a:solidFill>
-                            <a:srgbClr val="000000"/>
-                          </a:solidFill>
-                          <a:effectLst/>
-                          <a:latin typeface="+mn-lt"/>
-                        </a:rPr>
-                        <a:t>Nachrichten</a:t>
-                      </a:r>
-                      <a:r>
-                        <a:rPr lang="en-GB" sz="1400" b="0" i="0" u="none" strike="noStrike" dirty="0">
-                          <a:solidFill>
-                            <a:srgbClr val="000000"/>
-                          </a:solidFill>
-                          <a:effectLst/>
-                          <a:latin typeface="+mn-lt"/>
-                        </a:rPr>
-                        <a:t> au                              </a:t>
-                      </a:r>
-                      <a:r>
-                        <a:rPr lang="en-GB" sz="1400" b="0" i="0" u="none" strike="noStrike" dirty="0" err="1">
-                          <a:solidFill>
-                            <a:srgbClr val="000000"/>
-                          </a:solidFill>
-                          <a:effectLst/>
-                          <a:latin typeface="+mn-lt"/>
-                        </a:rPr>
-                        <a:t>öffentlichen</a:t>
-                      </a:r>
-                      <a:r>
-                        <a:rPr lang="en-GB" sz="1400" b="0" i="0" u="none" strike="noStrike" dirty="0">
-                          <a:solidFill>
-                            <a:srgbClr val="000000"/>
-                          </a:solidFill>
-                          <a:effectLst/>
-                          <a:latin typeface="+mn-lt"/>
-                        </a:rPr>
-                        <a:t> </a:t>
-                      </a:r>
-                      <a:r>
-                        <a:rPr lang="en-GB" sz="1400" b="0" i="0" u="none" strike="noStrike" dirty="0" err="1">
-                          <a:solidFill>
-                            <a:srgbClr val="000000"/>
-                          </a:solidFill>
-                          <a:effectLst/>
-                          <a:latin typeface="+mn-lt"/>
-                        </a:rPr>
-                        <a:t>Medienstationen</a:t>
-                      </a:r>
-                      <a:endParaRPr lang="en-GB" sz="1400" b="0" i="0" u="none" strike="noStrike" dirty="0">
-                        <a:solidFill>
-                          <a:srgbClr val="000000"/>
-                        </a:solidFill>
-                        <a:effectLst/>
-                        <a:latin typeface="+mn-lt"/>
-                      </a:endParaRPr>
-                    </a:p>
-                  </a:txBody>
-                  <a:tcPr marL="0" marR="0" marT="0" marB="0" anchor="ctr">
-                    <a:solidFill>
-                      <a:schemeClr val="accent3">
-                        <a:lumMod val="20000"/>
-                        <a:lumOff val="80000"/>
-                      </a:schemeClr>
-                    </a:solidFill>
-                  </a:tcPr>
-                </a:tc>
-                <a:extLst>
-                  <a:ext uri="{0D108BD9-81ED-4DB2-BD59-A6C34878D82A}">
-                    <a16:rowId xmlns:a16="http://schemas.microsoft.com/office/drawing/2014/main" val="3564820177"/>
-                  </a:ext>
-                </a:extLst>
-              </a:tr>
-              <a:tr h="370646">
-                <a:tc>
-                  <a:txBody>
-                    <a:bodyPr/>
-                    <a:lstStyle/>
-                    <a:p>
-                      <a:r>
-                        <a:rPr lang="en-DE" sz="1400" dirty="0"/>
-                        <a:t>F5aA2_1</a:t>
-                      </a:r>
-                    </a:p>
-                  </a:txBody>
-                  <a:tcPr>
-                    <a:solidFill>
-                      <a:schemeClr val="accent3">
-                        <a:lumMod val="20000"/>
-                        <a:lumOff val="80000"/>
-                      </a:schemeClr>
-                    </a:solidFill>
-                  </a:tcPr>
-                </a:tc>
-                <a:tc>
-                  <a:txBody>
-                    <a:bodyPr/>
-                    <a:lstStyle/>
-                    <a:p>
-                      <a:r>
-                        <a:rPr lang="en-DE" sz="1400" dirty="0"/>
-                        <a:t>...privaten Medienstationen</a:t>
-                      </a:r>
-                    </a:p>
-                  </a:txBody>
-                  <a:tcPr>
-                    <a:solidFill>
-                      <a:schemeClr val="accent3">
-                        <a:lumMod val="20000"/>
-                        <a:lumOff val="80000"/>
-                      </a:schemeClr>
-                    </a:solidFill>
-                  </a:tcPr>
-                </a:tc>
-                <a:extLst>
-                  <a:ext uri="{0D108BD9-81ED-4DB2-BD59-A6C34878D82A}">
-                    <a16:rowId xmlns:a16="http://schemas.microsoft.com/office/drawing/2014/main" val="1316491410"/>
-                  </a:ext>
-                </a:extLst>
-              </a:tr>
-              <a:tr h="370646">
-                <a:tc>
-                  <a:txBody>
-                    <a:bodyPr/>
-                    <a:lstStyle/>
-                    <a:p>
-                      <a:r>
-                        <a:rPr lang="en-DE" sz="1400" dirty="0"/>
-                        <a:t>F5aA3_1</a:t>
-                      </a:r>
-                    </a:p>
-                  </a:txBody>
-                  <a:tcPr>
-                    <a:solidFill>
-                      <a:schemeClr val="accent3">
-                        <a:lumMod val="20000"/>
-                        <a:lumOff val="80000"/>
-                      </a:schemeClr>
-                    </a:solidFill>
-                  </a:tcPr>
-                </a:tc>
-                <a:tc>
-                  <a:txBody>
-                    <a:bodyPr/>
-                    <a:lstStyle/>
-                    <a:p>
-                      <a:r>
-                        <a:rPr lang="en-DE" sz="1400" dirty="0"/>
-                        <a:t>…Messenger Diensten</a:t>
-                      </a:r>
-                    </a:p>
-                  </a:txBody>
-                  <a:tcPr>
-                    <a:solidFill>
-                      <a:schemeClr val="accent3">
-                        <a:lumMod val="20000"/>
-                        <a:lumOff val="80000"/>
-                      </a:schemeClr>
-                    </a:solidFill>
-                  </a:tcPr>
-                </a:tc>
-                <a:extLst>
-                  <a:ext uri="{0D108BD9-81ED-4DB2-BD59-A6C34878D82A}">
-                    <a16:rowId xmlns:a16="http://schemas.microsoft.com/office/drawing/2014/main" val="468353869"/>
-                  </a:ext>
-                </a:extLst>
-              </a:tr>
-              <a:tr h="370646">
-                <a:tc>
-                  <a:txBody>
-                    <a:bodyPr/>
-                    <a:lstStyle/>
-                    <a:p>
-                      <a:r>
-                        <a:rPr lang="en-DE" sz="1400" dirty="0"/>
-                        <a:t>F5aA4_1</a:t>
-                      </a:r>
-                    </a:p>
-                  </a:txBody>
-                  <a:tcPr>
-                    <a:solidFill>
-                      <a:schemeClr val="accent3">
-                        <a:lumMod val="20000"/>
-                        <a:lumOff val="80000"/>
-                      </a:schemeClr>
-                    </a:solidFill>
-                  </a:tcPr>
-                </a:tc>
-                <a:tc>
-                  <a:txBody>
-                    <a:bodyPr/>
-                    <a:lstStyle/>
-                    <a:p>
-                      <a:r>
-                        <a:rPr lang="en-DE" sz="1400" dirty="0"/>
-                        <a:t>…sozialen Netzwerken</a:t>
-                      </a:r>
-                    </a:p>
-                  </a:txBody>
-                  <a:tcPr>
-                    <a:solidFill>
-                      <a:schemeClr val="accent3">
-                        <a:lumMod val="20000"/>
-                        <a:lumOff val="80000"/>
-                      </a:schemeClr>
-                    </a:solidFill>
-                  </a:tcPr>
-                </a:tc>
-                <a:extLst>
-                  <a:ext uri="{0D108BD9-81ED-4DB2-BD59-A6C34878D82A}">
-                    <a16:rowId xmlns:a16="http://schemas.microsoft.com/office/drawing/2014/main" val="757829298"/>
-                  </a:ext>
-                </a:extLst>
-              </a:tr>
-              <a:tr h="370646">
-                <a:tc>
-                  <a:txBody>
-                    <a:bodyPr/>
-                    <a:lstStyle/>
-                    <a:p>
-                      <a:r>
-                        <a:rPr lang="en-DE" sz="1400" dirty="0"/>
-                        <a:t>F5aA5_1</a:t>
-                      </a:r>
-                    </a:p>
-                  </a:txBody>
-                  <a:tcPr>
-                    <a:solidFill>
-                      <a:schemeClr val="accent3">
-                        <a:lumMod val="20000"/>
-                        <a:lumOff val="80000"/>
-                      </a:schemeClr>
-                    </a:solidFill>
-                  </a:tcPr>
-                </a:tc>
-                <a:tc>
-                  <a:txBody>
-                    <a:bodyPr/>
-                    <a:lstStyle/>
-                    <a:p>
-                      <a:r>
-                        <a:rPr lang="en-DE" sz="1400" dirty="0"/>
-                        <a:t>…Videoplattformen</a:t>
-                      </a:r>
-                    </a:p>
-                  </a:txBody>
-                  <a:tcPr>
-                    <a:solidFill>
-                      <a:schemeClr val="accent3">
-                        <a:lumMod val="20000"/>
-                        <a:lumOff val="80000"/>
-                      </a:schemeClr>
-                    </a:solidFill>
-                  </a:tcPr>
-                </a:tc>
-                <a:extLst>
-                  <a:ext uri="{0D108BD9-81ED-4DB2-BD59-A6C34878D82A}">
-                    <a16:rowId xmlns:a16="http://schemas.microsoft.com/office/drawing/2014/main" val="2523381615"/>
-                  </a:ext>
-                </a:extLst>
-              </a:tr>
-              <a:tr h="370646">
-                <a:tc>
-                  <a:txBody>
-                    <a:bodyPr/>
-                    <a:lstStyle/>
-                    <a:p>
-                      <a:r>
-                        <a:rPr lang="en-DE" sz="1400" dirty="0"/>
-                        <a:t>F5bA1_1</a:t>
-                      </a:r>
-                    </a:p>
-                  </a:txBody>
-                  <a:tcPr>
-                    <a:solidFill>
-                      <a:schemeClr val="accent5">
-                        <a:lumMod val="20000"/>
-                        <a:lumOff val="80000"/>
-                      </a:schemeClr>
-                    </a:solidFill>
-                  </a:tcPr>
-                </a:tc>
-                <a:tc>
-                  <a:txBody>
-                    <a:bodyPr/>
-                    <a:lstStyle/>
-                    <a:p>
-                      <a:r>
-                        <a:rPr lang="en-DE" sz="1400" dirty="0"/>
-                        <a:t>Über welche Kanäle greifen Sie dabei zu: öffentliche Medienstationen</a:t>
-                      </a:r>
-                    </a:p>
-                  </a:txBody>
-                  <a:tcPr>
-                    <a:solidFill>
-                      <a:schemeClr val="accent5">
-                        <a:lumMod val="20000"/>
-                        <a:lumOff val="80000"/>
-                      </a:schemeClr>
-                    </a:solidFill>
-                  </a:tcPr>
-                </a:tc>
-                <a:extLst>
-                  <a:ext uri="{0D108BD9-81ED-4DB2-BD59-A6C34878D82A}">
-                    <a16:rowId xmlns:a16="http://schemas.microsoft.com/office/drawing/2014/main" val="4113057386"/>
-                  </a:ext>
-                </a:extLst>
-              </a:tr>
-              <a:tr h="370646">
-                <a:tc>
-                  <a:txBody>
-                    <a:bodyPr/>
-                    <a:lstStyle/>
-                    <a:p>
-                      <a:r>
-                        <a:rPr lang="en-DE" sz="1400" dirty="0"/>
-                        <a:t>F5bA2_1</a:t>
-                      </a:r>
-                    </a:p>
-                  </a:txBody>
-                  <a:tcPr>
-                    <a:solidFill>
-                      <a:schemeClr val="accent5">
-                        <a:lumMod val="20000"/>
-                        <a:lumOff val="80000"/>
-                      </a:schemeClr>
-                    </a:solidFill>
-                  </a:tcPr>
-                </a:tc>
-                <a:tc>
-                  <a:txBody>
-                    <a:bodyPr/>
-                    <a:lstStyle/>
-                    <a:p>
-                      <a:r>
-                        <a:rPr lang="en-DE" sz="1400" dirty="0"/>
-                        <a:t>...privaten Medienstationen</a:t>
-                      </a:r>
-                    </a:p>
-                  </a:txBody>
-                  <a:tcPr>
-                    <a:solidFill>
-                      <a:schemeClr val="accent5">
-                        <a:lumMod val="20000"/>
-                        <a:lumOff val="80000"/>
-                      </a:schemeClr>
-                    </a:solidFill>
-                  </a:tcPr>
-                </a:tc>
-                <a:extLst>
-                  <a:ext uri="{0D108BD9-81ED-4DB2-BD59-A6C34878D82A}">
-                    <a16:rowId xmlns:a16="http://schemas.microsoft.com/office/drawing/2014/main" val="3628762375"/>
-                  </a:ext>
-                </a:extLst>
-              </a:tr>
-              <a:tr h="370646">
-                <a:tc>
-                  <a:txBody>
-                    <a:bodyPr/>
-                    <a:lstStyle/>
-                    <a:p>
-                      <a:r>
-                        <a:rPr lang="en-DE" sz="1400" dirty="0"/>
-                        <a:t>F5bA3_1</a:t>
-                      </a:r>
-                    </a:p>
-                  </a:txBody>
-                  <a:tcPr>
-                    <a:solidFill>
-                      <a:schemeClr val="accent5">
-                        <a:lumMod val="20000"/>
-                        <a:lumOff val="80000"/>
-                      </a:schemeClr>
-                    </a:solidFill>
-                  </a:tcPr>
-                </a:tc>
-                <a:tc>
-                  <a:txBody>
-                    <a:bodyPr/>
-                    <a:lstStyle/>
-                    <a:p>
-                      <a:r>
-                        <a:rPr lang="en-DE" sz="1400" dirty="0"/>
-                        <a:t>…Messenger Diensten</a:t>
-                      </a:r>
-                    </a:p>
-                  </a:txBody>
-                  <a:tcPr>
-                    <a:solidFill>
-                      <a:schemeClr val="accent5">
-                        <a:lumMod val="20000"/>
-                        <a:lumOff val="80000"/>
-                      </a:schemeClr>
-                    </a:solidFill>
-                  </a:tcPr>
-                </a:tc>
-                <a:extLst>
-                  <a:ext uri="{0D108BD9-81ED-4DB2-BD59-A6C34878D82A}">
-                    <a16:rowId xmlns:a16="http://schemas.microsoft.com/office/drawing/2014/main" val="4081346286"/>
-                  </a:ext>
-                </a:extLst>
-              </a:tr>
-              <a:tr h="370646">
-                <a:tc>
-                  <a:txBody>
-                    <a:bodyPr/>
-                    <a:lstStyle/>
-                    <a:p>
-                      <a:r>
-                        <a:rPr lang="en-DE" sz="1400" dirty="0"/>
-                        <a:t>F5bA4_1</a:t>
-                      </a:r>
-                    </a:p>
-                  </a:txBody>
-                  <a:tcPr>
-                    <a:solidFill>
-                      <a:schemeClr val="accent5">
-                        <a:lumMod val="20000"/>
-                        <a:lumOff val="80000"/>
-                      </a:schemeClr>
-                    </a:solidFill>
-                  </a:tcPr>
-                </a:tc>
-                <a:tc>
-                  <a:txBody>
-                    <a:bodyPr/>
-                    <a:lstStyle/>
-                    <a:p>
-                      <a:r>
-                        <a:rPr lang="en-DE" sz="1400" dirty="0"/>
-                        <a:t>…sozialen Netzwerken</a:t>
-                      </a:r>
-                    </a:p>
-                  </a:txBody>
-                  <a:tcPr>
-                    <a:solidFill>
-                      <a:schemeClr val="accent5">
-                        <a:lumMod val="20000"/>
-                        <a:lumOff val="80000"/>
-                      </a:schemeClr>
-                    </a:solidFill>
-                  </a:tcPr>
-                </a:tc>
-                <a:extLst>
-                  <a:ext uri="{0D108BD9-81ED-4DB2-BD59-A6C34878D82A}">
-                    <a16:rowId xmlns:a16="http://schemas.microsoft.com/office/drawing/2014/main" val="998679670"/>
-                  </a:ext>
-                </a:extLst>
-              </a:tr>
-              <a:tr h="370646">
-                <a:tc>
-                  <a:txBody>
-                    <a:bodyPr/>
-                    <a:lstStyle/>
-                    <a:p>
-                      <a:r>
-                        <a:rPr lang="en-DE" sz="1400" dirty="0"/>
-                        <a:t>F5bA5_1</a:t>
-                      </a:r>
-                    </a:p>
-                  </a:txBody>
-                  <a:tcPr>
-                    <a:solidFill>
-                      <a:schemeClr val="accent5">
-                        <a:lumMod val="20000"/>
-                        <a:lumOff val="80000"/>
-                      </a:schemeClr>
-                    </a:solidFill>
-                  </a:tcPr>
-                </a:tc>
-                <a:tc>
-                  <a:txBody>
-                    <a:bodyPr/>
-                    <a:lstStyle/>
-                    <a:p>
-                      <a:r>
-                        <a:rPr lang="en-DE" sz="1400" dirty="0"/>
-                        <a:t>…Videoplattformen</a:t>
-                      </a:r>
-                    </a:p>
-                  </a:txBody>
-                  <a:tcPr>
-                    <a:solidFill>
-                      <a:schemeClr val="accent5">
-                        <a:lumMod val="20000"/>
-                        <a:lumOff val="80000"/>
-                      </a:schemeClr>
-                    </a:solidFill>
-                  </a:tcPr>
-                </a:tc>
-                <a:extLst>
-                  <a:ext uri="{0D108BD9-81ED-4DB2-BD59-A6C34878D82A}">
-                    <a16:rowId xmlns:a16="http://schemas.microsoft.com/office/drawing/2014/main" val="156012381"/>
-                  </a:ext>
-                </a:extLst>
-              </a:tr>
-            </a:tbl>
-          </a:graphicData>
-        </a:graphic>
-      </p:graphicFrame>
-    </p:spTree>
-    <p:extLst>
-      <p:ext uri="{BB962C8B-B14F-4D97-AF65-F5344CB8AC3E}">
-        <p14:creationId xmlns:p14="http://schemas.microsoft.com/office/powerpoint/2010/main" val="2173627430"/>
-      </p:ext>
-    </p:extLst>
-  </p:cSld>
-  <p:clrMapOvr>
-    <a:masterClrMapping/>
-  </p:clrMapOvr>
-</p:sld>
-</file>
-
-<file path=ppt/slides/slide22.xml><?xml version="1.0" encoding="utf-8"?>
-<p:sld xmlns:a="http://schemas.openxmlformats.org/drawingml/2006/main" xmlns:r="http://schemas.openxmlformats.org/officeDocument/2006/relationships" xmlns:p="http://schemas.openxmlformats.org/presentationml/2006/main">
-  <p:cSld>
-    <p:spTree>
-      <p:nvGrpSpPr>
-        <p:cNvPr id="1" name="">
-          <a:extLst>
-            <a:ext uri="{FF2B5EF4-FFF2-40B4-BE49-F238E27FC236}">
-              <a16:creationId xmlns:a16="http://schemas.microsoft.com/office/drawing/2014/main" id="{434C07F3-4C0B-810B-8DC1-42029B3E4830}"/>
-            </a:ext>
-          </a:extLst>
-        </p:cNvPr>
-        <p:cNvGrpSpPr/>
-        <p:nvPr/>
-      </p:nvGrpSpPr>
-      <p:grpSpPr>
-        <a:xfrm>
-          <a:off x="0" y="0"/>
-          <a:ext cx="0" cy="0"/>
-          <a:chOff x="0" y="0"/>
-          <a:chExt cx="0" cy="0"/>
-        </a:xfrm>
-      </p:grpSpPr>
-      <p:sp>
-        <p:nvSpPr>
-          <p:cNvPr id="3" name="Date Placeholder 2">
-            <a:extLst>
-              <a:ext uri="{FF2B5EF4-FFF2-40B4-BE49-F238E27FC236}">
-                <a16:creationId xmlns:a16="http://schemas.microsoft.com/office/drawing/2014/main" id="{34C4ABFB-4EAF-618B-AF5F-7FFABD055112}"/>
-              </a:ext>
-            </a:extLst>
-          </p:cNvPr>
-          <p:cNvSpPr>
-            <a:spLocks noGrp="1"/>
-          </p:cNvSpPr>
-          <p:nvPr>
-            <p:ph type="dt" sz="half" idx="10"/>
-          </p:nvPr>
-        </p:nvSpPr>
-        <p:spPr/>
-        <p:txBody>
-          <a:bodyPr/>
-          <a:lstStyle/>
-          <a:p>
-            <a:fld id="{162C1F81-0292-4658-B990-314031B5EEE0}" type="datetime4">
-              <a:rPr lang="en-US" noProof="0" smtClean="0"/>
-              <a:t>November 26, 2024</a:t>
-            </a:fld>
-            <a:endParaRPr lang="en-US" noProof="0" dirty="0"/>
-          </a:p>
-        </p:txBody>
-      </p:sp>
-      <p:sp>
-        <p:nvSpPr>
-          <p:cNvPr id="4" name="Slide Number Placeholder 3">
-            <a:extLst>
-              <a:ext uri="{FF2B5EF4-FFF2-40B4-BE49-F238E27FC236}">
-                <a16:creationId xmlns:a16="http://schemas.microsoft.com/office/drawing/2014/main" id="{022970F2-9029-3321-CC16-E00C994AA95F}"/>
-              </a:ext>
-            </a:extLst>
-          </p:cNvPr>
-          <p:cNvSpPr>
-            <a:spLocks noGrp="1"/>
-          </p:cNvSpPr>
-          <p:nvPr>
-            <p:ph type="sldNum" sz="quarter" idx="12"/>
-          </p:nvPr>
-        </p:nvSpPr>
-        <p:spPr/>
-        <p:txBody>
-          <a:bodyPr/>
-          <a:lstStyle/>
-          <a:p>
-            <a:fld id="{61696EC4-B4CF-4701-AD06-A8439D6D8E12}" type="slidenum">
-              <a:rPr lang="en-US" noProof="0" smtClean="0"/>
-              <a:t>22</a:t>
-            </a:fld>
-            <a:endParaRPr lang="en-US" noProof="0" dirty="0"/>
-          </a:p>
-        </p:txBody>
-      </p:sp>
-      <p:pic>
-        <p:nvPicPr>
-          <p:cNvPr id="8" name="Content Placeholder 7">
-            <a:extLst>
-              <a:ext uri="{FF2B5EF4-FFF2-40B4-BE49-F238E27FC236}">
-                <a16:creationId xmlns:a16="http://schemas.microsoft.com/office/drawing/2014/main" id="{000DF0BA-2A53-B37F-BA20-87FAB2499DAD}"/>
-              </a:ext>
-            </a:extLst>
-          </p:cNvPr>
-          <p:cNvPicPr>
-            <a:picLocks noGrp="1" noChangeAspect="1"/>
-          </p:cNvPicPr>
-          <p:nvPr>
-            <p:ph idx="1"/>
-          </p:nvPr>
-        </p:nvPicPr>
-        <p:blipFill>
-          <a:blip r:embed="rId2">
-            <a:extLst>
-              <a:ext uri="{28A0092B-C50C-407E-A947-70E740481C1C}">
-                <a14:useLocalDpi xmlns:a14="http://schemas.microsoft.com/office/drawing/2010/main" val="0"/>
-              </a:ext>
-            </a:extLst>
-          </a:blip>
-          <a:stretch>
-            <a:fillRect/>
-          </a:stretch>
-        </p:blipFill>
-        <p:spPr>
-          <a:xfrm>
-            <a:off x="1843105" y="1185069"/>
-            <a:ext cx="8505790" cy="4487862"/>
-          </a:xfrm>
-        </p:spPr>
-      </p:pic>
-    </p:spTree>
-    <p:extLst>
-      <p:ext uri="{BB962C8B-B14F-4D97-AF65-F5344CB8AC3E}">
-        <p14:creationId xmlns:p14="http://schemas.microsoft.com/office/powerpoint/2010/main" val="3916908999"/>
-      </p:ext>
-    </p:extLst>
-  </p:cSld>
-  <p:clrMapOvr>
-    <a:masterClrMapping/>
-  </p:clrMapOvr>
-</p:sld>
-</file>
-
-<file path=ppt/slides/slide23.xml><?xml version="1.0" encoding="utf-8"?>
-<p:sld xmlns:a="http://schemas.openxmlformats.org/drawingml/2006/main" xmlns:r="http://schemas.openxmlformats.org/officeDocument/2006/relationships" xmlns:p="http://schemas.openxmlformats.org/presentationml/2006/main" show="0">
-  <p:cSld>
-    <p:spTree>
-      <p:nvGrpSpPr>
-        <p:cNvPr id="1" name=""/>
-        <p:cNvGrpSpPr/>
-        <p:nvPr/>
-      </p:nvGrpSpPr>
-      <p:grpSpPr>
-        <a:xfrm>
-          <a:off x="0" y="0"/>
-          <a:ext cx="0" cy="0"/>
-          <a:chOff x="0" y="0"/>
-          <a:chExt cx="0" cy="0"/>
-        </a:xfrm>
-      </p:grpSpPr>
-      <mc:AlternateContent xmlns:mc="http://schemas.openxmlformats.org/markup-compatibility/2006" xmlns:a14="http://schemas.microsoft.com/office/drawing/2010/main">
-        <mc:Choice Requires="a14">
-          <p:sp>
-            <p:nvSpPr>
-              <p:cNvPr id="2" name="Content Placeholder 1">
-                <a:extLst>
-                  <a:ext uri="{FF2B5EF4-FFF2-40B4-BE49-F238E27FC236}">
-                    <a16:creationId xmlns:a16="http://schemas.microsoft.com/office/drawing/2014/main" id="{5477E06E-EF50-DC77-133F-52560F3D05F5}"/>
-                  </a:ext>
-                </a:extLst>
-              </p:cNvPr>
-              <p:cNvSpPr>
-                <a:spLocks noGrp="1"/>
-              </p:cNvSpPr>
-              <p:nvPr>
-                <p:ph idx="1"/>
-              </p:nvPr>
-            </p:nvSpPr>
-            <p:spPr/>
-            <p:txBody>
-              <a:bodyPr>
-                <a:normAutofit/>
-              </a:bodyPr>
-              <a:lstStyle/>
-              <a:p>
-                <a:pPr lvl="1"/>
-                <a:r>
-                  <a:rPr lang="en-DE" dirty="0"/>
-                  <a:t>What to use it for?</a:t>
-                </a:r>
-              </a:p>
-              <a:p>
-                <a:pPr marL="355579" lvl="1" indent="0">
-                  <a:buNone/>
-                </a:pPr>
-                <a:r>
-                  <a:rPr lang="en-DE" dirty="0"/>
-                  <a:t>	Determine </a:t>
-                </a:r>
-                <a:r>
-                  <a:rPr lang="en-DE" b="1" dirty="0"/>
-                  <a:t>non linar dependecies</a:t>
-                </a:r>
-                <a:r>
-                  <a:rPr lang="en-DE" dirty="0"/>
-                  <a:t> between X and Y</a:t>
-                </a:r>
-              </a:p>
-              <a:p>
-                <a:pPr marL="355579" lvl="1" indent="0">
-                  <a:buNone/>
-                </a:pPr>
-                <a:endParaRPr lang="en-DE" dirty="0"/>
-              </a:p>
-              <a:p>
-                <a:pPr marL="0" indent="0">
-                  <a:buNone/>
-                </a:pPr>
-                <a:endParaRPr lang="en-DE" dirty="0"/>
-              </a:p>
-              <a:p>
-                <a:endParaRPr lang="en-DE" dirty="0"/>
-              </a:p>
-              <a:p>
-                <a:pPr marL="0" indent="0">
-                  <a:buNone/>
-                </a:pPr>
-                <a:endParaRPr lang="en-DE" dirty="0"/>
-              </a:p>
-              <a:p>
-                <a:pPr lvl="1"/>
-                <a:endParaRPr lang="en-DE" i="1" dirty="0">
-                  <a:latin typeface="Cambria Math" panose="02040503050406030204" pitchFamily="18" charset="0"/>
-                </a:endParaRPr>
-              </a:p>
-              <a:p>
-                <a:pPr lvl="1"/>
-                <a14:m>
-                  <m:oMath xmlns:m="http://schemas.openxmlformats.org/officeDocument/2006/math">
-                    <m:sSub>
-                      <m:sSubPr>
-                        <m:ctrlPr>
-                          <a:rPr lang="en-DE" sz="2600" i="1" smtClean="0">
-                            <a:latin typeface="Cambria Math" panose="02040503050406030204" pitchFamily="18" charset="0"/>
-                          </a:rPr>
-                        </m:ctrlPr>
-                      </m:sSubPr>
-                      <m:e>
-                        <m:r>
-                          <a:rPr lang="de-DE" sz="2600" b="0" i="1" smtClean="0">
-                            <a:latin typeface="Cambria Math" panose="02040503050406030204" pitchFamily="18" charset="0"/>
-                          </a:rPr>
-                          <m:t>𝑃</m:t>
-                        </m:r>
-                      </m:e>
-                      <m:sub>
-                        <m:r>
-                          <a:rPr lang="de-DE" sz="2600" b="0" i="1" smtClean="0">
-                            <a:latin typeface="Cambria Math" panose="02040503050406030204" pitchFamily="18" charset="0"/>
-                          </a:rPr>
-                          <m:t>𝑋</m:t>
-                        </m:r>
-                      </m:sub>
-                    </m:sSub>
-                    <m:r>
-                      <a:rPr lang="en-DE" sz="2600" i="1" smtClean="0">
-                        <a:latin typeface="Cambria Math" panose="02040503050406030204" pitchFamily="18" charset="0"/>
-                        <a:ea typeface="Cambria Math" panose="02040503050406030204" pitchFamily="18" charset="0"/>
-                      </a:rPr>
-                      <m:t>⊗</m:t>
-                    </m:r>
-                    <m:sSub>
-                      <m:sSubPr>
-                        <m:ctrlPr>
-                          <a:rPr lang="en-DE" sz="2600" i="1" smtClean="0">
-                            <a:latin typeface="Cambria Math" panose="02040503050406030204" pitchFamily="18" charset="0"/>
-                            <a:ea typeface="Cambria Math" panose="02040503050406030204" pitchFamily="18" charset="0"/>
-                          </a:rPr>
-                        </m:ctrlPr>
-                      </m:sSubPr>
-                      <m:e>
-                        <m:r>
-                          <a:rPr lang="de-DE" sz="2600" b="0" i="1" smtClean="0">
-                            <a:latin typeface="Cambria Math" panose="02040503050406030204" pitchFamily="18" charset="0"/>
-                            <a:ea typeface="Cambria Math" panose="02040503050406030204" pitchFamily="18" charset="0"/>
-                          </a:rPr>
-                          <m:t>𝑃</m:t>
-                        </m:r>
-                      </m:e>
-                      <m:sub>
-                        <m:r>
-                          <a:rPr lang="de-DE" sz="2600" b="0" i="1" smtClean="0">
-                            <a:latin typeface="Cambria Math" panose="02040503050406030204" pitchFamily="18" charset="0"/>
-                            <a:ea typeface="Cambria Math" panose="02040503050406030204" pitchFamily="18" charset="0"/>
-                          </a:rPr>
-                          <m:t>𝑌</m:t>
-                        </m:r>
-                      </m:sub>
-                    </m:sSub>
-                  </m:oMath>
-                </a14:m>
-                <a:r>
-                  <a:rPr lang="en-DE" sz="2600" dirty="0"/>
-                  <a:t> is outer product distribution: </a:t>
-                </a:r>
-                <a14:m>
-                  <m:oMath xmlns:m="http://schemas.openxmlformats.org/officeDocument/2006/math">
-                    <m:sSub>
-                      <m:sSubPr>
-                        <m:ctrlPr>
-                          <a:rPr lang="en-DE" sz="2600" i="1" smtClean="0">
-                            <a:latin typeface="Cambria Math" panose="02040503050406030204" pitchFamily="18" charset="0"/>
-                          </a:rPr>
-                        </m:ctrlPr>
-                      </m:sSubPr>
-                      <m:e>
-                        <m:r>
-                          <a:rPr lang="de-DE" sz="2600" b="0" i="1" smtClean="0">
-                            <a:latin typeface="Cambria Math" panose="02040503050406030204" pitchFamily="18" charset="0"/>
-                          </a:rPr>
-                          <m:t>𝑃</m:t>
-                        </m:r>
-                      </m:e>
-                      <m:sub>
-                        <m:r>
-                          <a:rPr lang="de-DE" sz="2600" b="0" i="1" smtClean="0">
-                            <a:latin typeface="Cambria Math" panose="02040503050406030204" pitchFamily="18" charset="0"/>
-                          </a:rPr>
-                          <m:t>𝑥</m:t>
-                        </m:r>
-                      </m:sub>
-                    </m:sSub>
-                    <m:d>
-                      <m:dPr>
-                        <m:ctrlPr>
-                          <a:rPr lang="de-DE" sz="2600" b="0" i="1" smtClean="0">
-                            <a:latin typeface="Cambria Math" panose="02040503050406030204" pitchFamily="18" charset="0"/>
-                          </a:rPr>
-                        </m:ctrlPr>
-                      </m:dPr>
-                      <m:e>
-                        <m:r>
-                          <a:rPr lang="de-DE" sz="2600" b="0" i="1" smtClean="0">
-                            <a:latin typeface="Cambria Math" panose="02040503050406030204" pitchFamily="18" charset="0"/>
-                          </a:rPr>
-                          <m:t>𝑥</m:t>
-                        </m:r>
-                      </m:e>
-                    </m:d>
-                    <m:r>
-                      <a:rPr lang="de-DE" sz="2600" i="1">
-                        <a:latin typeface="Cambria Math" panose="02040503050406030204" pitchFamily="18" charset="0"/>
-                        <a:ea typeface="Cambria Math" panose="02040503050406030204" pitchFamily="18" charset="0"/>
-                      </a:rPr>
-                      <m:t>×</m:t>
-                    </m:r>
-                    <m:sSub>
-                      <m:sSubPr>
-                        <m:ctrlPr>
-                          <a:rPr lang="de-DE" sz="2600" i="1" smtClean="0">
-                            <a:latin typeface="Cambria Math" panose="02040503050406030204" pitchFamily="18" charset="0"/>
-                            <a:ea typeface="Cambria Math" panose="02040503050406030204" pitchFamily="18" charset="0"/>
-                          </a:rPr>
-                        </m:ctrlPr>
-                      </m:sSubPr>
-                      <m:e>
-                        <m:r>
-                          <a:rPr lang="de-DE" sz="2600" b="0" i="1" smtClean="0">
-                            <a:latin typeface="Cambria Math" panose="02040503050406030204" pitchFamily="18" charset="0"/>
-                            <a:ea typeface="Cambria Math" panose="02040503050406030204" pitchFamily="18" charset="0"/>
-                          </a:rPr>
-                          <m:t>𝑃</m:t>
-                        </m:r>
-                      </m:e>
-                      <m:sub>
-                        <m:r>
-                          <a:rPr lang="de-DE" sz="2600" b="0" i="1" smtClean="0">
-                            <a:latin typeface="Cambria Math" panose="02040503050406030204" pitchFamily="18" charset="0"/>
-                            <a:ea typeface="Cambria Math" panose="02040503050406030204" pitchFamily="18" charset="0"/>
-                          </a:rPr>
-                          <m:t>𝑌</m:t>
-                        </m:r>
-                      </m:sub>
-                    </m:sSub>
-                    <m:d>
-                      <m:dPr>
-                        <m:ctrlPr>
-                          <a:rPr lang="de-DE" sz="2600" b="0" i="1" smtClean="0">
-                            <a:latin typeface="Cambria Math" panose="02040503050406030204" pitchFamily="18" charset="0"/>
-                            <a:ea typeface="Cambria Math" panose="02040503050406030204" pitchFamily="18" charset="0"/>
-                          </a:rPr>
-                        </m:ctrlPr>
-                      </m:dPr>
-                      <m:e>
-                        <m:r>
-                          <a:rPr lang="de-DE" sz="2600" b="0" i="1" smtClean="0">
-                            <a:latin typeface="Cambria Math" panose="02040503050406030204" pitchFamily="18" charset="0"/>
-                            <a:ea typeface="Cambria Math" panose="02040503050406030204" pitchFamily="18" charset="0"/>
-                          </a:rPr>
-                          <m:t>𝑦</m:t>
-                        </m:r>
-                      </m:e>
-                    </m:d>
-                  </m:oMath>
-                </a14:m>
-                <a:r>
-                  <a:rPr lang="en-DE" sz="2600" dirty="0"/>
-                  <a:t> to each </a:t>
-                </a:r>
-                <a14:m>
-                  <m:oMath xmlns:m="http://schemas.openxmlformats.org/officeDocument/2006/math">
-                    <m:d>
-                      <m:dPr>
-                        <m:ctrlPr>
-                          <a:rPr lang="de-DE" sz="2600" b="0" i="1" smtClean="0">
-                            <a:latin typeface="Cambria Math" panose="02040503050406030204" pitchFamily="18" charset="0"/>
-                          </a:rPr>
-                        </m:ctrlPr>
-                      </m:dPr>
-                      <m:e>
-                        <m:r>
-                          <a:rPr lang="de-DE" sz="2600" b="0" i="1" smtClean="0">
-                            <a:latin typeface="Cambria Math" panose="02040503050406030204" pitchFamily="18" charset="0"/>
-                          </a:rPr>
-                          <m:t>𝑥</m:t>
-                        </m:r>
-                        <m:r>
-                          <a:rPr lang="de-DE" sz="2600" b="0" i="1" smtClean="0">
-                            <a:latin typeface="Cambria Math" panose="02040503050406030204" pitchFamily="18" charset="0"/>
-                          </a:rPr>
-                          <m:t>, </m:t>
-                        </m:r>
-                        <m:r>
-                          <a:rPr lang="de-DE" sz="2600" b="0" i="1" smtClean="0">
-                            <a:latin typeface="Cambria Math" panose="02040503050406030204" pitchFamily="18" charset="0"/>
-                          </a:rPr>
-                          <m:t>𝑦</m:t>
-                        </m:r>
-                      </m:e>
-                    </m:d>
-                  </m:oMath>
-                </a14:m>
-                <a:endParaRPr lang="de-DE" sz="2600" b="0" i="1" dirty="0">
-                  <a:latin typeface="Cambria Math" panose="02040503050406030204" pitchFamily="18" charset="0"/>
-                </a:endParaRPr>
-              </a:p>
-              <a:p>
-                <a:pPr lvl="1"/>
-                <a14:m>
-                  <m:oMath xmlns:m="http://schemas.openxmlformats.org/officeDocument/2006/math">
-                    <m:sSub>
-                      <m:sSubPr>
-                        <m:ctrlPr>
-                          <a:rPr lang="en-DE" sz="2600" i="1" smtClean="0">
-                            <a:latin typeface="Cambria Math" panose="02040503050406030204" pitchFamily="18" charset="0"/>
-                          </a:rPr>
-                        </m:ctrlPr>
-                      </m:sSubPr>
-                      <m:e>
-                        <m:r>
-                          <a:rPr lang="de-DE" sz="2600" b="0" i="1" smtClean="0">
-                            <a:latin typeface="Cambria Math" panose="02040503050406030204" pitchFamily="18" charset="0"/>
-                          </a:rPr>
-                          <m:t>𝐷</m:t>
-                        </m:r>
-                      </m:e>
-                      <m:sub>
-                        <m:r>
-                          <a:rPr lang="de-DE" sz="2600" b="0" i="1" smtClean="0">
-                            <a:latin typeface="Cambria Math" panose="02040503050406030204" pitchFamily="18" charset="0"/>
-                          </a:rPr>
-                          <m:t>𝐾𝐿</m:t>
-                        </m:r>
-                      </m:sub>
-                    </m:sSub>
-                  </m:oMath>
-                </a14:m>
-                <a:r>
-                  <a:rPr lang="en-DE" sz="2600" dirty="0"/>
-                  <a:t> is Kullback-Leibler divergence</a:t>
-                </a:r>
-                <a:endParaRPr lang="en-DE" sz="2600" i="1" dirty="0">
-                  <a:latin typeface="Cambria Math" panose="02040503050406030204" pitchFamily="18" charset="0"/>
-                </a:endParaRPr>
-              </a:p>
-              <a:p>
-                <a:pPr lvl="2"/>
-                <a:r>
-                  <a:rPr lang="en-DE" sz="2400" dirty="0"/>
-                  <a:t>how similar is real joint distribution to the joint distribution if </a:t>
-                </a:r>
-                <a14:m>
-                  <m:oMath xmlns:m="http://schemas.openxmlformats.org/officeDocument/2006/math">
-                    <m:sSub>
-                      <m:sSubPr>
-                        <m:ctrlPr>
-                          <a:rPr lang="en-DE" sz="2400" i="1">
-                            <a:latin typeface="Cambria Math" panose="02040503050406030204" pitchFamily="18" charset="0"/>
-                          </a:rPr>
-                        </m:ctrlPr>
-                      </m:sSubPr>
-                      <m:e>
-                        <m:r>
-                          <a:rPr lang="de-DE" sz="2400" i="1">
-                            <a:latin typeface="Cambria Math" panose="02040503050406030204" pitchFamily="18" charset="0"/>
-                          </a:rPr>
-                          <m:t>𝑃</m:t>
-                        </m:r>
-                      </m:e>
-                      <m:sub>
-                        <m:r>
-                          <a:rPr lang="de-DE" sz="2400" i="1">
-                            <a:latin typeface="Cambria Math" panose="02040503050406030204" pitchFamily="18" charset="0"/>
-                          </a:rPr>
-                          <m:t>𝑋</m:t>
-                        </m:r>
-                      </m:sub>
-                    </m:sSub>
-                  </m:oMath>
-                </a14:m>
-                <a:r>
-                  <a:rPr lang="en-DE" sz="2400" dirty="0"/>
-                  <a:t> and </a:t>
-                </a:r>
-                <a14:m>
-                  <m:oMath xmlns:m="http://schemas.openxmlformats.org/officeDocument/2006/math">
-                    <m:sSub>
-                      <m:sSubPr>
-                        <m:ctrlPr>
-                          <a:rPr lang="en-DE" sz="2400" i="1">
-                            <a:latin typeface="Cambria Math" panose="02040503050406030204" pitchFamily="18" charset="0"/>
-                            <a:ea typeface="Cambria Math" panose="02040503050406030204" pitchFamily="18" charset="0"/>
-                          </a:rPr>
-                        </m:ctrlPr>
-                      </m:sSubPr>
-                      <m:e>
-                        <m:r>
-                          <a:rPr lang="de-DE" sz="2400" i="1">
-                            <a:latin typeface="Cambria Math" panose="02040503050406030204" pitchFamily="18" charset="0"/>
-                            <a:ea typeface="Cambria Math" panose="02040503050406030204" pitchFamily="18" charset="0"/>
-                          </a:rPr>
-                          <m:t>𝑃</m:t>
-                        </m:r>
-                      </m:e>
-                      <m:sub>
-                        <m:r>
-                          <a:rPr lang="de-DE" sz="2400" i="1">
-                            <a:latin typeface="Cambria Math" panose="02040503050406030204" pitchFamily="18" charset="0"/>
-                            <a:ea typeface="Cambria Math" panose="02040503050406030204" pitchFamily="18" charset="0"/>
-                          </a:rPr>
-                          <m:t>𝑌</m:t>
-                        </m:r>
-                      </m:sub>
-                    </m:sSub>
-                  </m:oMath>
-                </a14:m>
-                <a:r>
-                  <a:rPr lang="en-DE" sz="2400" dirty="0"/>
-                  <a:t> where independent from each other</a:t>
-                </a:r>
-                <a:endParaRPr lang="en-DE" dirty="0"/>
-              </a:p>
-              <a:p>
-                <a:pPr lvl="2">
-                  <a:buFont typeface="Wingdings" pitchFamily="2" charset="2"/>
-                  <a:buChar char="Ø"/>
-                </a:pPr>
-                <a:endParaRPr lang="en-DE" dirty="0"/>
-              </a:p>
-              <a:p>
-                <a:pPr marL="355579" lvl="1" indent="0">
-                  <a:buNone/>
-                </a:pPr>
-                <a:endParaRPr lang="en-DE" dirty="0"/>
-              </a:p>
-            </p:txBody>
-          </p:sp>
-        </mc:Choice>
-        <mc:Fallback xmlns="">
-          <p:sp>
-            <p:nvSpPr>
-              <p:cNvPr id="2" name="Content Placeholder 1">
-                <a:extLst>
-                  <a:ext uri="{FF2B5EF4-FFF2-40B4-BE49-F238E27FC236}">
-                    <a16:creationId xmlns:a16="http://schemas.microsoft.com/office/drawing/2014/main" id="{5477E06E-EF50-DC77-133F-52560F3D05F5}"/>
-                  </a:ext>
-                </a:extLst>
-              </p:cNvPr>
-              <p:cNvSpPr>
-                <a:spLocks noGrp="1" noRot="1" noChangeAspect="1" noMove="1" noResize="1" noEditPoints="1" noAdjustHandles="1" noChangeArrowheads="1" noChangeShapeType="1" noTextEdit="1"/>
-              </p:cNvSpPr>
-              <p:nvPr>
-                <p:ph idx="1"/>
-              </p:nvPr>
-            </p:nvSpPr>
-            <p:spPr>
-              <a:blipFill>
-                <a:blip r:embed="rId2"/>
-                <a:stretch>
-                  <a:fillRect t="-2817" b="-282"/>
-                </a:stretch>
-              </a:blipFill>
-            </p:spPr>
-            <p:txBody>
-              <a:bodyPr/>
-              <a:lstStyle/>
-              <a:p>
-                <a:r>
-                  <a:rPr lang="en-DE">
-                    <a:noFill/>
-                  </a:rPr>
-                  <a:t> </a:t>
-                </a:r>
-              </a:p>
-            </p:txBody>
-          </p:sp>
-        </mc:Fallback>
-      </mc:AlternateContent>
-      <p:sp>
-        <p:nvSpPr>
-          <p:cNvPr id="3" name="Date Placeholder 2">
-            <a:extLst>
-              <a:ext uri="{FF2B5EF4-FFF2-40B4-BE49-F238E27FC236}">
-                <a16:creationId xmlns:a16="http://schemas.microsoft.com/office/drawing/2014/main" id="{D48CABF9-7530-8E2D-53AA-CBB8AC3E0305}"/>
-              </a:ext>
-            </a:extLst>
-          </p:cNvPr>
-          <p:cNvSpPr>
-            <a:spLocks noGrp="1"/>
-          </p:cNvSpPr>
-          <p:nvPr>
-            <p:ph type="dt" sz="half" idx="10"/>
-          </p:nvPr>
-        </p:nvSpPr>
-        <p:spPr/>
-        <p:txBody>
-          <a:bodyPr/>
-          <a:lstStyle/>
-          <a:p>
-            <a:fld id="{162C1F81-0292-4658-B990-314031B5EEE0}" type="datetime4">
-              <a:rPr lang="en-US" noProof="0" smtClean="0"/>
-              <a:t>November 26, 2024</a:t>
-            </a:fld>
-            <a:endParaRPr lang="en-US" noProof="0"/>
-          </a:p>
-        </p:txBody>
-      </p:sp>
-      <p:sp>
-        <p:nvSpPr>
-          <p:cNvPr id="4" name="Slide Number Placeholder 3">
-            <a:extLst>
-              <a:ext uri="{FF2B5EF4-FFF2-40B4-BE49-F238E27FC236}">
-                <a16:creationId xmlns:a16="http://schemas.microsoft.com/office/drawing/2014/main" id="{FB53B96A-0BCE-92B1-CEAE-27702EC6EF92}"/>
-              </a:ext>
-            </a:extLst>
-          </p:cNvPr>
-          <p:cNvSpPr>
-            <a:spLocks noGrp="1"/>
-          </p:cNvSpPr>
-          <p:nvPr>
-            <p:ph type="sldNum" sz="quarter" idx="12"/>
-          </p:nvPr>
-        </p:nvSpPr>
-        <p:spPr/>
-        <p:txBody>
-          <a:bodyPr/>
-          <a:lstStyle/>
-          <a:p>
-            <a:fld id="{61696EC4-B4CF-4701-AD06-A8439D6D8E12}" type="slidenum">
-              <a:rPr lang="en-US" noProof="0" smtClean="0"/>
-              <a:t>23</a:t>
-            </a:fld>
-            <a:endParaRPr lang="en-US" noProof="0"/>
-          </a:p>
-        </p:txBody>
-      </p:sp>
-      <p:sp>
-        <p:nvSpPr>
-          <p:cNvPr id="5" name="Title 4">
-            <a:extLst>
-              <a:ext uri="{FF2B5EF4-FFF2-40B4-BE49-F238E27FC236}">
-                <a16:creationId xmlns:a16="http://schemas.microsoft.com/office/drawing/2014/main" id="{85E2FF5E-ECB1-C91B-43BE-07F12BCB0F1C}"/>
-              </a:ext>
-            </a:extLst>
-          </p:cNvPr>
-          <p:cNvSpPr>
-            <a:spLocks noGrp="1"/>
-          </p:cNvSpPr>
-          <p:nvPr>
-            <p:ph type="title"/>
-          </p:nvPr>
-        </p:nvSpPr>
-        <p:spPr/>
-        <p:txBody>
-          <a:bodyPr/>
-          <a:lstStyle/>
-          <a:p>
-            <a:r>
-              <a:rPr lang="en-DE" dirty="0"/>
-              <a:t>Mutual Information</a:t>
-            </a:r>
-          </a:p>
-        </p:txBody>
-      </p:sp>
-      <mc:AlternateContent xmlns:mc="http://schemas.openxmlformats.org/markup-compatibility/2006" xmlns:a14="http://schemas.microsoft.com/office/drawing/2010/main">
-        <mc:Choice Requires="a14">
-          <p:sp>
-            <p:nvSpPr>
-              <p:cNvPr id="7" name="TextBox 6">
-                <a:extLst>
-                  <a:ext uri="{FF2B5EF4-FFF2-40B4-BE49-F238E27FC236}">
-                    <a16:creationId xmlns:a16="http://schemas.microsoft.com/office/drawing/2014/main" id="{F4D2EE7C-AF54-F6E8-DEE5-16FF913B689E}"/>
-                  </a:ext>
-                </a:extLst>
-              </p:cNvPr>
-              <p:cNvSpPr txBox="1"/>
-              <p:nvPr/>
-            </p:nvSpPr>
-            <p:spPr>
-              <a:xfrm>
-                <a:off x="1841117" y="2889312"/>
-                <a:ext cx="8509765" cy="937436"/>
-              </a:xfrm>
-              <a:prstGeom prst="rect">
-                <a:avLst/>
-              </a:prstGeom>
-              <a:noFill/>
-              <a:ln w="57150">
-                <a:solidFill>
-                  <a:schemeClr val="tx2"/>
-                </a:solidFill>
-              </a:ln>
-            </p:spPr>
-            <p:txBody>
-              <a:bodyPr wrap="none" lIns="0" tIns="0" rIns="0" bIns="0" rtlCol="0">
-                <a:spAutoFit/>
-              </a:bodyPr>
-              <a:lstStyle/>
-              <a:p>
-                <a:pPr/>
-                <a14:m>
-                  <m:oMathPara xmlns:m="http://schemas.openxmlformats.org/officeDocument/2006/math">
-                    <m:oMathParaPr>
-                      <m:jc m:val="centerGroup"/>
-                    </m:oMathParaPr>
-                    <m:oMath xmlns:m="http://schemas.openxmlformats.org/officeDocument/2006/math">
-                      <m:r>
-                        <a:rPr lang="de-DE" b="0" i="1" smtClean="0">
-                          <a:latin typeface="Cambria Math" panose="02040503050406030204" pitchFamily="18" charset="0"/>
-                        </a:rPr>
-                        <m:t>𝐼</m:t>
-                      </m:r>
-                      <m:d>
-                        <m:dPr>
-                          <m:ctrlPr>
-                            <a:rPr lang="de-DE" b="0" i="1" smtClean="0">
-                              <a:latin typeface="Cambria Math" panose="02040503050406030204" pitchFamily="18" charset="0"/>
-                            </a:rPr>
-                          </m:ctrlPr>
-                        </m:dPr>
-                        <m:e>
-                          <m:r>
-                            <a:rPr lang="de-DE" b="0" i="1" smtClean="0">
-                              <a:latin typeface="Cambria Math" panose="02040503050406030204" pitchFamily="18" charset="0"/>
-                            </a:rPr>
-                            <m:t>𝑋</m:t>
-                          </m:r>
-                          <m:r>
-                            <a:rPr lang="de-DE" b="0" i="1" smtClean="0">
-                              <a:latin typeface="Cambria Math" panose="02040503050406030204" pitchFamily="18" charset="0"/>
-                            </a:rPr>
-                            <m:t>;</m:t>
-                          </m:r>
-                          <m:r>
-                            <a:rPr lang="de-DE" b="0" i="1" smtClean="0">
-                              <a:latin typeface="Cambria Math" panose="02040503050406030204" pitchFamily="18" charset="0"/>
-                            </a:rPr>
-                            <m:t>𝑌</m:t>
-                          </m:r>
-                        </m:e>
-                      </m:d>
-                      <m:r>
-                        <a:rPr lang="de-DE" b="0" i="1" smtClean="0">
-                          <a:latin typeface="Cambria Math" panose="02040503050406030204" pitchFamily="18" charset="0"/>
-                        </a:rPr>
-                        <m:t>=</m:t>
-                      </m:r>
-                      <m:sSub>
-                        <m:sSubPr>
-                          <m:ctrlPr>
-                            <a:rPr lang="de-DE" b="0" i="1" smtClean="0">
-                              <a:latin typeface="Cambria Math" panose="02040503050406030204" pitchFamily="18" charset="0"/>
-                            </a:rPr>
-                          </m:ctrlPr>
-                        </m:sSubPr>
-                        <m:e>
-                          <m:r>
-                            <a:rPr lang="de-DE" b="0" i="1" smtClean="0">
-                              <a:latin typeface="Cambria Math" panose="02040503050406030204" pitchFamily="18" charset="0"/>
-                            </a:rPr>
-                            <m:t>𝐷</m:t>
-                          </m:r>
-                        </m:e>
-                        <m:sub>
-                          <m:r>
-                            <a:rPr lang="de-DE" b="0" i="1" smtClean="0">
-                              <a:latin typeface="Cambria Math" panose="02040503050406030204" pitchFamily="18" charset="0"/>
-                            </a:rPr>
-                            <m:t>𝐾𝐿</m:t>
-                          </m:r>
-                        </m:sub>
-                      </m:sSub>
-                      <m:r>
-                        <a:rPr lang="de-DE" b="0" i="1" smtClean="0">
-                          <a:latin typeface="Cambria Math" panose="02040503050406030204" pitchFamily="18" charset="0"/>
-                        </a:rPr>
-                        <m:t>(</m:t>
-                      </m:r>
-                      <m:sSub>
-                        <m:sSubPr>
-                          <m:ctrlPr>
-                            <a:rPr lang="de-DE" b="0" i="1" smtClean="0">
-                              <a:latin typeface="Cambria Math" panose="02040503050406030204" pitchFamily="18" charset="0"/>
-                            </a:rPr>
-                          </m:ctrlPr>
-                        </m:sSubPr>
-                        <m:e>
-                          <m:r>
-                            <a:rPr lang="de-DE" b="0" i="1" smtClean="0">
-                              <a:latin typeface="Cambria Math" panose="02040503050406030204" pitchFamily="18" charset="0"/>
-                            </a:rPr>
-                            <m:t>𝑃</m:t>
-                          </m:r>
-                        </m:e>
-                        <m:sub>
-                          <m:d>
-                            <m:dPr>
-                              <m:ctrlPr>
-                                <a:rPr lang="de-DE" b="0" i="1" smtClean="0">
-                                  <a:latin typeface="Cambria Math" panose="02040503050406030204" pitchFamily="18" charset="0"/>
-                                </a:rPr>
-                              </m:ctrlPr>
-                            </m:dPr>
-                            <m:e>
-                              <m:r>
-                                <a:rPr lang="de-DE" b="0" i="1" smtClean="0">
-                                  <a:latin typeface="Cambria Math" panose="02040503050406030204" pitchFamily="18" charset="0"/>
-                                </a:rPr>
-                                <m:t>𝑋</m:t>
-                              </m:r>
-                              <m:r>
-                                <a:rPr lang="de-DE" b="0" i="1" smtClean="0">
-                                  <a:latin typeface="Cambria Math" panose="02040503050406030204" pitchFamily="18" charset="0"/>
-                                </a:rPr>
-                                <m:t>,</m:t>
-                              </m:r>
-                              <m:r>
-                                <a:rPr lang="de-DE" b="0" i="1" smtClean="0">
-                                  <a:latin typeface="Cambria Math" panose="02040503050406030204" pitchFamily="18" charset="0"/>
-                                </a:rPr>
-                                <m:t>𝑌</m:t>
-                              </m:r>
-                            </m:e>
-                          </m:d>
-                        </m:sub>
-                      </m:sSub>
-                      <m:r>
-                        <a:rPr lang="de-DE" b="0" i="1" smtClean="0">
-                          <a:latin typeface="Cambria Math" panose="02040503050406030204" pitchFamily="18" charset="0"/>
-                        </a:rPr>
-                        <m:t>|</m:t>
-                      </m:r>
-                      <m:d>
-                        <m:dPr>
-                          <m:begChr m:val="|"/>
-                          <m:ctrlPr>
-                            <a:rPr lang="de-DE" b="0" i="1" smtClean="0">
-                              <a:latin typeface="Cambria Math" panose="02040503050406030204" pitchFamily="18" charset="0"/>
-                            </a:rPr>
-                          </m:ctrlPr>
-                        </m:dPr>
-                        <m:e>
-                          <m:sSub>
-                            <m:sSubPr>
-                              <m:ctrlPr>
-                                <a:rPr lang="de-DE" b="0" i="1" smtClean="0">
-                                  <a:latin typeface="Cambria Math" panose="02040503050406030204" pitchFamily="18" charset="0"/>
-                                </a:rPr>
-                              </m:ctrlPr>
-                            </m:sSubPr>
-                            <m:e>
-                              <m:r>
-                                <a:rPr lang="de-DE" b="0" i="1" smtClean="0">
-                                  <a:latin typeface="Cambria Math" panose="02040503050406030204" pitchFamily="18" charset="0"/>
-                                </a:rPr>
-                                <m:t>𝑃</m:t>
-                              </m:r>
-                            </m:e>
-                            <m:sub>
-                              <m:r>
-                                <a:rPr lang="de-DE" b="0" i="1" smtClean="0">
-                                  <a:latin typeface="Cambria Math" panose="02040503050406030204" pitchFamily="18" charset="0"/>
-                                </a:rPr>
-                                <m:t>𝑋</m:t>
-                              </m:r>
-                            </m:sub>
-                          </m:sSub>
-                          <m:r>
-                            <a:rPr lang="de-DE" b="0" i="1" smtClean="0">
-                              <a:latin typeface="Cambria Math" panose="02040503050406030204" pitchFamily="18" charset="0"/>
-                              <a:ea typeface="Cambria Math" panose="02040503050406030204" pitchFamily="18" charset="0"/>
-                            </a:rPr>
-                            <m:t>⊗</m:t>
-                          </m:r>
-                          <m:sSub>
-                            <m:sSubPr>
-                              <m:ctrlPr>
-                                <a:rPr lang="de-DE" b="0" i="1" smtClean="0">
-                                  <a:latin typeface="Cambria Math" panose="02040503050406030204" pitchFamily="18" charset="0"/>
-                                  <a:ea typeface="Cambria Math" panose="02040503050406030204" pitchFamily="18" charset="0"/>
-                                </a:rPr>
-                              </m:ctrlPr>
-                            </m:sSubPr>
-                            <m:e>
-                              <m:r>
-                                <a:rPr lang="de-DE" b="0" i="1" smtClean="0">
-                                  <a:latin typeface="Cambria Math" panose="02040503050406030204" pitchFamily="18" charset="0"/>
-                                  <a:ea typeface="Cambria Math" panose="02040503050406030204" pitchFamily="18" charset="0"/>
-                                </a:rPr>
-                                <m:t>𝑃</m:t>
-                              </m:r>
-                            </m:e>
-                            <m:sub>
-                              <m:r>
-                                <a:rPr lang="de-DE" b="0" i="1" smtClean="0">
-                                  <a:latin typeface="Cambria Math" panose="02040503050406030204" pitchFamily="18" charset="0"/>
-                                  <a:ea typeface="Cambria Math" panose="02040503050406030204" pitchFamily="18" charset="0"/>
-                                </a:rPr>
-                                <m:t>𝑌</m:t>
-                              </m:r>
-                            </m:sub>
-                          </m:sSub>
-                        </m:e>
-                      </m:d>
-                      <m:r>
-                        <a:rPr lang="de-DE" b="0" i="1" smtClean="0">
-                          <a:latin typeface="Cambria Math" panose="02040503050406030204" pitchFamily="18" charset="0"/>
-                          <a:ea typeface="Cambria Math" panose="02040503050406030204" pitchFamily="18" charset="0"/>
-                        </a:rPr>
-                        <m:t>= </m:t>
-                      </m:r>
-                      <m:nary>
-                        <m:naryPr>
-                          <m:chr m:val="∑"/>
-                          <m:supHide m:val="on"/>
-                          <m:ctrlPr>
-                            <a:rPr lang="de-DE" b="0" i="1" smtClean="0">
-                              <a:latin typeface="Cambria Math" panose="02040503050406030204" pitchFamily="18" charset="0"/>
-                              <a:ea typeface="Cambria Math" panose="02040503050406030204" pitchFamily="18" charset="0"/>
-                            </a:rPr>
-                          </m:ctrlPr>
-                        </m:naryPr>
-                        <m:sub>
-                          <m:r>
-                            <m:rPr>
-                              <m:brk m:alnAt="7"/>
-                            </m:rPr>
-                            <a:rPr lang="de-DE" b="0" i="1" smtClean="0">
-                              <a:latin typeface="Cambria Math" panose="02040503050406030204" pitchFamily="18" charset="0"/>
-                              <a:ea typeface="Cambria Math" panose="02040503050406030204" pitchFamily="18" charset="0"/>
-                            </a:rPr>
-                            <m:t>𝑥</m:t>
-                          </m:r>
-                          <m:r>
-                            <a:rPr lang="de-DE" b="0" i="1" smtClean="0">
-                              <a:latin typeface="Cambria Math" panose="02040503050406030204" pitchFamily="18" charset="0"/>
-                              <a:ea typeface="Cambria Math" panose="02040503050406030204" pitchFamily="18" charset="0"/>
-                            </a:rPr>
-                            <m:t>, </m:t>
-                          </m:r>
-                          <m:r>
-                            <a:rPr lang="de-DE" b="0" i="1" smtClean="0">
-                              <a:latin typeface="Cambria Math" panose="02040503050406030204" pitchFamily="18" charset="0"/>
-                              <a:ea typeface="Cambria Math" panose="02040503050406030204" pitchFamily="18" charset="0"/>
-                            </a:rPr>
-                            <m:t>𝑦</m:t>
-                          </m:r>
-                        </m:sub>
-                        <m:sup/>
-                        <m:e>
-                          <m:sSub>
-                            <m:sSubPr>
-                              <m:ctrlPr>
-                                <a:rPr lang="de-DE" b="0" i="1" smtClean="0">
-                                  <a:latin typeface="Cambria Math" panose="02040503050406030204" pitchFamily="18" charset="0"/>
-                                  <a:ea typeface="Cambria Math" panose="02040503050406030204" pitchFamily="18" charset="0"/>
-                                </a:rPr>
-                              </m:ctrlPr>
-                            </m:sSubPr>
-                            <m:e>
-                              <m:r>
-                                <a:rPr lang="de-DE" b="0" i="1" smtClean="0">
-                                  <a:latin typeface="Cambria Math" panose="02040503050406030204" pitchFamily="18" charset="0"/>
-                                  <a:ea typeface="Cambria Math" panose="02040503050406030204" pitchFamily="18" charset="0"/>
-                                </a:rPr>
-                                <m:t>𝑃</m:t>
-                              </m:r>
-                            </m:e>
-                            <m:sub>
-                              <m:r>
-                                <a:rPr lang="de-DE" b="0" i="1" smtClean="0">
-                                  <a:latin typeface="Cambria Math" panose="02040503050406030204" pitchFamily="18" charset="0"/>
-                                  <a:ea typeface="Cambria Math" panose="02040503050406030204" pitchFamily="18" charset="0"/>
-                                </a:rPr>
-                                <m:t>𝑋𝑌</m:t>
-                              </m:r>
-                            </m:sub>
-                          </m:sSub>
-                          <m:d>
-                            <m:dPr>
-                              <m:ctrlPr>
-                                <a:rPr lang="de-DE" b="0" i="1" smtClean="0">
-                                  <a:latin typeface="Cambria Math" panose="02040503050406030204" pitchFamily="18" charset="0"/>
-                                  <a:ea typeface="Cambria Math" panose="02040503050406030204" pitchFamily="18" charset="0"/>
-                                </a:rPr>
-                              </m:ctrlPr>
-                            </m:dPr>
-                            <m:e>
-                              <m:r>
-                                <a:rPr lang="de-DE" b="0" i="1" smtClean="0">
-                                  <a:latin typeface="Cambria Math" panose="02040503050406030204" pitchFamily="18" charset="0"/>
-                                  <a:ea typeface="Cambria Math" panose="02040503050406030204" pitchFamily="18" charset="0"/>
-                                </a:rPr>
-                                <m:t>𝑥</m:t>
-                              </m:r>
-                              <m:r>
-                                <a:rPr lang="de-DE" b="0" i="1" smtClean="0">
-                                  <a:latin typeface="Cambria Math" panose="02040503050406030204" pitchFamily="18" charset="0"/>
-                                  <a:ea typeface="Cambria Math" panose="02040503050406030204" pitchFamily="18" charset="0"/>
-                                </a:rPr>
-                                <m:t>, </m:t>
-                              </m:r>
-                              <m:r>
-                                <a:rPr lang="de-DE" b="0" i="1" smtClean="0">
-                                  <a:latin typeface="Cambria Math" panose="02040503050406030204" pitchFamily="18" charset="0"/>
-                                  <a:ea typeface="Cambria Math" panose="02040503050406030204" pitchFamily="18" charset="0"/>
-                                </a:rPr>
-                                <m:t>𝑦</m:t>
-                              </m:r>
-                            </m:e>
-                          </m:d>
-                          <m:func>
-                            <m:funcPr>
-                              <m:ctrlPr>
-                                <a:rPr lang="de-DE" b="0" i="1" smtClean="0">
-                                  <a:latin typeface="Cambria Math" panose="02040503050406030204" pitchFamily="18" charset="0"/>
-                                  <a:ea typeface="Cambria Math" panose="02040503050406030204" pitchFamily="18" charset="0"/>
-                                </a:rPr>
-                              </m:ctrlPr>
-                            </m:funcPr>
-                            <m:fName>
-                              <m:r>
-                                <m:rPr>
-                                  <m:sty m:val="p"/>
-                                </m:rPr>
-                                <a:rPr lang="de-DE" b="0" i="0" smtClean="0">
-                                  <a:latin typeface="Cambria Math" panose="02040503050406030204" pitchFamily="18" charset="0"/>
-                                  <a:ea typeface="Cambria Math" panose="02040503050406030204" pitchFamily="18" charset="0"/>
-                                </a:rPr>
-                                <m:t>log</m:t>
-                              </m:r>
-                            </m:fName>
-                            <m:e>
-                              <m:f>
-                                <m:fPr>
-                                  <m:ctrlPr>
-                                    <a:rPr lang="de-DE" b="0" i="1" smtClean="0">
-                                      <a:latin typeface="Cambria Math" panose="02040503050406030204" pitchFamily="18" charset="0"/>
-                                      <a:ea typeface="Cambria Math" panose="02040503050406030204" pitchFamily="18" charset="0"/>
-                                    </a:rPr>
-                                  </m:ctrlPr>
-                                </m:fPr>
-                                <m:num>
-                                  <m:sSub>
-                                    <m:sSubPr>
-                                      <m:ctrlPr>
-                                        <a:rPr lang="de-DE" b="0" i="1" smtClean="0">
-                                          <a:latin typeface="Cambria Math" panose="02040503050406030204" pitchFamily="18" charset="0"/>
-                                          <a:ea typeface="Cambria Math" panose="02040503050406030204" pitchFamily="18" charset="0"/>
-                                        </a:rPr>
-                                      </m:ctrlPr>
-                                    </m:sSubPr>
-                                    <m:e>
-                                      <m:r>
-                                        <a:rPr lang="de-DE" b="0" i="1" smtClean="0">
-                                          <a:latin typeface="Cambria Math" panose="02040503050406030204" pitchFamily="18" charset="0"/>
-                                          <a:ea typeface="Cambria Math" panose="02040503050406030204" pitchFamily="18" charset="0"/>
-                                        </a:rPr>
-                                        <m:t>𝑃</m:t>
-                                      </m:r>
-                                    </m:e>
-                                    <m:sub>
-                                      <m:r>
-                                        <a:rPr lang="de-DE" b="0" i="1" smtClean="0">
-                                          <a:latin typeface="Cambria Math" panose="02040503050406030204" pitchFamily="18" charset="0"/>
-                                          <a:ea typeface="Cambria Math" panose="02040503050406030204" pitchFamily="18" charset="0"/>
-                                        </a:rPr>
-                                        <m:t>𝑋𝑌</m:t>
-                                      </m:r>
-                                    </m:sub>
-                                  </m:sSub>
-                                  <m:r>
-                                    <a:rPr lang="de-DE" b="0" i="1" smtClean="0">
-                                      <a:latin typeface="Cambria Math" panose="02040503050406030204" pitchFamily="18" charset="0"/>
-                                      <a:ea typeface="Cambria Math" panose="02040503050406030204" pitchFamily="18" charset="0"/>
-                                    </a:rPr>
-                                    <m:t>(</m:t>
-                                  </m:r>
-                                  <m:r>
-                                    <a:rPr lang="de-DE" b="0" i="1" smtClean="0">
-                                      <a:latin typeface="Cambria Math" panose="02040503050406030204" pitchFamily="18" charset="0"/>
-                                      <a:ea typeface="Cambria Math" panose="02040503050406030204" pitchFamily="18" charset="0"/>
-                                    </a:rPr>
-                                    <m:t>𝑥</m:t>
-                                  </m:r>
-                                  <m:r>
-                                    <a:rPr lang="de-DE" b="0" i="1" smtClean="0">
-                                      <a:latin typeface="Cambria Math" panose="02040503050406030204" pitchFamily="18" charset="0"/>
-                                      <a:ea typeface="Cambria Math" panose="02040503050406030204" pitchFamily="18" charset="0"/>
-                                    </a:rPr>
-                                    <m:t>,</m:t>
-                                  </m:r>
-                                  <m:r>
-                                    <a:rPr lang="de-DE" b="0" i="1" smtClean="0">
-                                      <a:latin typeface="Cambria Math" panose="02040503050406030204" pitchFamily="18" charset="0"/>
-                                      <a:ea typeface="Cambria Math" panose="02040503050406030204" pitchFamily="18" charset="0"/>
-                                    </a:rPr>
-                                    <m:t>𝑦</m:t>
-                                  </m:r>
-                                  <m:r>
-                                    <a:rPr lang="de-DE" b="0" i="1" smtClean="0">
-                                      <a:latin typeface="Cambria Math" panose="02040503050406030204" pitchFamily="18" charset="0"/>
-                                      <a:ea typeface="Cambria Math" panose="02040503050406030204" pitchFamily="18" charset="0"/>
-                                    </a:rPr>
-                                    <m:t>)</m:t>
-                                  </m:r>
-                                </m:num>
-                                <m:den>
-                                  <m:sSub>
-                                    <m:sSubPr>
-                                      <m:ctrlPr>
-                                        <a:rPr lang="de-DE" b="0" i="1" smtClean="0">
-                                          <a:latin typeface="Cambria Math" panose="02040503050406030204" pitchFamily="18" charset="0"/>
-                                          <a:ea typeface="Cambria Math" panose="02040503050406030204" pitchFamily="18" charset="0"/>
-                                        </a:rPr>
-                                      </m:ctrlPr>
-                                    </m:sSubPr>
-                                    <m:e>
-                                      <m:r>
-                                        <a:rPr lang="de-DE" b="0" i="1" smtClean="0">
-                                          <a:latin typeface="Cambria Math" panose="02040503050406030204" pitchFamily="18" charset="0"/>
-                                          <a:ea typeface="Cambria Math" panose="02040503050406030204" pitchFamily="18" charset="0"/>
-                                        </a:rPr>
-                                        <m:t>𝑃</m:t>
-                                      </m:r>
-                                    </m:e>
-                                    <m:sub>
-                                      <m:r>
-                                        <a:rPr lang="de-DE" b="0" i="1" smtClean="0">
-                                          <a:latin typeface="Cambria Math" panose="02040503050406030204" pitchFamily="18" charset="0"/>
-                                          <a:ea typeface="Cambria Math" panose="02040503050406030204" pitchFamily="18" charset="0"/>
-                                        </a:rPr>
-                                        <m:t>𝑋</m:t>
-                                      </m:r>
-                                    </m:sub>
-                                  </m:sSub>
-                                  <m:r>
-                                    <a:rPr lang="de-DE" b="0" i="1" smtClean="0">
-                                      <a:latin typeface="Cambria Math" panose="02040503050406030204" pitchFamily="18" charset="0"/>
-                                      <a:ea typeface="Cambria Math" panose="02040503050406030204" pitchFamily="18" charset="0"/>
-                                    </a:rPr>
-                                    <m:t>(</m:t>
-                                  </m:r>
-                                  <m:r>
-                                    <a:rPr lang="de-DE" b="0" i="1" smtClean="0">
-                                      <a:latin typeface="Cambria Math" panose="02040503050406030204" pitchFamily="18" charset="0"/>
-                                      <a:ea typeface="Cambria Math" panose="02040503050406030204" pitchFamily="18" charset="0"/>
-                                    </a:rPr>
-                                    <m:t>𝑥</m:t>
-                                  </m:r>
-                                  <m:r>
-                                    <a:rPr lang="de-DE" b="0" i="1" smtClean="0">
-                                      <a:latin typeface="Cambria Math" panose="02040503050406030204" pitchFamily="18" charset="0"/>
-                                      <a:ea typeface="Cambria Math" panose="02040503050406030204" pitchFamily="18" charset="0"/>
-                                    </a:rPr>
-                                    <m:t>)×</m:t>
-                                  </m:r>
-                                  <m:sSub>
-                                    <m:sSubPr>
-                                      <m:ctrlPr>
-                                        <a:rPr lang="de-DE" b="0" i="1" smtClean="0">
-                                          <a:latin typeface="Cambria Math" panose="02040503050406030204" pitchFamily="18" charset="0"/>
-                                          <a:ea typeface="Cambria Math" panose="02040503050406030204" pitchFamily="18" charset="0"/>
-                                        </a:rPr>
-                                      </m:ctrlPr>
-                                    </m:sSubPr>
-                                    <m:e>
-                                      <m:r>
-                                        <a:rPr lang="de-DE" b="0" i="1" smtClean="0">
-                                          <a:latin typeface="Cambria Math" panose="02040503050406030204" pitchFamily="18" charset="0"/>
-                                          <a:ea typeface="Cambria Math" panose="02040503050406030204" pitchFamily="18" charset="0"/>
-                                        </a:rPr>
-                                        <m:t>𝑃</m:t>
-                                      </m:r>
-                                    </m:e>
-                                    <m:sub>
-                                      <m:r>
-                                        <a:rPr lang="de-DE" b="0" i="1" smtClean="0">
-                                          <a:latin typeface="Cambria Math" panose="02040503050406030204" pitchFamily="18" charset="0"/>
-                                          <a:ea typeface="Cambria Math" panose="02040503050406030204" pitchFamily="18" charset="0"/>
-                                        </a:rPr>
-                                        <m:t>𝑌</m:t>
-                                      </m:r>
-                                    </m:sub>
-                                  </m:sSub>
-                                  <m:r>
-                                    <a:rPr lang="de-DE" b="0" i="1" smtClean="0">
-                                      <a:latin typeface="Cambria Math" panose="02040503050406030204" pitchFamily="18" charset="0"/>
-                                      <a:ea typeface="Cambria Math" panose="02040503050406030204" pitchFamily="18" charset="0"/>
-                                    </a:rPr>
-                                    <m:t>(</m:t>
-                                  </m:r>
-                                  <m:r>
-                                    <a:rPr lang="de-DE" b="0" i="1" smtClean="0">
-                                      <a:latin typeface="Cambria Math" panose="02040503050406030204" pitchFamily="18" charset="0"/>
-                                      <a:ea typeface="Cambria Math" panose="02040503050406030204" pitchFamily="18" charset="0"/>
-                                    </a:rPr>
-                                    <m:t>𝑦</m:t>
-                                  </m:r>
-                                  <m:r>
-                                    <a:rPr lang="de-DE" b="0" i="1" smtClean="0">
-                                      <a:latin typeface="Cambria Math" panose="02040503050406030204" pitchFamily="18" charset="0"/>
-                                      <a:ea typeface="Cambria Math" panose="02040503050406030204" pitchFamily="18" charset="0"/>
-                                    </a:rPr>
-                                    <m:t>)</m:t>
-                                  </m:r>
-                                </m:den>
-                              </m:f>
-                            </m:e>
-                          </m:func>
-                        </m:e>
-                      </m:nary>
-                    </m:oMath>
-                  </m:oMathPara>
-                </a14:m>
-                <a:endParaRPr lang="en-DE" dirty="0"/>
-              </a:p>
-            </p:txBody>
-          </p:sp>
-        </mc:Choice>
-        <mc:Fallback xmlns="">
-          <p:sp>
-            <p:nvSpPr>
-              <p:cNvPr id="7" name="TextBox 6">
-                <a:extLst>
-                  <a:ext uri="{FF2B5EF4-FFF2-40B4-BE49-F238E27FC236}">
-                    <a16:creationId xmlns:a16="http://schemas.microsoft.com/office/drawing/2014/main" id="{F4D2EE7C-AF54-F6E8-DEE5-16FF913B689E}"/>
-                  </a:ext>
-                </a:extLst>
-              </p:cNvPr>
-              <p:cNvSpPr txBox="1">
-                <a:spLocks noRot="1" noChangeAspect="1" noMove="1" noResize="1" noEditPoints="1" noAdjustHandles="1" noChangeArrowheads="1" noChangeShapeType="1" noTextEdit="1"/>
-              </p:cNvSpPr>
-              <p:nvPr/>
-            </p:nvSpPr>
-            <p:spPr>
-              <a:xfrm>
-                <a:off x="1841117" y="2889312"/>
-                <a:ext cx="8509765" cy="937436"/>
-              </a:xfrm>
-              <a:prstGeom prst="rect">
-                <a:avLst/>
-              </a:prstGeom>
-              <a:blipFill>
-                <a:blip r:embed="rId3"/>
-                <a:stretch>
-                  <a:fillRect t="-131646" r="-296" b="-177215"/>
-                </a:stretch>
-              </a:blipFill>
-              <a:ln w="57150">
-                <a:solidFill>
-                  <a:schemeClr val="tx2"/>
-                </a:solidFill>
-              </a:ln>
-            </p:spPr>
-            <p:txBody>
-              <a:bodyPr/>
-              <a:lstStyle/>
-              <a:p>
-                <a:r>
-                  <a:rPr lang="en-DE">
-                    <a:noFill/>
-                  </a:rPr>
-                  <a:t> </a:t>
-                </a:r>
-              </a:p>
-            </p:txBody>
-          </p:sp>
-        </mc:Fallback>
-      </mc:AlternateContent>
-    </p:spTree>
-    <p:extLst>
-      <p:ext uri="{BB962C8B-B14F-4D97-AF65-F5344CB8AC3E}">
-        <p14:creationId xmlns:p14="http://schemas.microsoft.com/office/powerpoint/2010/main" val="2345391069"/>
       </p:ext>
     </p:extLst>
   </p:cSld>
@@ -16519,34 +10391,48 @@
         </p:nvSpPr>
         <p:spPr/>
         <p:txBody>
-          <a:bodyPr anchor="ctr"/>
+          <a:bodyPr anchor="ctr">
+            <a:normAutofit/>
+          </a:bodyPr>
           <a:lstStyle/>
           <a:p>
             <a:r>
-              <a:rPr lang="en-DE" dirty="0"/>
+              <a:rPr lang="en-DE" sz="3200" dirty="0"/>
               <a:t>Related Work</a:t>
             </a:r>
           </a:p>
           <a:p>
-            <a:endParaRPr lang="en-DE" dirty="0"/>
-          </a:p>
-          <a:p>
-            <a:r>
-              <a:rPr lang="en-DE" dirty="0"/>
-              <a:t>Data</a:t>
-            </a:r>
-          </a:p>
-          <a:p>
-            <a:endParaRPr lang="en-DE" dirty="0"/>
-          </a:p>
-          <a:p>
-            <a:r>
-              <a:rPr lang="en-DE" dirty="0"/>
+            <a:endParaRPr lang="en-DE" sz="3200" dirty="0"/>
+          </a:p>
+          <a:p>
+            <a:r>
+              <a:rPr lang="en-DE" sz="3200" dirty="0"/>
               <a:t>Methodology</a:t>
             </a:r>
           </a:p>
           <a:p>
-            <a:endParaRPr lang="en-DE" dirty="0"/>
+            <a:endParaRPr lang="en-DE" sz="3200" dirty="0"/>
+          </a:p>
+          <a:p>
+            <a:r>
+              <a:rPr lang="en-DE" sz="3200" dirty="0"/>
+              <a:t>Results</a:t>
+            </a:r>
+          </a:p>
+          <a:p>
+            <a:endParaRPr lang="en-DE" sz="3200" dirty="0"/>
+          </a:p>
+          <a:p>
+            <a:r>
+              <a:rPr lang="en-DE" sz="3200" dirty="0"/>
+              <a:t>Discussion</a:t>
+            </a:r>
+          </a:p>
+          <a:p>
+            <a:pPr marL="0" indent="0">
+              <a:buNone/>
+            </a:pPr>
+            <a:endParaRPr lang="en-DE" sz="3200" dirty="0"/>
           </a:p>
         </p:txBody>
       </p:sp>
@@ -16666,41 +10552,12 @@
           <a:chExt cx="0" cy="0"/>
         </a:xfrm>
       </p:grpSpPr>
-      <p:pic>
-        <p:nvPicPr>
-          <p:cNvPr id="8" name="Inhaltsplatzhalter 7">
-            <a:extLst>
-              <a:ext uri="{FF2B5EF4-FFF2-40B4-BE49-F238E27FC236}">
-                <a16:creationId xmlns:a16="http://schemas.microsoft.com/office/drawing/2014/main" id="{4A855020-4107-545B-8CDC-F6E75B5DA99C}"/>
-              </a:ext>
-            </a:extLst>
-          </p:cNvPr>
-          <p:cNvPicPr>
-            <a:picLocks noGrp="1" noChangeAspect="1"/>
-          </p:cNvPicPr>
-          <p:nvPr>
-            <p:ph sz="half" idx="1"/>
-          </p:nvPr>
-        </p:nvPicPr>
-        <p:blipFill>
-          <a:blip r:embed="rId2"/>
-          <a:stretch>
-            <a:fillRect/>
-          </a:stretch>
-        </p:blipFill>
-        <p:spPr>
-          <a:xfrm>
-            <a:off x="836313" y="1930635"/>
-            <a:ext cx="5032472" cy="3784209"/>
-          </a:xfrm>
-        </p:spPr>
-      </p:pic>
-      <p:sp>
-        <p:nvSpPr>
-          <p:cNvPr id="4" name="Datumsplatzhalter 3">
-            <a:extLst>
-              <a:ext uri="{FF2B5EF4-FFF2-40B4-BE49-F238E27FC236}">
-                <a16:creationId xmlns:a16="http://schemas.microsoft.com/office/drawing/2014/main" id="{2402A923-D965-37C3-F052-432B04EDF893}"/>
+      <p:sp>
+        <p:nvSpPr>
+          <p:cNvPr id="3" name="Date Placeholder 2">
+            <a:extLst>
+              <a:ext uri="{FF2B5EF4-FFF2-40B4-BE49-F238E27FC236}">
+                <a16:creationId xmlns:a16="http://schemas.microsoft.com/office/drawing/2014/main" id="{B9B842A1-4635-D905-A2CC-915676E65D11}"/>
               </a:ext>
             </a:extLst>
           </p:cNvPr>
@@ -16716,20 +10573,20 @@
           <a:bodyPr/>
           <a:lstStyle/>
           <a:p>
-            <a:fld id="{43A9179C-E631-47AA-B9CB-ABFD8F596650}" type="datetime1">
-              <a:rPr lang="de-DE" smtClean="0"/>
-              <a:t>26.11.24</a:t>
+            <a:fld id="{162C1F81-0292-4658-B990-314031B5EEE0}" type="datetime4">
+              <a:rPr lang="en-US" noProof="0" smtClean="0"/>
+              <a:t>November 26, 2024</a:t>
             </a:fld>
-            <a:endParaRPr lang="de-DE"/>
-          </a:p>
-        </p:txBody>
-      </p:sp>
-      <p:sp>
-        <p:nvSpPr>
-          <p:cNvPr id="5" name="Foliennummernplatzhalter 4">
-            <a:extLst>
-              <a:ext uri="{FF2B5EF4-FFF2-40B4-BE49-F238E27FC236}">
-                <a16:creationId xmlns:a16="http://schemas.microsoft.com/office/drawing/2014/main" id="{7216B782-DA1C-F932-3BE4-B7BC298A6A75}"/>
+            <a:endParaRPr lang="en-US" noProof="0" dirty="0"/>
+          </a:p>
+        </p:txBody>
+      </p:sp>
+      <p:sp>
+        <p:nvSpPr>
+          <p:cNvPr id="4" name="Slide Number Placeholder 3">
+            <a:extLst>
+              <a:ext uri="{FF2B5EF4-FFF2-40B4-BE49-F238E27FC236}">
+                <a16:creationId xmlns:a16="http://schemas.microsoft.com/office/drawing/2014/main" id="{26DF1B00-2420-7811-96B8-F9C37713C1EC}"/>
               </a:ext>
             </a:extLst>
           </p:cNvPr>
@@ -16746,19 +10603,19 @@
           <a:lstStyle/>
           <a:p>
             <a:fld id="{61696EC4-B4CF-4701-AD06-A8439D6D8E12}" type="slidenum">
-              <a:rPr lang="de-DE" smtClean="0"/>
+              <a:rPr lang="en-US" noProof="0" smtClean="0"/>
               <a:t>4</a:t>
             </a:fld>
-            <a:endParaRPr lang="de-DE"/>
-          </a:p>
-        </p:txBody>
-      </p:sp>
-      <p:sp>
-        <p:nvSpPr>
-          <p:cNvPr id="6" name="Titel 5">
-            <a:extLst>
-              <a:ext uri="{FF2B5EF4-FFF2-40B4-BE49-F238E27FC236}">
-                <a16:creationId xmlns:a16="http://schemas.microsoft.com/office/drawing/2014/main" id="{BBB78E91-CADB-142E-8B7C-6BB04D8194FA}"/>
+            <a:endParaRPr lang="en-US" noProof="0" dirty="0"/>
+          </a:p>
+        </p:txBody>
+      </p:sp>
+      <p:sp>
+        <p:nvSpPr>
+          <p:cNvPr id="6" name="Title 5">
+            <a:extLst>
+              <a:ext uri="{FF2B5EF4-FFF2-40B4-BE49-F238E27FC236}">
+                <a16:creationId xmlns:a16="http://schemas.microsoft.com/office/drawing/2014/main" id="{368B27F3-B4BD-0E64-0A59-7524ECD79F2E}"/>
               </a:ext>
             </a:extLst>
           </p:cNvPr>
@@ -16775,47 +10632,16 @@
           <a:lstStyle/>
           <a:p>
             <a:r>
-              <a:rPr lang="en-US" dirty="0"/>
-              <a:t>The equity premium: A puzzle</a:t>
-            </a:r>
-            <a:endParaRPr lang="de-DE" dirty="0"/>
-          </a:p>
-        </p:txBody>
-      </p:sp>
-      <p:pic>
-        <p:nvPicPr>
-          <p:cNvPr id="14" name="Grafik 13">
-            <a:extLst>
-              <a:ext uri="{FF2B5EF4-FFF2-40B4-BE49-F238E27FC236}">
-                <a16:creationId xmlns:a16="http://schemas.microsoft.com/office/drawing/2014/main" id="{697F3554-0B39-81BA-1C9E-9DF38A8F90EB}"/>
-              </a:ext>
-            </a:extLst>
-          </p:cNvPr>
-          <p:cNvPicPr>
-            <a:picLocks noChangeAspect="1"/>
-          </p:cNvPicPr>
-          <p:nvPr/>
-        </p:nvPicPr>
-        <p:blipFill>
-          <a:blip r:embed="rId3"/>
-          <a:stretch>
-            <a:fillRect/>
-          </a:stretch>
-        </p:blipFill>
-        <p:spPr>
-          <a:xfrm>
-            <a:off x="6172201" y="1930635"/>
-            <a:ext cx="4979893" cy="3780804"/>
-          </a:xfrm>
-          <a:prstGeom prst="rect">
-            <a:avLst/>
-          </a:prstGeom>
-        </p:spPr>
-      </p:pic>
+              <a:rPr lang="en-DE" dirty="0"/>
+              <a:t>Related Work</a:t>
+            </a:r>
+          </a:p>
+        </p:txBody>
+      </p:sp>
     </p:spTree>
     <p:extLst>
       <p:ext uri="{BB962C8B-B14F-4D97-AF65-F5344CB8AC3E}">
-        <p14:creationId xmlns:p14="http://schemas.microsoft.com/office/powerpoint/2010/main" val="792717415"/>
+        <p14:creationId xmlns:p14="http://schemas.microsoft.com/office/powerpoint/2010/main" val="3412493633"/>
       </p:ext>
     </p:extLst>
   </p:cSld>
@@ -16830,7 +10656,13 @@
   <p:cSld>
     <p:spTree>
       <p:nvGrpSpPr>
-        <p:cNvPr id="1" name=""/>
+        <p:cNvPr id="1" name="">
+          <a:extLst>
+            <a:ext uri="{FF2B5EF4-FFF2-40B4-BE49-F238E27FC236}">
+              <a16:creationId xmlns:a16="http://schemas.microsoft.com/office/drawing/2014/main" id="{0D2A875E-75AC-BC85-9E13-642F0293CFC6}"/>
+            </a:ext>
+          </a:extLst>
+        </p:cNvPr>
         <p:cNvGrpSpPr/>
         <p:nvPr/>
       </p:nvGrpSpPr>
@@ -16844,18 +10676,18 @@
       </p:grpSpPr>
       <p:sp>
         <p:nvSpPr>
-          <p:cNvPr id="2" name="Inhaltsplatzhalter 1">
-            <a:extLst>
-              <a:ext uri="{FF2B5EF4-FFF2-40B4-BE49-F238E27FC236}">
-                <a16:creationId xmlns:a16="http://schemas.microsoft.com/office/drawing/2014/main" id="{C73BA1C8-9E72-0D46-9A7F-20998135515E}"/>
-              </a:ext>
-            </a:extLst>
-          </p:cNvPr>
-          <p:cNvSpPr>
-            <a:spLocks noGrp="1"/>
-          </p:cNvSpPr>
-          <p:nvPr>
-            <p:ph idx="1"/>
+          <p:cNvPr id="3" name="Date Placeholder 2">
+            <a:extLst>
+              <a:ext uri="{FF2B5EF4-FFF2-40B4-BE49-F238E27FC236}">
+                <a16:creationId xmlns:a16="http://schemas.microsoft.com/office/drawing/2014/main" id="{5F3CF0DB-6204-399A-0569-DB95D2F45471}"/>
+              </a:ext>
+            </a:extLst>
+          </p:cNvPr>
+          <p:cNvSpPr>
+            <a:spLocks noGrp="1"/>
+          </p:cNvSpPr>
+          <p:nvPr>
+            <p:ph type="dt" sz="half" idx="10"/>
           </p:nvPr>
         </p:nvSpPr>
         <p:spPr/>
@@ -16863,126 +10695,20 @@
           <a:bodyPr/>
           <a:lstStyle/>
           <a:p>
-            <a:r>
-              <a:rPr lang="de-DE" dirty="0"/>
-              <a:t>Daten: Durchschnittliche reale Rendite von </a:t>
-            </a:r>
-            <a:r>
-              <a:rPr lang="de-DE" b="1" dirty="0"/>
-              <a:t>Aktien</a:t>
-            </a:r>
-            <a:r>
-              <a:rPr lang="de-DE" dirty="0"/>
-              <a:t> und </a:t>
-            </a:r>
-            <a:r>
-              <a:rPr lang="de-DE" b="1" dirty="0"/>
-              <a:t>risikofreien</a:t>
-            </a:r>
-            <a:r>
-              <a:rPr lang="de-DE" dirty="0"/>
-              <a:t> </a:t>
-            </a:r>
-            <a:r>
-              <a:rPr lang="de-DE" b="1" dirty="0"/>
-              <a:t>Anleihen</a:t>
-            </a:r>
-            <a:r>
-              <a:rPr lang="de-DE" dirty="0"/>
-              <a:t> von 1889 – 1978</a:t>
-            </a:r>
-          </a:p>
-          <a:p>
-            <a:r>
-              <a:rPr lang="de-DE" dirty="0"/>
-              <a:t>Equity Premium: 6%</a:t>
-            </a:r>
-          </a:p>
-          <a:p>
-            <a:endParaRPr lang="de-DE" dirty="0"/>
-          </a:p>
-          <a:p>
-            <a:r>
-              <a:rPr lang="de-DE" dirty="0"/>
-              <a:t>Klassische Finanztheorie nach Arrow-Debreu:</a:t>
-            </a:r>
-          </a:p>
-          <a:p>
-            <a:pPr lvl="1"/>
-            <a:r>
-              <a:rPr lang="de-DE" dirty="0"/>
-              <a:t>Perfekte Märkte ohne Friktionen</a:t>
-            </a:r>
-          </a:p>
-          <a:p>
-            <a:pPr lvl="1"/>
-            <a:r>
-              <a:rPr lang="de-DE" dirty="0"/>
-              <a:t>GG in Märkten (EP = 0%)</a:t>
-            </a:r>
-          </a:p>
-          <a:p>
-            <a:endParaRPr lang="de-DE" dirty="0"/>
-          </a:p>
-          <a:p>
-            <a:pPr marL="0" indent="0">
-              <a:buNone/>
-            </a:pPr>
-            <a:r>
-              <a:rPr lang="de-DE" dirty="0"/>
-              <a:t>→ verursachen Friktionen einen EP?</a:t>
-            </a:r>
-          </a:p>
-          <a:p>
-            <a:pPr marL="355579" lvl="1" indent="0">
-              <a:buNone/>
-            </a:pPr>
-            <a:r>
-              <a:rPr lang="de-DE" dirty="0"/>
-              <a:t>→ Kann ein Modell ohne Friktionen einen EP erzeugen?</a:t>
-            </a:r>
-          </a:p>
-          <a:p>
-            <a:pPr lvl="1"/>
-            <a:endParaRPr lang="de-DE" dirty="0"/>
-          </a:p>
-        </p:txBody>
-      </p:sp>
-      <p:sp>
-        <p:nvSpPr>
-          <p:cNvPr id="3" name="Datumsplatzhalter 2">
-            <a:extLst>
-              <a:ext uri="{FF2B5EF4-FFF2-40B4-BE49-F238E27FC236}">
-                <a16:creationId xmlns:a16="http://schemas.microsoft.com/office/drawing/2014/main" id="{B989E61B-2BDA-B862-0AB5-D35E74A9D59F}"/>
-              </a:ext>
-            </a:extLst>
-          </p:cNvPr>
-          <p:cNvSpPr>
-            <a:spLocks noGrp="1"/>
-          </p:cNvSpPr>
-          <p:nvPr>
-            <p:ph type="dt" sz="half" idx="10"/>
-          </p:nvPr>
-        </p:nvSpPr>
-        <p:spPr/>
-        <p:txBody>
-          <a:bodyPr/>
-          <a:lstStyle/>
-          <a:p>
-            <a:fld id="{0A9BFA6A-9A63-4E2D-92C0-C77BFA750EDB}" type="datetime1">
-              <a:rPr lang="de-DE" noProof="0" smtClean="0"/>
-              <a:t>26.11.24</a:t>
+            <a:fld id="{162C1F81-0292-4658-B990-314031B5EEE0}" type="datetime4">
+              <a:rPr lang="en-US" noProof="0" smtClean="0"/>
+              <a:t>November 26, 2024</a:t>
             </a:fld>
-            <a:endParaRPr lang="en-US" noProof="0"/>
-          </a:p>
-        </p:txBody>
-      </p:sp>
-      <p:sp>
-        <p:nvSpPr>
-          <p:cNvPr id="4" name="Foliennummernplatzhalter 3">
-            <a:extLst>
-              <a:ext uri="{FF2B5EF4-FFF2-40B4-BE49-F238E27FC236}">
-                <a16:creationId xmlns:a16="http://schemas.microsoft.com/office/drawing/2014/main" id="{D7EA0821-4750-AED3-8F59-B586EF426FCD}"/>
+            <a:endParaRPr lang="en-US" noProof="0" dirty="0"/>
+          </a:p>
+        </p:txBody>
+      </p:sp>
+      <p:sp>
+        <p:nvSpPr>
+          <p:cNvPr id="4" name="Slide Number Placeholder 3">
+            <a:extLst>
+              <a:ext uri="{FF2B5EF4-FFF2-40B4-BE49-F238E27FC236}">
+                <a16:creationId xmlns:a16="http://schemas.microsoft.com/office/drawing/2014/main" id="{F2E5D5C9-7228-CE1D-D542-E62A608BDC91}"/>
               </a:ext>
             </a:extLst>
           </p:cNvPr>
@@ -17002,16 +10728,16 @@
               <a:rPr lang="en-US" noProof="0" smtClean="0"/>
               <a:t>5</a:t>
             </a:fld>
-            <a:endParaRPr lang="en-US" noProof="0"/>
-          </a:p>
-        </p:txBody>
-      </p:sp>
-      <p:sp>
-        <p:nvSpPr>
-          <p:cNvPr id="5" name="Titel 4">
-            <a:extLst>
-              <a:ext uri="{FF2B5EF4-FFF2-40B4-BE49-F238E27FC236}">
-                <a16:creationId xmlns:a16="http://schemas.microsoft.com/office/drawing/2014/main" id="{DE232FA3-612A-D2D4-272D-0455A3D8C479}"/>
+            <a:endParaRPr lang="en-US" noProof="0" dirty="0"/>
+          </a:p>
+        </p:txBody>
+      </p:sp>
+      <p:sp>
+        <p:nvSpPr>
+          <p:cNvPr id="6" name="Title 5">
+            <a:extLst>
+              <a:ext uri="{FF2B5EF4-FFF2-40B4-BE49-F238E27FC236}">
+                <a16:creationId xmlns:a16="http://schemas.microsoft.com/office/drawing/2014/main" id="{69C0B138-9070-9EEB-1E0B-DFA99132C77E}"/>
               </a:ext>
             </a:extLst>
           </p:cNvPr>
@@ -17028,17 +10754,16 @@
           <a:lstStyle/>
           <a:p>
             <a:r>
-              <a:rPr lang="en-US" dirty="0"/>
-              <a:t>The equity premium: A puzzle</a:t>
-            </a:r>
-            <a:endParaRPr lang="de-DE" dirty="0"/>
+              <a:rPr lang="en-DE" dirty="0"/>
+              <a:t>Methodology</a:t>
+            </a:r>
           </a:p>
         </p:txBody>
       </p:sp>
     </p:spTree>
     <p:extLst>
       <p:ext uri="{BB962C8B-B14F-4D97-AF65-F5344CB8AC3E}">
-        <p14:creationId xmlns:p14="http://schemas.microsoft.com/office/powerpoint/2010/main" val="1990905534"/>
+        <p14:creationId xmlns:p14="http://schemas.microsoft.com/office/powerpoint/2010/main" val="2061784355"/>
       </p:ext>
     </p:extLst>
   </p:cSld>
@@ -17067,10 +10792,10 @@
       </p:grpSpPr>
       <p:sp>
         <p:nvSpPr>
-          <p:cNvPr id="2" name="Inhaltsplatzhalter 1">
-            <a:extLst>
-              <a:ext uri="{FF2B5EF4-FFF2-40B4-BE49-F238E27FC236}">
-                <a16:creationId xmlns:a16="http://schemas.microsoft.com/office/drawing/2014/main" id="{30487DC8-8840-C118-ACC2-9DBD820FC67A}"/>
+          <p:cNvPr id="2" name="Content Placeholder 1">
+            <a:extLst>
+              <a:ext uri="{FF2B5EF4-FFF2-40B4-BE49-F238E27FC236}">
+                <a16:creationId xmlns:a16="http://schemas.microsoft.com/office/drawing/2014/main" id="{3A0AE68B-3CE8-AB6D-2678-CA9E9A79CA26}"/>
               </a:ext>
             </a:extLst>
           </p:cNvPr>
@@ -17087,30 +10812,69 @@
           <a:lstStyle/>
           <a:p>
             <a:r>
-              <a:rPr lang="de-DE" dirty="0"/>
-              <a:t>Ergebnis: selbst unter optimalen Bedingungen kann das EP max. 0,4% betragen</a:t>
-            </a:r>
-          </a:p>
-          <a:p>
-            <a:endParaRPr lang="de-DE" dirty="0"/>
-          </a:p>
-          <a:p>
-            <a:pPr marL="0" indent="0">
-              <a:buNone/>
-            </a:pPr>
-            <a:r>
-              <a:rPr lang="de-DE" dirty="0"/>
-              <a:t>→ 	Ein Modell mit Friktionen ist erforderlich, um das EP zu erklären. </a:t>
-            </a:r>
-          </a:p>
-        </p:txBody>
-      </p:sp>
-      <p:sp>
-        <p:nvSpPr>
-          <p:cNvPr id="3" name="Datumsplatzhalter 2">
-            <a:extLst>
-              <a:ext uri="{FF2B5EF4-FFF2-40B4-BE49-F238E27FC236}">
-                <a16:creationId xmlns:a16="http://schemas.microsoft.com/office/drawing/2014/main" id="{8691BE36-6AB8-4592-FF4C-BF81F6D240E7}"/>
+              <a:rPr lang="en-DE" b="0" dirty="0"/>
+              <a:t>Goal: Find relationships between observed and latent variables</a:t>
+            </a:r>
+          </a:p>
+          <a:p>
+            <a:endParaRPr lang="en-DE" dirty="0"/>
+          </a:p>
+          <a:p>
+            <a:r>
+              <a:rPr lang="en-GB" b="0" dirty="0"/>
+              <a:t>S</a:t>
+            </a:r>
+            <a:r>
+              <a:rPr lang="en-DE" b="0" dirty="0"/>
+              <a:t>imultaniously estimate latent variables and causal relationships between them</a:t>
+            </a:r>
+          </a:p>
+          <a:p>
+            <a:endParaRPr lang="en-DE" dirty="0"/>
+          </a:p>
+          <a:p>
+            <a:r>
+              <a:rPr lang="en-DE" dirty="0"/>
+              <a:t>Step 1: Define how latent variables depend on observed variables</a:t>
+            </a:r>
+          </a:p>
+          <a:p>
+            <a:r>
+              <a:rPr lang="en-DE" dirty="0"/>
+              <a:t>Step 2: Define causal relationships between latent variables</a:t>
+            </a:r>
+          </a:p>
+          <a:p>
+            <a:r>
+              <a:rPr lang="en-DE" dirty="0"/>
+              <a:t>Step 3: Define additional connection links between observed variables</a:t>
+            </a:r>
+          </a:p>
+          <a:p>
+            <a:endParaRPr lang="en-DE" dirty="0"/>
+          </a:p>
+          <a:p>
+            <a:r>
+              <a:rPr lang="en-DE" dirty="0"/>
+              <a:t>Limitations: </a:t>
+            </a:r>
+            <a:r>
+              <a:rPr lang="en-GB" dirty="0"/>
+              <a:t>i</a:t>
+            </a:r>
+            <a:r>
+              <a:rPr lang="en-DE" dirty="0"/>
+              <a:t>n general used for linear dependencies</a:t>
+            </a:r>
+          </a:p>
+        </p:txBody>
+      </p:sp>
+      <p:sp>
+        <p:nvSpPr>
+          <p:cNvPr id="3" name="Date Placeholder 2">
+            <a:extLst>
+              <a:ext uri="{FF2B5EF4-FFF2-40B4-BE49-F238E27FC236}">
+                <a16:creationId xmlns:a16="http://schemas.microsoft.com/office/drawing/2014/main" id="{B717F1E9-8FAE-DA15-5A98-FA4B456628E9}"/>
               </a:ext>
             </a:extLst>
           </p:cNvPr>
@@ -17126,20 +10890,20 @@
           <a:bodyPr/>
           <a:lstStyle/>
           <a:p>
-            <a:fld id="{0A9BFA6A-9A63-4E2D-92C0-C77BFA750EDB}" type="datetime1">
-              <a:rPr lang="de-DE" noProof="0" smtClean="0"/>
-              <a:t>26.11.24</a:t>
+            <a:fld id="{162C1F81-0292-4658-B990-314031B5EEE0}" type="datetime4">
+              <a:rPr lang="en-US" noProof="0" smtClean="0"/>
+              <a:t>November 26, 2024</a:t>
             </a:fld>
-            <a:endParaRPr lang="en-US" noProof="0"/>
-          </a:p>
-        </p:txBody>
-      </p:sp>
-      <p:sp>
-        <p:nvSpPr>
-          <p:cNvPr id="4" name="Foliennummernplatzhalter 3">
-            <a:extLst>
-              <a:ext uri="{FF2B5EF4-FFF2-40B4-BE49-F238E27FC236}">
-                <a16:creationId xmlns:a16="http://schemas.microsoft.com/office/drawing/2014/main" id="{B094DE0D-14B0-7DF2-E22D-08C13ED2F019}"/>
+            <a:endParaRPr lang="en-US" noProof="0" dirty="0"/>
+          </a:p>
+        </p:txBody>
+      </p:sp>
+      <p:sp>
+        <p:nvSpPr>
+          <p:cNvPr id="4" name="Slide Number Placeholder 3">
+            <a:extLst>
+              <a:ext uri="{FF2B5EF4-FFF2-40B4-BE49-F238E27FC236}">
+                <a16:creationId xmlns:a16="http://schemas.microsoft.com/office/drawing/2014/main" id="{24D3E383-51DD-F03D-5444-042943082A60}"/>
               </a:ext>
             </a:extLst>
           </p:cNvPr>
@@ -17159,16 +10923,16 @@
               <a:rPr lang="en-US" noProof="0" smtClean="0"/>
               <a:t>6</a:t>
             </a:fld>
-            <a:endParaRPr lang="en-US" noProof="0"/>
-          </a:p>
-        </p:txBody>
-      </p:sp>
-      <p:sp>
-        <p:nvSpPr>
-          <p:cNvPr id="5" name="Titel 4">
-            <a:extLst>
-              <a:ext uri="{FF2B5EF4-FFF2-40B4-BE49-F238E27FC236}">
-                <a16:creationId xmlns:a16="http://schemas.microsoft.com/office/drawing/2014/main" id="{8C5B57C5-ACCB-0AD5-8792-FF9C0B94D365}"/>
+            <a:endParaRPr lang="en-US" noProof="0" dirty="0"/>
+          </a:p>
+        </p:txBody>
+      </p:sp>
+      <p:sp>
+        <p:nvSpPr>
+          <p:cNvPr id="5" name="Title 4">
+            <a:extLst>
+              <a:ext uri="{FF2B5EF4-FFF2-40B4-BE49-F238E27FC236}">
+                <a16:creationId xmlns:a16="http://schemas.microsoft.com/office/drawing/2014/main" id="{2F07C33B-5D57-AC9B-2DB8-D4CE32C5EA35}"/>
               </a:ext>
             </a:extLst>
           </p:cNvPr>
@@ -17185,17 +10949,16 @@
           <a:lstStyle/>
           <a:p>
             <a:r>
-              <a:rPr lang="en-US" dirty="0"/>
-              <a:t>The equity premium: A puzzle</a:t>
-            </a:r>
-            <a:endParaRPr lang="de-DE" dirty="0"/>
+              <a:rPr lang="en-DE" dirty="0"/>
+              <a:t>Structural Equation Modelling - SEM</a:t>
+            </a:r>
           </a:p>
         </p:txBody>
       </p:sp>
     </p:spTree>
     <p:extLst>
       <p:ext uri="{BB962C8B-B14F-4D97-AF65-F5344CB8AC3E}">
-        <p14:creationId xmlns:p14="http://schemas.microsoft.com/office/powerpoint/2010/main" val="3263949132"/>
+        <p14:creationId xmlns:p14="http://schemas.microsoft.com/office/powerpoint/2010/main" val="3094551934"/>
       </p:ext>
     </p:extLst>
   </p:cSld>
@@ -17224,10 +10987,10 @@
       </p:grpSpPr>
       <p:sp>
         <p:nvSpPr>
-          <p:cNvPr id="2" name="Inhaltsplatzhalter 1">
-            <a:extLst>
-              <a:ext uri="{FF2B5EF4-FFF2-40B4-BE49-F238E27FC236}">
-                <a16:creationId xmlns:a16="http://schemas.microsoft.com/office/drawing/2014/main" id="{25B187D5-18CD-7F26-D86C-41488214F164}"/>
+          <p:cNvPr id="2" name="Content Placeholder 1">
+            <a:extLst>
+              <a:ext uri="{FF2B5EF4-FFF2-40B4-BE49-F238E27FC236}">
+                <a16:creationId xmlns:a16="http://schemas.microsoft.com/office/drawing/2014/main" id="{3BD83C97-E3B1-0030-8027-46E7BD6A1843}"/>
               </a:ext>
             </a:extLst>
           </p:cNvPr>
@@ -17243,92 +11006,22 @@
           <a:bodyPr/>
           <a:lstStyle/>
           <a:p>
-            <a:r>
-              <a:rPr lang="de-DE" dirty="0"/>
-              <a:t>Mehrere Finanzskandale in den früher 2000ern</a:t>
-            </a:r>
-          </a:p>
-          <a:p>
-            <a:pPr lvl="1"/>
-            <a:r>
-              <a:rPr lang="de-DE" dirty="0"/>
-              <a:t>Vertrauensverluste bei Anlegern</a:t>
-            </a:r>
-          </a:p>
-          <a:p>
-            <a:pPr lvl="1"/>
-            <a:r>
-              <a:rPr lang="de-DE" dirty="0"/>
-              <a:t>Rückgang von Marktteilnehmern</a:t>
-            </a:r>
-          </a:p>
-          <a:p>
-            <a:endParaRPr lang="de-DE" dirty="0"/>
-          </a:p>
-          <a:p>
-            <a:pPr marL="0" indent="0">
-              <a:buNone/>
-            </a:pPr>
-            <a:r>
-              <a:rPr lang="de-DE" dirty="0"/>
-              <a:t>→ 	Welche Rolle spielt das Vertrauen der Menschen in den Aktienmarkt 	bei Investitionsentscheidungen?</a:t>
-            </a:r>
-          </a:p>
-          <a:p>
-            <a:endParaRPr lang="de-DE" dirty="0"/>
-          </a:p>
-          <a:p>
-            <a:r>
-              <a:rPr lang="de-DE" dirty="0"/>
-              <a:t>Definition Vertrauen: subjektive Wahrscheinlichkeit, wie stark jemand glaubt, dass er </a:t>
-            </a:r>
-            <a:r>
-              <a:rPr lang="de-DE" b="1" dirty="0"/>
-              <a:t>nicht betrogen </a:t>
-            </a:r>
-            <a:r>
-              <a:rPr lang="de-DE" dirty="0"/>
-              <a:t>wird.</a:t>
-            </a:r>
-          </a:p>
-          <a:p>
-            <a:pPr marL="0" indent="0">
-              <a:buNone/>
-            </a:pPr>
-            <a:endParaRPr lang="de-DE" dirty="0"/>
-          </a:p>
-          <a:p>
-            <a:pPr>
-              <a:buFont typeface="Wingdings" panose="05000000000000000000" pitchFamily="2" charset="2"/>
-              <a:buChar char="Ø"/>
-            </a:pPr>
-            <a:endParaRPr lang="de-DE" dirty="0"/>
-          </a:p>
-          <a:p>
-            <a:pPr>
-              <a:buFont typeface="Wingdings" panose="05000000000000000000" pitchFamily="2" charset="2"/>
-              <a:buChar char="Ø"/>
-            </a:pPr>
-            <a:endParaRPr lang="de-DE" dirty="0"/>
-          </a:p>
-          <a:p>
-            <a:endParaRPr lang="de-DE" dirty="0"/>
-          </a:p>
-          <a:p>
-            <a:endParaRPr lang="de-DE" dirty="0"/>
-          </a:p>
-          <a:p>
-            <a:pPr lvl="1"/>
-            <a:endParaRPr lang="de-DE" dirty="0"/>
-          </a:p>
-        </p:txBody>
-      </p:sp>
-      <p:sp>
-        <p:nvSpPr>
-          <p:cNvPr id="3" name="Datumsplatzhalter 2">
-            <a:extLst>
-              <a:ext uri="{FF2B5EF4-FFF2-40B4-BE49-F238E27FC236}">
-                <a16:creationId xmlns:a16="http://schemas.microsoft.com/office/drawing/2014/main" id="{CCAF69A5-C07B-8778-6487-C2F22E5D483A}"/>
+            <a:endParaRPr lang="en-DE" dirty="0"/>
+          </a:p>
+          <a:p>
+            <a:endParaRPr lang="en-DE" dirty="0"/>
+          </a:p>
+          <a:p>
+            <a:endParaRPr lang="en-DE" dirty="0"/>
+          </a:p>
+        </p:txBody>
+      </p:sp>
+      <p:sp>
+        <p:nvSpPr>
+          <p:cNvPr id="3" name="Date Placeholder 2">
+            <a:extLst>
+              <a:ext uri="{FF2B5EF4-FFF2-40B4-BE49-F238E27FC236}">
+                <a16:creationId xmlns:a16="http://schemas.microsoft.com/office/drawing/2014/main" id="{7A0E3AEF-0EC9-3281-27E8-073D237F5C5A}"/>
               </a:ext>
             </a:extLst>
           </p:cNvPr>
@@ -17344,9 +11037,9 @@
           <a:bodyPr/>
           <a:lstStyle/>
           <a:p>
-            <a:fld id="{0A9BFA6A-9A63-4E2D-92C0-C77BFA750EDB}" type="datetime1">
-              <a:rPr lang="de-DE" noProof="0" smtClean="0"/>
-              <a:t>26.11.24</a:t>
+            <a:fld id="{162C1F81-0292-4658-B990-314031B5EEE0}" type="datetime4">
+              <a:rPr lang="en-US" noProof="0" smtClean="0"/>
+              <a:t>November 26, 2024</a:t>
             </a:fld>
             <a:endParaRPr lang="en-US" noProof="0"/>
           </a:p>
@@ -17354,10 +11047,10 @@
       </p:sp>
       <p:sp>
         <p:nvSpPr>
-          <p:cNvPr id="4" name="Foliennummernplatzhalter 3">
-            <a:extLst>
-              <a:ext uri="{FF2B5EF4-FFF2-40B4-BE49-F238E27FC236}">
-                <a16:creationId xmlns:a16="http://schemas.microsoft.com/office/drawing/2014/main" id="{F18EB612-B9AF-299F-ED9E-EA6D64F15670}"/>
+          <p:cNvPr id="4" name="Slide Number Placeholder 3">
+            <a:extLst>
+              <a:ext uri="{FF2B5EF4-FFF2-40B4-BE49-F238E27FC236}">
+                <a16:creationId xmlns:a16="http://schemas.microsoft.com/office/drawing/2014/main" id="{441CD080-D238-BC68-FBAB-FD9D4CC49102}"/>
               </a:ext>
             </a:extLst>
           </p:cNvPr>
@@ -17383,10 +11076,10 @@
       </p:sp>
       <p:sp>
         <p:nvSpPr>
-          <p:cNvPr id="5" name="Titel 4">
-            <a:extLst>
-              <a:ext uri="{FF2B5EF4-FFF2-40B4-BE49-F238E27FC236}">
-                <a16:creationId xmlns:a16="http://schemas.microsoft.com/office/drawing/2014/main" id="{CF059E5B-EA0C-3C27-AAB0-357DB02FC271}"/>
+          <p:cNvPr id="5" name="Title 4">
+            <a:extLst>
+              <a:ext uri="{FF2B5EF4-FFF2-40B4-BE49-F238E27FC236}">
+                <a16:creationId xmlns:a16="http://schemas.microsoft.com/office/drawing/2014/main" id="{68FE9C1A-CFC4-E8B3-CFB2-CAA259A98DA6}"/>
               </a:ext>
             </a:extLst>
           </p:cNvPr>
@@ -17399,34 +11092,12 @@
         </p:nvSpPr>
         <p:spPr/>
         <p:txBody>
-          <a:bodyPr>
-            <a:normAutofit/>
-          </a:bodyPr>
+          <a:bodyPr/>
           <a:lstStyle/>
           <a:p>
             <a:r>
-              <a:rPr lang="de-DE" dirty="0" err="1"/>
-              <a:t>Trusting</a:t>
-            </a:r>
-            <a:r>
-              <a:rPr lang="de-DE" dirty="0"/>
-              <a:t> </a:t>
-            </a:r>
-            <a:r>
-              <a:rPr lang="de-DE" dirty="0" err="1"/>
-              <a:t>the</a:t>
-            </a:r>
-            <a:r>
-              <a:rPr lang="de-DE" dirty="0"/>
-              <a:t> stock </a:t>
-            </a:r>
-            <a:r>
-              <a:rPr lang="de-DE" dirty="0" err="1"/>
-              <a:t>market</a:t>
-            </a:r>
-            <a:r>
-              <a:rPr lang="de-DE" dirty="0"/>
-              <a:t> </a:t>
+              <a:rPr lang="en-DE" dirty="0"/>
+              <a:t>Feature Selection</a:t>
             </a:r>
           </a:p>
         </p:txBody>
@@ -17434,7 +11105,7 @@
     </p:spTree>
     <p:extLst>
       <p:ext uri="{BB962C8B-B14F-4D97-AF65-F5344CB8AC3E}">
-        <p14:creationId xmlns:p14="http://schemas.microsoft.com/office/powerpoint/2010/main" val="1049284334"/>
+        <p14:creationId xmlns:p14="http://schemas.microsoft.com/office/powerpoint/2010/main" val="3151015656"/>
       </p:ext>
     </p:extLst>
   </p:cSld>
@@ -17463,10 +11134,10 @@
       </p:grpSpPr>
       <p:sp>
         <p:nvSpPr>
-          <p:cNvPr id="2" name="Inhaltsplatzhalter 1">
-            <a:extLst>
-              <a:ext uri="{FF2B5EF4-FFF2-40B4-BE49-F238E27FC236}">
-                <a16:creationId xmlns:a16="http://schemas.microsoft.com/office/drawing/2014/main" id="{09D2435E-C570-EB51-40A2-61275D37CAC1}"/>
+          <p:cNvPr id="2" name="Content Placeholder 1">
+            <a:extLst>
+              <a:ext uri="{FF2B5EF4-FFF2-40B4-BE49-F238E27FC236}">
+                <a16:creationId xmlns:a16="http://schemas.microsoft.com/office/drawing/2014/main" id="{4E9BC2B4-91C7-CA61-0F4D-2003BE13D98A}"/>
               </a:ext>
             </a:extLst>
           </p:cNvPr>
@@ -17482,58 +11153,16 @@
           <a:bodyPr/>
           <a:lstStyle/>
           <a:p>
-            <a:r>
-              <a:rPr lang="de-DE" dirty="0"/>
-              <a:t>Ergebnisse: Vertrauen basiert auf dem Finanzsystem und Persönlichkeitsmerkmalen</a:t>
-            </a:r>
-          </a:p>
-          <a:p>
-            <a:pPr lvl="1"/>
-            <a:r>
-              <a:rPr lang="de-DE" dirty="0"/>
-              <a:t>Bildung, persönliche Erfahrungen, Kultur</a:t>
-            </a:r>
-          </a:p>
-          <a:p>
-            <a:endParaRPr lang="de-DE" dirty="0"/>
-          </a:p>
-          <a:p>
-            <a:r>
-              <a:rPr lang="de-DE" dirty="0"/>
-              <a:t>Weniger vertrauensvolle Personen kaufen seltener Aktien</a:t>
-            </a:r>
-          </a:p>
-          <a:p>
-            <a:pPr lvl="1"/>
-            <a:r>
-              <a:rPr lang="de-DE" dirty="0"/>
-              <a:t>Falls doch: investieren einen kleineren Teil des Vermögens</a:t>
-            </a:r>
-          </a:p>
-          <a:p>
-            <a:pPr marL="355579" lvl="1" indent="0">
-              <a:buNone/>
-            </a:pPr>
-            <a:endParaRPr lang="de-DE" dirty="0"/>
-          </a:p>
-          <a:p>
-            <a:r>
-              <a:rPr lang="de-DE" dirty="0"/>
-              <a:t>Krisen: gebildete Personen erholen ihr Vertrauen und passen Verhalten schneller an</a:t>
-            </a:r>
-          </a:p>
-          <a:p>
-            <a:pPr lvl="1"/>
-            <a:endParaRPr lang="de-DE" dirty="0"/>
-          </a:p>
-        </p:txBody>
-      </p:sp>
-      <p:sp>
-        <p:nvSpPr>
-          <p:cNvPr id="3" name="Datumsplatzhalter 2">
-            <a:extLst>
-              <a:ext uri="{FF2B5EF4-FFF2-40B4-BE49-F238E27FC236}">
-                <a16:creationId xmlns:a16="http://schemas.microsoft.com/office/drawing/2014/main" id="{6E37AE7B-EA88-BF29-C4DE-78FFFE8D64A1}"/>
+            <a:endParaRPr lang="en-DE"/>
+          </a:p>
+        </p:txBody>
+      </p:sp>
+      <p:sp>
+        <p:nvSpPr>
+          <p:cNvPr id="3" name="Date Placeholder 2">
+            <a:extLst>
+              <a:ext uri="{FF2B5EF4-FFF2-40B4-BE49-F238E27FC236}">
+                <a16:creationId xmlns:a16="http://schemas.microsoft.com/office/drawing/2014/main" id="{15C36A6A-BA78-4180-E353-1CE6A2D3BA70}"/>
               </a:ext>
             </a:extLst>
           </p:cNvPr>
@@ -17549,20 +11178,20 @@
           <a:bodyPr/>
           <a:lstStyle/>
           <a:p>
-            <a:fld id="{0A9BFA6A-9A63-4E2D-92C0-C77BFA750EDB}" type="datetime1">
-              <a:rPr lang="de-DE" noProof="0" smtClean="0"/>
-              <a:t>26.11.24</a:t>
+            <a:fld id="{162C1F81-0292-4658-B990-314031B5EEE0}" type="datetime4">
+              <a:rPr lang="en-US" noProof="0" smtClean="0"/>
+              <a:t>November 26, 2024</a:t>
             </a:fld>
-            <a:endParaRPr lang="en-US" noProof="0"/>
-          </a:p>
-        </p:txBody>
-      </p:sp>
-      <p:sp>
-        <p:nvSpPr>
-          <p:cNvPr id="4" name="Foliennummernplatzhalter 3">
-            <a:extLst>
-              <a:ext uri="{FF2B5EF4-FFF2-40B4-BE49-F238E27FC236}">
-                <a16:creationId xmlns:a16="http://schemas.microsoft.com/office/drawing/2014/main" id="{FAFB527C-7730-F32B-C54E-B4365A289ECD}"/>
+            <a:endParaRPr lang="en-US" noProof="0" dirty="0"/>
+          </a:p>
+        </p:txBody>
+      </p:sp>
+      <p:sp>
+        <p:nvSpPr>
+          <p:cNvPr id="4" name="Slide Number Placeholder 3">
+            <a:extLst>
+              <a:ext uri="{FF2B5EF4-FFF2-40B4-BE49-F238E27FC236}">
+                <a16:creationId xmlns:a16="http://schemas.microsoft.com/office/drawing/2014/main" id="{9189DA95-D293-FFE8-5297-9B01B62C2C70}"/>
               </a:ext>
             </a:extLst>
           </p:cNvPr>
@@ -17582,16 +11211,16 @@
               <a:rPr lang="en-US" noProof="0" smtClean="0"/>
               <a:t>8</a:t>
             </a:fld>
-            <a:endParaRPr lang="en-US" noProof="0"/>
-          </a:p>
-        </p:txBody>
-      </p:sp>
-      <p:sp>
-        <p:nvSpPr>
-          <p:cNvPr id="5" name="Titel 4">
-            <a:extLst>
-              <a:ext uri="{FF2B5EF4-FFF2-40B4-BE49-F238E27FC236}">
-                <a16:creationId xmlns:a16="http://schemas.microsoft.com/office/drawing/2014/main" id="{849F4B77-5ED1-9632-09FD-20C0AD32AE86}"/>
+            <a:endParaRPr lang="en-US" noProof="0" dirty="0"/>
+          </a:p>
+        </p:txBody>
+      </p:sp>
+      <p:sp>
+        <p:nvSpPr>
+          <p:cNvPr id="5" name="Title 4">
+            <a:extLst>
+              <a:ext uri="{FF2B5EF4-FFF2-40B4-BE49-F238E27FC236}">
+                <a16:creationId xmlns:a16="http://schemas.microsoft.com/office/drawing/2014/main" id="{9B58428E-06D3-C538-19F6-7AB6F0DF1756}"/>
               </a:ext>
             </a:extLst>
           </p:cNvPr>
@@ -17608,28 +11237,8 @@
           <a:lstStyle/>
           <a:p>
             <a:r>
-              <a:rPr lang="de-DE" dirty="0" err="1"/>
-              <a:t>Trusting</a:t>
-            </a:r>
-            <a:r>
-              <a:rPr lang="de-DE" dirty="0"/>
-              <a:t> </a:t>
-            </a:r>
-            <a:r>
-              <a:rPr lang="de-DE" dirty="0" err="1"/>
-              <a:t>the</a:t>
-            </a:r>
-            <a:r>
-              <a:rPr lang="de-DE" dirty="0"/>
-              <a:t> stock </a:t>
-            </a:r>
-            <a:r>
-              <a:rPr lang="de-DE" dirty="0" err="1"/>
-              <a:t>market</a:t>
-            </a:r>
-            <a:r>
-              <a:rPr lang="de-DE" dirty="0"/>
-              <a:t> </a:t>
+              <a:rPr lang="en-DE" dirty="0"/>
+              <a:t>Explorative Factor Analyse (EFA)</a:t>
             </a:r>
           </a:p>
         </p:txBody>
@@ -17637,7 +11246,7 @@
     </p:spTree>
     <p:extLst>
       <p:ext uri="{BB962C8B-B14F-4D97-AF65-F5344CB8AC3E}">
-        <p14:creationId xmlns:p14="http://schemas.microsoft.com/office/powerpoint/2010/main" val="4175901817"/>
+        <p14:creationId xmlns:p14="http://schemas.microsoft.com/office/powerpoint/2010/main" val="3649017613"/>
       </p:ext>
     </p:extLst>
   </p:cSld>
@@ -17666,18 +11275,18 @@
       </p:grpSpPr>
       <p:sp>
         <p:nvSpPr>
-          <p:cNvPr id="2" name="Textplatzhalter 1">
-            <a:extLst>
-              <a:ext uri="{FF2B5EF4-FFF2-40B4-BE49-F238E27FC236}">
-                <a16:creationId xmlns:a16="http://schemas.microsoft.com/office/drawing/2014/main" id="{20AC7450-B4DA-8670-4767-C41085A28056}"/>
-              </a:ext>
-            </a:extLst>
-          </p:cNvPr>
-          <p:cNvSpPr>
-            <a:spLocks noGrp="1"/>
-          </p:cNvSpPr>
-          <p:nvPr>
-            <p:ph type="body" idx="1"/>
+          <p:cNvPr id="2" name="Content Placeholder 1">
+            <a:extLst>
+              <a:ext uri="{FF2B5EF4-FFF2-40B4-BE49-F238E27FC236}">
+                <a16:creationId xmlns:a16="http://schemas.microsoft.com/office/drawing/2014/main" id="{BA3B91CB-0FB6-B720-26EB-BB72921F580E}"/>
+              </a:ext>
+            </a:extLst>
+          </p:cNvPr>
+          <p:cNvSpPr>
+            <a:spLocks noGrp="1"/>
+          </p:cNvSpPr>
+          <p:nvPr>
+            <p:ph idx="1"/>
           </p:nvPr>
         </p:nvSpPr>
         <p:spPr/>
@@ -17685,27 +11294,24 @@
           <a:bodyPr/>
           <a:lstStyle/>
           <a:p>
-            <a:r>
-              <a:rPr lang="de-DE" dirty="0"/>
-              <a:t>The Equity Premium	</a:t>
-            </a:r>
-          </a:p>
-        </p:txBody>
-      </p:sp>
-      <p:sp>
-        <p:nvSpPr>
-          <p:cNvPr id="3" name="Inhaltsplatzhalter 2">
-            <a:extLst>
-              <a:ext uri="{FF2B5EF4-FFF2-40B4-BE49-F238E27FC236}">
-                <a16:creationId xmlns:a16="http://schemas.microsoft.com/office/drawing/2014/main" id="{908558C1-A73F-E156-845B-58E6DC5CFC92}"/>
-              </a:ext>
-            </a:extLst>
-          </p:cNvPr>
-          <p:cNvSpPr>
-            <a:spLocks noGrp="1"/>
-          </p:cNvSpPr>
-          <p:nvPr>
-            <p:ph sz="half" idx="2"/>
+            <a:endParaRPr lang="en-DE"/>
+          </a:p>
+        </p:txBody>
+      </p:sp>
+      <p:sp>
+        <p:nvSpPr>
+          <p:cNvPr id="3" name="Date Placeholder 2">
+            <a:extLst>
+              <a:ext uri="{FF2B5EF4-FFF2-40B4-BE49-F238E27FC236}">
+                <a16:creationId xmlns:a16="http://schemas.microsoft.com/office/drawing/2014/main" id="{C6F1B78B-9ABC-3E83-F889-C05323A2F000}"/>
+              </a:ext>
+            </a:extLst>
+          </p:cNvPr>
+          <p:cNvSpPr>
+            <a:spLocks noGrp="1"/>
+          </p:cNvSpPr>
+          <p:nvPr>
+            <p:ph type="dt" sz="half" idx="10"/>
           </p:nvPr>
         </p:nvSpPr>
         <p:spPr/>
@@ -17713,55 +11319,28 @@
           <a:bodyPr/>
           <a:lstStyle/>
           <a:p>
-            <a:r>
-              <a:rPr lang="de-DE" dirty="0"/>
-              <a:t>Klassisches Modell ohne Friktionen kann Realität nicht abbilden</a:t>
-            </a:r>
-          </a:p>
-          <a:p>
-            <a:pPr lvl="1"/>
-            <a:r>
-              <a:rPr lang="de-DE" dirty="0"/>
-              <a:t>Friktion: Informationsasymmetrien</a:t>
-            </a:r>
-          </a:p>
-          <a:p>
-            <a:endParaRPr lang="de-DE" dirty="0"/>
-          </a:p>
-          <a:p>
-            <a:endParaRPr lang="de-DE" dirty="0"/>
-          </a:p>
-          <a:p>
-            <a:pPr marL="0" indent="0">
-              <a:buNone/>
-            </a:pPr>
-            <a:r>
-              <a:rPr lang="de-DE" dirty="0"/>
-              <a:t>→ 	Berücksichtigung des 	Informationsgrades der 	Marktteilnehmer</a:t>
-            </a:r>
-          </a:p>
-          <a:p>
-            <a:pPr marL="355579" lvl="1" indent="0">
-              <a:buNone/>
-            </a:pPr>
-            <a:endParaRPr lang="de-DE" dirty="0"/>
-          </a:p>
-        </p:txBody>
-      </p:sp>
-      <p:sp>
-        <p:nvSpPr>
-          <p:cNvPr id="4" name="Textplatzhalter 3">
-            <a:extLst>
-              <a:ext uri="{FF2B5EF4-FFF2-40B4-BE49-F238E27FC236}">
-                <a16:creationId xmlns:a16="http://schemas.microsoft.com/office/drawing/2014/main" id="{7C84368F-8731-8D36-5488-19DD5909A6FE}"/>
-              </a:ext>
-            </a:extLst>
-          </p:cNvPr>
-          <p:cNvSpPr>
-            <a:spLocks noGrp="1"/>
-          </p:cNvSpPr>
-          <p:nvPr>
-            <p:ph type="body" sz="quarter" idx="3"/>
+            <a:fld id="{162C1F81-0292-4658-B990-314031B5EEE0}" type="datetime4">
+              <a:rPr lang="en-US" noProof="0" smtClean="0"/>
+              <a:t>November 26, 2024</a:t>
+            </a:fld>
+            <a:endParaRPr lang="en-US" noProof="0" dirty="0"/>
+          </a:p>
+        </p:txBody>
+      </p:sp>
+      <p:sp>
+        <p:nvSpPr>
+          <p:cNvPr id="4" name="Slide Number Placeholder 3">
+            <a:extLst>
+              <a:ext uri="{FF2B5EF4-FFF2-40B4-BE49-F238E27FC236}">
+                <a16:creationId xmlns:a16="http://schemas.microsoft.com/office/drawing/2014/main" id="{AF90E348-AF47-3CCD-4F25-041FFDBAEFCD}"/>
+              </a:ext>
+            </a:extLst>
+          </p:cNvPr>
+          <p:cNvSpPr>
+            <a:spLocks noGrp="1"/>
+          </p:cNvSpPr>
+          <p:nvPr>
+            <p:ph type="sldNum" sz="quarter" idx="12"/>
           </p:nvPr>
         </p:nvSpPr>
         <p:spPr/>
@@ -17769,39 +11348,28 @@
           <a:bodyPr/>
           <a:lstStyle/>
           <a:p>
-            <a:r>
-              <a:rPr lang="de-DE" dirty="0" err="1"/>
-              <a:t>Trusting</a:t>
-            </a:r>
-            <a:r>
-              <a:rPr lang="de-DE" dirty="0"/>
-              <a:t> </a:t>
-            </a:r>
-            <a:r>
-              <a:rPr lang="de-DE" dirty="0" err="1"/>
-              <a:t>the</a:t>
-            </a:r>
-            <a:r>
-              <a:rPr lang="de-DE" dirty="0"/>
-              <a:t> Stock Market</a:t>
-            </a:r>
-          </a:p>
-        </p:txBody>
-      </p:sp>
-      <p:sp>
-        <p:nvSpPr>
-          <p:cNvPr id="5" name="Inhaltsplatzhalter 4">
-            <a:extLst>
-              <a:ext uri="{FF2B5EF4-FFF2-40B4-BE49-F238E27FC236}">
-                <a16:creationId xmlns:a16="http://schemas.microsoft.com/office/drawing/2014/main" id="{ADB9DD29-E381-B699-31AA-42EAD1FD2732}"/>
-              </a:ext>
-            </a:extLst>
-          </p:cNvPr>
-          <p:cNvSpPr>
-            <a:spLocks noGrp="1"/>
-          </p:cNvSpPr>
-          <p:nvPr>
-            <p:ph sz="quarter" idx="4"/>
+            <a:fld id="{61696EC4-B4CF-4701-AD06-A8439D6D8E12}" type="slidenum">
+              <a:rPr lang="en-US" noProof="0" smtClean="0"/>
+              <a:t>9</a:t>
+            </a:fld>
+            <a:endParaRPr lang="en-US" noProof="0" dirty="0"/>
+          </a:p>
+        </p:txBody>
+      </p:sp>
+      <p:sp>
+        <p:nvSpPr>
+          <p:cNvPr id="5" name="Title 4">
+            <a:extLst>
+              <a:ext uri="{FF2B5EF4-FFF2-40B4-BE49-F238E27FC236}">
+                <a16:creationId xmlns:a16="http://schemas.microsoft.com/office/drawing/2014/main" id="{7C8D89E7-05EE-6D40-EBCB-37F485DBA47D}"/>
+              </a:ext>
+            </a:extLst>
+          </p:cNvPr>
+          <p:cNvSpPr>
+            <a:spLocks noGrp="1"/>
+          </p:cNvSpPr>
+          <p:nvPr>
+            <p:ph type="title"/>
           </p:nvPr>
         </p:nvSpPr>
         <p:spPr/>
@@ -17810,112 +11378,8 @@
           <a:lstStyle/>
           <a:p>
             <a:r>
-              <a:rPr lang="de-DE" dirty="0"/>
-              <a:t>Vertrauen wurde definiert</a:t>
-            </a:r>
-          </a:p>
-          <a:p>
-            <a:r>
-              <a:rPr lang="de-DE" dirty="0"/>
-              <a:t>Annahme: Vertrauensgrad wirkt sich auf Investitionsbereitschaft aus</a:t>
-            </a:r>
-          </a:p>
-          <a:p>
-            <a:endParaRPr lang="de-DE" dirty="0"/>
-          </a:p>
-          <a:p>
-            <a:pPr marL="0" indent="0">
-              <a:buNone/>
-            </a:pPr>
-            <a:r>
-              <a:rPr lang="de-DE" dirty="0"/>
-              <a:t>→ 	schließen von Vertrauen auf     	Investitionsabsicht </a:t>
-            </a:r>
-          </a:p>
-        </p:txBody>
-      </p:sp>
-      <p:sp>
-        <p:nvSpPr>
-          <p:cNvPr id="6" name="Datumsplatzhalter 5">
-            <a:extLst>
-              <a:ext uri="{FF2B5EF4-FFF2-40B4-BE49-F238E27FC236}">
-                <a16:creationId xmlns:a16="http://schemas.microsoft.com/office/drawing/2014/main" id="{FA1E33BE-85AB-CDAD-9E3B-DAC444FE8975}"/>
-              </a:ext>
-            </a:extLst>
-          </p:cNvPr>
-          <p:cNvSpPr>
-            <a:spLocks noGrp="1"/>
-          </p:cNvSpPr>
-          <p:nvPr>
-            <p:ph type="dt" sz="half" idx="10"/>
-          </p:nvPr>
-        </p:nvSpPr>
-        <p:spPr/>
-        <p:txBody>
-          <a:bodyPr/>
-          <a:lstStyle/>
-          <a:p>
-            <a:fld id="{88C61DB6-D53F-456D-8864-56CE29C6E6BA}" type="datetime1">
-              <a:rPr lang="de-DE" smtClean="0"/>
-              <a:t>26.11.24</a:t>
-            </a:fld>
-            <a:endParaRPr lang="de-DE"/>
-          </a:p>
-        </p:txBody>
-      </p:sp>
-      <p:sp>
-        <p:nvSpPr>
-          <p:cNvPr id="7" name="Foliennummernplatzhalter 6">
-            <a:extLst>
-              <a:ext uri="{FF2B5EF4-FFF2-40B4-BE49-F238E27FC236}">
-                <a16:creationId xmlns:a16="http://schemas.microsoft.com/office/drawing/2014/main" id="{8E46C6A5-14F1-8BA9-761B-BD9F4A87025A}"/>
-              </a:ext>
-            </a:extLst>
-          </p:cNvPr>
-          <p:cNvSpPr>
-            <a:spLocks noGrp="1"/>
-          </p:cNvSpPr>
-          <p:nvPr>
-            <p:ph type="sldNum" sz="quarter" idx="12"/>
-          </p:nvPr>
-        </p:nvSpPr>
-        <p:spPr/>
-        <p:txBody>
-          <a:bodyPr/>
-          <a:lstStyle/>
-          <a:p>
-            <a:fld id="{61696EC4-B4CF-4701-AD06-A8439D6D8E12}" type="slidenum">
-              <a:rPr lang="de-DE" smtClean="0"/>
-              <a:t>9</a:t>
-            </a:fld>
-            <a:endParaRPr lang="de-DE"/>
-          </a:p>
-        </p:txBody>
-      </p:sp>
-      <p:sp>
-        <p:nvSpPr>
-          <p:cNvPr id="8" name="Titel 7">
-            <a:extLst>
-              <a:ext uri="{FF2B5EF4-FFF2-40B4-BE49-F238E27FC236}">
-                <a16:creationId xmlns:a16="http://schemas.microsoft.com/office/drawing/2014/main" id="{36CB5F0F-8F34-F172-0914-9BADE5DAF9B5}"/>
-              </a:ext>
-            </a:extLst>
-          </p:cNvPr>
-          <p:cNvSpPr>
-            <a:spLocks noGrp="1"/>
-          </p:cNvSpPr>
-          <p:nvPr>
-            <p:ph type="title"/>
-          </p:nvPr>
-        </p:nvSpPr>
-        <p:spPr/>
-        <p:txBody>
-          <a:bodyPr/>
-          <a:lstStyle/>
-          <a:p>
-            <a:r>
-              <a:rPr lang="de-DE" dirty="0"/>
-              <a:t>Ableitungen für unser Modell</a:t>
+              <a:rPr lang="en-DE" dirty="0"/>
+              <a:t>Cornbach Alpha</a:t>
             </a:r>
           </a:p>
         </p:txBody>
@@ -17923,7 +11387,7 @@
     </p:spTree>
     <p:extLst>
       <p:ext uri="{BB962C8B-B14F-4D97-AF65-F5344CB8AC3E}">
-        <p14:creationId xmlns:p14="http://schemas.microsoft.com/office/powerpoint/2010/main" val="4148868650"/>
+        <p14:creationId xmlns:p14="http://schemas.microsoft.com/office/powerpoint/2010/main" val="520010825"/>
       </p:ext>
     </p:extLst>
   </p:cSld>

--- a/presentation/final_presentation_stock_market.pptx
+++ b/presentation/final_presentation_stock_market.pptx
@@ -6,10 +6,10 @@
     <p:sldMasterId id="2147483729" r:id="rId2"/>
   </p:sldMasterIdLst>
   <p:notesMasterIdLst>
-    <p:notesMasterId r:id="rId14"/>
+    <p:notesMasterId r:id="rId21"/>
   </p:notesMasterIdLst>
   <p:handoutMasterIdLst>
-    <p:handoutMasterId r:id="rId15"/>
+    <p:handoutMasterId r:id="rId22"/>
   </p:handoutMasterIdLst>
   <p:sldIdLst>
     <p:sldId id="270" r:id="rId3"/>
@@ -18,11 +18,18 @@
     <p:sldId id="293" r:id="rId6"/>
     <p:sldId id="294" r:id="rId7"/>
     <p:sldId id="278" r:id="rId8"/>
-    <p:sldId id="272" r:id="rId9"/>
-    <p:sldId id="292" r:id="rId10"/>
-    <p:sldId id="291" r:id="rId11"/>
-    <p:sldId id="284" r:id="rId12"/>
-    <p:sldId id="295" r:id="rId13"/>
+    <p:sldId id="304" r:id="rId9"/>
+    <p:sldId id="291" r:id="rId10"/>
+    <p:sldId id="292" r:id="rId11"/>
+    <p:sldId id="272" r:id="rId12"/>
+    <p:sldId id="284" r:id="rId13"/>
+    <p:sldId id="301" r:id="rId14"/>
+    <p:sldId id="295" r:id="rId15"/>
+    <p:sldId id="296" r:id="rId16"/>
+    <p:sldId id="303" r:id="rId17"/>
+    <p:sldId id="299" r:id="rId18"/>
+    <p:sldId id="298" r:id="rId19"/>
+    <p:sldId id="300" r:id="rId20"/>
   </p:sldIdLst>
   <p:sldSz cx="12192000" cy="6858000"/>
   <p:notesSz cx="6858000" cy="9144000"/>
@@ -237,7 +244,7 @@
           <a:p>
             <a:fld id="{6BF0D068-6F27-D349-80D7-E60760474A05}" type="datetimeFigureOut">
               <a:rPr lang="en-DE" smtClean="0"/>
-              <a:t>26.11.24</a:t>
+              <a:t>03.12.24</a:t>
             </a:fld>
             <a:endParaRPr lang="en-DE"/>
           </a:p>
@@ -414,7 +421,7 @@
           <a:p>
             <a:fld id="{FA8F02CA-77CB-4E54-B712-21E588799EE8}" type="datetimeFigureOut">
               <a:rPr lang="de-DE" smtClean="0"/>
-              <a:t>26.11.24</a:t>
+              <a:t>03.12.24</a:t>
             </a:fld>
             <a:endParaRPr lang="de-DE"/>
           </a:p>
@@ -681,6 +688,222 @@
 </p:notesMaster>
 </file>
 
+<file path=ppt/notesSlides/notesSlide1.xml><?xml version="1.0" encoding="utf-8"?>
+<p:notes xmlns:a="http://schemas.openxmlformats.org/drawingml/2006/main" xmlns:r="http://schemas.openxmlformats.org/officeDocument/2006/relationships" xmlns:p="http://schemas.openxmlformats.org/presentationml/2006/main">
+  <p:cSld>
+    <p:spTree>
+      <p:nvGrpSpPr>
+        <p:cNvPr id="1" name=""/>
+        <p:cNvGrpSpPr/>
+        <p:nvPr/>
+      </p:nvGrpSpPr>
+      <p:grpSpPr>
+        <a:xfrm>
+          <a:off x="0" y="0"/>
+          <a:ext cx="0" cy="0"/>
+          <a:chOff x="0" y="0"/>
+          <a:chExt cx="0" cy="0"/>
+        </a:xfrm>
+      </p:grpSpPr>
+      <p:sp>
+        <p:nvSpPr>
+          <p:cNvPr id="2" name="Slide Image Placeholder 1"/>
+          <p:cNvSpPr>
+            <a:spLocks noGrp="1" noRot="1" noChangeAspect="1"/>
+          </p:cNvSpPr>
+          <p:nvPr>
+            <p:ph type="sldImg"/>
+          </p:nvPr>
+        </p:nvSpPr>
+        <p:spPr/>
+      </p:sp>
+      <p:sp>
+        <p:nvSpPr>
+          <p:cNvPr id="3" name="Notes Placeholder 2"/>
+          <p:cNvSpPr>
+            <a:spLocks noGrp="1"/>
+          </p:cNvSpPr>
+          <p:nvPr>
+            <p:ph type="body" idx="1"/>
+          </p:nvPr>
+        </p:nvSpPr>
+        <p:spPr/>
+        <p:txBody>
+          <a:bodyPr/>
+          <a:lstStyle/>
+          <a:p>
+            <a:r>
+              <a:rPr lang="el-GR" b="0" i="0" u="none" strike="noStrike" dirty="0">
+                <a:solidFill>
+                  <a:srgbClr val="000000"/>
+                </a:solidFill>
+                <a:effectLst/>
+              </a:rPr>
+              <a:t>α=0.7</a:t>
+            </a:r>
+            <a:r>
+              <a:rPr lang="el-GR" b="0" i="0" u="none" strike="noStrike" dirty="0">
+                <a:solidFill>
+                  <a:srgbClr val="000000"/>
+                </a:solidFill>
+                <a:effectLst/>
+                <a:latin typeface="-webkit-standard"/>
+              </a:rPr>
+              <a:t> </a:t>
+            </a:r>
+            <a:r>
+              <a:rPr lang="en-GB" b="0" i="0" u="none" strike="noStrike" dirty="0">
+                <a:solidFill>
+                  <a:srgbClr val="000000"/>
+                </a:solidFill>
+                <a:effectLst/>
+                <a:latin typeface="-webkit-standard"/>
+              </a:rPr>
+              <a:t>means </a:t>
+            </a:r>
+            <a:r>
+              <a:rPr lang="en-GB" b="1" i="0" u="none" strike="noStrike" dirty="0">
+                <a:solidFill>
+                  <a:srgbClr val="000000"/>
+                </a:solidFill>
+                <a:effectLst/>
+              </a:rPr>
+              <a:t>70% of the total variance</a:t>
+            </a:r>
+            <a:r>
+              <a:rPr lang="en-GB" b="0" i="0" u="none" strike="noStrike" dirty="0">
+                <a:solidFill>
+                  <a:srgbClr val="000000"/>
+                </a:solidFill>
+                <a:effectLst/>
+                <a:latin typeface="-webkit-standard"/>
+              </a:rPr>
+              <a:t> is due to the shared covariance (inter-item relationships), while the remaining 30% is due to unique variance (item-specific variance or error)</a:t>
+            </a:r>
+            <a:endParaRPr lang="en-DE" dirty="0"/>
+          </a:p>
+        </p:txBody>
+      </p:sp>
+      <p:sp>
+        <p:nvSpPr>
+          <p:cNvPr id="4" name="Slide Number Placeholder 3"/>
+          <p:cNvSpPr>
+            <a:spLocks noGrp="1"/>
+          </p:cNvSpPr>
+          <p:nvPr>
+            <p:ph type="sldNum" sz="quarter" idx="5"/>
+          </p:nvPr>
+        </p:nvSpPr>
+        <p:spPr/>
+        <p:txBody>
+          <a:bodyPr/>
+          <a:lstStyle/>
+          <a:p>
+            <a:fld id="{E13F729A-0AF0-4995-B32B-9504BC68960C}" type="slidenum">
+              <a:rPr lang="de-DE" smtClean="0"/>
+              <a:t>8</a:t>
+            </a:fld>
+            <a:endParaRPr lang="de-DE"/>
+          </a:p>
+        </p:txBody>
+      </p:sp>
+    </p:spTree>
+    <p:extLst>
+      <p:ext uri="{BB962C8B-B14F-4D97-AF65-F5344CB8AC3E}">
+        <p14:creationId xmlns:p14="http://schemas.microsoft.com/office/powerpoint/2010/main" val="4209104826"/>
+      </p:ext>
+    </p:extLst>
+  </p:cSld>
+  <p:clrMapOvr>
+    <a:masterClrMapping/>
+  </p:clrMapOvr>
+</p:notes>
+</file>
+
+<file path=ppt/notesSlides/notesSlide2.xml><?xml version="1.0" encoding="utf-8"?>
+<p:notes xmlns:a="http://schemas.openxmlformats.org/drawingml/2006/main" xmlns:r="http://schemas.openxmlformats.org/officeDocument/2006/relationships" xmlns:p="http://schemas.openxmlformats.org/presentationml/2006/main">
+  <p:cSld>
+    <p:spTree>
+      <p:nvGrpSpPr>
+        <p:cNvPr id="1" name=""/>
+        <p:cNvGrpSpPr/>
+        <p:nvPr/>
+      </p:nvGrpSpPr>
+      <p:grpSpPr>
+        <a:xfrm>
+          <a:off x="0" y="0"/>
+          <a:ext cx="0" cy="0"/>
+          <a:chOff x="0" y="0"/>
+          <a:chExt cx="0" cy="0"/>
+        </a:xfrm>
+      </p:grpSpPr>
+      <p:sp>
+        <p:nvSpPr>
+          <p:cNvPr id="2" name="Slide Image Placeholder 1"/>
+          <p:cNvSpPr>
+            <a:spLocks noGrp="1" noRot="1" noChangeAspect="1"/>
+          </p:cNvSpPr>
+          <p:nvPr>
+            <p:ph type="sldImg"/>
+          </p:nvPr>
+        </p:nvSpPr>
+        <p:spPr/>
+      </p:sp>
+      <p:sp>
+        <p:nvSpPr>
+          <p:cNvPr id="3" name="Notes Placeholder 2"/>
+          <p:cNvSpPr>
+            <a:spLocks noGrp="1"/>
+          </p:cNvSpPr>
+          <p:nvPr>
+            <p:ph type="body" idx="1"/>
+          </p:nvPr>
+        </p:nvSpPr>
+        <p:spPr/>
+        <p:txBody>
+          <a:bodyPr/>
+          <a:lstStyle/>
+          <a:p>
+            <a:endParaRPr lang="en-DE" dirty="0"/>
+          </a:p>
+        </p:txBody>
+      </p:sp>
+      <p:sp>
+        <p:nvSpPr>
+          <p:cNvPr id="4" name="Slide Number Placeholder 3"/>
+          <p:cNvSpPr>
+            <a:spLocks noGrp="1"/>
+          </p:cNvSpPr>
+          <p:nvPr>
+            <p:ph type="sldNum" sz="quarter" idx="5"/>
+          </p:nvPr>
+        </p:nvSpPr>
+        <p:spPr/>
+        <p:txBody>
+          <a:bodyPr/>
+          <a:lstStyle/>
+          <a:p>
+            <a:fld id="{E13F729A-0AF0-4995-B32B-9504BC68960C}" type="slidenum">
+              <a:rPr lang="de-DE" smtClean="0"/>
+              <a:t>17</a:t>
+            </a:fld>
+            <a:endParaRPr lang="de-DE"/>
+          </a:p>
+        </p:txBody>
+      </p:sp>
+    </p:spTree>
+    <p:extLst>
+      <p:ext uri="{BB962C8B-B14F-4D97-AF65-F5344CB8AC3E}">
+        <p14:creationId xmlns:p14="http://schemas.microsoft.com/office/powerpoint/2010/main" val="2145512559"/>
+      </p:ext>
+    </p:extLst>
+  </p:cSld>
+  <p:clrMapOvr>
+    <a:masterClrMapping/>
+  </p:clrMapOvr>
+</p:notes>
+</file>
+
 <file path=ppt/slideLayouts/slideLayout1.xml><?xml version="1.0" encoding="utf-8"?>
 <p:sldLayout xmlns:a="http://schemas.openxmlformats.org/drawingml/2006/main" xmlns:r="http://schemas.openxmlformats.org/officeDocument/2006/relationships" xmlns:p="http://schemas.openxmlformats.org/presentationml/2006/main" showMasterSp="0" preserve="1" userDrawn="1">
   <p:cSld name="Titelfolie">
@@ -1206,7 +1429,7 @@
           <a:p>
             <a:fld id="{324FF91D-7296-4205-8BDB-A92220A41345}" type="datetime4">
               <a:rPr lang="en-US" smtClean="0"/>
-              <a:t>November 26, 2024</a:t>
+              <a:t>December 3, 2024</a:t>
             </a:fld>
             <a:endParaRPr lang="de-DE"/>
           </a:p>
@@ -1461,7 +1684,7 @@
           <a:p>
             <a:fld id="{0A5B49F6-B86F-4AD3-8EB4-0DC3B07A0E87}" type="datetime4">
               <a:rPr lang="en-US" smtClean="0"/>
-              <a:t>November 26, 2024</a:t>
+              <a:t>December 3, 2024</a:t>
             </a:fld>
             <a:endParaRPr lang="de-DE"/>
           </a:p>
@@ -1596,7 +1819,7 @@
           <a:p>
             <a:fld id="{53AD220D-9F11-4B7D-8A9D-9C2F5BED8E3F}" type="datetime4">
               <a:rPr lang="en-US" smtClean="0"/>
-              <a:t>November 26, 2024</a:t>
+              <a:t>December 3, 2024</a:t>
             </a:fld>
             <a:endParaRPr lang="de-DE"/>
           </a:p>
@@ -1731,7 +1954,7 @@
           <a:p>
             <a:fld id="{84502107-A1C5-4378-9800-447D95495502}" type="datetime4">
               <a:rPr lang="en-US" smtClean="0"/>
-              <a:t>November 26, 2024</a:t>
+              <a:t>December 3, 2024</a:t>
             </a:fld>
             <a:endParaRPr lang="de-DE"/>
           </a:p>
@@ -1968,7 +2191,7 @@
           <a:p>
             <a:fld id="{4FAC4E8C-1250-48A6-B04C-BC56622F1CB3}" type="datetime4">
               <a:rPr lang="en-US" smtClean="0"/>
-              <a:t>November 26, 2024</a:t>
+              <a:t>December 3, 2024</a:t>
             </a:fld>
             <a:endParaRPr lang="de-DE"/>
           </a:p>
@@ -2167,7 +2390,7 @@
           <a:p>
             <a:fld id="{992D16ED-EDD1-4A5D-BA1C-CC77859519F8}" type="datetime4">
               <a:rPr lang="en-US" smtClean="0"/>
-              <a:t>November 26, 2024</a:t>
+              <a:t>December 3, 2024</a:t>
             </a:fld>
             <a:endParaRPr lang="de-DE"/>
           </a:p>
@@ -2456,7 +2679,7 @@
           <a:p>
             <a:fld id="{875D5D3D-2EDA-453D-A98B-ACA198EE4F58}" type="datetime4">
               <a:rPr lang="en-US" smtClean="0"/>
-              <a:t>November 26, 2024</a:t>
+              <a:t>December 3, 2024</a:t>
             </a:fld>
             <a:endParaRPr lang="de-DE"/>
           </a:p>
@@ -2698,7 +2921,7 @@
           <a:p>
             <a:fld id="{5B47A60A-81C1-450A-8258-62C9DE38B110}" type="datetime4">
               <a:rPr lang="en-US" smtClean="0"/>
-              <a:t>November 26, 2024</a:t>
+              <a:t>December 3, 2024</a:t>
             </a:fld>
             <a:endParaRPr lang="de-DE"/>
           </a:p>
@@ -2897,7 +3120,7 @@
           <a:p>
             <a:fld id="{8CBB5403-7539-7340-930C-E486D0D5DF08}" type="datetimeFigureOut">
               <a:rPr lang="en-DE" smtClean="0"/>
-              <a:t>26.11.24</a:t>
+              <a:t>03.12.24</a:t>
             </a:fld>
             <a:endParaRPr lang="en-DE"/>
           </a:p>
@@ -3097,7 +3320,7 @@
           <a:p>
             <a:fld id="{8CBB5403-7539-7340-930C-E486D0D5DF08}" type="datetimeFigureOut">
               <a:rPr lang="en-DE" smtClean="0"/>
-              <a:t>26.11.24</a:t>
+              <a:t>03.12.24</a:t>
             </a:fld>
             <a:endParaRPr lang="en-DE"/>
           </a:p>
@@ -3847,7 +4070,7 @@
           <a:p>
             <a:fld id="{8CBB5403-7539-7340-930C-E486D0D5DF08}" type="datetimeFigureOut">
               <a:rPr lang="en-DE" smtClean="0"/>
-              <a:t>26.11.24</a:t>
+              <a:t>03.12.24</a:t>
             </a:fld>
             <a:endParaRPr lang="en-DE"/>
           </a:p>
@@ -4115,7 +4338,7 @@
           <a:p>
             <a:fld id="{8CBB5403-7539-7340-930C-E486D0D5DF08}" type="datetimeFigureOut">
               <a:rPr lang="en-DE" smtClean="0"/>
-              <a:t>26.11.24</a:t>
+              <a:t>03.12.24</a:t>
             </a:fld>
             <a:endParaRPr lang="en-DE"/>
           </a:p>
@@ -4530,7 +4753,7 @@
           <a:p>
             <a:fld id="{8CBB5403-7539-7340-930C-E486D0D5DF08}" type="datetimeFigureOut">
               <a:rPr lang="en-DE" smtClean="0"/>
-              <a:t>26.11.24</a:t>
+              <a:t>03.12.24</a:t>
             </a:fld>
             <a:endParaRPr lang="en-DE"/>
           </a:p>
@@ -4672,7 +4895,7 @@
           <a:p>
             <a:fld id="{8CBB5403-7539-7340-930C-E486D0D5DF08}" type="datetimeFigureOut">
               <a:rPr lang="en-DE" smtClean="0"/>
-              <a:t>26.11.24</a:t>
+              <a:t>03.12.24</a:t>
             </a:fld>
             <a:endParaRPr lang="en-DE"/>
           </a:p>
@@ -4785,7 +5008,7 @@
           <a:p>
             <a:fld id="{8CBB5403-7539-7340-930C-E486D0D5DF08}" type="datetimeFigureOut">
               <a:rPr lang="en-DE" smtClean="0"/>
-              <a:t>26.11.24</a:t>
+              <a:t>03.12.24</a:t>
             </a:fld>
             <a:endParaRPr lang="en-DE"/>
           </a:p>
@@ -5098,7 +5321,7 @@
           <a:p>
             <a:fld id="{8CBB5403-7539-7340-930C-E486D0D5DF08}" type="datetimeFigureOut">
               <a:rPr lang="en-DE" smtClean="0"/>
-              <a:t>26.11.24</a:t>
+              <a:t>03.12.24</a:t>
             </a:fld>
             <a:endParaRPr lang="en-DE"/>
           </a:p>
@@ -5387,7 +5610,7 @@
           <a:p>
             <a:fld id="{8CBB5403-7539-7340-930C-E486D0D5DF08}" type="datetimeFigureOut">
               <a:rPr lang="en-DE" smtClean="0"/>
-              <a:t>26.11.24</a:t>
+              <a:t>03.12.24</a:t>
             </a:fld>
             <a:endParaRPr lang="en-DE"/>
           </a:p>
@@ -5587,7 +5810,7 @@
           <a:p>
             <a:fld id="{8CBB5403-7539-7340-930C-E486D0D5DF08}" type="datetimeFigureOut">
               <a:rPr lang="en-DE" smtClean="0"/>
-              <a:t>26.11.24</a:t>
+              <a:t>03.12.24</a:t>
             </a:fld>
             <a:endParaRPr lang="en-DE"/>
           </a:p>
@@ -5797,7 +6020,7 @@
           <a:p>
             <a:fld id="{8CBB5403-7539-7340-930C-E486D0D5DF08}" type="datetimeFigureOut">
               <a:rPr lang="en-DE" smtClean="0"/>
-              <a:t>26.11.24</a:t>
+              <a:t>03.12.24</a:t>
             </a:fld>
             <a:endParaRPr lang="en-DE"/>
           </a:p>
@@ -5984,7 +6207,7 @@
           <a:p>
             <a:fld id="{162C1F81-0292-4658-B990-314031B5EEE0}" type="datetime4">
               <a:rPr lang="en-US" noProof="0" smtClean="0"/>
-              <a:t>November 26, 2024</a:t>
+              <a:t>December 3, 2024</a:t>
             </a:fld>
             <a:endParaRPr lang="en-US" noProof="0" dirty="0"/>
           </a:p>
@@ -6267,7 +6490,7 @@
           <a:p>
             <a:fld id="{D558F984-26B4-4933-8516-FE1535DED93C}" type="datetime4">
               <a:rPr lang="en-US" smtClean="0"/>
-              <a:t>November 26, 2024</a:t>
+              <a:t>December 3, 2024</a:t>
             </a:fld>
             <a:endParaRPr lang="de-DE"/>
           </a:p>
@@ -6521,7 +6744,7 @@
           <a:p>
             <a:fld id="{13E4C659-E679-417B-A9E8-A603DCE1B207}" type="datetime4">
               <a:rPr lang="en-US" smtClean="0"/>
-              <a:t>November 26, 2024</a:t>
+              <a:t>December 3, 2024</a:t>
             </a:fld>
             <a:endParaRPr lang="de-DE"/>
           </a:p>
@@ -6934,7 +7157,7 @@
           <a:p>
             <a:fld id="{54BD4C5A-35E9-47D6-BDD6-A15EE1F6811B}" type="datetime4">
               <a:rPr lang="en-US" smtClean="0"/>
-              <a:t>November 26, 2024</a:t>
+              <a:t>December 3, 2024</a:t>
             </a:fld>
             <a:endParaRPr lang="de-DE"/>
           </a:p>
@@ -7322,7 +7545,7 @@
           <a:p>
             <a:fld id="{7046FD4F-6F20-4022-8CF1-AABFBE35CA69}" type="datetime4">
               <a:rPr lang="en-US" smtClean="0"/>
-              <a:t>November 26, 2024</a:t>
+              <a:t>December 3, 2024</a:t>
             </a:fld>
             <a:endParaRPr lang="de-DE"/>
           </a:p>
@@ -7456,7 +7679,7 @@
           <a:p>
             <a:fld id="{563BD3E5-C6B0-41CB-8EEA-5A19D71A579A}" type="datetime4">
               <a:rPr lang="en-US" smtClean="0"/>
-              <a:t>November 26, 2024</a:t>
+              <a:t>December 3, 2024</a:t>
             </a:fld>
             <a:endParaRPr lang="de-DE"/>
           </a:p>
@@ -7665,7 +7888,7 @@
           <a:p>
             <a:fld id="{6DD5701E-F27F-4FC7-9A65-8970DD43482C}" type="datetime4">
               <a:rPr lang="en-US" smtClean="0"/>
-              <a:t>November 26, 2024</a:t>
+              <a:t>December 3, 2024</a:t>
             </a:fld>
             <a:endParaRPr lang="de-DE"/>
           </a:p>
@@ -7979,7 +8202,7 @@
           <a:p>
             <a:fld id="{56BE16BE-510F-4DC1-B9F9-23B25996BEBF}" type="datetime4">
               <a:rPr lang="en-US" smtClean="0"/>
-              <a:t>November 26, 2024</a:t>
+              <a:t>December 3, 2024</a:t>
             </a:fld>
             <a:endParaRPr lang="en-US" dirty="0"/>
           </a:p>
@@ -8819,7 +9042,7 @@
           <a:p>
             <a:fld id="{8CBB5403-7539-7340-930C-E486D0D5DF08}" type="datetimeFigureOut">
               <a:rPr lang="en-DE" smtClean="0"/>
-              <a:t>26.11.24</a:t>
+              <a:t>03.12.24</a:t>
             </a:fld>
             <a:endParaRPr lang="en-DE"/>
           </a:p>
@@ -9316,10 +9539,1501 @@
   <p:clrMapOvr>
     <a:masterClrMapping/>
   </p:clrMapOvr>
+  <mc:AlternateContent xmlns:mc="http://schemas.openxmlformats.org/markup-compatibility/2006">
+    <mc:Choice xmlns:p14="http://schemas.microsoft.com/office/powerpoint/2010/main" Requires="p14">
+      <p:transition spd="slow" p14:dur="2000" advTm="0"/>
+    </mc:Choice>
+    <mc:Fallback>
+      <p:transition spd="slow" advTm="0"/>
+    </mc:Fallback>
+  </mc:AlternateContent>
 </p:sld>
 </file>
 
 <file path=ppt/slides/slide10.xml><?xml version="1.0" encoding="utf-8"?>
+<p:sld xmlns:a="http://schemas.openxmlformats.org/drawingml/2006/main" xmlns:r="http://schemas.openxmlformats.org/officeDocument/2006/relationships" xmlns:p="http://schemas.openxmlformats.org/presentationml/2006/main">
+  <p:cSld>
+    <p:spTree>
+      <p:nvGrpSpPr>
+        <p:cNvPr id="1" name=""/>
+        <p:cNvGrpSpPr/>
+        <p:nvPr/>
+      </p:nvGrpSpPr>
+      <p:grpSpPr>
+        <a:xfrm>
+          <a:off x="0" y="0"/>
+          <a:ext cx="0" cy="0"/>
+          <a:chOff x="0" y="0"/>
+          <a:chExt cx="0" cy="0"/>
+        </a:xfrm>
+      </p:grpSpPr>
+      <p:sp>
+        <p:nvSpPr>
+          <p:cNvPr id="2" name="Content Placeholder 1">
+            <a:extLst>
+              <a:ext uri="{FF2B5EF4-FFF2-40B4-BE49-F238E27FC236}">
+                <a16:creationId xmlns:a16="http://schemas.microsoft.com/office/drawing/2014/main" id="{3BD83C97-E3B1-0030-8027-46E7BD6A1843}"/>
+              </a:ext>
+            </a:extLst>
+          </p:cNvPr>
+          <p:cNvSpPr>
+            <a:spLocks noGrp="1"/>
+          </p:cNvSpPr>
+          <p:nvPr>
+            <p:ph idx="1"/>
+          </p:nvPr>
+        </p:nvSpPr>
+        <p:spPr/>
+        <p:txBody>
+          <a:bodyPr/>
+          <a:lstStyle/>
+          <a:p>
+            <a:endParaRPr lang="en-DE" dirty="0"/>
+          </a:p>
+          <a:p>
+            <a:endParaRPr lang="en-DE" dirty="0"/>
+          </a:p>
+          <a:p>
+            <a:endParaRPr lang="en-DE" dirty="0"/>
+          </a:p>
+        </p:txBody>
+      </p:sp>
+      <p:sp>
+        <p:nvSpPr>
+          <p:cNvPr id="3" name="Date Placeholder 2">
+            <a:extLst>
+              <a:ext uri="{FF2B5EF4-FFF2-40B4-BE49-F238E27FC236}">
+                <a16:creationId xmlns:a16="http://schemas.microsoft.com/office/drawing/2014/main" id="{7A0E3AEF-0EC9-3281-27E8-073D237F5C5A}"/>
+              </a:ext>
+            </a:extLst>
+          </p:cNvPr>
+          <p:cNvSpPr>
+            <a:spLocks noGrp="1"/>
+          </p:cNvSpPr>
+          <p:nvPr>
+            <p:ph type="dt" sz="half" idx="10"/>
+          </p:nvPr>
+        </p:nvSpPr>
+        <p:spPr/>
+        <p:txBody>
+          <a:bodyPr/>
+          <a:lstStyle/>
+          <a:p>
+            <a:fld id="{162C1F81-0292-4658-B990-314031B5EEE0}" type="datetime4">
+              <a:rPr lang="en-US" noProof="0" smtClean="0"/>
+              <a:t>December 5, 2024</a:t>
+            </a:fld>
+            <a:endParaRPr lang="en-US" noProof="0"/>
+          </a:p>
+        </p:txBody>
+      </p:sp>
+      <p:sp>
+        <p:nvSpPr>
+          <p:cNvPr id="4" name="Slide Number Placeholder 3">
+            <a:extLst>
+              <a:ext uri="{FF2B5EF4-FFF2-40B4-BE49-F238E27FC236}">
+                <a16:creationId xmlns:a16="http://schemas.microsoft.com/office/drawing/2014/main" id="{441CD080-D238-BC68-FBAB-FD9D4CC49102}"/>
+              </a:ext>
+            </a:extLst>
+          </p:cNvPr>
+          <p:cNvSpPr>
+            <a:spLocks noGrp="1"/>
+          </p:cNvSpPr>
+          <p:nvPr>
+            <p:ph type="sldNum" sz="quarter" idx="12"/>
+          </p:nvPr>
+        </p:nvSpPr>
+        <p:spPr/>
+        <p:txBody>
+          <a:bodyPr/>
+          <a:lstStyle/>
+          <a:p>
+            <a:fld id="{61696EC4-B4CF-4701-AD06-A8439D6D8E12}" type="slidenum">
+              <a:rPr lang="en-US" noProof="0" smtClean="0"/>
+              <a:t>10</a:t>
+            </a:fld>
+            <a:endParaRPr lang="en-US" noProof="0"/>
+          </a:p>
+        </p:txBody>
+      </p:sp>
+      <p:sp>
+        <p:nvSpPr>
+          <p:cNvPr id="5" name="Title 4">
+            <a:extLst>
+              <a:ext uri="{FF2B5EF4-FFF2-40B4-BE49-F238E27FC236}">
+                <a16:creationId xmlns:a16="http://schemas.microsoft.com/office/drawing/2014/main" id="{68FE9C1A-CFC4-E8B3-CFB2-CAA259A98DA6}"/>
+              </a:ext>
+            </a:extLst>
+          </p:cNvPr>
+          <p:cNvSpPr>
+            <a:spLocks noGrp="1"/>
+          </p:cNvSpPr>
+          <p:nvPr>
+            <p:ph type="title"/>
+          </p:nvPr>
+        </p:nvSpPr>
+        <p:spPr/>
+        <p:txBody>
+          <a:bodyPr/>
+          <a:lstStyle/>
+          <a:p>
+            <a:r>
+              <a:rPr lang="en-DE" dirty="0"/>
+              <a:t>Final Feature Selection</a:t>
+            </a:r>
+          </a:p>
+        </p:txBody>
+      </p:sp>
+      <p:graphicFrame>
+        <p:nvGraphicFramePr>
+          <p:cNvPr id="6" name="Content Placeholder 5">
+            <a:extLst>
+              <a:ext uri="{FF2B5EF4-FFF2-40B4-BE49-F238E27FC236}">
+                <a16:creationId xmlns:a16="http://schemas.microsoft.com/office/drawing/2014/main" id="{D8AFF2C0-A577-ADED-6C99-22E8BD6D32A3}"/>
+              </a:ext>
+            </a:extLst>
+          </p:cNvPr>
+          <p:cNvGraphicFramePr>
+            <a:graphicFrameLocks/>
+          </p:cNvGraphicFramePr>
+          <p:nvPr>
+            <p:extLst>
+              <p:ext uri="{D42A27DB-BD31-4B8C-83A1-F6EECF244321}">
+                <p14:modId xmlns:p14="http://schemas.microsoft.com/office/powerpoint/2010/main" val="2934668200"/>
+              </p:ext>
+            </p:extLst>
+          </p:nvPr>
+        </p:nvGraphicFramePr>
+        <p:xfrm>
+          <a:off x="288000" y="1287780"/>
+          <a:ext cx="5630200" cy="1556880"/>
+        </p:xfrm>
+        <a:graphic>
+          <a:graphicData uri="http://schemas.openxmlformats.org/drawingml/2006/table">
+            <a:tbl>
+              <a:tblPr firstRow="1" bandRow="1">
+                <a:tableStyleId>{5C22544A-7EE6-4342-B048-85BDC9FD1C3A}</a:tableStyleId>
+              </a:tblPr>
+              <a:tblGrid>
+                <a:gridCol w="1045500">
+                  <a:extLst>
+                    <a:ext uri="{9D8B030D-6E8A-4147-A177-3AD203B41FA5}">
+                      <a16:colId xmlns:a16="http://schemas.microsoft.com/office/drawing/2014/main" val="3988887945"/>
+                    </a:ext>
+                  </a:extLst>
+                </a:gridCol>
+                <a:gridCol w="4584700">
+                  <a:extLst>
+                    <a:ext uri="{9D8B030D-6E8A-4147-A177-3AD203B41FA5}">
+                      <a16:colId xmlns:a16="http://schemas.microsoft.com/office/drawing/2014/main" val="3010422255"/>
+                    </a:ext>
+                  </a:extLst>
+                </a:gridCol>
+              </a:tblGrid>
+              <a:tr h="306000">
+                <a:tc>
+                  <a:txBody>
+                    <a:bodyPr/>
+                    <a:lstStyle/>
+                    <a:p>
+                      <a:endParaRPr lang="en-DE" sz="1400" dirty="0"/>
+                    </a:p>
+                  </a:txBody>
+                  <a:tcPr/>
+                </a:tc>
+                <a:tc>
+                  <a:txBody>
+                    <a:bodyPr/>
+                    <a:lstStyle/>
+                    <a:p>
+                      <a:r>
+                        <a:rPr lang="en-DE" sz="1400" dirty="0"/>
+                        <a:t>Information Awareness</a:t>
+                      </a:r>
+                    </a:p>
+                  </a:txBody>
+                  <a:tcPr/>
+                </a:tc>
+                <a:extLst>
+                  <a:ext uri="{0D108BD9-81ED-4DB2-BD59-A6C34878D82A}">
+                    <a16:rowId xmlns:a16="http://schemas.microsoft.com/office/drawing/2014/main" val="151212770"/>
+                  </a:ext>
+                </a:extLst>
+              </a:tr>
+              <a:tr h="306000">
+                <a:tc>
+                  <a:txBody>
+                    <a:bodyPr/>
+                    <a:lstStyle/>
+                    <a:p>
+                      <a:r>
+                        <a:rPr lang="en-DE" sz="1400" dirty="0"/>
+                        <a:t>F5a</a:t>
+                      </a:r>
+                    </a:p>
+                  </a:txBody>
+                  <a:tcPr/>
+                </a:tc>
+                <a:tc>
+                  <a:txBody>
+                    <a:bodyPr/>
+                    <a:lstStyle/>
+                    <a:p>
+                      <a:pPr lvl="0" algn="l" fontAlgn="b"/>
+                      <a:r>
+                        <a:rPr lang="en-GB" sz="1400" b="0" i="0" u="none" strike="noStrike" dirty="0">
+                          <a:solidFill>
+                            <a:srgbClr val="000000"/>
+                          </a:solidFill>
+                          <a:effectLst/>
+                          <a:latin typeface="+mn-lt"/>
+                        </a:rPr>
+                        <a:t>   How often do you inform via public, private and  alternative media channels?</a:t>
+                      </a:r>
+                    </a:p>
+                  </a:txBody>
+                  <a:tcPr marL="0" marR="0" marT="0" marB="0" anchor="ctr"/>
+                </a:tc>
+                <a:extLst>
+                  <a:ext uri="{0D108BD9-81ED-4DB2-BD59-A6C34878D82A}">
+                    <a16:rowId xmlns:a16="http://schemas.microsoft.com/office/drawing/2014/main" val="1667274981"/>
+                  </a:ext>
+                </a:extLst>
+              </a:tr>
+              <a:tr h="306000">
+                <a:tc>
+                  <a:txBody>
+                    <a:bodyPr/>
+                    <a:lstStyle/>
+                    <a:p>
+                      <a:r>
+                        <a:rPr lang="en-DE" sz="1400" dirty="0"/>
+                        <a:t>F5b</a:t>
+                      </a:r>
+                    </a:p>
+                  </a:txBody>
+                  <a:tcPr/>
+                </a:tc>
+                <a:tc>
+                  <a:txBody>
+                    <a:bodyPr/>
+                    <a:lstStyle/>
+                    <a:p>
+                      <a:r>
+                        <a:rPr lang="en-DE" sz="1400" dirty="0"/>
+                        <a:t>Which channels are you using?</a:t>
+                      </a:r>
+                    </a:p>
+                  </a:txBody>
+                  <a:tcPr/>
+                </a:tc>
+                <a:extLst>
+                  <a:ext uri="{0D108BD9-81ED-4DB2-BD59-A6C34878D82A}">
+                    <a16:rowId xmlns:a16="http://schemas.microsoft.com/office/drawing/2014/main" val="1630201282"/>
+                  </a:ext>
+                </a:extLst>
+              </a:tr>
+              <a:tr h="306000">
+                <a:tc>
+                  <a:txBody>
+                    <a:bodyPr/>
+                    <a:lstStyle/>
+                    <a:p>
+                      <a:r>
+                        <a:rPr lang="en-GB" sz="1400" dirty="0"/>
+                        <a:t>F5A10_1 –  A14_1</a:t>
+                      </a:r>
+                      <a:endParaRPr lang="en-DE" sz="1400" dirty="0"/>
+                    </a:p>
+                  </a:txBody>
+                  <a:tcPr/>
+                </a:tc>
+                <a:tc>
+                  <a:txBody>
+                    <a:bodyPr/>
+                    <a:lstStyle/>
+                    <a:p>
+                      <a:pPr marL="0" marR="0" lvl="0" indent="0" algn="l" defTabSz="914347" rtl="0" eaLnBrk="1" fontAlgn="auto" latinLnBrk="0" hangingPunct="1">
+                        <a:lnSpc>
+                          <a:spcPct val="100000"/>
+                        </a:lnSpc>
+                        <a:spcBef>
+                          <a:spcPts val="0"/>
+                        </a:spcBef>
+                        <a:spcAft>
+                          <a:spcPts val="0"/>
+                        </a:spcAft>
+                        <a:buClrTx/>
+                        <a:buSzTx/>
+                        <a:buFontTx/>
+                        <a:buNone/>
+                        <a:tabLst/>
+                        <a:defRPr/>
+                      </a:pPr>
+                      <a:r>
+                        <a:rPr lang="en-GB" sz="1400" dirty="0"/>
+                        <a:t>How much du you trust different media?</a:t>
+                      </a:r>
+                    </a:p>
+                  </a:txBody>
+                  <a:tcPr/>
+                </a:tc>
+                <a:extLst>
+                  <a:ext uri="{0D108BD9-81ED-4DB2-BD59-A6C34878D82A}">
+                    <a16:rowId xmlns:a16="http://schemas.microsoft.com/office/drawing/2014/main" val="1641263562"/>
+                  </a:ext>
+                </a:extLst>
+              </a:tr>
+            </a:tbl>
+          </a:graphicData>
+        </a:graphic>
+      </p:graphicFrame>
+      <p:graphicFrame>
+        <p:nvGraphicFramePr>
+          <p:cNvPr id="7" name="Content Placeholder 5">
+            <a:extLst>
+              <a:ext uri="{FF2B5EF4-FFF2-40B4-BE49-F238E27FC236}">
+                <a16:creationId xmlns:a16="http://schemas.microsoft.com/office/drawing/2014/main" id="{90B774FC-270E-D466-8B47-774C0C702C3B}"/>
+              </a:ext>
+            </a:extLst>
+          </p:cNvPr>
+          <p:cNvGraphicFramePr>
+            <a:graphicFrameLocks/>
+          </p:cNvGraphicFramePr>
+          <p:nvPr>
+            <p:extLst>
+              <p:ext uri="{D42A27DB-BD31-4B8C-83A1-F6EECF244321}">
+                <p14:modId xmlns:p14="http://schemas.microsoft.com/office/powerpoint/2010/main" val="4198306595"/>
+              </p:ext>
+            </p:extLst>
+          </p:nvPr>
+        </p:nvGraphicFramePr>
+        <p:xfrm>
+          <a:off x="287999" y="3018426"/>
+          <a:ext cx="5630199" cy="1238400"/>
+        </p:xfrm>
+        <a:graphic>
+          <a:graphicData uri="http://schemas.openxmlformats.org/drawingml/2006/table">
+            <a:tbl>
+              <a:tblPr firstRow="1" bandRow="1">
+                <a:tableStyleId>{F5AB1C69-6EDB-4FF4-983F-18BD219EF322}</a:tableStyleId>
+              </a:tblPr>
+              <a:tblGrid>
+                <a:gridCol w="1058201">
+                  <a:extLst>
+                    <a:ext uri="{9D8B030D-6E8A-4147-A177-3AD203B41FA5}">
+                      <a16:colId xmlns:a16="http://schemas.microsoft.com/office/drawing/2014/main" val="3988887945"/>
+                    </a:ext>
+                  </a:extLst>
+                </a:gridCol>
+                <a:gridCol w="4571998">
+                  <a:extLst>
+                    <a:ext uri="{9D8B030D-6E8A-4147-A177-3AD203B41FA5}">
+                      <a16:colId xmlns:a16="http://schemas.microsoft.com/office/drawing/2014/main" val="3010422255"/>
+                    </a:ext>
+                  </a:extLst>
+                </a:gridCol>
+              </a:tblGrid>
+              <a:tr h="309600">
+                <a:tc>
+                  <a:txBody>
+                    <a:bodyPr/>
+                    <a:lstStyle/>
+                    <a:p>
+                      <a:endParaRPr lang="en-DE" sz="1400" dirty="0"/>
+                    </a:p>
+                  </a:txBody>
+                  <a:tcPr/>
+                </a:tc>
+                <a:tc>
+                  <a:txBody>
+                    <a:bodyPr/>
+                    <a:lstStyle/>
+                    <a:p>
+                      <a:r>
+                        <a:rPr lang="en-DE" sz="1400" dirty="0"/>
+                        <a:t>Investment Sentiment</a:t>
+                      </a:r>
+                    </a:p>
+                  </a:txBody>
+                  <a:tcPr/>
+                </a:tc>
+                <a:extLst>
+                  <a:ext uri="{0D108BD9-81ED-4DB2-BD59-A6C34878D82A}">
+                    <a16:rowId xmlns:a16="http://schemas.microsoft.com/office/drawing/2014/main" val="151212770"/>
+                  </a:ext>
+                </a:extLst>
+              </a:tr>
+              <a:tr h="309600">
+                <a:tc>
+                  <a:txBody>
+                    <a:bodyPr/>
+                    <a:lstStyle/>
+                    <a:p>
+                      <a:r>
+                        <a:rPr lang="en-GB" sz="1400" strike="sngStrike" dirty="0"/>
+                        <a:t>F71invest</a:t>
+                      </a:r>
+                      <a:endParaRPr lang="en-DE" sz="1400" strike="sngStrike" dirty="0"/>
+                    </a:p>
+                  </a:txBody>
+                  <a:tcPr/>
+                </a:tc>
+                <a:tc>
+                  <a:txBody>
+                    <a:bodyPr/>
+                    <a:lstStyle/>
+                    <a:p>
+                      <a:r>
+                        <a:rPr lang="en-GB" sz="1400" strike="sngStrike" dirty="0"/>
+                        <a:t>Are you currently investing in the stock market?</a:t>
+                      </a:r>
+                      <a:endParaRPr lang="en-DE" sz="1400" strike="sngStrike" dirty="0"/>
+                    </a:p>
+                  </a:txBody>
+                  <a:tcPr/>
+                </a:tc>
+                <a:extLst>
+                  <a:ext uri="{0D108BD9-81ED-4DB2-BD59-A6C34878D82A}">
+                    <a16:rowId xmlns:a16="http://schemas.microsoft.com/office/drawing/2014/main" val="850685061"/>
+                  </a:ext>
+                </a:extLst>
+              </a:tr>
+              <a:tr h="309600">
+                <a:tc>
+                  <a:txBody>
+                    <a:bodyPr/>
+                    <a:lstStyle/>
+                    <a:p>
+                      <a:r>
+                        <a:rPr lang="en-GB" sz="1400" dirty="0"/>
+                        <a:t>F5A10_2</a:t>
+                      </a:r>
+                      <a:endParaRPr lang="en-DE" sz="1400" dirty="0"/>
+                    </a:p>
+                  </a:txBody>
+                  <a:tcPr/>
+                </a:tc>
+                <a:tc>
+                  <a:txBody>
+                    <a:bodyPr/>
+                    <a:lstStyle/>
+                    <a:p>
+                      <a:r>
+                        <a:rPr lang="en-GB" sz="1400" dirty="0"/>
+                        <a:t>How much do you trust in the stock market</a:t>
+                      </a:r>
+                      <a:endParaRPr lang="en-DE" sz="1400" dirty="0"/>
+                    </a:p>
+                  </a:txBody>
+                  <a:tcPr/>
+                </a:tc>
+                <a:extLst>
+                  <a:ext uri="{0D108BD9-81ED-4DB2-BD59-A6C34878D82A}">
+                    <a16:rowId xmlns:a16="http://schemas.microsoft.com/office/drawing/2014/main" val="3563531823"/>
+                  </a:ext>
+                </a:extLst>
+              </a:tr>
+              <a:tr h="309600">
+                <a:tc>
+                  <a:txBody>
+                    <a:bodyPr/>
+                    <a:lstStyle/>
+                    <a:p>
+                      <a:r>
+                        <a:rPr lang="en-DE" sz="1400" dirty="0"/>
+                        <a:t>F3A21_1</a:t>
+                      </a:r>
+                    </a:p>
+                  </a:txBody>
+                  <a:tcPr/>
+                </a:tc>
+                <a:tc>
+                  <a:txBody>
+                    <a:bodyPr/>
+                    <a:lstStyle/>
+                    <a:p>
+                      <a:r>
+                        <a:rPr lang="en-GB" sz="1400" dirty="0"/>
+                        <a:t>It currently makes sense to invest in stocks</a:t>
+                      </a:r>
+                      <a:endParaRPr lang="en-DE" sz="1400" dirty="0"/>
+                    </a:p>
+                  </a:txBody>
+                  <a:tcPr/>
+                </a:tc>
+                <a:extLst>
+                  <a:ext uri="{0D108BD9-81ED-4DB2-BD59-A6C34878D82A}">
+                    <a16:rowId xmlns:a16="http://schemas.microsoft.com/office/drawing/2014/main" val="535974440"/>
+                  </a:ext>
+                </a:extLst>
+              </a:tr>
+            </a:tbl>
+          </a:graphicData>
+        </a:graphic>
+      </p:graphicFrame>
+      <p:graphicFrame>
+        <p:nvGraphicFramePr>
+          <p:cNvPr id="8" name="Content Placeholder 5">
+            <a:extLst>
+              <a:ext uri="{FF2B5EF4-FFF2-40B4-BE49-F238E27FC236}">
+                <a16:creationId xmlns:a16="http://schemas.microsoft.com/office/drawing/2014/main" id="{629D2298-6B1F-BA76-4C40-76FDF1455044}"/>
+              </a:ext>
+            </a:extLst>
+          </p:cNvPr>
+          <p:cNvGraphicFramePr>
+            <a:graphicFrameLocks/>
+          </p:cNvGraphicFramePr>
+          <p:nvPr>
+            <p:extLst>
+              <p:ext uri="{D42A27DB-BD31-4B8C-83A1-F6EECF244321}">
+                <p14:modId xmlns:p14="http://schemas.microsoft.com/office/powerpoint/2010/main" val="1721200482"/>
+              </p:ext>
+            </p:extLst>
+          </p:nvPr>
+        </p:nvGraphicFramePr>
+        <p:xfrm>
+          <a:off x="287999" y="4476410"/>
+          <a:ext cx="5630198" cy="1224000"/>
+        </p:xfrm>
+        <a:graphic>
+          <a:graphicData uri="http://schemas.openxmlformats.org/drawingml/2006/table">
+            <a:tbl>
+              <a:tblPr firstRow="1" bandRow="1">
+                <a:tableStyleId>{00A15C55-8517-42AA-B614-E9B94910E393}</a:tableStyleId>
+              </a:tblPr>
+              <a:tblGrid>
+                <a:gridCol w="1100638">
+                  <a:extLst>
+                    <a:ext uri="{9D8B030D-6E8A-4147-A177-3AD203B41FA5}">
+                      <a16:colId xmlns:a16="http://schemas.microsoft.com/office/drawing/2014/main" val="3988887945"/>
+                    </a:ext>
+                  </a:extLst>
+                </a:gridCol>
+                <a:gridCol w="4529560">
+                  <a:extLst>
+                    <a:ext uri="{9D8B030D-6E8A-4147-A177-3AD203B41FA5}">
+                      <a16:colId xmlns:a16="http://schemas.microsoft.com/office/drawing/2014/main" val="3010422255"/>
+                    </a:ext>
+                  </a:extLst>
+                </a:gridCol>
+              </a:tblGrid>
+              <a:tr h="0">
+                <a:tc>
+                  <a:txBody>
+                    <a:bodyPr/>
+                    <a:lstStyle/>
+                    <a:p>
+                      <a:endParaRPr lang="en-DE" sz="1400" dirty="0"/>
+                    </a:p>
+                  </a:txBody>
+                  <a:tcPr/>
+                </a:tc>
+                <a:tc>
+                  <a:txBody>
+                    <a:bodyPr/>
+                    <a:lstStyle/>
+                    <a:p>
+                      <a:r>
+                        <a:rPr lang="en-DE" sz="1400" dirty="0"/>
+                        <a:t>Corona Sentiment</a:t>
+                      </a:r>
+                    </a:p>
+                  </a:txBody>
+                  <a:tcPr/>
+                </a:tc>
+                <a:extLst>
+                  <a:ext uri="{0D108BD9-81ED-4DB2-BD59-A6C34878D82A}">
+                    <a16:rowId xmlns:a16="http://schemas.microsoft.com/office/drawing/2014/main" val="151212770"/>
+                  </a:ext>
+                </a:extLst>
+              </a:tr>
+              <a:tr h="309600">
+                <a:tc>
+                  <a:txBody>
+                    <a:bodyPr/>
+                    <a:lstStyle/>
+                    <a:p>
+                      <a:pPr marL="0" marR="0" lvl="0" indent="0" algn="l" defTabSz="914347" rtl="0" eaLnBrk="1" fontAlgn="auto" latinLnBrk="0" hangingPunct="1">
+                        <a:lnSpc>
+                          <a:spcPct val="100000"/>
+                        </a:lnSpc>
+                        <a:spcBef>
+                          <a:spcPts val="0"/>
+                        </a:spcBef>
+                        <a:spcAft>
+                          <a:spcPts val="0"/>
+                        </a:spcAft>
+                        <a:buClrTx/>
+                        <a:buSzTx/>
+                        <a:buFontTx/>
+                        <a:buNone/>
+                        <a:tabLst/>
+                        <a:defRPr/>
+                      </a:pPr>
+                      <a:r>
+                        <a:rPr lang="en-GB" sz="1400" strike="sngStrike" dirty="0"/>
+                        <a:t>F3A15_1</a:t>
+                      </a:r>
+                    </a:p>
+                  </a:txBody>
+                  <a:tcPr/>
+                </a:tc>
+                <a:tc>
+                  <a:txBody>
+                    <a:bodyPr/>
+                    <a:lstStyle/>
+                    <a:p>
+                      <a:r>
+                        <a:rPr lang="en-DE" sz="1400" strike="sngStrike" dirty="0"/>
+                        <a:t>Current corona regulations in Germany are going to far </a:t>
+                      </a:r>
+                    </a:p>
+                  </a:txBody>
+                  <a:tcPr/>
+                </a:tc>
+                <a:extLst>
+                  <a:ext uri="{0D108BD9-81ED-4DB2-BD59-A6C34878D82A}">
+                    <a16:rowId xmlns:a16="http://schemas.microsoft.com/office/drawing/2014/main" val="850685061"/>
+                  </a:ext>
+                </a:extLst>
+              </a:tr>
+              <a:tr h="0">
+                <a:tc>
+                  <a:txBody>
+                    <a:bodyPr/>
+                    <a:lstStyle/>
+                    <a:p>
+                      <a:r>
+                        <a:rPr lang="en-GB" sz="1400" dirty="0"/>
+                        <a:t>F3A16_1</a:t>
+                      </a:r>
+                      <a:endParaRPr lang="en-DE" sz="1400" dirty="0"/>
+                    </a:p>
+                  </a:txBody>
+                  <a:tcPr/>
+                </a:tc>
+                <a:tc>
+                  <a:txBody>
+                    <a:bodyPr/>
+                    <a:lstStyle/>
+                    <a:p>
+                      <a:r>
+                        <a:rPr lang="en-GB" sz="1400" dirty="0"/>
+                        <a:t>A mask obligation is currently necessary</a:t>
+                      </a:r>
+                      <a:endParaRPr lang="en-DE" sz="1400" dirty="0"/>
+                    </a:p>
+                  </a:txBody>
+                  <a:tcPr/>
+                </a:tc>
+                <a:extLst>
+                  <a:ext uri="{0D108BD9-81ED-4DB2-BD59-A6C34878D82A}">
+                    <a16:rowId xmlns:a16="http://schemas.microsoft.com/office/drawing/2014/main" val="3563531823"/>
+                  </a:ext>
+                </a:extLst>
+              </a:tr>
+              <a:tr h="0">
+                <a:tc>
+                  <a:txBody>
+                    <a:bodyPr/>
+                    <a:lstStyle/>
+                    <a:p>
+                      <a:pPr marL="0" marR="0" lvl="0" indent="0" algn="l" defTabSz="914347" rtl="0" eaLnBrk="1" fontAlgn="auto" latinLnBrk="0" hangingPunct="1">
+                        <a:lnSpc>
+                          <a:spcPct val="100000"/>
+                        </a:lnSpc>
+                        <a:spcBef>
+                          <a:spcPts val="0"/>
+                        </a:spcBef>
+                        <a:spcAft>
+                          <a:spcPts val="0"/>
+                        </a:spcAft>
+                        <a:buClrTx/>
+                        <a:buSzTx/>
+                        <a:buFontTx/>
+                        <a:buNone/>
+                        <a:tabLst/>
+                        <a:defRPr/>
+                      </a:pPr>
+                      <a:r>
+                        <a:rPr lang="en-GB" sz="1400" dirty="0"/>
+                        <a:t>F3A17_1</a:t>
+                      </a:r>
+                    </a:p>
+                  </a:txBody>
+                  <a:tcPr/>
+                </a:tc>
+                <a:tc>
+                  <a:txBody>
+                    <a:bodyPr/>
+                    <a:lstStyle/>
+                    <a:p>
+                      <a:r>
+                        <a:rPr lang="en-GB" sz="1400" dirty="0"/>
+                        <a:t>Corona infected people should still isolate for 5 days</a:t>
+                      </a:r>
+                      <a:endParaRPr lang="en-DE" sz="1400" dirty="0"/>
+                    </a:p>
+                  </a:txBody>
+                  <a:tcPr/>
+                </a:tc>
+                <a:extLst>
+                  <a:ext uri="{0D108BD9-81ED-4DB2-BD59-A6C34878D82A}">
+                    <a16:rowId xmlns:a16="http://schemas.microsoft.com/office/drawing/2014/main" val="535974440"/>
+                  </a:ext>
+                </a:extLst>
+              </a:tr>
+            </a:tbl>
+          </a:graphicData>
+        </a:graphic>
+      </p:graphicFrame>
+      <p:graphicFrame>
+        <p:nvGraphicFramePr>
+          <p:cNvPr id="9" name="Content Placeholder 5">
+            <a:extLst>
+              <a:ext uri="{FF2B5EF4-FFF2-40B4-BE49-F238E27FC236}">
+                <a16:creationId xmlns:a16="http://schemas.microsoft.com/office/drawing/2014/main" id="{A271FAE8-74FB-EC74-43BA-60092BF483CA}"/>
+              </a:ext>
+            </a:extLst>
+          </p:cNvPr>
+          <p:cNvGraphicFramePr>
+            <a:graphicFrameLocks/>
+          </p:cNvGraphicFramePr>
+          <p:nvPr>
+            <p:extLst>
+              <p:ext uri="{D42A27DB-BD31-4B8C-83A1-F6EECF244321}">
+                <p14:modId xmlns:p14="http://schemas.microsoft.com/office/powerpoint/2010/main" val="187541516"/>
+              </p:ext>
+            </p:extLst>
+          </p:nvPr>
+        </p:nvGraphicFramePr>
+        <p:xfrm>
+          <a:off x="6273802" y="1287780"/>
+          <a:ext cx="5511798" cy="2046960"/>
+        </p:xfrm>
+        <a:graphic>
+          <a:graphicData uri="http://schemas.openxmlformats.org/drawingml/2006/table">
+            <a:tbl>
+              <a:tblPr firstRow="1" bandRow="1">
+                <a:tableStyleId>{7DF18680-E054-41AD-8BC1-D1AEF772440D}</a:tableStyleId>
+              </a:tblPr>
+              <a:tblGrid>
+                <a:gridCol w="927098">
+                  <a:extLst>
+                    <a:ext uri="{9D8B030D-6E8A-4147-A177-3AD203B41FA5}">
+                      <a16:colId xmlns:a16="http://schemas.microsoft.com/office/drawing/2014/main" val="3988887945"/>
+                    </a:ext>
+                  </a:extLst>
+                </a:gridCol>
+                <a:gridCol w="4584700">
+                  <a:extLst>
+                    <a:ext uri="{9D8B030D-6E8A-4147-A177-3AD203B41FA5}">
+                      <a16:colId xmlns:a16="http://schemas.microsoft.com/office/drawing/2014/main" val="3010422255"/>
+                    </a:ext>
+                  </a:extLst>
+                </a:gridCol>
+              </a:tblGrid>
+              <a:tr h="0">
+                <a:tc>
+                  <a:txBody>
+                    <a:bodyPr/>
+                    <a:lstStyle/>
+                    <a:p>
+                      <a:endParaRPr lang="en-DE" sz="1400" dirty="0"/>
+                    </a:p>
+                  </a:txBody>
+                  <a:tcPr/>
+                </a:tc>
+                <a:tc>
+                  <a:txBody>
+                    <a:bodyPr/>
+                    <a:lstStyle/>
+                    <a:p>
+                      <a:r>
+                        <a:rPr lang="en-DE" sz="1400" dirty="0"/>
+                        <a:t>Ukraine War Sentiment</a:t>
+                      </a:r>
+                    </a:p>
+                  </a:txBody>
+                  <a:tcPr/>
+                </a:tc>
+                <a:extLst>
+                  <a:ext uri="{0D108BD9-81ED-4DB2-BD59-A6C34878D82A}">
+                    <a16:rowId xmlns:a16="http://schemas.microsoft.com/office/drawing/2014/main" val="151212770"/>
+                  </a:ext>
+                </a:extLst>
+              </a:tr>
+              <a:tr h="309600">
+                <a:tc>
+                  <a:txBody>
+                    <a:bodyPr/>
+                    <a:lstStyle/>
+                    <a:p>
+                      <a:pPr marL="0" marR="0" lvl="0" indent="0" algn="l" defTabSz="914347" rtl="0" eaLnBrk="1" fontAlgn="auto" latinLnBrk="0" hangingPunct="1">
+                        <a:lnSpc>
+                          <a:spcPct val="100000"/>
+                        </a:lnSpc>
+                        <a:spcBef>
+                          <a:spcPts val="0"/>
+                        </a:spcBef>
+                        <a:spcAft>
+                          <a:spcPts val="0"/>
+                        </a:spcAft>
+                        <a:buClrTx/>
+                        <a:buSzTx/>
+                        <a:buFontTx/>
+                        <a:buNone/>
+                        <a:tabLst/>
+                        <a:defRPr/>
+                      </a:pPr>
+                      <a:r>
+                        <a:rPr lang="en-GB" sz="1400" dirty="0"/>
+                        <a:t>F2A6</a:t>
+                      </a:r>
+                    </a:p>
+                  </a:txBody>
+                  <a:tcPr/>
+                </a:tc>
+                <a:tc>
+                  <a:txBody>
+                    <a:bodyPr/>
+                    <a:lstStyle/>
+                    <a:p>
+                      <a:r>
+                        <a:rPr lang="en-DE" sz="1400" dirty="0"/>
+                        <a:t>I worry Germany will get involved in ukraine war deeper</a:t>
+                      </a:r>
+                    </a:p>
+                  </a:txBody>
+                  <a:tcPr/>
+                </a:tc>
+                <a:extLst>
+                  <a:ext uri="{0D108BD9-81ED-4DB2-BD59-A6C34878D82A}">
+                    <a16:rowId xmlns:a16="http://schemas.microsoft.com/office/drawing/2014/main" val="850685061"/>
+                  </a:ext>
+                </a:extLst>
+              </a:tr>
+              <a:tr h="0">
+                <a:tc>
+                  <a:txBody>
+                    <a:bodyPr/>
+                    <a:lstStyle/>
+                    <a:p>
+                      <a:r>
+                        <a:rPr lang="en-GB" sz="1400" strike="sngStrike" dirty="0"/>
+                        <a:t>F2A7</a:t>
+                      </a:r>
+                      <a:endParaRPr lang="en-DE" sz="1400" strike="sngStrike" dirty="0"/>
+                    </a:p>
+                  </a:txBody>
+                  <a:tcPr/>
+                </a:tc>
+                <a:tc>
+                  <a:txBody>
+                    <a:bodyPr/>
+                    <a:lstStyle/>
+                    <a:p>
+                      <a:r>
+                        <a:rPr lang="en-GB" sz="1400" strike="sngStrike" dirty="0"/>
+                        <a:t>I worry about Ukrainian refugee’s situation in Germany</a:t>
+                      </a:r>
+                      <a:endParaRPr lang="en-DE" sz="1400" strike="sngStrike" dirty="0"/>
+                    </a:p>
+                  </a:txBody>
+                  <a:tcPr/>
+                </a:tc>
+                <a:extLst>
+                  <a:ext uri="{0D108BD9-81ED-4DB2-BD59-A6C34878D82A}">
+                    <a16:rowId xmlns:a16="http://schemas.microsoft.com/office/drawing/2014/main" val="3563531823"/>
+                  </a:ext>
+                </a:extLst>
+              </a:tr>
+              <a:tr h="0">
+                <a:tc>
+                  <a:txBody>
+                    <a:bodyPr/>
+                    <a:lstStyle/>
+                    <a:p>
+                      <a:r>
+                        <a:rPr lang="en-GB" sz="1400" dirty="0"/>
+                        <a:t>F2A14</a:t>
+                      </a:r>
+                      <a:endParaRPr lang="en-DE" sz="1400" dirty="0"/>
+                    </a:p>
+                  </a:txBody>
+                  <a:tcPr/>
+                </a:tc>
+                <a:tc>
+                  <a:txBody>
+                    <a:bodyPr/>
+                    <a:lstStyle/>
+                    <a:p>
+                      <a:r>
+                        <a:rPr lang="en-DE" sz="1400" dirty="0"/>
+                        <a:t>I worry that russia will use atomic weapons</a:t>
+                      </a:r>
+                    </a:p>
+                  </a:txBody>
+                  <a:tcPr/>
+                </a:tc>
+                <a:extLst>
+                  <a:ext uri="{0D108BD9-81ED-4DB2-BD59-A6C34878D82A}">
+                    <a16:rowId xmlns:a16="http://schemas.microsoft.com/office/drawing/2014/main" val="630337523"/>
+                  </a:ext>
+                </a:extLst>
+              </a:tr>
+              <a:tr h="0">
+                <a:tc>
+                  <a:txBody>
+                    <a:bodyPr/>
+                    <a:lstStyle/>
+                    <a:p>
+                      <a:pPr marL="0" marR="0" lvl="0" indent="0" algn="l" defTabSz="914347" rtl="0" eaLnBrk="1" fontAlgn="auto" latinLnBrk="0" hangingPunct="1">
+                        <a:lnSpc>
+                          <a:spcPct val="100000"/>
+                        </a:lnSpc>
+                        <a:spcBef>
+                          <a:spcPts val="0"/>
+                        </a:spcBef>
+                        <a:spcAft>
+                          <a:spcPts val="0"/>
+                        </a:spcAft>
+                        <a:buClrTx/>
+                        <a:buSzTx/>
+                        <a:buFontTx/>
+                        <a:buNone/>
+                        <a:tabLst/>
+                        <a:defRPr/>
+                      </a:pPr>
+                      <a:r>
+                        <a:rPr lang="en-GB" sz="1400" u="none" strike="sngStrike" dirty="0"/>
+                        <a:t>F3A14_1</a:t>
+                      </a:r>
+                    </a:p>
+                  </a:txBody>
+                  <a:tcPr/>
+                </a:tc>
+                <a:tc>
+                  <a:txBody>
+                    <a:bodyPr/>
+                    <a:lstStyle/>
+                    <a:p>
+                      <a:r>
+                        <a:rPr lang="en-GB" sz="1400" strike="sngStrike" dirty="0"/>
+                        <a:t>Germany should support Ukraine military as long as war is going on</a:t>
+                      </a:r>
+                      <a:endParaRPr lang="en-DE" sz="1400" strike="sngStrike" dirty="0"/>
+                    </a:p>
+                  </a:txBody>
+                  <a:tcPr/>
+                </a:tc>
+                <a:extLst>
+                  <a:ext uri="{0D108BD9-81ED-4DB2-BD59-A6C34878D82A}">
+                    <a16:rowId xmlns:a16="http://schemas.microsoft.com/office/drawing/2014/main" val="535974440"/>
+                  </a:ext>
+                </a:extLst>
+              </a:tr>
+              <a:tr h="0">
+                <a:tc>
+                  <a:txBody>
+                    <a:bodyPr/>
+                    <a:lstStyle/>
+                    <a:p>
+                      <a:pPr marL="0" marR="0" lvl="0" indent="0" algn="l" defTabSz="914347" rtl="0" eaLnBrk="1" fontAlgn="auto" latinLnBrk="0" hangingPunct="1">
+                        <a:lnSpc>
+                          <a:spcPct val="100000"/>
+                        </a:lnSpc>
+                        <a:spcBef>
+                          <a:spcPts val="0"/>
+                        </a:spcBef>
+                        <a:spcAft>
+                          <a:spcPts val="0"/>
+                        </a:spcAft>
+                        <a:buClrTx/>
+                        <a:buSzTx/>
+                        <a:buFontTx/>
+                        <a:buNone/>
+                        <a:tabLst/>
+                        <a:defRPr/>
+                      </a:pPr>
+                      <a:r>
+                        <a:rPr lang="en-GB" sz="1400" strike="sngStrike" dirty="0"/>
+                        <a:t>F3A22_1</a:t>
+                      </a:r>
+                    </a:p>
+                  </a:txBody>
+                  <a:tcPr/>
+                </a:tc>
+                <a:tc>
+                  <a:txBody>
+                    <a:bodyPr/>
+                    <a:lstStyle/>
+                    <a:p>
+                      <a:r>
+                        <a:rPr lang="en-DE" sz="1400" strike="sngStrike" dirty="0"/>
+                        <a:t>Ukraine should admit lost of land to end war</a:t>
+                      </a:r>
+                    </a:p>
+                  </a:txBody>
+                  <a:tcPr/>
+                </a:tc>
+                <a:extLst>
+                  <a:ext uri="{0D108BD9-81ED-4DB2-BD59-A6C34878D82A}">
+                    <a16:rowId xmlns:a16="http://schemas.microsoft.com/office/drawing/2014/main" val="2164431869"/>
+                  </a:ext>
+                </a:extLst>
+              </a:tr>
+            </a:tbl>
+          </a:graphicData>
+        </a:graphic>
+      </p:graphicFrame>
+      <p:graphicFrame>
+        <p:nvGraphicFramePr>
+          <p:cNvPr id="10" name="Content Placeholder 5">
+            <a:extLst>
+              <a:ext uri="{FF2B5EF4-FFF2-40B4-BE49-F238E27FC236}">
+                <a16:creationId xmlns:a16="http://schemas.microsoft.com/office/drawing/2014/main" id="{7CB9A0A3-2816-BE8E-554E-58D771801318}"/>
+              </a:ext>
+            </a:extLst>
+          </p:cNvPr>
+          <p:cNvGraphicFramePr>
+            <a:graphicFrameLocks/>
+          </p:cNvGraphicFramePr>
+          <p:nvPr>
+            <p:extLst>
+              <p:ext uri="{D42A27DB-BD31-4B8C-83A1-F6EECF244321}">
+                <p14:modId xmlns:p14="http://schemas.microsoft.com/office/powerpoint/2010/main" val="1754290370"/>
+              </p:ext>
+            </p:extLst>
+          </p:nvPr>
+        </p:nvGraphicFramePr>
+        <p:xfrm>
+          <a:off x="6273802" y="3459901"/>
+          <a:ext cx="5511798" cy="1224000"/>
+        </p:xfrm>
+        <a:graphic>
+          <a:graphicData uri="http://schemas.openxmlformats.org/drawingml/2006/table">
+            <a:tbl>
+              <a:tblPr firstRow="1" bandRow="1">
+                <a:tableStyleId>{073A0DAA-6AF3-43AB-8588-CEC1D06C72B9}</a:tableStyleId>
+              </a:tblPr>
+              <a:tblGrid>
+                <a:gridCol w="927098">
+                  <a:extLst>
+                    <a:ext uri="{9D8B030D-6E8A-4147-A177-3AD203B41FA5}">
+                      <a16:colId xmlns:a16="http://schemas.microsoft.com/office/drawing/2014/main" val="3988887945"/>
+                    </a:ext>
+                  </a:extLst>
+                </a:gridCol>
+                <a:gridCol w="4584700">
+                  <a:extLst>
+                    <a:ext uri="{9D8B030D-6E8A-4147-A177-3AD203B41FA5}">
+                      <a16:colId xmlns:a16="http://schemas.microsoft.com/office/drawing/2014/main" val="3010422255"/>
+                    </a:ext>
+                  </a:extLst>
+                </a:gridCol>
+              </a:tblGrid>
+              <a:tr h="0">
+                <a:tc>
+                  <a:txBody>
+                    <a:bodyPr/>
+                    <a:lstStyle/>
+                    <a:p>
+                      <a:endParaRPr lang="en-DE" sz="1400" dirty="0"/>
+                    </a:p>
+                  </a:txBody>
+                  <a:tcPr/>
+                </a:tc>
+                <a:tc>
+                  <a:txBody>
+                    <a:bodyPr/>
+                    <a:lstStyle/>
+                    <a:p>
+                      <a:r>
+                        <a:rPr lang="en-DE" sz="1400" dirty="0"/>
+                        <a:t>Energy Crisis Sentiment</a:t>
+                      </a:r>
+                    </a:p>
+                  </a:txBody>
+                  <a:tcPr/>
+                </a:tc>
+                <a:extLst>
+                  <a:ext uri="{0D108BD9-81ED-4DB2-BD59-A6C34878D82A}">
+                    <a16:rowId xmlns:a16="http://schemas.microsoft.com/office/drawing/2014/main" val="151212770"/>
+                  </a:ext>
+                </a:extLst>
+              </a:tr>
+              <a:tr h="309600">
+                <a:tc>
+                  <a:txBody>
+                    <a:bodyPr/>
+                    <a:lstStyle/>
+                    <a:p>
+                      <a:pPr marL="0" marR="0" lvl="0" indent="0" algn="l" defTabSz="914347" rtl="0" eaLnBrk="1" fontAlgn="auto" latinLnBrk="0" hangingPunct="1">
+                        <a:lnSpc>
+                          <a:spcPct val="100000"/>
+                        </a:lnSpc>
+                        <a:spcBef>
+                          <a:spcPts val="0"/>
+                        </a:spcBef>
+                        <a:spcAft>
+                          <a:spcPts val="0"/>
+                        </a:spcAft>
+                        <a:buClrTx/>
+                        <a:buSzTx/>
+                        <a:buFontTx/>
+                        <a:buNone/>
+                        <a:tabLst/>
+                        <a:defRPr/>
+                      </a:pPr>
+                      <a:r>
+                        <a:rPr lang="en-GB" sz="1400" dirty="0"/>
+                        <a:t>F1A13_1</a:t>
+                      </a:r>
+                    </a:p>
+                  </a:txBody>
+                  <a:tcPr/>
+                </a:tc>
+                <a:tc>
+                  <a:txBody>
+                    <a:bodyPr/>
+                    <a:lstStyle/>
+                    <a:p>
+                      <a:r>
+                        <a:rPr lang="en-DE" sz="1400" dirty="0"/>
+                        <a:t>The energy crisis is worsen my situation</a:t>
+                      </a:r>
+                    </a:p>
+                  </a:txBody>
+                  <a:tcPr/>
+                </a:tc>
+                <a:extLst>
+                  <a:ext uri="{0D108BD9-81ED-4DB2-BD59-A6C34878D82A}">
+                    <a16:rowId xmlns:a16="http://schemas.microsoft.com/office/drawing/2014/main" val="850685061"/>
+                  </a:ext>
+                </a:extLst>
+              </a:tr>
+              <a:tr h="0">
+                <a:tc>
+                  <a:txBody>
+                    <a:bodyPr/>
+                    <a:lstStyle/>
+                    <a:p>
+                      <a:r>
+                        <a:rPr lang="en-GB" sz="1400" dirty="0"/>
+                        <a:t>F1A14_1</a:t>
+                      </a:r>
+                      <a:endParaRPr lang="en-DE" sz="1400" dirty="0"/>
+                    </a:p>
+                  </a:txBody>
+                  <a:tcPr/>
+                </a:tc>
+                <a:tc>
+                  <a:txBody>
+                    <a:bodyPr/>
+                    <a:lstStyle/>
+                    <a:p>
+                      <a:r>
+                        <a:rPr lang="en-GB" sz="1400" dirty="0"/>
+                        <a:t>I can handle the energy crisis better than past crises</a:t>
+                      </a:r>
+                      <a:endParaRPr lang="en-DE" sz="1400" dirty="0"/>
+                    </a:p>
+                  </a:txBody>
+                  <a:tcPr/>
+                </a:tc>
+                <a:extLst>
+                  <a:ext uri="{0D108BD9-81ED-4DB2-BD59-A6C34878D82A}">
+                    <a16:rowId xmlns:a16="http://schemas.microsoft.com/office/drawing/2014/main" val="3563531823"/>
+                  </a:ext>
+                </a:extLst>
+              </a:tr>
+              <a:tr h="0">
+                <a:tc>
+                  <a:txBody>
+                    <a:bodyPr/>
+                    <a:lstStyle/>
+                    <a:p>
+                      <a:pPr marL="0" marR="0" lvl="0" indent="0" algn="l" defTabSz="914347" rtl="0" eaLnBrk="1" fontAlgn="auto" latinLnBrk="0" hangingPunct="1">
+                        <a:lnSpc>
+                          <a:spcPct val="100000"/>
+                        </a:lnSpc>
+                        <a:spcBef>
+                          <a:spcPts val="0"/>
+                        </a:spcBef>
+                        <a:spcAft>
+                          <a:spcPts val="0"/>
+                        </a:spcAft>
+                        <a:buClrTx/>
+                        <a:buSzTx/>
+                        <a:buFontTx/>
+                        <a:buNone/>
+                        <a:tabLst/>
+                        <a:defRPr/>
+                      </a:pPr>
+                      <a:r>
+                        <a:rPr lang="en-GB" sz="1400" dirty="0"/>
+                        <a:t>F3A20_1</a:t>
+                      </a:r>
+                    </a:p>
+                  </a:txBody>
+                  <a:tcPr/>
+                </a:tc>
+                <a:tc>
+                  <a:txBody>
+                    <a:bodyPr/>
+                    <a:lstStyle/>
+                    <a:p>
+                      <a:r>
+                        <a:rPr lang="en-GB" sz="1400" dirty="0"/>
+                        <a:t>I lower energy consumption due to financial reasons</a:t>
+                      </a:r>
+                      <a:endParaRPr lang="en-DE" sz="1400" dirty="0"/>
+                    </a:p>
+                  </a:txBody>
+                  <a:tcPr/>
+                </a:tc>
+                <a:extLst>
+                  <a:ext uri="{0D108BD9-81ED-4DB2-BD59-A6C34878D82A}">
+                    <a16:rowId xmlns:a16="http://schemas.microsoft.com/office/drawing/2014/main" val="535974440"/>
+                  </a:ext>
+                </a:extLst>
+              </a:tr>
+            </a:tbl>
+          </a:graphicData>
+        </a:graphic>
+      </p:graphicFrame>
+      <p:graphicFrame>
+        <p:nvGraphicFramePr>
+          <p:cNvPr id="11" name="Content Placeholder 5">
+            <a:extLst>
+              <a:ext uri="{FF2B5EF4-FFF2-40B4-BE49-F238E27FC236}">
+                <a16:creationId xmlns:a16="http://schemas.microsoft.com/office/drawing/2014/main" id="{192F8C6C-274D-6FDC-BAF9-CA42198A1710}"/>
+              </a:ext>
+            </a:extLst>
+          </p:cNvPr>
+          <p:cNvGraphicFramePr>
+            <a:graphicFrameLocks/>
+          </p:cNvGraphicFramePr>
+          <p:nvPr>
+            <p:extLst>
+              <p:ext uri="{D42A27DB-BD31-4B8C-83A1-F6EECF244321}">
+                <p14:modId xmlns:p14="http://schemas.microsoft.com/office/powerpoint/2010/main" val="535190120"/>
+              </p:ext>
+            </p:extLst>
+          </p:nvPr>
+        </p:nvGraphicFramePr>
+        <p:xfrm>
+          <a:off x="7988302" y="4801011"/>
+          <a:ext cx="2082798" cy="1528800"/>
+        </p:xfrm>
+        <a:graphic>
+          <a:graphicData uri="http://schemas.openxmlformats.org/drawingml/2006/table">
+            <a:tbl>
+              <a:tblPr firstRow="1" bandRow="1">
+                <a:tableStyleId>{10A1B5D5-9B99-4C35-A422-299274C87663}</a:tableStyleId>
+              </a:tblPr>
+              <a:tblGrid>
+                <a:gridCol w="2082798">
+                  <a:extLst>
+                    <a:ext uri="{9D8B030D-6E8A-4147-A177-3AD203B41FA5}">
+                      <a16:colId xmlns:a16="http://schemas.microsoft.com/office/drawing/2014/main" val="3988887945"/>
+                    </a:ext>
+                  </a:extLst>
+                </a:gridCol>
+              </a:tblGrid>
+              <a:tr h="0">
+                <a:tc>
+                  <a:txBody>
+                    <a:bodyPr/>
+                    <a:lstStyle/>
+                    <a:p>
+                      <a:pPr marL="0" marR="0" lvl="0" indent="0" algn="l" defTabSz="914347" rtl="0" eaLnBrk="1" fontAlgn="auto" latinLnBrk="0" hangingPunct="1">
+                        <a:lnSpc>
+                          <a:spcPct val="100000"/>
+                        </a:lnSpc>
+                        <a:spcBef>
+                          <a:spcPts val="0"/>
+                        </a:spcBef>
+                        <a:spcAft>
+                          <a:spcPts val="0"/>
+                        </a:spcAft>
+                        <a:buClrTx/>
+                        <a:buSzTx/>
+                        <a:buFontTx/>
+                        <a:buNone/>
+                        <a:tabLst/>
+                        <a:defRPr/>
+                      </a:pPr>
+                      <a:r>
+                        <a:rPr lang="en-DE" sz="1400" dirty="0">
+                          <a:solidFill>
+                            <a:schemeClr val="tx1"/>
+                          </a:solidFill>
+                        </a:rPr>
+                        <a:t>Eonomoic Indizes</a:t>
+                      </a:r>
+                    </a:p>
+                  </a:txBody>
+                  <a:tcPr/>
+                </a:tc>
+                <a:extLst>
+                  <a:ext uri="{0D108BD9-81ED-4DB2-BD59-A6C34878D82A}">
+                    <a16:rowId xmlns:a16="http://schemas.microsoft.com/office/drawing/2014/main" val="151212770"/>
+                  </a:ext>
+                </a:extLst>
+              </a:tr>
+              <a:tr h="309600">
+                <a:tc>
+                  <a:txBody>
+                    <a:bodyPr/>
+                    <a:lstStyle/>
+                    <a:p>
+                      <a:pPr marL="0" marR="0" lvl="0" indent="0" algn="l" defTabSz="914347" rtl="0" eaLnBrk="1" fontAlgn="auto" latinLnBrk="0" hangingPunct="1">
+                        <a:lnSpc>
+                          <a:spcPct val="100000"/>
+                        </a:lnSpc>
+                        <a:spcBef>
+                          <a:spcPts val="0"/>
+                        </a:spcBef>
+                        <a:spcAft>
+                          <a:spcPts val="0"/>
+                        </a:spcAft>
+                        <a:buClrTx/>
+                        <a:buSzTx/>
+                        <a:buFontTx/>
+                        <a:buNone/>
+                        <a:tabLst/>
+                        <a:defRPr/>
+                      </a:pPr>
+                      <a:r>
+                        <a:rPr lang="en-GB" sz="1400" dirty="0"/>
+                        <a:t>Inflation Rate</a:t>
+                      </a:r>
+                    </a:p>
+                  </a:txBody>
+                  <a:tcPr/>
+                </a:tc>
+                <a:extLst>
+                  <a:ext uri="{0D108BD9-81ED-4DB2-BD59-A6C34878D82A}">
+                    <a16:rowId xmlns:a16="http://schemas.microsoft.com/office/drawing/2014/main" val="850685061"/>
+                  </a:ext>
+                </a:extLst>
+              </a:tr>
+              <a:tr h="0">
+                <a:tc>
+                  <a:txBody>
+                    <a:bodyPr/>
+                    <a:lstStyle/>
+                    <a:p>
+                      <a:r>
+                        <a:rPr lang="en-GB" sz="1400" dirty="0"/>
+                        <a:t>Interest Rate</a:t>
+                      </a:r>
+                      <a:endParaRPr lang="en-DE" sz="1400" dirty="0"/>
+                    </a:p>
+                  </a:txBody>
+                  <a:tcPr/>
+                </a:tc>
+                <a:extLst>
+                  <a:ext uri="{0D108BD9-81ED-4DB2-BD59-A6C34878D82A}">
+                    <a16:rowId xmlns:a16="http://schemas.microsoft.com/office/drawing/2014/main" val="3563531823"/>
+                  </a:ext>
+                </a:extLst>
+              </a:tr>
+              <a:tr h="0">
+                <a:tc>
+                  <a:txBody>
+                    <a:bodyPr/>
+                    <a:lstStyle/>
+                    <a:p>
+                      <a:pPr marL="0" marR="0" lvl="0" indent="0" algn="l" defTabSz="914347" rtl="0" eaLnBrk="1" fontAlgn="auto" latinLnBrk="0" hangingPunct="1">
+                        <a:lnSpc>
+                          <a:spcPct val="100000"/>
+                        </a:lnSpc>
+                        <a:spcBef>
+                          <a:spcPts val="0"/>
+                        </a:spcBef>
+                        <a:spcAft>
+                          <a:spcPts val="0"/>
+                        </a:spcAft>
+                        <a:buClrTx/>
+                        <a:buSzTx/>
+                        <a:buFontTx/>
+                        <a:buNone/>
+                        <a:tabLst/>
+                        <a:defRPr/>
+                      </a:pPr>
+                      <a:r>
+                        <a:rPr lang="en-GB" sz="1400" dirty="0"/>
+                        <a:t>DAX</a:t>
+                      </a:r>
+                    </a:p>
+                  </a:txBody>
+                  <a:tcPr/>
+                </a:tc>
+                <a:extLst>
+                  <a:ext uri="{0D108BD9-81ED-4DB2-BD59-A6C34878D82A}">
+                    <a16:rowId xmlns:a16="http://schemas.microsoft.com/office/drawing/2014/main" val="535974440"/>
+                  </a:ext>
+                </a:extLst>
+              </a:tr>
+              <a:tr h="0">
+                <a:tc>
+                  <a:txBody>
+                    <a:bodyPr/>
+                    <a:lstStyle/>
+                    <a:p>
+                      <a:pPr marL="0" marR="0" lvl="0" indent="0" algn="l" defTabSz="914347" rtl="0" eaLnBrk="1" fontAlgn="auto" latinLnBrk="0" hangingPunct="1">
+                        <a:lnSpc>
+                          <a:spcPct val="100000"/>
+                        </a:lnSpc>
+                        <a:spcBef>
+                          <a:spcPts val="0"/>
+                        </a:spcBef>
+                        <a:spcAft>
+                          <a:spcPts val="0"/>
+                        </a:spcAft>
+                        <a:buClrTx/>
+                        <a:buSzTx/>
+                        <a:buFontTx/>
+                        <a:buNone/>
+                        <a:tabLst/>
+                        <a:defRPr/>
+                      </a:pPr>
+                      <a:r>
+                        <a:rPr lang="en-GB" sz="1400" dirty="0"/>
+                        <a:t>MSCI World</a:t>
+                      </a:r>
+                    </a:p>
+                  </a:txBody>
+                  <a:tcPr/>
+                </a:tc>
+                <a:extLst>
+                  <a:ext uri="{0D108BD9-81ED-4DB2-BD59-A6C34878D82A}">
+                    <a16:rowId xmlns:a16="http://schemas.microsoft.com/office/drawing/2014/main" val="4115820358"/>
+                  </a:ext>
+                </a:extLst>
+              </a:tr>
+            </a:tbl>
+          </a:graphicData>
+        </a:graphic>
+      </p:graphicFrame>
+    </p:spTree>
+    <p:extLst>
+      <p:ext uri="{BB962C8B-B14F-4D97-AF65-F5344CB8AC3E}">
+        <p14:creationId xmlns:p14="http://schemas.microsoft.com/office/powerpoint/2010/main" val="3151015656"/>
+      </p:ext>
+    </p:extLst>
+  </p:cSld>
+  <p:clrMapOvr>
+    <a:masterClrMapping/>
+  </p:clrMapOvr>
+</p:sld>
+</file>
+
+<file path=ppt/slides/slide11.xml><?xml version="1.0" encoding="utf-8"?>
 <p:sld xmlns:a="http://schemas.openxmlformats.org/drawingml/2006/main" xmlns:r="http://schemas.openxmlformats.org/officeDocument/2006/relationships" xmlns:p="http://schemas.openxmlformats.org/presentationml/2006/main">
   <p:cSld>
     <p:spTree>
@@ -9548,7 +11262,7 @@
           <a:p>
             <a:fld id="{162C1F81-0292-4658-B990-314031B5EEE0}" type="datetime4">
               <a:rPr lang="en-US" noProof="0" smtClean="0"/>
-              <a:t>November 26, 2024</a:t>
+              <a:t>December 3, 2024</a:t>
             </a:fld>
             <a:endParaRPr lang="en-US" noProof="0" dirty="0"/>
           </a:p>
@@ -9577,7 +11291,7 @@
           <a:p>
             <a:fld id="{61696EC4-B4CF-4701-AD06-A8439D6D8E12}" type="slidenum">
               <a:rPr lang="en-US" noProof="0" smtClean="0"/>
-              <a:t>10</a:t>
+              <a:t>11</a:t>
             </a:fld>
             <a:endParaRPr lang="en-US" noProof="0" dirty="0"/>
           </a:p>
@@ -10011,7 +11725,130 @@
 </p:sld>
 </file>
 
-<file path=ppt/slides/slide11.xml><?xml version="1.0" encoding="utf-8"?>
+<file path=ppt/slides/slide12.xml><?xml version="1.0" encoding="utf-8"?>
+<p:sld xmlns:a="http://schemas.openxmlformats.org/drawingml/2006/main" xmlns:r="http://schemas.openxmlformats.org/officeDocument/2006/relationships" xmlns:p="http://schemas.openxmlformats.org/presentationml/2006/main">
+  <p:cSld>
+    <p:spTree>
+      <p:nvGrpSpPr>
+        <p:cNvPr id="1" name=""/>
+        <p:cNvGrpSpPr/>
+        <p:nvPr/>
+      </p:nvGrpSpPr>
+      <p:grpSpPr>
+        <a:xfrm>
+          <a:off x="0" y="0"/>
+          <a:ext cx="0" cy="0"/>
+          <a:chOff x="0" y="0"/>
+          <a:chExt cx="0" cy="0"/>
+        </a:xfrm>
+      </p:grpSpPr>
+      <p:pic>
+        <p:nvPicPr>
+          <p:cNvPr id="7" name="Content Placeholder 6">
+            <a:extLst>
+              <a:ext uri="{FF2B5EF4-FFF2-40B4-BE49-F238E27FC236}">
+                <a16:creationId xmlns:a16="http://schemas.microsoft.com/office/drawing/2014/main" id="{F56D3655-265B-C6E6-0EA9-D8AE1810EC40}"/>
+              </a:ext>
+            </a:extLst>
+          </p:cNvPr>
+          <p:cNvPicPr>
+            <a:picLocks noGrp="1" noChangeAspect="1"/>
+          </p:cNvPicPr>
+          <p:nvPr>
+            <p:ph idx="1"/>
+          </p:nvPr>
+        </p:nvPicPr>
+        <p:blipFill>
+          <a:blip r:embed="rId2">
+            <a:extLst>
+              <a:ext uri="{28A0092B-C50C-407E-A947-70E740481C1C}">
+                <a14:useLocalDpi xmlns:a14="http://schemas.microsoft.com/office/drawing/2010/main" val="0"/>
+              </a:ext>
+            </a:extLst>
+          </a:blip>
+          <a:stretch>
+            <a:fillRect/>
+          </a:stretch>
+        </p:blipFill>
+        <p:spPr>
+          <a:xfrm>
+            <a:off x="723158" y="297653"/>
+            <a:ext cx="9353530" cy="5901373"/>
+          </a:xfrm>
+        </p:spPr>
+      </p:pic>
+      <p:sp>
+        <p:nvSpPr>
+          <p:cNvPr id="3" name="Date Placeholder 2">
+            <a:extLst>
+              <a:ext uri="{FF2B5EF4-FFF2-40B4-BE49-F238E27FC236}">
+                <a16:creationId xmlns:a16="http://schemas.microsoft.com/office/drawing/2014/main" id="{059CCC88-8AC7-8FDE-8FF4-B13E5083A5FC}"/>
+              </a:ext>
+            </a:extLst>
+          </p:cNvPr>
+          <p:cNvSpPr>
+            <a:spLocks noGrp="1"/>
+          </p:cNvSpPr>
+          <p:nvPr>
+            <p:ph type="dt" sz="half" idx="10"/>
+          </p:nvPr>
+        </p:nvSpPr>
+        <p:spPr/>
+        <p:txBody>
+          <a:bodyPr/>
+          <a:lstStyle/>
+          <a:p>
+            <a:fld id="{162C1F81-0292-4658-B990-314031B5EEE0}" type="datetime4">
+              <a:rPr lang="en-US" noProof="0" smtClean="0"/>
+              <a:t>December 4, 2024</a:t>
+            </a:fld>
+            <a:endParaRPr lang="en-US" noProof="0" dirty="0"/>
+          </a:p>
+        </p:txBody>
+      </p:sp>
+      <p:sp>
+        <p:nvSpPr>
+          <p:cNvPr id="4" name="Slide Number Placeholder 3">
+            <a:extLst>
+              <a:ext uri="{FF2B5EF4-FFF2-40B4-BE49-F238E27FC236}">
+                <a16:creationId xmlns:a16="http://schemas.microsoft.com/office/drawing/2014/main" id="{801B3D0B-ABE3-7964-8D62-16D476BE12BD}"/>
+              </a:ext>
+            </a:extLst>
+          </p:cNvPr>
+          <p:cNvSpPr>
+            <a:spLocks noGrp="1"/>
+          </p:cNvSpPr>
+          <p:nvPr>
+            <p:ph type="sldNum" sz="quarter" idx="12"/>
+          </p:nvPr>
+        </p:nvSpPr>
+        <p:spPr/>
+        <p:txBody>
+          <a:bodyPr/>
+          <a:lstStyle/>
+          <a:p>
+            <a:fld id="{61696EC4-B4CF-4701-AD06-A8439D6D8E12}" type="slidenum">
+              <a:rPr lang="en-US" noProof="0" smtClean="0"/>
+              <a:t>12</a:t>
+            </a:fld>
+            <a:endParaRPr lang="en-US" noProof="0" dirty="0"/>
+          </a:p>
+        </p:txBody>
+      </p:sp>
+    </p:spTree>
+    <p:extLst>
+      <p:ext uri="{BB962C8B-B14F-4D97-AF65-F5344CB8AC3E}">
+        <p14:creationId xmlns:p14="http://schemas.microsoft.com/office/powerpoint/2010/main" val="2533062140"/>
+      </p:ext>
+    </p:extLst>
+  </p:cSld>
+  <p:clrMapOvr>
+    <a:masterClrMapping/>
+  </p:clrMapOvr>
+</p:sld>
+</file>
+
+<file path=ppt/slides/slide13.xml><?xml version="1.0" encoding="utf-8"?>
 <p:sld xmlns:a="http://schemas.openxmlformats.org/drawingml/2006/main" xmlns:r="http://schemas.openxmlformats.org/officeDocument/2006/relationships" xmlns:p="http://schemas.openxmlformats.org/presentationml/2006/main">
   <p:cSld>
     <p:spTree>
@@ -10057,7 +11894,7 @@
           <a:p>
             <a:fld id="{162C1F81-0292-4658-B990-314031B5EEE0}" type="datetime4">
               <a:rPr lang="en-US" noProof="0" smtClean="0"/>
-              <a:t>November 26, 2024</a:t>
+              <a:t>December 3, 2024</a:t>
             </a:fld>
             <a:endParaRPr lang="en-US" noProof="0" dirty="0"/>
           </a:p>
@@ -10086,7 +11923,7 @@
           <a:p>
             <a:fld id="{61696EC4-B4CF-4701-AD06-A8439D6D8E12}" type="slidenum">
               <a:rPr lang="en-US" noProof="0" smtClean="0"/>
-              <a:t>11</a:t>
+              <a:t>13</a:t>
             </a:fld>
             <a:endParaRPr lang="en-US" noProof="0" dirty="0"/>
           </a:p>
@@ -10124,6 +11961,2029 @@
     <p:extLst>
       <p:ext uri="{BB962C8B-B14F-4D97-AF65-F5344CB8AC3E}">
         <p14:creationId xmlns:p14="http://schemas.microsoft.com/office/powerpoint/2010/main" val="2190308011"/>
+      </p:ext>
+    </p:extLst>
+  </p:cSld>
+  <p:clrMapOvr>
+    <a:masterClrMapping/>
+  </p:clrMapOvr>
+</p:sld>
+</file>
+
+<file path=ppt/slides/slide14.xml><?xml version="1.0" encoding="utf-8"?>
+<p:sld xmlns:a="http://schemas.openxmlformats.org/drawingml/2006/main" xmlns:r="http://schemas.openxmlformats.org/officeDocument/2006/relationships" xmlns:p="http://schemas.openxmlformats.org/presentationml/2006/main">
+  <p:cSld>
+    <p:spTree>
+      <p:nvGrpSpPr>
+        <p:cNvPr id="1" name=""/>
+        <p:cNvGrpSpPr/>
+        <p:nvPr/>
+      </p:nvGrpSpPr>
+      <p:grpSpPr>
+        <a:xfrm>
+          <a:off x="0" y="0"/>
+          <a:ext cx="0" cy="0"/>
+          <a:chOff x="0" y="0"/>
+          <a:chExt cx="0" cy="0"/>
+        </a:xfrm>
+      </p:grpSpPr>
+      <p:pic>
+        <p:nvPicPr>
+          <p:cNvPr id="8" name="Content Placeholder 7">
+            <a:extLst>
+              <a:ext uri="{FF2B5EF4-FFF2-40B4-BE49-F238E27FC236}">
+                <a16:creationId xmlns:a16="http://schemas.microsoft.com/office/drawing/2014/main" id="{32B36F57-5E4B-E8C7-92C9-BB9451387362}"/>
+              </a:ext>
+            </a:extLst>
+          </p:cNvPr>
+          <p:cNvPicPr>
+            <a:picLocks noGrp="1" noChangeAspect="1"/>
+          </p:cNvPicPr>
+          <p:nvPr>
+            <p:ph idx="1"/>
+          </p:nvPr>
+        </p:nvPicPr>
+        <p:blipFill>
+          <a:blip r:embed="rId2">
+            <a:extLst>
+              <a:ext uri="{28A0092B-C50C-407E-A947-70E740481C1C}">
+                <a14:useLocalDpi xmlns:a14="http://schemas.microsoft.com/office/drawing/2010/main" val="0"/>
+              </a:ext>
+            </a:extLst>
+          </a:blip>
+          <a:stretch>
+            <a:fillRect/>
+          </a:stretch>
+        </p:blipFill>
+        <p:spPr>
+          <a:xfrm>
+            <a:off x="266700" y="2227947"/>
+            <a:ext cx="11658600" cy="3283867"/>
+          </a:xfrm>
+        </p:spPr>
+      </p:pic>
+      <p:sp>
+        <p:nvSpPr>
+          <p:cNvPr id="2" name="Date Placeholder 1">
+            <a:extLst>
+              <a:ext uri="{FF2B5EF4-FFF2-40B4-BE49-F238E27FC236}">
+                <a16:creationId xmlns:a16="http://schemas.microsoft.com/office/drawing/2014/main" id="{A707BED4-BD94-AAEE-177C-1A79F75EC190}"/>
+              </a:ext>
+            </a:extLst>
+          </p:cNvPr>
+          <p:cNvSpPr>
+            <a:spLocks noGrp="1"/>
+          </p:cNvSpPr>
+          <p:nvPr>
+            <p:ph type="dt" sz="half" idx="10"/>
+          </p:nvPr>
+        </p:nvSpPr>
+        <p:spPr/>
+        <p:txBody>
+          <a:bodyPr/>
+          <a:lstStyle/>
+          <a:p>
+            <a:fld id="{0A5B49F6-B86F-4AD3-8EB4-0DC3B07A0E87}" type="datetime4">
+              <a:rPr lang="en-US" smtClean="0"/>
+              <a:t>December 3, 2024</a:t>
+            </a:fld>
+            <a:endParaRPr lang="de-DE"/>
+          </a:p>
+        </p:txBody>
+      </p:sp>
+      <p:sp>
+        <p:nvSpPr>
+          <p:cNvPr id="3" name="Slide Number Placeholder 2">
+            <a:extLst>
+              <a:ext uri="{FF2B5EF4-FFF2-40B4-BE49-F238E27FC236}">
+                <a16:creationId xmlns:a16="http://schemas.microsoft.com/office/drawing/2014/main" id="{64882F6E-E5BF-ED82-2065-B5F7637AC0C9}"/>
+              </a:ext>
+            </a:extLst>
+          </p:cNvPr>
+          <p:cNvSpPr>
+            <a:spLocks noGrp="1"/>
+          </p:cNvSpPr>
+          <p:nvPr>
+            <p:ph type="sldNum" sz="quarter" idx="12"/>
+          </p:nvPr>
+        </p:nvSpPr>
+        <p:spPr/>
+        <p:txBody>
+          <a:bodyPr/>
+          <a:lstStyle/>
+          <a:p>
+            <a:fld id="{61696EC4-B4CF-4701-AD06-A8439D6D8E12}" type="slidenum">
+              <a:rPr lang="de-DE" smtClean="0"/>
+              <a:t>14</a:t>
+            </a:fld>
+            <a:endParaRPr lang="de-DE"/>
+          </a:p>
+        </p:txBody>
+      </p:sp>
+      <p:sp>
+        <p:nvSpPr>
+          <p:cNvPr id="9" name="Title 8">
+            <a:extLst>
+              <a:ext uri="{FF2B5EF4-FFF2-40B4-BE49-F238E27FC236}">
+                <a16:creationId xmlns:a16="http://schemas.microsoft.com/office/drawing/2014/main" id="{26DB945F-6280-06F0-A59C-68EAA7BB57B1}"/>
+              </a:ext>
+            </a:extLst>
+          </p:cNvPr>
+          <p:cNvSpPr>
+            <a:spLocks noGrp="1"/>
+          </p:cNvSpPr>
+          <p:nvPr>
+            <p:ph type="title"/>
+          </p:nvPr>
+        </p:nvSpPr>
+        <p:spPr/>
+        <p:txBody>
+          <a:bodyPr/>
+          <a:lstStyle/>
+          <a:p>
+            <a:r>
+              <a:rPr lang="en-DE" dirty="0"/>
+              <a:t>SEM - Stuctural Equation Model</a:t>
+            </a:r>
+          </a:p>
+        </p:txBody>
+      </p:sp>
+    </p:spTree>
+    <p:extLst>
+      <p:ext uri="{BB962C8B-B14F-4D97-AF65-F5344CB8AC3E}">
+        <p14:creationId xmlns:p14="http://schemas.microsoft.com/office/powerpoint/2010/main" val="3747991236"/>
+      </p:ext>
+    </p:extLst>
+  </p:cSld>
+  <p:clrMapOvr>
+    <a:masterClrMapping/>
+  </p:clrMapOvr>
+</p:sld>
+</file>
+
+<file path=ppt/slides/slide15.xml><?xml version="1.0" encoding="utf-8"?>
+<p:sld xmlns:a="http://schemas.openxmlformats.org/drawingml/2006/main" xmlns:r="http://schemas.openxmlformats.org/officeDocument/2006/relationships" xmlns:p="http://schemas.openxmlformats.org/presentationml/2006/main">
+  <p:cSld>
+    <p:spTree>
+      <p:nvGrpSpPr>
+        <p:cNvPr id="1" name=""/>
+        <p:cNvGrpSpPr/>
+        <p:nvPr/>
+      </p:nvGrpSpPr>
+      <p:grpSpPr>
+        <a:xfrm>
+          <a:off x="0" y="0"/>
+          <a:ext cx="0" cy="0"/>
+          <a:chOff x="0" y="0"/>
+          <a:chExt cx="0" cy="0"/>
+        </a:xfrm>
+      </p:grpSpPr>
+      <p:graphicFrame>
+        <p:nvGraphicFramePr>
+          <p:cNvPr id="6" name="Content Placeholder 5">
+            <a:extLst>
+              <a:ext uri="{FF2B5EF4-FFF2-40B4-BE49-F238E27FC236}">
+                <a16:creationId xmlns:a16="http://schemas.microsoft.com/office/drawing/2014/main" id="{B529EA2C-3B0B-54CE-5C76-C819240A9B6D}"/>
+              </a:ext>
+            </a:extLst>
+          </p:cNvPr>
+          <p:cNvGraphicFramePr>
+            <a:graphicFrameLocks noGrp="1"/>
+          </p:cNvGraphicFramePr>
+          <p:nvPr>
+            <p:ph idx="1"/>
+            <p:extLst>
+              <p:ext uri="{D42A27DB-BD31-4B8C-83A1-F6EECF244321}">
+                <p14:modId xmlns:p14="http://schemas.microsoft.com/office/powerpoint/2010/main" val="21120911"/>
+              </p:ext>
+            </p:extLst>
+          </p:nvPr>
+        </p:nvGraphicFramePr>
+        <p:xfrm>
+          <a:off x="533400" y="1582738"/>
+          <a:ext cx="11112500" cy="1843786"/>
+        </p:xfrm>
+        <a:graphic>
+          <a:graphicData uri="http://schemas.openxmlformats.org/drawingml/2006/table">
+            <a:tbl>
+              <a:tblPr firstRow="1" bandRow="1">
+                <a:tableStyleId>{5C22544A-7EE6-4342-B048-85BDC9FD1C3A}</a:tableStyleId>
+              </a:tblPr>
+              <a:tblGrid>
+                <a:gridCol w="2778125">
+                  <a:extLst>
+                    <a:ext uri="{9D8B030D-6E8A-4147-A177-3AD203B41FA5}">
+                      <a16:colId xmlns:a16="http://schemas.microsoft.com/office/drawing/2014/main" val="2982083533"/>
+                    </a:ext>
+                  </a:extLst>
+                </a:gridCol>
+                <a:gridCol w="2778125">
+                  <a:extLst>
+                    <a:ext uri="{9D8B030D-6E8A-4147-A177-3AD203B41FA5}">
+                      <a16:colId xmlns:a16="http://schemas.microsoft.com/office/drawing/2014/main" val="2109906187"/>
+                    </a:ext>
+                  </a:extLst>
+                </a:gridCol>
+                <a:gridCol w="2778125">
+                  <a:extLst>
+                    <a:ext uri="{9D8B030D-6E8A-4147-A177-3AD203B41FA5}">
+                      <a16:colId xmlns:a16="http://schemas.microsoft.com/office/drawing/2014/main" val="3838802156"/>
+                    </a:ext>
+                  </a:extLst>
+                </a:gridCol>
+                <a:gridCol w="2778125">
+                  <a:extLst>
+                    <a:ext uri="{9D8B030D-6E8A-4147-A177-3AD203B41FA5}">
+                      <a16:colId xmlns:a16="http://schemas.microsoft.com/office/drawing/2014/main" val="186425616"/>
+                    </a:ext>
+                  </a:extLst>
+                </a:gridCol>
+              </a:tblGrid>
+              <a:tr h="370840">
+                <a:tc>
+                  <a:txBody>
+                    <a:bodyPr/>
+                    <a:lstStyle/>
+                    <a:p>
+                      <a:pPr marL="0" marR="0" lvl="0" indent="0" algn="l" defTabSz="914347" rtl="0" eaLnBrk="1" fontAlgn="auto" latinLnBrk="0" hangingPunct="1">
+                        <a:lnSpc>
+                          <a:spcPct val="100000"/>
+                        </a:lnSpc>
+                        <a:spcBef>
+                          <a:spcPts val="0"/>
+                        </a:spcBef>
+                        <a:spcAft>
+                          <a:spcPts val="0"/>
+                        </a:spcAft>
+                        <a:buClrTx/>
+                        <a:buSzTx/>
+                        <a:buFontTx/>
+                        <a:buNone/>
+                        <a:tabLst/>
+                        <a:defRPr/>
+                      </a:pPr>
+                      <a:r>
+                        <a:rPr lang="en-GB" sz="1799" b="1" i="0" u="none" strike="noStrike" kern="1200" dirty="0">
+                          <a:solidFill>
+                            <a:schemeClr val="bg1"/>
+                          </a:solidFill>
+                          <a:effectLst/>
+                          <a:latin typeface="+mn-lt"/>
+                          <a:ea typeface="+mn-ea"/>
+                          <a:cs typeface="+mn-cs"/>
+                        </a:rPr>
+                        <a:t>Investment Behaviour</a:t>
+                      </a:r>
+                    </a:p>
+                  </a:txBody>
+                  <a:tcPr>
+                    <a:solidFill>
+                      <a:schemeClr val="tx2"/>
+                    </a:solidFill>
+                  </a:tcPr>
+                </a:tc>
+                <a:tc>
+                  <a:txBody>
+                    <a:bodyPr/>
+                    <a:lstStyle/>
+                    <a:p>
+                      <a:endParaRPr lang="en-DE" dirty="0"/>
+                    </a:p>
+                  </a:txBody>
+                  <a:tcPr>
+                    <a:solidFill>
+                      <a:schemeClr val="tx2"/>
+                    </a:solidFill>
+                  </a:tcPr>
+                </a:tc>
+                <a:tc>
+                  <a:txBody>
+                    <a:bodyPr/>
+                    <a:lstStyle/>
+                    <a:p>
+                      <a:r>
+                        <a:rPr lang="en-DE" dirty="0"/>
+                        <a:t>Estimator</a:t>
+                      </a:r>
+                    </a:p>
+                  </a:txBody>
+                  <a:tcPr>
+                    <a:solidFill>
+                      <a:schemeClr val="tx2"/>
+                    </a:solidFill>
+                  </a:tcPr>
+                </a:tc>
+                <a:tc>
+                  <a:txBody>
+                    <a:bodyPr/>
+                    <a:lstStyle/>
+                    <a:p>
+                      <a:r>
+                        <a:rPr lang="en-DE" dirty="0"/>
+                        <a:t>P-Value</a:t>
+                      </a:r>
+                    </a:p>
+                  </a:txBody>
+                  <a:tcPr>
+                    <a:solidFill>
+                      <a:schemeClr val="tx2"/>
+                    </a:solidFill>
+                  </a:tcPr>
+                </a:tc>
+                <a:extLst>
+                  <a:ext uri="{0D108BD9-81ED-4DB2-BD59-A6C34878D82A}">
+                    <a16:rowId xmlns:a16="http://schemas.microsoft.com/office/drawing/2014/main" val="1423998220"/>
+                  </a:ext>
+                </a:extLst>
+              </a:tr>
+              <a:tr h="281622">
+                <a:tc>
+                  <a:txBody>
+                    <a:bodyPr/>
+                    <a:lstStyle/>
+                    <a:p>
+                      <a:r>
+                        <a:rPr lang="en-GB" dirty="0"/>
+                        <a:t>~</a:t>
+                      </a:r>
+                      <a:endParaRPr lang="en-DE" dirty="0"/>
+                    </a:p>
+                  </a:txBody>
+                  <a:tcPr>
+                    <a:solidFill>
+                      <a:srgbClr val="009682">
+                        <a:alpha val="25098"/>
+                      </a:srgbClr>
+                    </a:solidFill>
+                  </a:tcPr>
+                </a:tc>
+                <a:tc>
+                  <a:txBody>
+                    <a:bodyPr/>
+                    <a:lstStyle/>
+                    <a:p>
+                      <a:r>
+                        <a:rPr lang="en-GB" sz="1799" b="0" i="0" u="none" strike="noStrike" kern="1200" dirty="0">
+                          <a:solidFill>
+                            <a:schemeClr val="dk1"/>
+                          </a:solidFill>
+                          <a:effectLst/>
+                          <a:latin typeface="+mn-lt"/>
+                          <a:ea typeface="+mn-ea"/>
+                          <a:cs typeface="+mn-cs"/>
+                        </a:rPr>
+                        <a:t>Information Awareness</a:t>
+                      </a:r>
+                    </a:p>
+                  </a:txBody>
+                  <a:tcPr>
+                    <a:solidFill>
+                      <a:srgbClr val="009682">
+                        <a:alpha val="25098"/>
+                      </a:srgbClr>
+                    </a:solidFill>
+                  </a:tcPr>
+                </a:tc>
+                <a:tc>
+                  <a:txBody>
+                    <a:bodyPr/>
+                    <a:lstStyle/>
+                    <a:p>
+                      <a:pPr marL="0" marR="0" lvl="0" indent="0" algn="l" defTabSz="914347" rtl="0" eaLnBrk="1" fontAlgn="auto" latinLnBrk="0" hangingPunct="1">
+                        <a:lnSpc>
+                          <a:spcPct val="100000"/>
+                        </a:lnSpc>
+                        <a:spcBef>
+                          <a:spcPts val="0"/>
+                        </a:spcBef>
+                        <a:spcAft>
+                          <a:spcPts val="0"/>
+                        </a:spcAft>
+                        <a:buClrTx/>
+                        <a:buSzTx/>
+                        <a:buFontTx/>
+                        <a:buNone/>
+                        <a:tabLst/>
+                        <a:defRPr/>
+                      </a:pPr>
+                      <a:r>
+                        <a:rPr lang="en-GB" sz="1799" b="0" i="0" u="none" strike="noStrike" kern="1200" dirty="0">
+                          <a:solidFill>
+                            <a:schemeClr val="dk1"/>
+                          </a:solidFill>
+                          <a:effectLst/>
+                          <a:latin typeface="+mn-lt"/>
+                          <a:ea typeface="+mn-ea"/>
+                          <a:cs typeface="+mn-cs"/>
+                        </a:rPr>
+                        <a:t>0.514</a:t>
+                      </a:r>
+                    </a:p>
+                  </a:txBody>
+                  <a:tcPr>
+                    <a:solidFill>
+                      <a:srgbClr val="009682">
+                        <a:alpha val="25098"/>
+                      </a:srgbClr>
+                    </a:solidFill>
+                  </a:tcPr>
+                </a:tc>
+                <a:tc>
+                  <a:txBody>
+                    <a:bodyPr/>
+                    <a:lstStyle/>
+                    <a:p>
+                      <a:r>
+                        <a:rPr lang="en-GB" sz="1799" b="0" i="0" u="none" strike="noStrike" kern="1200" dirty="0">
+                          <a:solidFill>
+                            <a:schemeClr val="dk1"/>
+                          </a:solidFill>
+                          <a:effectLst/>
+                          <a:latin typeface="+mn-lt"/>
+                          <a:ea typeface="+mn-ea"/>
+                          <a:cs typeface="+mn-cs"/>
+                        </a:rPr>
+                        <a:t>0.002</a:t>
+                      </a:r>
+                      <a:endParaRPr lang="en-DE" dirty="0"/>
+                    </a:p>
+                  </a:txBody>
+                  <a:tcPr>
+                    <a:solidFill>
+                      <a:srgbClr val="009682">
+                        <a:alpha val="25098"/>
+                      </a:srgbClr>
+                    </a:solidFill>
+                  </a:tcPr>
+                </a:tc>
+                <a:extLst>
+                  <a:ext uri="{0D108BD9-81ED-4DB2-BD59-A6C34878D82A}">
+                    <a16:rowId xmlns:a16="http://schemas.microsoft.com/office/drawing/2014/main" val="384828299"/>
+                  </a:ext>
+                </a:extLst>
+              </a:tr>
+              <a:tr h="370840">
+                <a:tc>
+                  <a:txBody>
+                    <a:bodyPr/>
+                    <a:lstStyle/>
+                    <a:p>
+                      <a:r>
+                        <a:rPr lang="en-DE" dirty="0"/>
+                        <a:t>~</a:t>
+                      </a:r>
+                    </a:p>
+                  </a:txBody>
+                  <a:tcPr>
+                    <a:solidFill>
+                      <a:srgbClr val="009682">
+                        <a:alpha val="5098"/>
+                      </a:srgbClr>
+                    </a:solidFill>
+                  </a:tcPr>
+                </a:tc>
+                <a:tc>
+                  <a:txBody>
+                    <a:bodyPr/>
+                    <a:lstStyle/>
+                    <a:p>
+                      <a:r>
+                        <a:rPr lang="en-GB" sz="1799" b="0" i="0" u="none" strike="noStrike" kern="1200" dirty="0">
+                          <a:solidFill>
+                            <a:schemeClr val="dk1"/>
+                          </a:solidFill>
+                          <a:effectLst/>
+                          <a:latin typeface="+mn-lt"/>
+                          <a:ea typeface="+mn-ea"/>
+                          <a:cs typeface="+mn-cs"/>
+                        </a:rPr>
+                        <a:t>Energy Crisis Sentiment</a:t>
+                      </a:r>
+                      <a:endParaRPr lang="en-DE" dirty="0"/>
+                    </a:p>
+                  </a:txBody>
+                  <a:tcPr>
+                    <a:solidFill>
+                      <a:srgbClr val="009682">
+                        <a:alpha val="5098"/>
+                      </a:srgbClr>
+                    </a:solidFill>
+                  </a:tcPr>
+                </a:tc>
+                <a:tc>
+                  <a:txBody>
+                    <a:bodyPr/>
+                    <a:lstStyle/>
+                    <a:p>
+                      <a:r>
+                        <a:rPr lang="en-DE" dirty="0"/>
+                        <a:t>-</a:t>
+                      </a:r>
+                      <a:r>
+                        <a:rPr lang="en-GB" sz="1799" b="0" i="0" u="none" strike="noStrike" kern="1200" dirty="0">
+                          <a:solidFill>
+                            <a:schemeClr val="dk1"/>
+                          </a:solidFill>
+                          <a:effectLst/>
+                          <a:latin typeface="+mn-lt"/>
+                          <a:ea typeface="+mn-ea"/>
+                          <a:cs typeface="+mn-cs"/>
+                        </a:rPr>
+                        <a:t>1.111</a:t>
+                      </a:r>
+                      <a:endParaRPr lang="en-DE" dirty="0"/>
+                    </a:p>
+                  </a:txBody>
+                  <a:tcPr>
+                    <a:solidFill>
+                      <a:srgbClr val="009682">
+                        <a:alpha val="5098"/>
+                      </a:srgbClr>
+                    </a:solidFill>
+                  </a:tcPr>
+                </a:tc>
+                <a:tc>
+                  <a:txBody>
+                    <a:bodyPr/>
+                    <a:lstStyle/>
+                    <a:p>
+                      <a:r>
+                        <a:rPr lang="en-GB" sz="1799" b="0" i="0" u="none" strike="noStrike" kern="1200" dirty="0">
+                          <a:solidFill>
+                            <a:schemeClr val="dk1"/>
+                          </a:solidFill>
+                          <a:effectLst/>
+                          <a:latin typeface="+mn-lt"/>
+                          <a:ea typeface="+mn-ea"/>
+                          <a:cs typeface="+mn-cs"/>
+                        </a:rPr>
+                        <a:t>0.001</a:t>
+                      </a:r>
+                      <a:endParaRPr lang="en-DE" dirty="0"/>
+                    </a:p>
+                  </a:txBody>
+                  <a:tcPr>
+                    <a:solidFill>
+                      <a:srgbClr val="009682">
+                        <a:alpha val="5098"/>
+                      </a:srgbClr>
+                    </a:solidFill>
+                  </a:tcPr>
+                </a:tc>
+                <a:extLst>
+                  <a:ext uri="{0D108BD9-81ED-4DB2-BD59-A6C34878D82A}">
+                    <a16:rowId xmlns:a16="http://schemas.microsoft.com/office/drawing/2014/main" val="3484303647"/>
+                  </a:ext>
+                </a:extLst>
+              </a:tr>
+              <a:tr h="370840">
+                <a:tc>
+                  <a:txBody>
+                    <a:bodyPr/>
+                    <a:lstStyle/>
+                    <a:p>
+                      <a:r>
+                        <a:rPr lang="en-DE" dirty="0"/>
+                        <a:t>~</a:t>
+                      </a:r>
+                    </a:p>
+                  </a:txBody>
+                  <a:tcPr>
+                    <a:solidFill>
+                      <a:srgbClr val="009682">
+                        <a:alpha val="25098"/>
+                      </a:srgbClr>
+                    </a:solidFill>
+                  </a:tcPr>
+                </a:tc>
+                <a:tc>
+                  <a:txBody>
+                    <a:bodyPr/>
+                    <a:lstStyle/>
+                    <a:p>
+                      <a:r>
+                        <a:rPr lang="en-GB" sz="1799" b="0" i="0" u="none" strike="noStrike" kern="1200" dirty="0">
+                          <a:solidFill>
+                            <a:schemeClr val="dk1"/>
+                          </a:solidFill>
+                          <a:effectLst/>
+                          <a:latin typeface="+mn-lt"/>
+                          <a:ea typeface="+mn-ea"/>
+                          <a:cs typeface="+mn-cs"/>
+                        </a:rPr>
+                        <a:t>Ukraine Sentiment</a:t>
+                      </a:r>
+                      <a:endParaRPr lang="en-DE" dirty="0"/>
+                    </a:p>
+                  </a:txBody>
+                  <a:tcPr>
+                    <a:solidFill>
+                      <a:srgbClr val="009682">
+                        <a:alpha val="25098"/>
+                      </a:srgbClr>
+                    </a:solidFill>
+                  </a:tcPr>
+                </a:tc>
+                <a:tc>
+                  <a:txBody>
+                    <a:bodyPr/>
+                    <a:lstStyle/>
+                    <a:p>
+                      <a:r>
+                        <a:rPr lang="en-GB" sz="1799" b="0" i="0" u="none" strike="noStrike" kern="1200" dirty="0">
+                          <a:solidFill>
+                            <a:schemeClr val="dk1"/>
+                          </a:solidFill>
+                          <a:effectLst/>
+                          <a:latin typeface="+mn-lt"/>
+                          <a:ea typeface="+mn-ea"/>
+                          <a:cs typeface="+mn-cs"/>
+                        </a:rPr>
+                        <a:t>-0.496</a:t>
+                      </a:r>
+                      <a:endParaRPr lang="en-DE" dirty="0"/>
+                    </a:p>
+                  </a:txBody>
+                  <a:tcPr>
+                    <a:solidFill>
+                      <a:srgbClr val="009682">
+                        <a:alpha val="25098"/>
+                      </a:srgbClr>
+                    </a:solidFill>
+                  </a:tcPr>
+                </a:tc>
+                <a:tc>
+                  <a:txBody>
+                    <a:bodyPr/>
+                    <a:lstStyle/>
+                    <a:p>
+                      <a:r>
+                        <a:rPr lang="en-GB" sz="1799" b="0" i="0" u="none" strike="noStrike" kern="1200" dirty="0">
+                          <a:solidFill>
+                            <a:schemeClr val="dk1"/>
+                          </a:solidFill>
+                          <a:effectLst/>
+                          <a:latin typeface="+mn-lt"/>
+                          <a:ea typeface="+mn-ea"/>
+                          <a:cs typeface="+mn-cs"/>
+                        </a:rPr>
+                        <a:t>0.000</a:t>
+                      </a:r>
+                      <a:endParaRPr lang="en-DE" dirty="0"/>
+                    </a:p>
+                  </a:txBody>
+                  <a:tcPr>
+                    <a:solidFill>
+                      <a:srgbClr val="009682">
+                        <a:alpha val="25098"/>
+                      </a:srgbClr>
+                    </a:solidFill>
+                  </a:tcPr>
+                </a:tc>
+                <a:extLst>
+                  <a:ext uri="{0D108BD9-81ED-4DB2-BD59-A6C34878D82A}">
+                    <a16:rowId xmlns:a16="http://schemas.microsoft.com/office/drawing/2014/main" val="4116731588"/>
+                  </a:ext>
+                </a:extLst>
+              </a:tr>
+              <a:tr h="229128">
+                <a:tc>
+                  <a:txBody>
+                    <a:bodyPr/>
+                    <a:lstStyle/>
+                    <a:p>
+                      <a:r>
+                        <a:rPr lang="en-DE" dirty="0"/>
+                        <a:t>~</a:t>
+                      </a:r>
+                    </a:p>
+                  </a:txBody>
+                  <a:tcPr>
+                    <a:solidFill>
+                      <a:srgbClr val="009682">
+                        <a:alpha val="5098"/>
+                      </a:srgbClr>
+                    </a:solidFill>
+                  </a:tcPr>
+                </a:tc>
+                <a:tc>
+                  <a:txBody>
+                    <a:bodyPr/>
+                    <a:lstStyle/>
+                    <a:p>
+                      <a:r>
+                        <a:rPr lang="en-GB" sz="1799" b="0" i="0" u="none" strike="noStrike" kern="1200" dirty="0">
+                          <a:solidFill>
+                            <a:schemeClr val="dk1"/>
+                          </a:solidFill>
+                          <a:effectLst/>
+                          <a:latin typeface="+mn-lt"/>
+                          <a:ea typeface="+mn-ea"/>
+                          <a:cs typeface="+mn-cs"/>
+                        </a:rPr>
+                        <a:t>Corona Sentiment</a:t>
+                      </a:r>
+                      <a:endParaRPr lang="en-DE" dirty="0"/>
+                    </a:p>
+                  </a:txBody>
+                  <a:tcPr>
+                    <a:solidFill>
+                      <a:srgbClr val="009682">
+                        <a:alpha val="5098"/>
+                      </a:srgbClr>
+                    </a:solidFill>
+                  </a:tcPr>
+                </a:tc>
+                <a:tc>
+                  <a:txBody>
+                    <a:bodyPr/>
+                    <a:lstStyle/>
+                    <a:p>
+                      <a:r>
+                        <a:rPr lang="en-DE" dirty="0"/>
+                        <a:t>-</a:t>
+                      </a:r>
+                      <a:r>
+                        <a:rPr lang="en-GB" sz="1799" b="0" i="0" u="none" strike="noStrike" kern="1200" dirty="0">
+                          <a:solidFill>
+                            <a:schemeClr val="dk1"/>
+                          </a:solidFill>
+                          <a:effectLst/>
+                          <a:latin typeface="+mn-lt"/>
+                          <a:ea typeface="+mn-ea"/>
+                          <a:cs typeface="+mn-cs"/>
+                        </a:rPr>
+                        <a:t>1.500</a:t>
+                      </a:r>
+                      <a:endParaRPr lang="en-DE" dirty="0"/>
+                    </a:p>
+                  </a:txBody>
+                  <a:tcPr>
+                    <a:solidFill>
+                      <a:srgbClr val="009682">
+                        <a:alpha val="5098"/>
+                      </a:srgbClr>
+                    </a:solidFill>
+                  </a:tcPr>
+                </a:tc>
+                <a:tc>
+                  <a:txBody>
+                    <a:bodyPr/>
+                    <a:lstStyle/>
+                    <a:p>
+                      <a:r>
+                        <a:rPr lang="en-GB" sz="1799" b="0" i="0" u="none" strike="noStrike" kern="1200" dirty="0">
+                          <a:solidFill>
+                            <a:schemeClr val="dk1"/>
+                          </a:solidFill>
+                          <a:effectLst/>
+                          <a:latin typeface="+mn-lt"/>
+                          <a:ea typeface="+mn-ea"/>
+                          <a:cs typeface="+mn-cs"/>
+                        </a:rPr>
+                        <a:t>0.001</a:t>
+                      </a:r>
+                      <a:endParaRPr lang="en-DE" dirty="0"/>
+                    </a:p>
+                  </a:txBody>
+                  <a:tcPr>
+                    <a:solidFill>
+                      <a:srgbClr val="009682">
+                        <a:alpha val="5098"/>
+                      </a:srgbClr>
+                    </a:solidFill>
+                  </a:tcPr>
+                </a:tc>
+                <a:extLst>
+                  <a:ext uri="{0D108BD9-81ED-4DB2-BD59-A6C34878D82A}">
+                    <a16:rowId xmlns:a16="http://schemas.microsoft.com/office/drawing/2014/main" val="1710930106"/>
+                  </a:ext>
+                </a:extLst>
+              </a:tr>
+            </a:tbl>
+          </a:graphicData>
+        </a:graphic>
+      </p:graphicFrame>
+      <p:sp>
+        <p:nvSpPr>
+          <p:cNvPr id="3" name="Date Placeholder 2">
+            <a:extLst>
+              <a:ext uri="{FF2B5EF4-FFF2-40B4-BE49-F238E27FC236}">
+                <a16:creationId xmlns:a16="http://schemas.microsoft.com/office/drawing/2014/main" id="{E98243A1-2BB7-103A-88DE-7FD775946196}"/>
+              </a:ext>
+            </a:extLst>
+          </p:cNvPr>
+          <p:cNvSpPr>
+            <a:spLocks noGrp="1"/>
+          </p:cNvSpPr>
+          <p:nvPr>
+            <p:ph type="dt" sz="half" idx="10"/>
+          </p:nvPr>
+        </p:nvSpPr>
+        <p:spPr/>
+        <p:txBody>
+          <a:bodyPr/>
+          <a:lstStyle/>
+          <a:p>
+            <a:fld id="{162C1F81-0292-4658-B990-314031B5EEE0}" type="datetime4">
+              <a:rPr lang="en-US" noProof="0" smtClean="0"/>
+              <a:t>December 4, 2024</a:t>
+            </a:fld>
+            <a:endParaRPr lang="en-US" noProof="0" dirty="0"/>
+          </a:p>
+        </p:txBody>
+      </p:sp>
+      <p:sp>
+        <p:nvSpPr>
+          <p:cNvPr id="4" name="Slide Number Placeholder 3">
+            <a:extLst>
+              <a:ext uri="{FF2B5EF4-FFF2-40B4-BE49-F238E27FC236}">
+                <a16:creationId xmlns:a16="http://schemas.microsoft.com/office/drawing/2014/main" id="{78943EA8-F40F-FB0E-9983-A4F8B4F0D401}"/>
+              </a:ext>
+            </a:extLst>
+          </p:cNvPr>
+          <p:cNvSpPr>
+            <a:spLocks noGrp="1"/>
+          </p:cNvSpPr>
+          <p:nvPr>
+            <p:ph type="sldNum" sz="quarter" idx="12"/>
+          </p:nvPr>
+        </p:nvSpPr>
+        <p:spPr/>
+        <p:txBody>
+          <a:bodyPr/>
+          <a:lstStyle/>
+          <a:p>
+            <a:fld id="{61696EC4-B4CF-4701-AD06-A8439D6D8E12}" type="slidenum">
+              <a:rPr lang="en-US" noProof="0" smtClean="0"/>
+              <a:t>15</a:t>
+            </a:fld>
+            <a:endParaRPr lang="en-US" noProof="0" dirty="0"/>
+          </a:p>
+        </p:txBody>
+      </p:sp>
+      <p:sp>
+        <p:nvSpPr>
+          <p:cNvPr id="5" name="Title 4">
+            <a:extLst>
+              <a:ext uri="{FF2B5EF4-FFF2-40B4-BE49-F238E27FC236}">
+                <a16:creationId xmlns:a16="http://schemas.microsoft.com/office/drawing/2014/main" id="{25C3625E-C2D4-D2CB-1EB2-72E3C2D2BEE1}"/>
+              </a:ext>
+            </a:extLst>
+          </p:cNvPr>
+          <p:cNvSpPr>
+            <a:spLocks noGrp="1"/>
+          </p:cNvSpPr>
+          <p:nvPr>
+            <p:ph type="title"/>
+          </p:nvPr>
+        </p:nvSpPr>
+        <p:spPr>
+          <a:xfrm>
+            <a:off x="533400" y="564204"/>
+            <a:ext cx="9158904" cy="767748"/>
+          </a:xfrm>
+        </p:spPr>
+        <p:txBody>
+          <a:bodyPr/>
+          <a:lstStyle/>
+          <a:p>
+            <a:r>
+              <a:rPr lang="en-DE" dirty="0"/>
+              <a:t>                                            </a:t>
+            </a:r>
+          </a:p>
+        </p:txBody>
+      </p:sp>
+      <p:graphicFrame>
+        <p:nvGraphicFramePr>
+          <p:cNvPr id="7" name="Content Placeholder 5">
+            <a:extLst>
+              <a:ext uri="{FF2B5EF4-FFF2-40B4-BE49-F238E27FC236}">
+                <a16:creationId xmlns:a16="http://schemas.microsoft.com/office/drawing/2014/main" id="{6F8FDF92-0001-7F3B-5C4A-9A1AC8FC5704}"/>
+              </a:ext>
+            </a:extLst>
+          </p:cNvPr>
+          <p:cNvGraphicFramePr>
+            <a:graphicFrameLocks/>
+          </p:cNvGraphicFramePr>
+          <p:nvPr>
+            <p:extLst>
+              <p:ext uri="{D42A27DB-BD31-4B8C-83A1-F6EECF244321}">
+                <p14:modId xmlns:p14="http://schemas.microsoft.com/office/powerpoint/2010/main" val="3734966069"/>
+              </p:ext>
+            </p:extLst>
+          </p:nvPr>
+        </p:nvGraphicFramePr>
+        <p:xfrm>
+          <a:off x="533400" y="3851850"/>
+          <a:ext cx="11112500" cy="1478153"/>
+        </p:xfrm>
+        <a:graphic>
+          <a:graphicData uri="http://schemas.openxmlformats.org/drawingml/2006/table">
+            <a:tbl>
+              <a:tblPr firstRow="1" bandRow="1">
+                <a:tableStyleId>{5C22544A-7EE6-4342-B048-85BDC9FD1C3A}</a:tableStyleId>
+              </a:tblPr>
+              <a:tblGrid>
+                <a:gridCol w="2778125">
+                  <a:extLst>
+                    <a:ext uri="{9D8B030D-6E8A-4147-A177-3AD203B41FA5}">
+                      <a16:colId xmlns:a16="http://schemas.microsoft.com/office/drawing/2014/main" val="2982083533"/>
+                    </a:ext>
+                  </a:extLst>
+                </a:gridCol>
+                <a:gridCol w="2778125">
+                  <a:extLst>
+                    <a:ext uri="{9D8B030D-6E8A-4147-A177-3AD203B41FA5}">
+                      <a16:colId xmlns:a16="http://schemas.microsoft.com/office/drawing/2014/main" val="2109906187"/>
+                    </a:ext>
+                  </a:extLst>
+                </a:gridCol>
+                <a:gridCol w="2778125">
+                  <a:extLst>
+                    <a:ext uri="{9D8B030D-6E8A-4147-A177-3AD203B41FA5}">
+                      <a16:colId xmlns:a16="http://schemas.microsoft.com/office/drawing/2014/main" val="3838802156"/>
+                    </a:ext>
+                  </a:extLst>
+                </a:gridCol>
+                <a:gridCol w="2778125">
+                  <a:extLst>
+                    <a:ext uri="{9D8B030D-6E8A-4147-A177-3AD203B41FA5}">
+                      <a16:colId xmlns:a16="http://schemas.microsoft.com/office/drawing/2014/main" val="186425616"/>
+                    </a:ext>
+                  </a:extLst>
+                </a:gridCol>
+              </a:tblGrid>
+              <a:tr h="370840">
+                <a:tc>
+                  <a:txBody>
+                    <a:bodyPr/>
+                    <a:lstStyle/>
+                    <a:p>
+                      <a:pPr marL="0" marR="0" lvl="0" indent="0" algn="l" defTabSz="914347" rtl="0" eaLnBrk="1" fontAlgn="auto" latinLnBrk="0" hangingPunct="1">
+                        <a:lnSpc>
+                          <a:spcPct val="100000"/>
+                        </a:lnSpc>
+                        <a:spcBef>
+                          <a:spcPts val="0"/>
+                        </a:spcBef>
+                        <a:spcAft>
+                          <a:spcPts val="0"/>
+                        </a:spcAft>
+                        <a:buClrTx/>
+                        <a:buSzTx/>
+                        <a:buFontTx/>
+                        <a:buNone/>
+                        <a:tabLst/>
+                        <a:defRPr/>
+                      </a:pPr>
+                      <a:r>
+                        <a:rPr lang="en-GB" sz="1799" b="1" i="0" u="none" strike="noStrike" kern="1200" dirty="0">
+                          <a:solidFill>
+                            <a:schemeClr val="bg1"/>
+                          </a:solidFill>
+                          <a:effectLst/>
+                          <a:latin typeface="+mn-lt"/>
+                          <a:ea typeface="+mn-ea"/>
+                          <a:cs typeface="+mn-cs"/>
+                        </a:rPr>
+                        <a:t>Economical Indices</a:t>
+                      </a:r>
+                    </a:p>
+                  </a:txBody>
+                  <a:tcPr>
+                    <a:solidFill>
+                      <a:schemeClr val="tx2"/>
+                    </a:solidFill>
+                  </a:tcPr>
+                </a:tc>
+                <a:tc>
+                  <a:txBody>
+                    <a:bodyPr/>
+                    <a:lstStyle/>
+                    <a:p>
+                      <a:endParaRPr lang="en-DE" dirty="0"/>
+                    </a:p>
+                  </a:txBody>
+                  <a:tcPr>
+                    <a:solidFill>
+                      <a:schemeClr val="tx2"/>
+                    </a:solidFill>
+                  </a:tcPr>
+                </a:tc>
+                <a:tc>
+                  <a:txBody>
+                    <a:bodyPr/>
+                    <a:lstStyle/>
+                    <a:p>
+                      <a:r>
+                        <a:rPr lang="en-DE" dirty="0"/>
+                        <a:t>Estimator</a:t>
+                      </a:r>
+                    </a:p>
+                  </a:txBody>
+                  <a:tcPr>
+                    <a:solidFill>
+                      <a:schemeClr val="tx2"/>
+                    </a:solidFill>
+                  </a:tcPr>
+                </a:tc>
+                <a:tc>
+                  <a:txBody>
+                    <a:bodyPr/>
+                    <a:lstStyle/>
+                    <a:p>
+                      <a:r>
+                        <a:rPr lang="en-DE" dirty="0"/>
+                        <a:t>P-Value</a:t>
+                      </a:r>
+                    </a:p>
+                  </a:txBody>
+                  <a:tcPr>
+                    <a:solidFill>
+                      <a:schemeClr val="tx2"/>
+                    </a:solidFill>
+                  </a:tcPr>
+                </a:tc>
+                <a:extLst>
+                  <a:ext uri="{0D108BD9-81ED-4DB2-BD59-A6C34878D82A}">
+                    <a16:rowId xmlns:a16="http://schemas.microsoft.com/office/drawing/2014/main" val="1423998220"/>
+                  </a:ext>
+                </a:extLst>
+              </a:tr>
+              <a:tr h="370840">
+                <a:tc>
+                  <a:txBody>
+                    <a:bodyPr/>
+                    <a:lstStyle/>
+                    <a:p>
+                      <a:r>
+                        <a:rPr lang="en-DE" dirty="0"/>
+                        <a:t>~</a:t>
+                      </a:r>
+                    </a:p>
+                  </a:txBody>
+                  <a:tcPr>
+                    <a:solidFill>
+                      <a:srgbClr val="009682">
+                        <a:alpha val="25098"/>
+                      </a:srgbClr>
+                    </a:solidFill>
+                  </a:tcPr>
+                </a:tc>
+                <a:tc>
+                  <a:txBody>
+                    <a:bodyPr/>
+                    <a:lstStyle/>
+                    <a:p>
+                      <a:r>
+                        <a:rPr lang="en-GB" sz="1799" b="0" i="0" u="none" strike="noStrike" kern="1200" dirty="0">
+                          <a:solidFill>
+                            <a:schemeClr val="dk1"/>
+                          </a:solidFill>
+                          <a:effectLst/>
+                          <a:latin typeface="+mn-lt"/>
+                          <a:ea typeface="+mn-ea"/>
+                          <a:cs typeface="+mn-cs"/>
+                        </a:rPr>
+                        <a:t>Energy Crisis Sentiment</a:t>
+                      </a:r>
+                      <a:endParaRPr lang="en-DE" dirty="0"/>
+                    </a:p>
+                  </a:txBody>
+                  <a:tcPr>
+                    <a:solidFill>
+                      <a:srgbClr val="009682">
+                        <a:alpha val="25098"/>
+                      </a:srgbClr>
+                    </a:solidFill>
+                  </a:tcPr>
+                </a:tc>
+                <a:tc>
+                  <a:txBody>
+                    <a:bodyPr/>
+                    <a:lstStyle/>
+                    <a:p>
+                      <a:r>
+                        <a:rPr lang="en-DE" sz="1799" b="0" i="0" u="none" strike="noStrike" kern="1200" dirty="0">
+                          <a:solidFill>
+                            <a:schemeClr val="dk1"/>
+                          </a:solidFill>
+                          <a:effectLst/>
+                          <a:latin typeface="+mn-lt"/>
+                          <a:ea typeface="+mn-ea"/>
+                          <a:cs typeface="+mn-cs"/>
+                        </a:rPr>
+                        <a:t>0.596</a:t>
+                      </a:r>
+                    </a:p>
+                  </a:txBody>
+                  <a:tcPr>
+                    <a:solidFill>
+                      <a:srgbClr val="009682">
+                        <a:alpha val="25098"/>
+                      </a:srgbClr>
+                    </a:solidFill>
+                  </a:tcPr>
+                </a:tc>
+                <a:tc>
+                  <a:txBody>
+                    <a:bodyPr/>
+                    <a:lstStyle/>
+                    <a:p>
+                      <a:r>
+                        <a:rPr lang="en-DE" sz="1799" b="0" i="0" u="none" strike="noStrike" kern="1200" dirty="0">
+                          <a:solidFill>
+                            <a:schemeClr val="dk1"/>
+                          </a:solidFill>
+                          <a:effectLst/>
+                          <a:latin typeface="+mn-lt"/>
+                          <a:ea typeface="+mn-ea"/>
+                          <a:cs typeface="+mn-cs"/>
+                        </a:rPr>
+                        <a:t>0.000</a:t>
+                      </a:r>
+                      <a:endParaRPr lang="en-DE" dirty="0"/>
+                    </a:p>
+                  </a:txBody>
+                  <a:tcPr>
+                    <a:solidFill>
+                      <a:srgbClr val="009682">
+                        <a:alpha val="25098"/>
+                      </a:srgbClr>
+                    </a:solidFill>
+                  </a:tcPr>
+                </a:tc>
+                <a:extLst>
+                  <a:ext uri="{0D108BD9-81ED-4DB2-BD59-A6C34878D82A}">
+                    <a16:rowId xmlns:a16="http://schemas.microsoft.com/office/drawing/2014/main" val="3484303647"/>
+                  </a:ext>
+                </a:extLst>
+              </a:tr>
+              <a:tr h="370840">
+                <a:tc>
+                  <a:txBody>
+                    <a:bodyPr/>
+                    <a:lstStyle/>
+                    <a:p>
+                      <a:r>
+                        <a:rPr lang="en-DE" dirty="0"/>
+                        <a:t>~</a:t>
+                      </a:r>
+                    </a:p>
+                  </a:txBody>
+                  <a:tcPr>
+                    <a:solidFill>
+                      <a:srgbClr val="009682">
+                        <a:alpha val="5098"/>
+                      </a:srgbClr>
+                    </a:solidFill>
+                  </a:tcPr>
+                </a:tc>
+                <a:tc>
+                  <a:txBody>
+                    <a:bodyPr/>
+                    <a:lstStyle/>
+                    <a:p>
+                      <a:r>
+                        <a:rPr lang="en-GB" sz="1799" b="0" i="0" u="none" strike="noStrike" kern="1200" dirty="0">
+                          <a:solidFill>
+                            <a:schemeClr val="dk1"/>
+                          </a:solidFill>
+                          <a:effectLst/>
+                          <a:latin typeface="+mn-lt"/>
+                          <a:ea typeface="+mn-ea"/>
+                          <a:cs typeface="+mn-cs"/>
+                        </a:rPr>
+                        <a:t>Ukraine Sentiment</a:t>
+                      </a:r>
+                      <a:endParaRPr lang="en-DE" dirty="0"/>
+                    </a:p>
+                  </a:txBody>
+                  <a:tcPr>
+                    <a:solidFill>
+                      <a:srgbClr val="009682">
+                        <a:alpha val="5098"/>
+                      </a:srgbClr>
+                    </a:solidFill>
+                  </a:tcPr>
+                </a:tc>
+                <a:tc>
+                  <a:txBody>
+                    <a:bodyPr/>
+                    <a:lstStyle/>
+                    <a:p>
+                      <a:r>
+                        <a:rPr lang="en-DE" sz="1799" b="0" i="0" u="none" strike="noStrike" kern="1200" dirty="0">
+                          <a:solidFill>
+                            <a:schemeClr val="dk1"/>
+                          </a:solidFill>
+                          <a:effectLst/>
+                          <a:latin typeface="+mn-lt"/>
+                          <a:ea typeface="+mn-ea"/>
+                          <a:cs typeface="+mn-cs"/>
+                        </a:rPr>
+                        <a:t>0.423</a:t>
+                      </a:r>
+                    </a:p>
+                  </a:txBody>
+                  <a:tcPr>
+                    <a:solidFill>
+                      <a:srgbClr val="009682">
+                        <a:alpha val="5098"/>
+                      </a:srgbClr>
+                    </a:solidFill>
+                  </a:tcPr>
+                </a:tc>
+                <a:tc>
+                  <a:txBody>
+                    <a:bodyPr/>
+                    <a:lstStyle/>
+                    <a:p>
+                      <a:r>
+                        <a:rPr lang="en-DE" sz="1799" b="0" i="0" u="none" strike="noStrike" kern="1200" dirty="0">
+                          <a:solidFill>
+                            <a:schemeClr val="dk1"/>
+                          </a:solidFill>
+                          <a:effectLst/>
+                          <a:latin typeface="+mn-lt"/>
+                          <a:ea typeface="+mn-ea"/>
+                          <a:cs typeface="+mn-cs"/>
+                        </a:rPr>
+                        <a:t>0.000</a:t>
+                      </a:r>
+                      <a:endParaRPr lang="en-DE" dirty="0"/>
+                    </a:p>
+                  </a:txBody>
+                  <a:tcPr>
+                    <a:solidFill>
+                      <a:srgbClr val="009682">
+                        <a:alpha val="5098"/>
+                      </a:srgbClr>
+                    </a:solidFill>
+                  </a:tcPr>
+                </a:tc>
+                <a:extLst>
+                  <a:ext uri="{0D108BD9-81ED-4DB2-BD59-A6C34878D82A}">
+                    <a16:rowId xmlns:a16="http://schemas.microsoft.com/office/drawing/2014/main" val="4116731588"/>
+                  </a:ext>
+                </a:extLst>
+              </a:tr>
+              <a:tr h="0">
+                <a:tc>
+                  <a:txBody>
+                    <a:bodyPr/>
+                    <a:lstStyle/>
+                    <a:p>
+                      <a:r>
+                        <a:rPr lang="en-DE" dirty="0"/>
+                        <a:t>~</a:t>
+                      </a:r>
+                    </a:p>
+                  </a:txBody>
+                  <a:tcPr>
+                    <a:solidFill>
+                      <a:srgbClr val="009682">
+                        <a:alpha val="25098"/>
+                      </a:srgbClr>
+                    </a:solidFill>
+                  </a:tcPr>
+                </a:tc>
+                <a:tc>
+                  <a:txBody>
+                    <a:bodyPr/>
+                    <a:lstStyle/>
+                    <a:p>
+                      <a:r>
+                        <a:rPr lang="en-GB" sz="1799" b="0" i="0" u="none" strike="noStrike" kern="1200" dirty="0">
+                          <a:solidFill>
+                            <a:schemeClr val="dk1"/>
+                          </a:solidFill>
+                          <a:effectLst/>
+                          <a:latin typeface="+mn-lt"/>
+                          <a:ea typeface="+mn-ea"/>
+                          <a:cs typeface="+mn-cs"/>
+                        </a:rPr>
+                        <a:t>Corona Sentiment</a:t>
+                      </a:r>
+                      <a:endParaRPr lang="en-DE" dirty="0"/>
+                    </a:p>
+                  </a:txBody>
+                  <a:tcPr>
+                    <a:solidFill>
+                      <a:srgbClr val="009682">
+                        <a:alpha val="25098"/>
+                      </a:srgbClr>
+                    </a:solidFill>
+                  </a:tcPr>
+                </a:tc>
+                <a:tc>
+                  <a:txBody>
+                    <a:bodyPr/>
+                    <a:lstStyle/>
+                    <a:p>
+                      <a:r>
+                        <a:rPr lang="en-DE" sz="1799" b="0" i="0" u="none" strike="noStrike" kern="1200" dirty="0">
+                          <a:solidFill>
+                            <a:schemeClr val="dk1"/>
+                          </a:solidFill>
+                          <a:effectLst/>
+                          <a:latin typeface="+mn-lt"/>
+                          <a:ea typeface="+mn-ea"/>
+                          <a:cs typeface="+mn-cs"/>
+                        </a:rPr>
+                        <a:t>0.865</a:t>
+                      </a:r>
+                    </a:p>
+                  </a:txBody>
+                  <a:tcPr>
+                    <a:solidFill>
+                      <a:srgbClr val="009682">
+                        <a:alpha val="25098"/>
+                      </a:srgbClr>
+                    </a:solidFill>
+                  </a:tcPr>
+                </a:tc>
+                <a:tc>
+                  <a:txBody>
+                    <a:bodyPr/>
+                    <a:lstStyle/>
+                    <a:p>
+                      <a:r>
+                        <a:rPr lang="en-DE" sz="1799" b="0" i="0" u="none" strike="noStrike" kern="1200" dirty="0">
+                          <a:solidFill>
+                            <a:schemeClr val="dk1"/>
+                          </a:solidFill>
+                          <a:effectLst/>
+                          <a:latin typeface="+mn-lt"/>
+                          <a:ea typeface="+mn-ea"/>
+                          <a:cs typeface="+mn-cs"/>
+                        </a:rPr>
+                        <a:t>0.000</a:t>
+                      </a:r>
+                      <a:endParaRPr lang="en-DE" dirty="0"/>
+                    </a:p>
+                  </a:txBody>
+                  <a:tcPr>
+                    <a:solidFill>
+                      <a:srgbClr val="009682">
+                        <a:alpha val="25098"/>
+                      </a:srgbClr>
+                    </a:solidFill>
+                  </a:tcPr>
+                </a:tc>
+                <a:extLst>
+                  <a:ext uri="{0D108BD9-81ED-4DB2-BD59-A6C34878D82A}">
+                    <a16:rowId xmlns:a16="http://schemas.microsoft.com/office/drawing/2014/main" val="1710930106"/>
+                  </a:ext>
+                </a:extLst>
+              </a:tr>
+            </a:tbl>
+          </a:graphicData>
+        </a:graphic>
+      </p:graphicFrame>
+    </p:spTree>
+    <p:extLst>
+      <p:ext uri="{BB962C8B-B14F-4D97-AF65-F5344CB8AC3E}">
+        <p14:creationId xmlns:p14="http://schemas.microsoft.com/office/powerpoint/2010/main" val="15094951"/>
+      </p:ext>
+    </p:extLst>
+  </p:cSld>
+  <p:clrMapOvr>
+    <a:masterClrMapping/>
+  </p:clrMapOvr>
+</p:sld>
+</file>
+
+<file path=ppt/slides/slide16.xml><?xml version="1.0" encoding="utf-8"?>
+<p:sld xmlns:a="http://schemas.openxmlformats.org/drawingml/2006/main" xmlns:r="http://schemas.openxmlformats.org/officeDocument/2006/relationships" xmlns:p="http://schemas.openxmlformats.org/presentationml/2006/main">
+  <p:cSld>
+    <p:spTree>
+      <p:nvGrpSpPr>
+        <p:cNvPr id="1" name=""/>
+        <p:cNvGrpSpPr/>
+        <p:nvPr/>
+      </p:nvGrpSpPr>
+      <p:grpSpPr>
+        <a:xfrm>
+          <a:off x="0" y="0"/>
+          <a:ext cx="0" cy="0"/>
+          <a:chOff x="0" y="0"/>
+          <a:chExt cx="0" cy="0"/>
+        </a:xfrm>
+      </p:grpSpPr>
+      <p:sp>
+        <p:nvSpPr>
+          <p:cNvPr id="2" name="Content Placeholder 1">
+            <a:extLst>
+              <a:ext uri="{FF2B5EF4-FFF2-40B4-BE49-F238E27FC236}">
+                <a16:creationId xmlns:a16="http://schemas.microsoft.com/office/drawing/2014/main" id="{4C4B3BB8-88E8-6BEC-6827-200447BF2C77}"/>
+              </a:ext>
+            </a:extLst>
+          </p:cNvPr>
+          <p:cNvSpPr>
+            <a:spLocks noGrp="1"/>
+          </p:cNvSpPr>
+          <p:nvPr>
+            <p:ph sz="half" idx="1"/>
+          </p:nvPr>
+        </p:nvSpPr>
+        <p:spPr/>
+        <p:txBody>
+          <a:bodyPr numCol="1" anchor="ctr">
+            <a:normAutofit/>
+          </a:bodyPr>
+          <a:lstStyle/>
+          <a:p>
+            <a:r>
+              <a:rPr lang="en-GB" dirty="0">
+                <a:effectLst/>
+                <a:latin typeface="Helvetica Neue" panose="02000503000000020004" pitchFamily="2" charset="0"/>
+              </a:rPr>
+              <a:t>New vs. old states</a:t>
+            </a:r>
+          </a:p>
+          <a:p>
+            <a:pPr lvl="1"/>
+            <a:r>
+              <a:rPr lang="en-GB" dirty="0">
+                <a:latin typeface="Helvetica Neue" panose="02000503000000020004" pitchFamily="2" charset="0"/>
+              </a:rPr>
+              <a:t>New: 3227</a:t>
+            </a:r>
+          </a:p>
+          <a:p>
+            <a:pPr lvl="1"/>
+            <a:r>
+              <a:rPr lang="en-GB" dirty="0">
+                <a:effectLst/>
+                <a:latin typeface="Helvetica Neue" panose="02000503000000020004" pitchFamily="2" charset="0"/>
+              </a:rPr>
+              <a:t>Old: </a:t>
+            </a:r>
+            <a:r>
+              <a:rPr lang="en-GB" dirty="0">
+                <a:latin typeface="Helvetica Neue" panose="02000503000000020004" pitchFamily="2" charset="0"/>
+              </a:rPr>
+              <a:t>21097</a:t>
+            </a:r>
+          </a:p>
+          <a:p>
+            <a:pPr marL="355579" lvl="1" indent="0">
+              <a:buNone/>
+            </a:pPr>
+            <a:endParaRPr lang="en-GB" dirty="0">
+              <a:effectLst/>
+              <a:latin typeface="Helvetica Neue" panose="02000503000000020004" pitchFamily="2" charset="0"/>
+            </a:endParaRPr>
+          </a:p>
+          <a:p>
+            <a:r>
+              <a:rPr lang="en-GB" dirty="0">
+                <a:effectLst/>
+                <a:latin typeface="Helvetica Neue" panose="02000503000000020004" pitchFamily="2" charset="0"/>
+              </a:rPr>
+              <a:t>Age</a:t>
+            </a:r>
+          </a:p>
+          <a:p>
+            <a:pPr lvl="1"/>
+            <a:r>
+              <a:rPr lang="en-GB" dirty="0">
+                <a:effectLst/>
+                <a:latin typeface="Helvetica Neue" panose="02000503000000020004" pitchFamily="2" charset="0"/>
+              </a:rPr>
+              <a:t>Age &lt;=39: 8282</a:t>
+            </a:r>
+          </a:p>
+          <a:p>
+            <a:pPr lvl="1"/>
+            <a:r>
+              <a:rPr lang="en-GB" dirty="0">
+                <a:effectLst/>
+                <a:latin typeface="Helvetica Neue" panose="02000503000000020004" pitchFamily="2" charset="0"/>
+              </a:rPr>
+              <a:t>39 &gt; Age &gt;= 60: 8298</a:t>
+            </a:r>
+          </a:p>
+          <a:p>
+            <a:pPr lvl="1"/>
+            <a:r>
+              <a:rPr lang="en-GB" dirty="0">
+                <a:effectLst/>
+                <a:latin typeface="Helvetica Neue" panose="02000503000000020004" pitchFamily="2" charset="0"/>
+              </a:rPr>
+              <a:t>Age &gt; 60: 7744</a:t>
+            </a:r>
+          </a:p>
+        </p:txBody>
+      </p:sp>
+      <p:sp>
+        <p:nvSpPr>
+          <p:cNvPr id="10" name="Content Placeholder 9">
+            <a:extLst>
+              <a:ext uri="{FF2B5EF4-FFF2-40B4-BE49-F238E27FC236}">
+                <a16:creationId xmlns:a16="http://schemas.microsoft.com/office/drawing/2014/main" id="{2FF98F86-2102-AE78-9FC1-7D7DB1488CF5}"/>
+              </a:ext>
+            </a:extLst>
+          </p:cNvPr>
+          <p:cNvSpPr>
+            <a:spLocks noGrp="1"/>
+          </p:cNvSpPr>
+          <p:nvPr>
+            <p:ph sz="half" idx="2"/>
+          </p:nvPr>
+        </p:nvSpPr>
+        <p:spPr/>
+        <p:txBody>
+          <a:bodyPr anchor="ctr"/>
+          <a:lstStyle/>
+          <a:p>
+            <a:r>
+              <a:rPr lang="en-GB" dirty="0">
+                <a:latin typeface="Helvetica Neue" panose="02000503000000020004" pitchFamily="2" charset="0"/>
+              </a:rPr>
+              <a:t>School Education</a:t>
+            </a:r>
+          </a:p>
+          <a:p>
+            <a:pPr lvl="1"/>
+            <a:r>
+              <a:rPr lang="en-GB" dirty="0">
+                <a:latin typeface="Helvetica Neue" panose="02000503000000020004" pitchFamily="2" charset="0"/>
+              </a:rPr>
+              <a:t>Up to Middle School: </a:t>
+            </a:r>
+            <a:r>
+              <a:rPr lang="en-GB" dirty="0">
+                <a:effectLst/>
+                <a:latin typeface="Helvetica Neue" panose="02000503000000020004" pitchFamily="2" charset="0"/>
+              </a:rPr>
+              <a:t>10786</a:t>
+            </a:r>
+          </a:p>
+          <a:p>
+            <a:pPr lvl="1"/>
+            <a:r>
+              <a:rPr lang="en-GB" dirty="0">
+                <a:latin typeface="Helvetica Neue" panose="02000503000000020004" pitchFamily="2" charset="0"/>
+              </a:rPr>
+              <a:t>High School Diploma or Similar: </a:t>
+            </a:r>
+            <a:r>
+              <a:rPr lang="en-GB" dirty="0">
+                <a:effectLst/>
+                <a:latin typeface="Helvetica Neue" panose="02000503000000020004" pitchFamily="2" charset="0"/>
+              </a:rPr>
+              <a:t>13127</a:t>
+            </a:r>
+          </a:p>
+          <a:p>
+            <a:pPr lvl="1"/>
+            <a:endParaRPr lang="en-GB" dirty="0">
+              <a:latin typeface="Helvetica Neue" panose="02000503000000020004" pitchFamily="2" charset="0"/>
+            </a:endParaRPr>
+          </a:p>
+          <a:p>
+            <a:r>
+              <a:rPr lang="en-GB" dirty="0">
+                <a:effectLst/>
+                <a:latin typeface="Helvetica Neue" panose="02000503000000020004" pitchFamily="2" charset="0"/>
+              </a:rPr>
+              <a:t>Income</a:t>
+            </a:r>
+          </a:p>
+          <a:p>
+            <a:pPr lvl="1"/>
+            <a:r>
+              <a:rPr lang="en-GB" dirty="0">
+                <a:effectLst/>
+                <a:latin typeface="Helvetica Neue" panose="02000503000000020004" pitchFamily="2" charset="0"/>
+              </a:rPr>
+              <a:t>Up to 2600€: 7544</a:t>
+            </a:r>
+          </a:p>
+          <a:p>
+            <a:pPr lvl="1"/>
+            <a:r>
+              <a:rPr lang="en-GB" dirty="0">
+                <a:effectLst/>
+                <a:latin typeface="Helvetica Neue" panose="02000503000000020004" pitchFamily="2" charset="0"/>
+              </a:rPr>
+              <a:t>Between 2600€ and 3560€: 8091</a:t>
+            </a:r>
+          </a:p>
+          <a:p>
+            <a:pPr lvl="1"/>
+            <a:r>
+              <a:rPr lang="en-GB" dirty="0">
+                <a:effectLst/>
+                <a:latin typeface="Helvetica Neue" panose="02000503000000020004" pitchFamily="2" charset="0"/>
+              </a:rPr>
+              <a:t>More than 3650€: 8689</a:t>
+            </a:r>
+          </a:p>
+        </p:txBody>
+      </p:sp>
+      <p:sp>
+        <p:nvSpPr>
+          <p:cNvPr id="3" name="Date Placeholder 2">
+            <a:extLst>
+              <a:ext uri="{FF2B5EF4-FFF2-40B4-BE49-F238E27FC236}">
+                <a16:creationId xmlns:a16="http://schemas.microsoft.com/office/drawing/2014/main" id="{7860AEF9-00F2-A8B5-1A6D-1C62A0ED5D3D}"/>
+              </a:ext>
+            </a:extLst>
+          </p:cNvPr>
+          <p:cNvSpPr>
+            <a:spLocks noGrp="1"/>
+          </p:cNvSpPr>
+          <p:nvPr>
+            <p:ph type="dt" sz="half" idx="10"/>
+          </p:nvPr>
+        </p:nvSpPr>
+        <p:spPr/>
+        <p:txBody>
+          <a:bodyPr/>
+          <a:lstStyle/>
+          <a:p>
+            <a:fld id="{162C1F81-0292-4658-B990-314031B5EEE0}" type="datetime4">
+              <a:rPr lang="en-US" noProof="0" smtClean="0"/>
+              <a:t>December 4, 2024</a:t>
+            </a:fld>
+            <a:endParaRPr lang="en-US" noProof="0" dirty="0"/>
+          </a:p>
+        </p:txBody>
+      </p:sp>
+      <p:sp>
+        <p:nvSpPr>
+          <p:cNvPr id="4" name="Slide Number Placeholder 3">
+            <a:extLst>
+              <a:ext uri="{FF2B5EF4-FFF2-40B4-BE49-F238E27FC236}">
+                <a16:creationId xmlns:a16="http://schemas.microsoft.com/office/drawing/2014/main" id="{31896CE7-A7CF-654F-E459-900A347E322C}"/>
+              </a:ext>
+            </a:extLst>
+          </p:cNvPr>
+          <p:cNvSpPr>
+            <a:spLocks noGrp="1"/>
+          </p:cNvSpPr>
+          <p:nvPr>
+            <p:ph type="sldNum" sz="quarter" idx="12"/>
+          </p:nvPr>
+        </p:nvSpPr>
+        <p:spPr/>
+        <p:txBody>
+          <a:bodyPr/>
+          <a:lstStyle/>
+          <a:p>
+            <a:fld id="{61696EC4-B4CF-4701-AD06-A8439D6D8E12}" type="slidenum">
+              <a:rPr lang="en-US" noProof="0" smtClean="0"/>
+              <a:t>16</a:t>
+            </a:fld>
+            <a:endParaRPr lang="en-US" noProof="0" dirty="0"/>
+          </a:p>
+        </p:txBody>
+      </p:sp>
+      <p:sp>
+        <p:nvSpPr>
+          <p:cNvPr id="5" name="Title 4">
+            <a:extLst>
+              <a:ext uri="{FF2B5EF4-FFF2-40B4-BE49-F238E27FC236}">
+                <a16:creationId xmlns:a16="http://schemas.microsoft.com/office/drawing/2014/main" id="{4C99E060-0ACC-44FB-A98E-BF086C812E13}"/>
+              </a:ext>
+            </a:extLst>
+          </p:cNvPr>
+          <p:cNvSpPr>
+            <a:spLocks noGrp="1"/>
+          </p:cNvSpPr>
+          <p:nvPr>
+            <p:ph type="title"/>
+          </p:nvPr>
+        </p:nvSpPr>
+        <p:spPr/>
+        <p:txBody>
+          <a:bodyPr/>
+          <a:lstStyle/>
+          <a:p>
+            <a:r>
+              <a:rPr lang="en-DE" dirty="0"/>
+              <a:t>Subgroups of Interest</a:t>
+            </a:r>
+          </a:p>
+        </p:txBody>
+      </p:sp>
+    </p:spTree>
+    <p:extLst>
+      <p:ext uri="{BB962C8B-B14F-4D97-AF65-F5344CB8AC3E}">
+        <p14:creationId xmlns:p14="http://schemas.microsoft.com/office/powerpoint/2010/main" val="426565150"/>
+      </p:ext>
+    </p:extLst>
+  </p:cSld>
+  <p:clrMapOvr>
+    <a:masterClrMapping/>
+  </p:clrMapOvr>
+</p:sld>
+</file>
+
+<file path=ppt/slides/slide17.xml><?xml version="1.0" encoding="utf-8"?>
+<p:sld xmlns:a="http://schemas.openxmlformats.org/drawingml/2006/main" xmlns:r="http://schemas.openxmlformats.org/officeDocument/2006/relationships" xmlns:p="http://schemas.openxmlformats.org/presentationml/2006/main">
+  <p:cSld>
+    <p:spTree>
+      <p:nvGrpSpPr>
+        <p:cNvPr id="1" name=""/>
+        <p:cNvGrpSpPr/>
+        <p:nvPr/>
+      </p:nvGrpSpPr>
+      <p:grpSpPr>
+        <a:xfrm>
+          <a:off x="0" y="0"/>
+          <a:ext cx="0" cy="0"/>
+          <a:chOff x="0" y="0"/>
+          <a:chExt cx="0" cy="0"/>
+        </a:xfrm>
+      </p:grpSpPr>
+      <p:sp>
+        <p:nvSpPr>
+          <p:cNvPr id="3" name="Date Placeholder 2">
+            <a:extLst>
+              <a:ext uri="{FF2B5EF4-FFF2-40B4-BE49-F238E27FC236}">
+                <a16:creationId xmlns:a16="http://schemas.microsoft.com/office/drawing/2014/main" id="{1DCDB200-D493-16B9-E29A-FF37BC3512CA}"/>
+              </a:ext>
+            </a:extLst>
+          </p:cNvPr>
+          <p:cNvSpPr>
+            <a:spLocks noGrp="1"/>
+          </p:cNvSpPr>
+          <p:nvPr>
+            <p:ph type="dt" sz="half" idx="10"/>
+          </p:nvPr>
+        </p:nvSpPr>
+        <p:spPr/>
+        <p:txBody>
+          <a:bodyPr/>
+          <a:lstStyle/>
+          <a:p>
+            <a:fld id="{162C1F81-0292-4658-B990-314031B5EEE0}" type="datetime4">
+              <a:rPr lang="en-US" noProof="0" smtClean="0"/>
+              <a:t>December 4, 2024</a:t>
+            </a:fld>
+            <a:endParaRPr lang="en-US" noProof="0" dirty="0"/>
+          </a:p>
+        </p:txBody>
+      </p:sp>
+      <p:sp>
+        <p:nvSpPr>
+          <p:cNvPr id="4" name="Slide Number Placeholder 3">
+            <a:extLst>
+              <a:ext uri="{FF2B5EF4-FFF2-40B4-BE49-F238E27FC236}">
+                <a16:creationId xmlns:a16="http://schemas.microsoft.com/office/drawing/2014/main" id="{84DCC5FE-D3D4-C6BB-A97D-585F3159AA66}"/>
+              </a:ext>
+            </a:extLst>
+          </p:cNvPr>
+          <p:cNvSpPr>
+            <a:spLocks noGrp="1"/>
+          </p:cNvSpPr>
+          <p:nvPr>
+            <p:ph type="sldNum" sz="quarter" idx="12"/>
+          </p:nvPr>
+        </p:nvSpPr>
+        <p:spPr/>
+        <p:txBody>
+          <a:bodyPr/>
+          <a:lstStyle/>
+          <a:p>
+            <a:fld id="{61696EC4-B4CF-4701-AD06-A8439D6D8E12}" type="slidenum">
+              <a:rPr lang="en-US" noProof="0" smtClean="0"/>
+              <a:t>17</a:t>
+            </a:fld>
+            <a:endParaRPr lang="en-US" noProof="0" dirty="0"/>
+          </a:p>
+        </p:txBody>
+      </p:sp>
+      <p:sp>
+        <p:nvSpPr>
+          <p:cNvPr id="27" name="Title 26">
+            <a:extLst>
+              <a:ext uri="{FF2B5EF4-FFF2-40B4-BE49-F238E27FC236}">
+                <a16:creationId xmlns:a16="http://schemas.microsoft.com/office/drawing/2014/main" id="{1F5EE1A3-E4A4-D2E9-5B74-56D7FF795720}"/>
+              </a:ext>
+            </a:extLst>
+          </p:cNvPr>
+          <p:cNvSpPr>
+            <a:spLocks noGrp="1"/>
+          </p:cNvSpPr>
+          <p:nvPr>
+            <p:ph type="title"/>
+          </p:nvPr>
+        </p:nvSpPr>
+        <p:spPr/>
+        <p:txBody>
+          <a:bodyPr/>
+          <a:lstStyle/>
+          <a:p>
+            <a:r>
+              <a:rPr lang="en-DE" dirty="0"/>
+              <a:t>Subgroups Influence on Estimators</a:t>
+            </a:r>
+          </a:p>
+        </p:txBody>
+      </p:sp>
+      <p:pic>
+        <p:nvPicPr>
+          <p:cNvPr id="42" name="Content Placeholder 41">
+            <a:extLst>
+              <a:ext uri="{FF2B5EF4-FFF2-40B4-BE49-F238E27FC236}">
+                <a16:creationId xmlns:a16="http://schemas.microsoft.com/office/drawing/2014/main" id="{8FD58C67-421D-0203-4822-72182FC97C94}"/>
+              </a:ext>
+            </a:extLst>
+          </p:cNvPr>
+          <p:cNvPicPr>
+            <a:picLocks noGrp="1" noChangeAspect="1"/>
+          </p:cNvPicPr>
+          <p:nvPr>
+            <p:ph idx="1"/>
+          </p:nvPr>
+        </p:nvPicPr>
+        <p:blipFill>
+          <a:blip r:embed="rId3">
+            <a:extLst>
+              <a:ext uri="{28A0092B-C50C-407E-A947-70E740481C1C}">
+                <a14:useLocalDpi xmlns:a14="http://schemas.microsoft.com/office/drawing/2010/main" val="0"/>
+              </a:ext>
+            </a:extLst>
+          </a:blip>
+          <a:srcRect t="32803" b="17649"/>
+          <a:stretch/>
+        </p:blipFill>
+        <p:spPr>
+          <a:xfrm>
+            <a:off x="528000" y="1618545"/>
+            <a:ext cx="11016300" cy="4678608"/>
+          </a:xfrm>
+        </p:spPr>
+      </p:pic>
+      <p:sp>
+        <p:nvSpPr>
+          <p:cNvPr id="43" name="TextBox 42">
+            <a:extLst>
+              <a:ext uri="{FF2B5EF4-FFF2-40B4-BE49-F238E27FC236}">
+                <a16:creationId xmlns:a16="http://schemas.microsoft.com/office/drawing/2014/main" id="{85526809-0CF9-003F-2EFD-B04E0D9C0204}"/>
+              </a:ext>
+            </a:extLst>
+          </p:cNvPr>
+          <p:cNvSpPr txBox="1"/>
+          <p:nvPr/>
+        </p:nvSpPr>
+        <p:spPr>
+          <a:xfrm>
+            <a:off x="7048163" y="1998734"/>
+            <a:ext cx="898216" cy="276999"/>
+          </a:xfrm>
+          <a:prstGeom prst="rect">
+            <a:avLst/>
+          </a:prstGeom>
+          <a:noFill/>
+        </p:spPr>
+        <p:txBody>
+          <a:bodyPr wrap="square" rtlCol="0">
+            <a:spAutoFit/>
+          </a:bodyPr>
+          <a:lstStyle/>
+          <a:p>
+            <a:r>
+              <a:rPr lang="en-DE" sz="1200" b="1" dirty="0">
+                <a:solidFill>
+                  <a:schemeClr val="bg1"/>
+                </a:solidFill>
+                <a:latin typeface="Noto Sans Light" panose="020B0402040504020204" pitchFamily="34" charset="0"/>
+                <a:ea typeface="Noto Sans Light" panose="020B0402040504020204" pitchFamily="34" charset="0"/>
+                <a:cs typeface="Noto Sans Light" panose="020B0402040504020204" pitchFamily="34" charset="0"/>
+              </a:rPr>
+              <a:t>-0.259</a:t>
+            </a:r>
+          </a:p>
+        </p:txBody>
+      </p:sp>
+    </p:spTree>
+    <p:extLst>
+      <p:ext uri="{BB962C8B-B14F-4D97-AF65-F5344CB8AC3E}">
+        <p14:creationId xmlns:p14="http://schemas.microsoft.com/office/powerpoint/2010/main" val="2618043187"/>
+      </p:ext>
+    </p:extLst>
+  </p:cSld>
+  <p:clrMapOvr>
+    <a:masterClrMapping/>
+  </p:clrMapOvr>
+</p:sld>
+</file>
+
+<file path=ppt/slides/slide18.xml><?xml version="1.0" encoding="utf-8"?>
+<p:sld xmlns:a="http://schemas.openxmlformats.org/drawingml/2006/main" xmlns:r="http://schemas.openxmlformats.org/officeDocument/2006/relationships" xmlns:p="http://schemas.openxmlformats.org/presentationml/2006/main">
+  <p:cSld>
+    <p:spTree>
+      <p:nvGrpSpPr>
+        <p:cNvPr id="1" name=""/>
+        <p:cNvGrpSpPr/>
+        <p:nvPr/>
+      </p:nvGrpSpPr>
+      <p:grpSpPr>
+        <a:xfrm>
+          <a:off x="0" y="0"/>
+          <a:ext cx="0" cy="0"/>
+          <a:chOff x="0" y="0"/>
+          <a:chExt cx="0" cy="0"/>
+        </a:xfrm>
+      </p:grpSpPr>
+      <p:sp>
+        <p:nvSpPr>
+          <p:cNvPr id="3" name="Date Placeholder 2">
+            <a:extLst>
+              <a:ext uri="{FF2B5EF4-FFF2-40B4-BE49-F238E27FC236}">
+                <a16:creationId xmlns:a16="http://schemas.microsoft.com/office/drawing/2014/main" id="{164E1BD8-82F1-AC54-FAD1-60C10A44802B}"/>
+              </a:ext>
+            </a:extLst>
+          </p:cNvPr>
+          <p:cNvSpPr>
+            <a:spLocks noGrp="1"/>
+          </p:cNvSpPr>
+          <p:nvPr>
+            <p:ph type="dt" sz="half" idx="10"/>
+          </p:nvPr>
+        </p:nvSpPr>
+        <p:spPr/>
+        <p:txBody>
+          <a:bodyPr/>
+          <a:lstStyle/>
+          <a:p>
+            <a:fld id="{162C1F81-0292-4658-B990-314031B5EEE0}" type="datetime4">
+              <a:rPr lang="en-US" noProof="0" smtClean="0"/>
+              <a:t>December 4, 2024</a:t>
+            </a:fld>
+            <a:endParaRPr lang="en-US" noProof="0" dirty="0"/>
+          </a:p>
+        </p:txBody>
+      </p:sp>
+      <p:sp>
+        <p:nvSpPr>
+          <p:cNvPr id="4" name="Slide Number Placeholder 3">
+            <a:extLst>
+              <a:ext uri="{FF2B5EF4-FFF2-40B4-BE49-F238E27FC236}">
+                <a16:creationId xmlns:a16="http://schemas.microsoft.com/office/drawing/2014/main" id="{3096619E-B611-4F4C-C429-31D180F2F653}"/>
+              </a:ext>
+            </a:extLst>
+          </p:cNvPr>
+          <p:cNvSpPr>
+            <a:spLocks noGrp="1"/>
+          </p:cNvSpPr>
+          <p:nvPr>
+            <p:ph type="sldNum" sz="quarter" idx="12"/>
+          </p:nvPr>
+        </p:nvSpPr>
+        <p:spPr/>
+        <p:txBody>
+          <a:bodyPr/>
+          <a:lstStyle/>
+          <a:p>
+            <a:fld id="{61696EC4-B4CF-4701-AD06-A8439D6D8E12}" type="slidenum">
+              <a:rPr lang="en-US" noProof="0" smtClean="0"/>
+              <a:t>18</a:t>
+            </a:fld>
+            <a:endParaRPr lang="en-US" noProof="0" dirty="0"/>
+          </a:p>
+        </p:txBody>
+      </p:sp>
+      <p:sp>
+        <p:nvSpPr>
+          <p:cNvPr id="6" name="Title 5">
+            <a:extLst>
+              <a:ext uri="{FF2B5EF4-FFF2-40B4-BE49-F238E27FC236}">
+                <a16:creationId xmlns:a16="http://schemas.microsoft.com/office/drawing/2014/main" id="{6BAB6FC2-B22C-EFDB-544A-1CCE5027198B}"/>
+              </a:ext>
+            </a:extLst>
+          </p:cNvPr>
+          <p:cNvSpPr>
+            <a:spLocks noGrp="1"/>
+          </p:cNvSpPr>
+          <p:nvPr>
+            <p:ph type="title"/>
+          </p:nvPr>
+        </p:nvSpPr>
+        <p:spPr/>
+        <p:txBody>
+          <a:bodyPr/>
+          <a:lstStyle/>
+          <a:p>
+            <a:r>
+              <a:rPr lang="en-DE" dirty="0"/>
+              <a:t>Discussion</a:t>
+            </a:r>
+          </a:p>
+        </p:txBody>
+      </p:sp>
+    </p:spTree>
+    <p:extLst>
+      <p:ext uri="{BB962C8B-B14F-4D97-AF65-F5344CB8AC3E}">
+        <p14:creationId xmlns:p14="http://schemas.microsoft.com/office/powerpoint/2010/main" val="3004231576"/>
       </p:ext>
     </p:extLst>
   </p:cSld>
@@ -10166,7 +14026,12 @@
             <p:ph idx="1"/>
           </p:nvPr>
         </p:nvSpPr>
-        <p:spPr/>
+        <p:spPr>
+          <a:xfrm>
+            <a:off x="533400" y="1371241"/>
+            <a:ext cx="11125200" cy="4486472"/>
+          </a:xfrm>
+        </p:spPr>
         <p:txBody>
           <a:bodyPr anchor="ctr">
             <a:normAutofit/>
@@ -10308,7 +14173,7 @@
           <a:p>
             <a:fld id="{162C1F81-0292-4658-B990-314031B5EEE0}" type="datetime4">
               <a:rPr lang="en-US" noProof="0" smtClean="0"/>
-              <a:t>November 26, 2024</a:t>
+              <a:t>December 3, 2024</a:t>
             </a:fld>
             <a:endParaRPr lang="en-US" noProof="0" dirty="0"/>
           </a:p>
@@ -10353,6 +14218,14 @@
   <p:clrMapOvr>
     <a:masterClrMapping/>
   </p:clrMapOvr>
+  <mc:AlternateContent xmlns:mc="http://schemas.openxmlformats.org/markup-compatibility/2006">
+    <mc:Choice xmlns:p14="http://schemas.microsoft.com/office/powerpoint/2010/main" Requires="p14">
+      <p:transition spd="slow" p14:dur="2000" advTm="26497"/>
+    </mc:Choice>
+    <mc:Fallback>
+      <p:transition spd="slow" advTm="26497"/>
+    </mc:Fallback>
+  </mc:AlternateContent>
 </p:sld>
 </file>
 
@@ -10459,7 +14332,7 @@
           <a:p>
             <a:fld id="{162C1F81-0292-4658-B990-314031B5EEE0}" type="datetime4">
               <a:rPr lang="en-US" noProof="0" smtClean="0"/>
-              <a:t>November 26, 2024</a:t>
+              <a:t>December 3, 2024</a:t>
             </a:fld>
             <a:endParaRPr lang="en-US" noProof="0" dirty="0"/>
           </a:p>
@@ -10532,6 +14405,14 @@
   <p:clrMapOvr>
     <a:masterClrMapping/>
   </p:clrMapOvr>
+  <mc:AlternateContent xmlns:mc="http://schemas.openxmlformats.org/markup-compatibility/2006">
+    <mc:Choice xmlns:p14="http://schemas.microsoft.com/office/powerpoint/2010/main" Requires="p14">
+      <p:transition spd="slow" p14:dur="2000" advTm="13299"/>
+    </mc:Choice>
+    <mc:Fallback>
+      <p:transition spd="slow" advTm="13299"/>
+    </mc:Fallback>
+  </mc:AlternateContent>
 </p:sld>
 </file>
 
@@ -10575,7 +14456,7 @@
           <a:p>
             <a:fld id="{162C1F81-0292-4658-B990-314031B5EEE0}" type="datetime4">
               <a:rPr lang="en-US" noProof="0" smtClean="0"/>
-              <a:t>November 26, 2024</a:t>
+              <a:t>December 3, 2024</a:t>
             </a:fld>
             <a:endParaRPr lang="en-US" noProof="0" dirty="0"/>
           </a:p>
@@ -10648,6 +14529,14 @@
   <p:clrMapOvr>
     <a:masterClrMapping/>
   </p:clrMapOvr>
+  <mc:AlternateContent xmlns:mc="http://schemas.openxmlformats.org/markup-compatibility/2006">
+    <mc:Choice xmlns:p14="http://schemas.microsoft.com/office/powerpoint/2010/main" Requires="p14">
+      <p:transition spd="slow" p14:dur="2000" advTm="6825"/>
+    </mc:Choice>
+    <mc:Fallback>
+      <p:transition spd="slow" advTm="6825"/>
+    </mc:Fallback>
+  </mc:AlternateContent>
 </p:sld>
 </file>
 
@@ -10697,7 +14586,7 @@
           <a:p>
             <a:fld id="{162C1F81-0292-4658-B990-314031B5EEE0}" type="datetime4">
               <a:rPr lang="en-US" noProof="0" smtClean="0"/>
-              <a:t>November 26, 2024</a:t>
+              <a:t>December 3, 2024</a:t>
             </a:fld>
             <a:endParaRPr lang="en-US" noProof="0" dirty="0"/>
           </a:p>
@@ -10770,6 +14659,14 @@
   <p:clrMapOvr>
     <a:masterClrMapping/>
   </p:clrMapOvr>
+  <mc:AlternateContent xmlns:mc="http://schemas.openxmlformats.org/markup-compatibility/2006">
+    <mc:Choice xmlns:p14="http://schemas.microsoft.com/office/powerpoint/2010/main" Requires="p14">
+      <p:transition spd="slow" p14:dur="2000" advTm="5888"/>
+    </mc:Choice>
+    <mc:Fallback>
+      <p:transition spd="slow" advTm="5888"/>
+    </mc:Fallback>
+  </mc:AlternateContent>
 </p:sld>
 </file>
 
@@ -10892,7 +14789,7 @@
           <a:p>
             <a:fld id="{162C1F81-0292-4658-B990-314031B5EEE0}" type="datetime4">
               <a:rPr lang="en-US" noProof="0" smtClean="0"/>
-              <a:t>November 26, 2024</a:t>
+              <a:t>December 3, 2024</a:t>
             </a:fld>
             <a:endParaRPr lang="en-US" noProof="0" dirty="0"/>
           </a:p>
@@ -10965,6 +14862,14 @@
   <p:clrMapOvr>
     <a:masterClrMapping/>
   </p:clrMapOvr>
+  <mc:AlternateContent xmlns:mc="http://schemas.openxmlformats.org/markup-compatibility/2006">
+    <mc:Choice xmlns:p14="http://schemas.microsoft.com/office/powerpoint/2010/main" Requires="p14">
+      <p:transition spd="slow" p14:dur="2000" advTm="64691"/>
+    </mc:Choice>
+    <mc:Fallback>
+      <p:transition spd="slow" advTm="64691"/>
+    </mc:Fallback>
+  </mc:AlternateContent>
 </p:sld>
 </file>
 
@@ -10985,43 +14890,217 @@
           <a:chExt cx="0" cy="0"/>
         </a:xfrm>
       </p:grpSpPr>
-      <p:sp>
-        <p:nvSpPr>
-          <p:cNvPr id="2" name="Content Placeholder 1">
+      <p:graphicFrame>
+        <p:nvGraphicFramePr>
+          <p:cNvPr id="6" name="Content Placeholder 5">
             <a:extLst>
               <a:ext uri="{FF2B5EF4-FFF2-40B4-BE49-F238E27FC236}">
-                <a16:creationId xmlns:a16="http://schemas.microsoft.com/office/drawing/2014/main" id="{3BD83C97-E3B1-0030-8027-46E7BD6A1843}"/>
+                <a16:creationId xmlns:a16="http://schemas.microsoft.com/office/drawing/2014/main" id="{638F5F57-4F30-7CA7-1442-F6D6ECA96B0E}"/>
               </a:ext>
             </a:extLst>
           </p:cNvPr>
-          <p:cNvSpPr>
-            <a:spLocks noGrp="1"/>
-          </p:cNvSpPr>
+          <p:cNvGraphicFramePr>
+            <a:graphicFrameLocks noGrp="1"/>
+          </p:cNvGraphicFramePr>
           <p:nvPr>
             <p:ph idx="1"/>
-          </p:nvPr>
-        </p:nvSpPr>
-        <p:spPr/>
-        <p:txBody>
-          <a:bodyPr/>
-          <a:lstStyle/>
-          <a:p>
-            <a:endParaRPr lang="en-DE" dirty="0"/>
-          </a:p>
-          <a:p>
-            <a:endParaRPr lang="en-DE" dirty="0"/>
-          </a:p>
-          <a:p>
-            <a:endParaRPr lang="en-DE" dirty="0"/>
-          </a:p>
-        </p:txBody>
-      </p:sp>
+            <p:extLst>
+              <p:ext uri="{D42A27DB-BD31-4B8C-83A1-F6EECF244321}">
+                <p14:modId xmlns:p14="http://schemas.microsoft.com/office/powerpoint/2010/main" val="187122993"/>
+              </p:ext>
+            </p:extLst>
+          </p:nvPr>
+        </p:nvGraphicFramePr>
+        <p:xfrm>
+          <a:off x="288000" y="1287780"/>
+          <a:ext cx="5630200" cy="1556880"/>
+        </p:xfrm>
+        <a:graphic>
+          <a:graphicData uri="http://schemas.openxmlformats.org/drawingml/2006/table">
+            <a:tbl>
+              <a:tblPr firstRow="1" bandRow="1">
+                <a:tableStyleId>{5C22544A-7EE6-4342-B048-85BDC9FD1C3A}</a:tableStyleId>
+              </a:tblPr>
+              <a:tblGrid>
+                <a:gridCol w="1045500">
+                  <a:extLst>
+                    <a:ext uri="{9D8B030D-6E8A-4147-A177-3AD203B41FA5}">
+                      <a16:colId xmlns:a16="http://schemas.microsoft.com/office/drawing/2014/main" val="3988887945"/>
+                    </a:ext>
+                  </a:extLst>
+                </a:gridCol>
+                <a:gridCol w="4584700">
+                  <a:extLst>
+                    <a:ext uri="{9D8B030D-6E8A-4147-A177-3AD203B41FA5}">
+                      <a16:colId xmlns:a16="http://schemas.microsoft.com/office/drawing/2014/main" val="3010422255"/>
+                    </a:ext>
+                  </a:extLst>
+                </a:gridCol>
+              </a:tblGrid>
+              <a:tr h="306000">
+                <a:tc>
+                  <a:txBody>
+                    <a:bodyPr/>
+                    <a:lstStyle/>
+                    <a:p>
+                      <a:endParaRPr lang="en-DE" sz="1400" dirty="0"/>
+                    </a:p>
+                  </a:txBody>
+                  <a:tcPr/>
+                </a:tc>
+                <a:tc>
+                  <a:txBody>
+                    <a:bodyPr/>
+                    <a:lstStyle/>
+                    <a:p>
+                      <a:r>
+                        <a:rPr lang="en-DE" sz="1400" dirty="0"/>
+                        <a:t>Information Awareness</a:t>
+                      </a:r>
+                    </a:p>
+                  </a:txBody>
+                  <a:tcPr/>
+                </a:tc>
+                <a:extLst>
+                  <a:ext uri="{0D108BD9-81ED-4DB2-BD59-A6C34878D82A}">
+                    <a16:rowId xmlns:a16="http://schemas.microsoft.com/office/drawing/2014/main" val="151212770"/>
+                  </a:ext>
+                </a:extLst>
+              </a:tr>
+              <a:tr h="306000">
+                <a:tc>
+                  <a:txBody>
+                    <a:bodyPr/>
+                    <a:lstStyle/>
+                    <a:p>
+                      <a:r>
+                        <a:rPr lang="en-DE" sz="1400" dirty="0"/>
+                        <a:t>F5a</a:t>
+                      </a:r>
+                    </a:p>
+                  </a:txBody>
+                  <a:tcPr/>
+                </a:tc>
+                <a:tc>
+                  <a:txBody>
+                    <a:bodyPr/>
+                    <a:lstStyle/>
+                    <a:p>
+                      <a:pPr lvl="0" algn="l" fontAlgn="b"/>
+                      <a:r>
+                        <a:rPr lang="en-GB" sz="1400" b="0" i="0" u="none" strike="noStrike" dirty="0">
+                          <a:solidFill>
+                            <a:srgbClr val="000000"/>
+                          </a:solidFill>
+                          <a:effectLst/>
+                          <a:latin typeface="+mn-lt"/>
+                        </a:rPr>
+                        <a:t>   How often do you inform via public, private and alternative media channels?</a:t>
+                      </a:r>
+                    </a:p>
+                  </a:txBody>
+                  <a:tcPr marL="0" marR="0" marT="0" marB="0" anchor="ctr"/>
+                </a:tc>
+                <a:extLst>
+                  <a:ext uri="{0D108BD9-81ED-4DB2-BD59-A6C34878D82A}">
+                    <a16:rowId xmlns:a16="http://schemas.microsoft.com/office/drawing/2014/main" val="1667274981"/>
+                  </a:ext>
+                </a:extLst>
+              </a:tr>
+              <a:tr h="306000">
+                <a:tc>
+                  <a:txBody>
+                    <a:bodyPr/>
+                    <a:lstStyle/>
+                    <a:p>
+                      <a:r>
+                        <a:rPr lang="en-DE" sz="1400" dirty="0"/>
+                        <a:t>F5b</a:t>
+                      </a:r>
+                    </a:p>
+                  </a:txBody>
+                  <a:tcPr/>
+                </a:tc>
+                <a:tc>
+                  <a:txBody>
+                    <a:bodyPr/>
+                    <a:lstStyle/>
+                    <a:p>
+                      <a:r>
+                        <a:rPr lang="en-DE" sz="1400" dirty="0"/>
+                        <a:t>Which channels are you using?</a:t>
+                      </a:r>
+                    </a:p>
+                  </a:txBody>
+                  <a:tcPr/>
+                </a:tc>
+                <a:extLst>
+                  <a:ext uri="{0D108BD9-81ED-4DB2-BD59-A6C34878D82A}">
+                    <a16:rowId xmlns:a16="http://schemas.microsoft.com/office/drawing/2014/main" val="1630201282"/>
+                  </a:ext>
+                </a:extLst>
+              </a:tr>
+              <a:tr h="306000">
+                <a:tc>
+                  <a:txBody>
+                    <a:bodyPr/>
+                    <a:lstStyle/>
+                    <a:p>
+                      <a:r>
+                        <a:rPr lang="en-GB" sz="1400" dirty="0"/>
+                        <a:t>F5A10_1 –  A14_1</a:t>
+                      </a:r>
+                      <a:endParaRPr lang="en-DE" sz="1400" dirty="0"/>
+                    </a:p>
+                  </a:txBody>
+                  <a:tcPr/>
+                </a:tc>
+                <a:tc>
+                  <a:txBody>
+                    <a:bodyPr/>
+                    <a:lstStyle/>
+                    <a:p>
+                      <a:pPr marL="0" marR="0" lvl="0" indent="0" algn="l" defTabSz="914347" rtl="0" eaLnBrk="1" fontAlgn="auto" latinLnBrk="0" hangingPunct="1">
+                        <a:lnSpc>
+                          <a:spcPct val="100000"/>
+                        </a:lnSpc>
+                        <a:spcBef>
+                          <a:spcPts val="0"/>
+                        </a:spcBef>
+                        <a:spcAft>
+                          <a:spcPts val="0"/>
+                        </a:spcAft>
+                        <a:buClrTx/>
+                        <a:buSzTx/>
+                        <a:buFontTx/>
+                        <a:buNone/>
+                        <a:tabLst/>
+                        <a:defRPr/>
+                      </a:pPr>
+                      <a:r>
+                        <a:rPr lang="en-GB" sz="1400" dirty="0"/>
+                        <a:t>How much du you trust in different media?</a:t>
+                      </a:r>
+                    </a:p>
+                  </a:txBody>
+                  <a:tcPr/>
+                </a:tc>
+                <a:extLst>
+                  <a:ext uri="{0D108BD9-81ED-4DB2-BD59-A6C34878D82A}">
+                    <a16:rowId xmlns:a16="http://schemas.microsoft.com/office/drawing/2014/main" val="1641263562"/>
+                  </a:ext>
+                </a:extLst>
+              </a:tr>
+            </a:tbl>
+          </a:graphicData>
+        </a:graphic>
+      </p:graphicFrame>
       <p:sp>
         <p:nvSpPr>
           <p:cNvPr id="3" name="Date Placeholder 2">
             <a:extLst>
               <a:ext uri="{FF2B5EF4-FFF2-40B4-BE49-F238E27FC236}">
-                <a16:creationId xmlns:a16="http://schemas.microsoft.com/office/drawing/2014/main" id="{7A0E3AEF-0EC9-3281-27E8-073D237F5C5A}"/>
+                <a16:creationId xmlns:a16="http://schemas.microsoft.com/office/drawing/2014/main" id="{881F01AE-70CF-CB6D-DE42-B617EC028504}"/>
               </a:ext>
             </a:extLst>
           </p:cNvPr>
@@ -11039,9 +15118,9 @@
           <a:p>
             <a:fld id="{162C1F81-0292-4658-B990-314031B5EEE0}" type="datetime4">
               <a:rPr lang="en-US" noProof="0" smtClean="0"/>
-              <a:t>November 26, 2024</a:t>
+              <a:t>December 5, 2024</a:t>
             </a:fld>
-            <a:endParaRPr lang="en-US" noProof="0"/>
+            <a:endParaRPr lang="en-US" noProof="0" dirty="0"/>
           </a:p>
         </p:txBody>
       </p:sp>
@@ -11050,7 +15129,7 @@
           <p:cNvPr id="4" name="Slide Number Placeholder 3">
             <a:extLst>
               <a:ext uri="{FF2B5EF4-FFF2-40B4-BE49-F238E27FC236}">
-                <a16:creationId xmlns:a16="http://schemas.microsoft.com/office/drawing/2014/main" id="{441CD080-D238-BC68-FBAB-FD9D4CC49102}"/>
+                <a16:creationId xmlns:a16="http://schemas.microsoft.com/office/drawing/2014/main" id="{3D866061-C98A-9395-F9B6-3DC83624A8D9}"/>
               </a:ext>
             </a:extLst>
           </p:cNvPr>
@@ -11070,7 +15149,7 @@
               <a:rPr lang="en-US" noProof="0" smtClean="0"/>
               <a:t>7</a:t>
             </a:fld>
-            <a:endParaRPr lang="en-US" noProof="0"/>
+            <a:endParaRPr lang="en-US" noProof="0" dirty="0"/>
           </a:p>
         </p:txBody>
       </p:sp>
@@ -11079,7 +15158,7 @@
           <p:cNvPr id="5" name="Title 4">
             <a:extLst>
               <a:ext uri="{FF2B5EF4-FFF2-40B4-BE49-F238E27FC236}">
-                <a16:creationId xmlns:a16="http://schemas.microsoft.com/office/drawing/2014/main" id="{68FE9C1A-CFC4-E8B3-CFB2-CAA259A98DA6}"/>
+                <a16:creationId xmlns:a16="http://schemas.microsoft.com/office/drawing/2014/main" id="{58F9F2C1-E711-9CCA-BE2E-06E75CD366FF}"/>
               </a:ext>
             </a:extLst>
           </p:cNvPr>
@@ -11102,16 +15181,1156 @@
           </a:p>
         </p:txBody>
       </p:sp>
+      <p:graphicFrame>
+        <p:nvGraphicFramePr>
+          <p:cNvPr id="7" name="Content Placeholder 5">
+            <a:extLst>
+              <a:ext uri="{FF2B5EF4-FFF2-40B4-BE49-F238E27FC236}">
+                <a16:creationId xmlns:a16="http://schemas.microsoft.com/office/drawing/2014/main" id="{C3AE83C4-10C2-3A06-914B-CC969A6C52C5}"/>
+              </a:ext>
+            </a:extLst>
+          </p:cNvPr>
+          <p:cNvGraphicFramePr>
+            <a:graphicFrameLocks/>
+          </p:cNvGraphicFramePr>
+          <p:nvPr>
+            <p:extLst>
+              <p:ext uri="{D42A27DB-BD31-4B8C-83A1-F6EECF244321}">
+                <p14:modId xmlns:p14="http://schemas.microsoft.com/office/powerpoint/2010/main" val="314183495"/>
+              </p:ext>
+            </p:extLst>
+          </p:nvPr>
+        </p:nvGraphicFramePr>
+        <p:xfrm>
+          <a:off x="287999" y="3018426"/>
+          <a:ext cx="5630199" cy="1238400"/>
+        </p:xfrm>
+        <a:graphic>
+          <a:graphicData uri="http://schemas.openxmlformats.org/drawingml/2006/table">
+            <a:tbl>
+              <a:tblPr firstRow="1" bandRow="1">
+                <a:tableStyleId>{F5AB1C69-6EDB-4FF4-983F-18BD219EF322}</a:tableStyleId>
+              </a:tblPr>
+              <a:tblGrid>
+                <a:gridCol w="1058201">
+                  <a:extLst>
+                    <a:ext uri="{9D8B030D-6E8A-4147-A177-3AD203B41FA5}">
+                      <a16:colId xmlns:a16="http://schemas.microsoft.com/office/drawing/2014/main" val="3988887945"/>
+                    </a:ext>
+                  </a:extLst>
+                </a:gridCol>
+                <a:gridCol w="4571998">
+                  <a:extLst>
+                    <a:ext uri="{9D8B030D-6E8A-4147-A177-3AD203B41FA5}">
+                      <a16:colId xmlns:a16="http://schemas.microsoft.com/office/drawing/2014/main" val="3010422255"/>
+                    </a:ext>
+                  </a:extLst>
+                </a:gridCol>
+              </a:tblGrid>
+              <a:tr h="309600">
+                <a:tc>
+                  <a:txBody>
+                    <a:bodyPr/>
+                    <a:lstStyle/>
+                    <a:p>
+                      <a:endParaRPr lang="en-DE" sz="1400" dirty="0"/>
+                    </a:p>
+                  </a:txBody>
+                  <a:tcPr/>
+                </a:tc>
+                <a:tc>
+                  <a:txBody>
+                    <a:bodyPr/>
+                    <a:lstStyle/>
+                    <a:p>
+                      <a:r>
+                        <a:rPr lang="en-DE" sz="1400" dirty="0"/>
+                        <a:t>Investment Sentiment</a:t>
+                      </a:r>
+                    </a:p>
+                  </a:txBody>
+                  <a:tcPr/>
+                </a:tc>
+                <a:extLst>
+                  <a:ext uri="{0D108BD9-81ED-4DB2-BD59-A6C34878D82A}">
+                    <a16:rowId xmlns:a16="http://schemas.microsoft.com/office/drawing/2014/main" val="151212770"/>
+                  </a:ext>
+                </a:extLst>
+              </a:tr>
+              <a:tr h="309600">
+                <a:tc>
+                  <a:txBody>
+                    <a:bodyPr/>
+                    <a:lstStyle/>
+                    <a:p>
+                      <a:r>
+                        <a:rPr lang="en-GB" sz="1400" dirty="0"/>
+                        <a:t>F71invest</a:t>
+                      </a:r>
+                      <a:endParaRPr lang="en-DE" sz="1400" dirty="0"/>
+                    </a:p>
+                  </a:txBody>
+                  <a:tcPr/>
+                </a:tc>
+                <a:tc>
+                  <a:txBody>
+                    <a:bodyPr/>
+                    <a:lstStyle/>
+                    <a:p>
+                      <a:r>
+                        <a:rPr lang="en-GB" sz="1400" dirty="0"/>
+                        <a:t>Are you currently investing in the stock market?</a:t>
+                      </a:r>
+                      <a:endParaRPr lang="en-DE" sz="1400" dirty="0"/>
+                    </a:p>
+                  </a:txBody>
+                  <a:tcPr/>
+                </a:tc>
+                <a:extLst>
+                  <a:ext uri="{0D108BD9-81ED-4DB2-BD59-A6C34878D82A}">
+                    <a16:rowId xmlns:a16="http://schemas.microsoft.com/office/drawing/2014/main" val="850685061"/>
+                  </a:ext>
+                </a:extLst>
+              </a:tr>
+              <a:tr h="309600">
+                <a:tc>
+                  <a:txBody>
+                    <a:bodyPr/>
+                    <a:lstStyle/>
+                    <a:p>
+                      <a:r>
+                        <a:rPr lang="en-GB" sz="1400" dirty="0"/>
+                        <a:t>F5A10_2</a:t>
+                      </a:r>
+                      <a:endParaRPr lang="en-DE" sz="1400" dirty="0"/>
+                    </a:p>
+                  </a:txBody>
+                  <a:tcPr/>
+                </a:tc>
+                <a:tc>
+                  <a:txBody>
+                    <a:bodyPr/>
+                    <a:lstStyle/>
+                    <a:p>
+                      <a:r>
+                        <a:rPr lang="en-GB" sz="1400" dirty="0"/>
+                        <a:t>How much do you trust in the stock market</a:t>
+                      </a:r>
+                      <a:endParaRPr lang="en-DE" sz="1400" dirty="0"/>
+                    </a:p>
+                  </a:txBody>
+                  <a:tcPr/>
+                </a:tc>
+                <a:extLst>
+                  <a:ext uri="{0D108BD9-81ED-4DB2-BD59-A6C34878D82A}">
+                    <a16:rowId xmlns:a16="http://schemas.microsoft.com/office/drawing/2014/main" val="3563531823"/>
+                  </a:ext>
+                </a:extLst>
+              </a:tr>
+              <a:tr h="309600">
+                <a:tc>
+                  <a:txBody>
+                    <a:bodyPr/>
+                    <a:lstStyle/>
+                    <a:p>
+                      <a:r>
+                        <a:rPr lang="en-DE" sz="1400" dirty="0"/>
+                        <a:t>F3A21_1</a:t>
+                      </a:r>
+                    </a:p>
+                  </a:txBody>
+                  <a:tcPr/>
+                </a:tc>
+                <a:tc>
+                  <a:txBody>
+                    <a:bodyPr/>
+                    <a:lstStyle/>
+                    <a:p>
+                      <a:r>
+                        <a:rPr lang="en-GB" sz="1400" dirty="0"/>
+                        <a:t>It currently makes sense to invest in stocks</a:t>
+                      </a:r>
+                      <a:endParaRPr lang="en-DE" sz="1400" dirty="0"/>
+                    </a:p>
+                  </a:txBody>
+                  <a:tcPr/>
+                </a:tc>
+                <a:extLst>
+                  <a:ext uri="{0D108BD9-81ED-4DB2-BD59-A6C34878D82A}">
+                    <a16:rowId xmlns:a16="http://schemas.microsoft.com/office/drawing/2014/main" val="535974440"/>
+                  </a:ext>
+                </a:extLst>
+              </a:tr>
+            </a:tbl>
+          </a:graphicData>
+        </a:graphic>
+      </p:graphicFrame>
+      <p:graphicFrame>
+        <p:nvGraphicFramePr>
+          <p:cNvPr id="8" name="Content Placeholder 5">
+            <a:extLst>
+              <a:ext uri="{FF2B5EF4-FFF2-40B4-BE49-F238E27FC236}">
+                <a16:creationId xmlns:a16="http://schemas.microsoft.com/office/drawing/2014/main" id="{89A64B9D-AA34-18C0-A218-839AECE2DB7A}"/>
+              </a:ext>
+            </a:extLst>
+          </p:cNvPr>
+          <p:cNvGraphicFramePr>
+            <a:graphicFrameLocks/>
+          </p:cNvGraphicFramePr>
+          <p:nvPr>
+            <p:extLst>
+              <p:ext uri="{D42A27DB-BD31-4B8C-83A1-F6EECF244321}">
+                <p14:modId xmlns:p14="http://schemas.microsoft.com/office/powerpoint/2010/main" val="1029155090"/>
+              </p:ext>
+            </p:extLst>
+          </p:nvPr>
+        </p:nvGraphicFramePr>
+        <p:xfrm>
+          <a:off x="287999" y="4476410"/>
+          <a:ext cx="5630198" cy="1224000"/>
+        </p:xfrm>
+        <a:graphic>
+          <a:graphicData uri="http://schemas.openxmlformats.org/drawingml/2006/table">
+            <a:tbl>
+              <a:tblPr firstRow="1" bandRow="1">
+                <a:tableStyleId>{00A15C55-8517-42AA-B614-E9B94910E393}</a:tableStyleId>
+              </a:tblPr>
+              <a:tblGrid>
+                <a:gridCol w="1100638">
+                  <a:extLst>
+                    <a:ext uri="{9D8B030D-6E8A-4147-A177-3AD203B41FA5}">
+                      <a16:colId xmlns:a16="http://schemas.microsoft.com/office/drawing/2014/main" val="3988887945"/>
+                    </a:ext>
+                  </a:extLst>
+                </a:gridCol>
+                <a:gridCol w="4529560">
+                  <a:extLst>
+                    <a:ext uri="{9D8B030D-6E8A-4147-A177-3AD203B41FA5}">
+                      <a16:colId xmlns:a16="http://schemas.microsoft.com/office/drawing/2014/main" val="3010422255"/>
+                    </a:ext>
+                  </a:extLst>
+                </a:gridCol>
+              </a:tblGrid>
+              <a:tr h="0">
+                <a:tc>
+                  <a:txBody>
+                    <a:bodyPr/>
+                    <a:lstStyle/>
+                    <a:p>
+                      <a:endParaRPr lang="en-DE" sz="1400" dirty="0"/>
+                    </a:p>
+                  </a:txBody>
+                  <a:tcPr/>
+                </a:tc>
+                <a:tc>
+                  <a:txBody>
+                    <a:bodyPr/>
+                    <a:lstStyle/>
+                    <a:p>
+                      <a:r>
+                        <a:rPr lang="en-DE" sz="1400" dirty="0"/>
+                        <a:t>Corona Sentiment</a:t>
+                      </a:r>
+                    </a:p>
+                  </a:txBody>
+                  <a:tcPr/>
+                </a:tc>
+                <a:extLst>
+                  <a:ext uri="{0D108BD9-81ED-4DB2-BD59-A6C34878D82A}">
+                    <a16:rowId xmlns:a16="http://schemas.microsoft.com/office/drawing/2014/main" val="151212770"/>
+                  </a:ext>
+                </a:extLst>
+              </a:tr>
+              <a:tr h="309600">
+                <a:tc>
+                  <a:txBody>
+                    <a:bodyPr/>
+                    <a:lstStyle/>
+                    <a:p>
+                      <a:pPr marL="0" marR="0" lvl="0" indent="0" algn="l" defTabSz="914347" rtl="0" eaLnBrk="1" fontAlgn="auto" latinLnBrk="0" hangingPunct="1">
+                        <a:lnSpc>
+                          <a:spcPct val="100000"/>
+                        </a:lnSpc>
+                        <a:spcBef>
+                          <a:spcPts val="0"/>
+                        </a:spcBef>
+                        <a:spcAft>
+                          <a:spcPts val="0"/>
+                        </a:spcAft>
+                        <a:buClrTx/>
+                        <a:buSzTx/>
+                        <a:buFontTx/>
+                        <a:buNone/>
+                        <a:tabLst/>
+                        <a:defRPr/>
+                      </a:pPr>
+                      <a:r>
+                        <a:rPr lang="en-GB" sz="1400" dirty="0"/>
+                        <a:t>F3A15_1</a:t>
+                      </a:r>
+                    </a:p>
+                  </a:txBody>
+                  <a:tcPr/>
+                </a:tc>
+                <a:tc>
+                  <a:txBody>
+                    <a:bodyPr/>
+                    <a:lstStyle/>
+                    <a:p>
+                      <a:r>
+                        <a:rPr lang="en-DE" sz="1400" dirty="0"/>
+                        <a:t>Current corona regulations in Germany are going to far </a:t>
+                      </a:r>
+                    </a:p>
+                  </a:txBody>
+                  <a:tcPr/>
+                </a:tc>
+                <a:extLst>
+                  <a:ext uri="{0D108BD9-81ED-4DB2-BD59-A6C34878D82A}">
+                    <a16:rowId xmlns:a16="http://schemas.microsoft.com/office/drawing/2014/main" val="850685061"/>
+                  </a:ext>
+                </a:extLst>
+              </a:tr>
+              <a:tr h="0">
+                <a:tc>
+                  <a:txBody>
+                    <a:bodyPr/>
+                    <a:lstStyle/>
+                    <a:p>
+                      <a:r>
+                        <a:rPr lang="en-GB" sz="1400" dirty="0"/>
+                        <a:t>F3A16_1</a:t>
+                      </a:r>
+                      <a:endParaRPr lang="en-DE" sz="1400" dirty="0"/>
+                    </a:p>
+                  </a:txBody>
+                  <a:tcPr/>
+                </a:tc>
+                <a:tc>
+                  <a:txBody>
+                    <a:bodyPr/>
+                    <a:lstStyle/>
+                    <a:p>
+                      <a:r>
+                        <a:rPr lang="en-GB" sz="1400" dirty="0"/>
+                        <a:t>A mask obligation is currently necessary</a:t>
+                      </a:r>
+                      <a:endParaRPr lang="en-DE" sz="1400" dirty="0"/>
+                    </a:p>
+                  </a:txBody>
+                  <a:tcPr/>
+                </a:tc>
+                <a:extLst>
+                  <a:ext uri="{0D108BD9-81ED-4DB2-BD59-A6C34878D82A}">
+                    <a16:rowId xmlns:a16="http://schemas.microsoft.com/office/drawing/2014/main" val="3563531823"/>
+                  </a:ext>
+                </a:extLst>
+              </a:tr>
+              <a:tr h="0">
+                <a:tc>
+                  <a:txBody>
+                    <a:bodyPr/>
+                    <a:lstStyle/>
+                    <a:p>
+                      <a:pPr marL="0" marR="0" lvl="0" indent="0" algn="l" defTabSz="914347" rtl="0" eaLnBrk="1" fontAlgn="auto" latinLnBrk="0" hangingPunct="1">
+                        <a:lnSpc>
+                          <a:spcPct val="100000"/>
+                        </a:lnSpc>
+                        <a:spcBef>
+                          <a:spcPts val="0"/>
+                        </a:spcBef>
+                        <a:spcAft>
+                          <a:spcPts val="0"/>
+                        </a:spcAft>
+                        <a:buClrTx/>
+                        <a:buSzTx/>
+                        <a:buFontTx/>
+                        <a:buNone/>
+                        <a:tabLst/>
+                        <a:defRPr/>
+                      </a:pPr>
+                      <a:r>
+                        <a:rPr lang="en-GB" sz="1400" dirty="0"/>
+                        <a:t>F3A17_1</a:t>
+                      </a:r>
+                    </a:p>
+                  </a:txBody>
+                  <a:tcPr/>
+                </a:tc>
+                <a:tc>
+                  <a:txBody>
+                    <a:bodyPr/>
+                    <a:lstStyle/>
+                    <a:p>
+                      <a:r>
+                        <a:rPr lang="en-GB" sz="1400" dirty="0"/>
+                        <a:t>Corona infected people should still isolate for 5 days</a:t>
+                      </a:r>
+                      <a:endParaRPr lang="en-DE" sz="1400" dirty="0"/>
+                    </a:p>
+                  </a:txBody>
+                  <a:tcPr/>
+                </a:tc>
+                <a:extLst>
+                  <a:ext uri="{0D108BD9-81ED-4DB2-BD59-A6C34878D82A}">
+                    <a16:rowId xmlns:a16="http://schemas.microsoft.com/office/drawing/2014/main" val="535974440"/>
+                  </a:ext>
+                </a:extLst>
+              </a:tr>
+            </a:tbl>
+          </a:graphicData>
+        </a:graphic>
+      </p:graphicFrame>
+      <p:graphicFrame>
+        <p:nvGraphicFramePr>
+          <p:cNvPr id="9" name="Content Placeholder 5">
+            <a:extLst>
+              <a:ext uri="{FF2B5EF4-FFF2-40B4-BE49-F238E27FC236}">
+                <a16:creationId xmlns:a16="http://schemas.microsoft.com/office/drawing/2014/main" id="{61960D24-CFEE-E6C3-C8C0-27F215CF930D}"/>
+              </a:ext>
+            </a:extLst>
+          </p:cNvPr>
+          <p:cNvGraphicFramePr>
+            <a:graphicFrameLocks/>
+          </p:cNvGraphicFramePr>
+          <p:nvPr>
+            <p:extLst>
+              <p:ext uri="{D42A27DB-BD31-4B8C-83A1-F6EECF244321}">
+                <p14:modId xmlns:p14="http://schemas.microsoft.com/office/powerpoint/2010/main" val="164791518"/>
+              </p:ext>
+            </p:extLst>
+          </p:nvPr>
+        </p:nvGraphicFramePr>
+        <p:xfrm>
+          <a:off x="6273802" y="1287780"/>
+          <a:ext cx="5511798" cy="2046960"/>
+        </p:xfrm>
+        <a:graphic>
+          <a:graphicData uri="http://schemas.openxmlformats.org/drawingml/2006/table">
+            <a:tbl>
+              <a:tblPr firstRow="1" bandRow="1">
+                <a:tableStyleId>{7DF18680-E054-41AD-8BC1-D1AEF772440D}</a:tableStyleId>
+              </a:tblPr>
+              <a:tblGrid>
+                <a:gridCol w="927098">
+                  <a:extLst>
+                    <a:ext uri="{9D8B030D-6E8A-4147-A177-3AD203B41FA5}">
+                      <a16:colId xmlns:a16="http://schemas.microsoft.com/office/drawing/2014/main" val="3988887945"/>
+                    </a:ext>
+                  </a:extLst>
+                </a:gridCol>
+                <a:gridCol w="4584700">
+                  <a:extLst>
+                    <a:ext uri="{9D8B030D-6E8A-4147-A177-3AD203B41FA5}">
+                      <a16:colId xmlns:a16="http://schemas.microsoft.com/office/drawing/2014/main" val="3010422255"/>
+                    </a:ext>
+                  </a:extLst>
+                </a:gridCol>
+              </a:tblGrid>
+              <a:tr h="0">
+                <a:tc>
+                  <a:txBody>
+                    <a:bodyPr/>
+                    <a:lstStyle/>
+                    <a:p>
+                      <a:endParaRPr lang="en-DE" sz="1400" dirty="0"/>
+                    </a:p>
+                  </a:txBody>
+                  <a:tcPr/>
+                </a:tc>
+                <a:tc>
+                  <a:txBody>
+                    <a:bodyPr/>
+                    <a:lstStyle/>
+                    <a:p>
+                      <a:r>
+                        <a:rPr lang="en-DE" sz="1400" dirty="0"/>
+                        <a:t>Ukraine War Sentiment</a:t>
+                      </a:r>
+                    </a:p>
+                  </a:txBody>
+                  <a:tcPr/>
+                </a:tc>
+                <a:extLst>
+                  <a:ext uri="{0D108BD9-81ED-4DB2-BD59-A6C34878D82A}">
+                    <a16:rowId xmlns:a16="http://schemas.microsoft.com/office/drawing/2014/main" val="151212770"/>
+                  </a:ext>
+                </a:extLst>
+              </a:tr>
+              <a:tr h="309600">
+                <a:tc>
+                  <a:txBody>
+                    <a:bodyPr/>
+                    <a:lstStyle/>
+                    <a:p>
+                      <a:pPr marL="0" marR="0" lvl="0" indent="0" algn="l" defTabSz="914347" rtl="0" eaLnBrk="1" fontAlgn="auto" latinLnBrk="0" hangingPunct="1">
+                        <a:lnSpc>
+                          <a:spcPct val="100000"/>
+                        </a:lnSpc>
+                        <a:spcBef>
+                          <a:spcPts val="0"/>
+                        </a:spcBef>
+                        <a:spcAft>
+                          <a:spcPts val="0"/>
+                        </a:spcAft>
+                        <a:buClrTx/>
+                        <a:buSzTx/>
+                        <a:buFontTx/>
+                        <a:buNone/>
+                        <a:tabLst/>
+                        <a:defRPr/>
+                      </a:pPr>
+                      <a:r>
+                        <a:rPr lang="en-GB" sz="1400" dirty="0"/>
+                        <a:t>F2A6</a:t>
+                      </a:r>
+                    </a:p>
+                  </a:txBody>
+                  <a:tcPr/>
+                </a:tc>
+                <a:tc>
+                  <a:txBody>
+                    <a:bodyPr/>
+                    <a:lstStyle/>
+                    <a:p>
+                      <a:r>
+                        <a:rPr lang="en-DE" sz="1400" dirty="0"/>
+                        <a:t>I worry Germany will get involved in ukraine war deeper</a:t>
+                      </a:r>
+                    </a:p>
+                  </a:txBody>
+                  <a:tcPr/>
+                </a:tc>
+                <a:extLst>
+                  <a:ext uri="{0D108BD9-81ED-4DB2-BD59-A6C34878D82A}">
+                    <a16:rowId xmlns:a16="http://schemas.microsoft.com/office/drawing/2014/main" val="850685061"/>
+                  </a:ext>
+                </a:extLst>
+              </a:tr>
+              <a:tr h="0">
+                <a:tc>
+                  <a:txBody>
+                    <a:bodyPr/>
+                    <a:lstStyle/>
+                    <a:p>
+                      <a:r>
+                        <a:rPr lang="en-GB" sz="1400" dirty="0"/>
+                        <a:t>F2A7</a:t>
+                      </a:r>
+                      <a:endParaRPr lang="en-DE" sz="1400" dirty="0"/>
+                    </a:p>
+                  </a:txBody>
+                  <a:tcPr/>
+                </a:tc>
+                <a:tc>
+                  <a:txBody>
+                    <a:bodyPr/>
+                    <a:lstStyle/>
+                    <a:p>
+                      <a:r>
+                        <a:rPr lang="en-GB" sz="1400" dirty="0"/>
+                        <a:t>I worry about Ukrainian refugee’s situation in Germany</a:t>
+                      </a:r>
+                      <a:endParaRPr lang="en-DE" sz="1400" dirty="0"/>
+                    </a:p>
+                  </a:txBody>
+                  <a:tcPr/>
+                </a:tc>
+                <a:extLst>
+                  <a:ext uri="{0D108BD9-81ED-4DB2-BD59-A6C34878D82A}">
+                    <a16:rowId xmlns:a16="http://schemas.microsoft.com/office/drawing/2014/main" val="3563531823"/>
+                  </a:ext>
+                </a:extLst>
+              </a:tr>
+              <a:tr h="0">
+                <a:tc>
+                  <a:txBody>
+                    <a:bodyPr/>
+                    <a:lstStyle/>
+                    <a:p>
+                      <a:r>
+                        <a:rPr lang="en-GB" sz="1400" dirty="0"/>
+                        <a:t>F2A14</a:t>
+                      </a:r>
+                      <a:endParaRPr lang="en-DE" sz="1400" dirty="0"/>
+                    </a:p>
+                  </a:txBody>
+                  <a:tcPr/>
+                </a:tc>
+                <a:tc>
+                  <a:txBody>
+                    <a:bodyPr/>
+                    <a:lstStyle/>
+                    <a:p>
+                      <a:r>
+                        <a:rPr lang="en-DE" sz="1400" dirty="0"/>
+                        <a:t>I worry that russia will use atomic weapons</a:t>
+                      </a:r>
+                    </a:p>
+                  </a:txBody>
+                  <a:tcPr/>
+                </a:tc>
+                <a:extLst>
+                  <a:ext uri="{0D108BD9-81ED-4DB2-BD59-A6C34878D82A}">
+                    <a16:rowId xmlns:a16="http://schemas.microsoft.com/office/drawing/2014/main" val="630337523"/>
+                  </a:ext>
+                </a:extLst>
+              </a:tr>
+              <a:tr h="0">
+                <a:tc>
+                  <a:txBody>
+                    <a:bodyPr/>
+                    <a:lstStyle/>
+                    <a:p>
+                      <a:pPr marL="0" marR="0" lvl="0" indent="0" algn="l" defTabSz="914347" rtl="0" eaLnBrk="1" fontAlgn="auto" latinLnBrk="0" hangingPunct="1">
+                        <a:lnSpc>
+                          <a:spcPct val="100000"/>
+                        </a:lnSpc>
+                        <a:spcBef>
+                          <a:spcPts val="0"/>
+                        </a:spcBef>
+                        <a:spcAft>
+                          <a:spcPts val="0"/>
+                        </a:spcAft>
+                        <a:buClrTx/>
+                        <a:buSzTx/>
+                        <a:buFontTx/>
+                        <a:buNone/>
+                        <a:tabLst/>
+                        <a:defRPr/>
+                      </a:pPr>
+                      <a:r>
+                        <a:rPr lang="en-GB" sz="1400" dirty="0"/>
+                        <a:t>F3A14_1</a:t>
+                      </a:r>
+                    </a:p>
+                  </a:txBody>
+                  <a:tcPr/>
+                </a:tc>
+                <a:tc>
+                  <a:txBody>
+                    <a:bodyPr/>
+                    <a:lstStyle/>
+                    <a:p>
+                      <a:r>
+                        <a:rPr lang="en-GB" sz="1400" dirty="0"/>
+                        <a:t>Germany should support Ukraine military as long as war is going on</a:t>
+                      </a:r>
+                      <a:endParaRPr lang="en-DE" sz="1400" dirty="0"/>
+                    </a:p>
+                  </a:txBody>
+                  <a:tcPr/>
+                </a:tc>
+                <a:extLst>
+                  <a:ext uri="{0D108BD9-81ED-4DB2-BD59-A6C34878D82A}">
+                    <a16:rowId xmlns:a16="http://schemas.microsoft.com/office/drawing/2014/main" val="535974440"/>
+                  </a:ext>
+                </a:extLst>
+              </a:tr>
+              <a:tr h="0">
+                <a:tc>
+                  <a:txBody>
+                    <a:bodyPr/>
+                    <a:lstStyle/>
+                    <a:p>
+                      <a:pPr marL="0" marR="0" lvl="0" indent="0" algn="l" defTabSz="914347" rtl="0" eaLnBrk="1" fontAlgn="auto" latinLnBrk="0" hangingPunct="1">
+                        <a:lnSpc>
+                          <a:spcPct val="100000"/>
+                        </a:lnSpc>
+                        <a:spcBef>
+                          <a:spcPts val="0"/>
+                        </a:spcBef>
+                        <a:spcAft>
+                          <a:spcPts val="0"/>
+                        </a:spcAft>
+                        <a:buClrTx/>
+                        <a:buSzTx/>
+                        <a:buFontTx/>
+                        <a:buNone/>
+                        <a:tabLst/>
+                        <a:defRPr/>
+                      </a:pPr>
+                      <a:r>
+                        <a:rPr lang="en-GB" sz="1400" dirty="0"/>
+                        <a:t>F3A22_1</a:t>
+                      </a:r>
+                    </a:p>
+                  </a:txBody>
+                  <a:tcPr/>
+                </a:tc>
+                <a:tc>
+                  <a:txBody>
+                    <a:bodyPr/>
+                    <a:lstStyle/>
+                    <a:p>
+                      <a:r>
+                        <a:rPr lang="en-DE" sz="1400" dirty="0"/>
+                        <a:t>Ukraine should admit lost of land to end war</a:t>
+                      </a:r>
+                    </a:p>
+                  </a:txBody>
+                  <a:tcPr/>
+                </a:tc>
+                <a:extLst>
+                  <a:ext uri="{0D108BD9-81ED-4DB2-BD59-A6C34878D82A}">
+                    <a16:rowId xmlns:a16="http://schemas.microsoft.com/office/drawing/2014/main" val="2164431869"/>
+                  </a:ext>
+                </a:extLst>
+              </a:tr>
+            </a:tbl>
+          </a:graphicData>
+        </a:graphic>
+      </p:graphicFrame>
+      <p:graphicFrame>
+        <p:nvGraphicFramePr>
+          <p:cNvPr id="10" name="Content Placeholder 5">
+            <a:extLst>
+              <a:ext uri="{FF2B5EF4-FFF2-40B4-BE49-F238E27FC236}">
+                <a16:creationId xmlns:a16="http://schemas.microsoft.com/office/drawing/2014/main" id="{120EE65C-F329-0A1A-FE7D-CD2E58C9BF07}"/>
+              </a:ext>
+            </a:extLst>
+          </p:cNvPr>
+          <p:cNvGraphicFramePr>
+            <a:graphicFrameLocks/>
+          </p:cNvGraphicFramePr>
+          <p:nvPr>
+            <p:extLst>
+              <p:ext uri="{D42A27DB-BD31-4B8C-83A1-F6EECF244321}">
+                <p14:modId xmlns:p14="http://schemas.microsoft.com/office/powerpoint/2010/main" val="3034422902"/>
+              </p:ext>
+            </p:extLst>
+          </p:nvPr>
+        </p:nvGraphicFramePr>
+        <p:xfrm>
+          <a:off x="6273802" y="3459901"/>
+          <a:ext cx="5511798" cy="1224000"/>
+        </p:xfrm>
+        <a:graphic>
+          <a:graphicData uri="http://schemas.openxmlformats.org/drawingml/2006/table">
+            <a:tbl>
+              <a:tblPr firstRow="1" bandRow="1">
+                <a:tableStyleId>{073A0DAA-6AF3-43AB-8588-CEC1D06C72B9}</a:tableStyleId>
+              </a:tblPr>
+              <a:tblGrid>
+                <a:gridCol w="927098">
+                  <a:extLst>
+                    <a:ext uri="{9D8B030D-6E8A-4147-A177-3AD203B41FA5}">
+                      <a16:colId xmlns:a16="http://schemas.microsoft.com/office/drawing/2014/main" val="3988887945"/>
+                    </a:ext>
+                  </a:extLst>
+                </a:gridCol>
+                <a:gridCol w="4584700">
+                  <a:extLst>
+                    <a:ext uri="{9D8B030D-6E8A-4147-A177-3AD203B41FA5}">
+                      <a16:colId xmlns:a16="http://schemas.microsoft.com/office/drawing/2014/main" val="3010422255"/>
+                    </a:ext>
+                  </a:extLst>
+                </a:gridCol>
+              </a:tblGrid>
+              <a:tr h="0">
+                <a:tc>
+                  <a:txBody>
+                    <a:bodyPr/>
+                    <a:lstStyle/>
+                    <a:p>
+                      <a:endParaRPr lang="en-DE" sz="1400" dirty="0"/>
+                    </a:p>
+                  </a:txBody>
+                  <a:tcPr/>
+                </a:tc>
+                <a:tc>
+                  <a:txBody>
+                    <a:bodyPr/>
+                    <a:lstStyle/>
+                    <a:p>
+                      <a:r>
+                        <a:rPr lang="en-DE" sz="1400" dirty="0"/>
+                        <a:t>Energy Crisis Sentiment</a:t>
+                      </a:r>
+                    </a:p>
+                  </a:txBody>
+                  <a:tcPr/>
+                </a:tc>
+                <a:extLst>
+                  <a:ext uri="{0D108BD9-81ED-4DB2-BD59-A6C34878D82A}">
+                    <a16:rowId xmlns:a16="http://schemas.microsoft.com/office/drawing/2014/main" val="151212770"/>
+                  </a:ext>
+                </a:extLst>
+              </a:tr>
+              <a:tr h="309600">
+                <a:tc>
+                  <a:txBody>
+                    <a:bodyPr/>
+                    <a:lstStyle/>
+                    <a:p>
+                      <a:pPr marL="0" marR="0" lvl="0" indent="0" algn="l" defTabSz="914347" rtl="0" eaLnBrk="1" fontAlgn="auto" latinLnBrk="0" hangingPunct="1">
+                        <a:lnSpc>
+                          <a:spcPct val="100000"/>
+                        </a:lnSpc>
+                        <a:spcBef>
+                          <a:spcPts val="0"/>
+                        </a:spcBef>
+                        <a:spcAft>
+                          <a:spcPts val="0"/>
+                        </a:spcAft>
+                        <a:buClrTx/>
+                        <a:buSzTx/>
+                        <a:buFontTx/>
+                        <a:buNone/>
+                        <a:tabLst/>
+                        <a:defRPr/>
+                      </a:pPr>
+                      <a:r>
+                        <a:rPr lang="en-GB" sz="1400" dirty="0"/>
+                        <a:t>F1A13_1</a:t>
+                      </a:r>
+                    </a:p>
+                  </a:txBody>
+                  <a:tcPr/>
+                </a:tc>
+                <a:tc>
+                  <a:txBody>
+                    <a:bodyPr/>
+                    <a:lstStyle/>
+                    <a:p>
+                      <a:r>
+                        <a:rPr lang="en-DE" sz="1400" dirty="0"/>
+                        <a:t>The energy crisis is worsen my situation</a:t>
+                      </a:r>
+                    </a:p>
+                  </a:txBody>
+                  <a:tcPr/>
+                </a:tc>
+                <a:extLst>
+                  <a:ext uri="{0D108BD9-81ED-4DB2-BD59-A6C34878D82A}">
+                    <a16:rowId xmlns:a16="http://schemas.microsoft.com/office/drawing/2014/main" val="850685061"/>
+                  </a:ext>
+                </a:extLst>
+              </a:tr>
+              <a:tr h="0">
+                <a:tc>
+                  <a:txBody>
+                    <a:bodyPr/>
+                    <a:lstStyle/>
+                    <a:p>
+                      <a:r>
+                        <a:rPr lang="en-GB" sz="1400" dirty="0"/>
+                        <a:t>F1A14_1</a:t>
+                      </a:r>
+                      <a:endParaRPr lang="en-DE" sz="1400" dirty="0"/>
+                    </a:p>
+                  </a:txBody>
+                  <a:tcPr/>
+                </a:tc>
+                <a:tc>
+                  <a:txBody>
+                    <a:bodyPr/>
+                    <a:lstStyle/>
+                    <a:p>
+                      <a:r>
+                        <a:rPr lang="en-GB" sz="1400" dirty="0"/>
+                        <a:t>I can handle the energy crisis better than past crises</a:t>
+                      </a:r>
+                      <a:endParaRPr lang="en-DE" sz="1400" dirty="0"/>
+                    </a:p>
+                  </a:txBody>
+                  <a:tcPr/>
+                </a:tc>
+                <a:extLst>
+                  <a:ext uri="{0D108BD9-81ED-4DB2-BD59-A6C34878D82A}">
+                    <a16:rowId xmlns:a16="http://schemas.microsoft.com/office/drawing/2014/main" val="3563531823"/>
+                  </a:ext>
+                </a:extLst>
+              </a:tr>
+              <a:tr h="0">
+                <a:tc>
+                  <a:txBody>
+                    <a:bodyPr/>
+                    <a:lstStyle/>
+                    <a:p>
+                      <a:pPr marL="0" marR="0" lvl="0" indent="0" algn="l" defTabSz="914347" rtl="0" eaLnBrk="1" fontAlgn="auto" latinLnBrk="0" hangingPunct="1">
+                        <a:lnSpc>
+                          <a:spcPct val="100000"/>
+                        </a:lnSpc>
+                        <a:spcBef>
+                          <a:spcPts val="0"/>
+                        </a:spcBef>
+                        <a:spcAft>
+                          <a:spcPts val="0"/>
+                        </a:spcAft>
+                        <a:buClrTx/>
+                        <a:buSzTx/>
+                        <a:buFontTx/>
+                        <a:buNone/>
+                        <a:tabLst/>
+                        <a:defRPr/>
+                      </a:pPr>
+                      <a:r>
+                        <a:rPr lang="en-GB" sz="1400" dirty="0"/>
+                        <a:t>F3A20_1</a:t>
+                      </a:r>
+                    </a:p>
+                  </a:txBody>
+                  <a:tcPr/>
+                </a:tc>
+                <a:tc>
+                  <a:txBody>
+                    <a:bodyPr/>
+                    <a:lstStyle/>
+                    <a:p>
+                      <a:r>
+                        <a:rPr lang="en-GB" sz="1400" dirty="0"/>
+                        <a:t>I lower energy consumption due to financial reasons</a:t>
+                      </a:r>
+                      <a:endParaRPr lang="en-DE" sz="1400" dirty="0"/>
+                    </a:p>
+                  </a:txBody>
+                  <a:tcPr/>
+                </a:tc>
+                <a:extLst>
+                  <a:ext uri="{0D108BD9-81ED-4DB2-BD59-A6C34878D82A}">
+                    <a16:rowId xmlns:a16="http://schemas.microsoft.com/office/drawing/2014/main" val="535974440"/>
+                  </a:ext>
+                </a:extLst>
+              </a:tr>
+            </a:tbl>
+          </a:graphicData>
+        </a:graphic>
+      </p:graphicFrame>
+      <p:graphicFrame>
+        <p:nvGraphicFramePr>
+          <p:cNvPr id="11" name="Content Placeholder 5">
+            <a:extLst>
+              <a:ext uri="{FF2B5EF4-FFF2-40B4-BE49-F238E27FC236}">
+                <a16:creationId xmlns:a16="http://schemas.microsoft.com/office/drawing/2014/main" id="{53C63225-5978-1A1E-9A50-88B3615F92EC}"/>
+              </a:ext>
+            </a:extLst>
+          </p:cNvPr>
+          <p:cNvGraphicFramePr>
+            <a:graphicFrameLocks/>
+          </p:cNvGraphicFramePr>
+          <p:nvPr>
+            <p:extLst>
+              <p:ext uri="{D42A27DB-BD31-4B8C-83A1-F6EECF244321}">
+                <p14:modId xmlns:p14="http://schemas.microsoft.com/office/powerpoint/2010/main" val="3464304314"/>
+              </p:ext>
+            </p:extLst>
+          </p:nvPr>
+        </p:nvGraphicFramePr>
+        <p:xfrm>
+          <a:off x="7988302" y="4801011"/>
+          <a:ext cx="2082798" cy="1528800"/>
+        </p:xfrm>
+        <a:graphic>
+          <a:graphicData uri="http://schemas.openxmlformats.org/drawingml/2006/table">
+            <a:tbl>
+              <a:tblPr firstRow="1" bandRow="1">
+                <a:tableStyleId>{10A1B5D5-9B99-4C35-A422-299274C87663}</a:tableStyleId>
+              </a:tblPr>
+              <a:tblGrid>
+                <a:gridCol w="2082798">
+                  <a:extLst>
+                    <a:ext uri="{9D8B030D-6E8A-4147-A177-3AD203B41FA5}">
+                      <a16:colId xmlns:a16="http://schemas.microsoft.com/office/drawing/2014/main" val="3988887945"/>
+                    </a:ext>
+                  </a:extLst>
+                </a:gridCol>
+              </a:tblGrid>
+              <a:tr h="0">
+                <a:tc>
+                  <a:txBody>
+                    <a:bodyPr/>
+                    <a:lstStyle/>
+                    <a:p>
+                      <a:pPr marL="0" marR="0" lvl="0" indent="0" algn="l" defTabSz="914347" rtl="0" eaLnBrk="1" fontAlgn="auto" latinLnBrk="0" hangingPunct="1">
+                        <a:lnSpc>
+                          <a:spcPct val="100000"/>
+                        </a:lnSpc>
+                        <a:spcBef>
+                          <a:spcPts val="0"/>
+                        </a:spcBef>
+                        <a:spcAft>
+                          <a:spcPts val="0"/>
+                        </a:spcAft>
+                        <a:buClrTx/>
+                        <a:buSzTx/>
+                        <a:buFontTx/>
+                        <a:buNone/>
+                        <a:tabLst/>
+                        <a:defRPr/>
+                      </a:pPr>
+                      <a:r>
+                        <a:rPr lang="en-DE" sz="1400" dirty="0">
+                          <a:solidFill>
+                            <a:schemeClr val="tx1"/>
+                          </a:solidFill>
+                        </a:rPr>
+                        <a:t>Eonomoic Indizes</a:t>
+                      </a:r>
+                    </a:p>
+                  </a:txBody>
+                  <a:tcPr/>
+                </a:tc>
+                <a:extLst>
+                  <a:ext uri="{0D108BD9-81ED-4DB2-BD59-A6C34878D82A}">
+                    <a16:rowId xmlns:a16="http://schemas.microsoft.com/office/drawing/2014/main" val="151212770"/>
+                  </a:ext>
+                </a:extLst>
+              </a:tr>
+              <a:tr h="309600">
+                <a:tc>
+                  <a:txBody>
+                    <a:bodyPr/>
+                    <a:lstStyle/>
+                    <a:p>
+                      <a:pPr marL="0" marR="0" lvl="0" indent="0" algn="l" defTabSz="914347" rtl="0" eaLnBrk="1" fontAlgn="auto" latinLnBrk="0" hangingPunct="1">
+                        <a:lnSpc>
+                          <a:spcPct val="100000"/>
+                        </a:lnSpc>
+                        <a:spcBef>
+                          <a:spcPts val="0"/>
+                        </a:spcBef>
+                        <a:spcAft>
+                          <a:spcPts val="0"/>
+                        </a:spcAft>
+                        <a:buClrTx/>
+                        <a:buSzTx/>
+                        <a:buFontTx/>
+                        <a:buNone/>
+                        <a:tabLst/>
+                        <a:defRPr/>
+                      </a:pPr>
+                      <a:r>
+                        <a:rPr lang="en-GB" sz="1400" dirty="0"/>
+                        <a:t>Inflation Rate</a:t>
+                      </a:r>
+                    </a:p>
+                  </a:txBody>
+                  <a:tcPr/>
+                </a:tc>
+                <a:extLst>
+                  <a:ext uri="{0D108BD9-81ED-4DB2-BD59-A6C34878D82A}">
+                    <a16:rowId xmlns:a16="http://schemas.microsoft.com/office/drawing/2014/main" val="850685061"/>
+                  </a:ext>
+                </a:extLst>
+              </a:tr>
+              <a:tr h="0">
+                <a:tc>
+                  <a:txBody>
+                    <a:bodyPr/>
+                    <a:lstStyle/>
+                    <a:p>
+                      <a:r>
+                        <a:rPr lang="en-GB" sz="1400" dirty="0"/>
+                        <a:t>Interest Rate</a:t>
+                      </a:r>
+                      <a:endParaRPr lang="en-DE" sz="1400" dirty="0"/>
+                    </a:p>
+                  </a:txBody>
+                  <a:tcPr/>
+                </a:tc>
+                <a:extLst>
+                  <a:ext uri="{0D108BD9-81ED-4DB2-BD59-A6C34878D82A}">
+                    <a16:rowId xmlns:a16="http://schemas.microsoft.com/office/drawing/2014/main" val="3563531823"/>
+                  </a:ext>
+                </a:extLst>
+              </a:tr>
+              <a:tr h="0">
+                <a:tc>
+                  <a:txBody>
+                    <a:bodyPr/>
+                    <a:lstStyle/>
+                    <a:p>
+                      <a:pPr marL="0" marR="0" lvl="0" indent="0" algn="l" defTabSz="914347" rtl="0" eaLnBrk="1" fontAlgn="auto" latinLnBrk="0" hangingPunct="1">
+                        <a:lnSpc>
+                          <a:spcPct val="100000"/>
+                        </a:lnSpc>
+                        <a:spcBef>
+                          <a:spcPts val="0"/>
+                        </a:spcBef>
+                        <a:spcAft>
+                          <a:spcPts val="0"/>
+                        </a:spcAft>
+                        <a:buClrTx/>
+                        <a:buSzTx/>
+                        <a:buFontTx/>
+                        <a:buNone/>
+                        <a:tabLst/>
+                        <a:defRPr/>
+                      </a:pPr>
+                      <a:r>
+                        <a:rPr lang="en-GB" sz="1400" dirty="0"/>
+                        <a:t>DAX</a:t>
+                      </a:r>
+                    </a:p>
+                  </a:txBody>
+                  <a:tcPr/>
+                </a:tc>
+                <a:extLst>
+                  <a:ext uri="{0D108BD9-81ED-4DB2-BD59-A6C34878D82A}">
+                    <a16:rowId xmlns:a16="http://schemas.microsoft.com/office/drawing/2014/main" val="535974440"/>
+                  </a:ext>
+                </a:extLst>
+              </a:tr>
+              <a:tr h="0">
+                <a:tc>
+                  <a:txBody>
+                    <a:bodyPr/>
+                    <a:lstStyle/>
+                    <a:p>
+                      <a:pPr marL="0" marR="0" lvl="0" indent="0" algn="l" defTabSz="914347" rtl="0" eaLnBrk="1" fontAlgn="auto" latinLnBrk="0" hangingPunct="1">
+                        <a:lnSpc>
+                          <a:spcPct val="100000"/>
+                        </a:lnSpc>
+                        <a:spcBef>
+                          <a:spcPts val="0"/>
+                        </a:spcBef>
+                        <a:spcAft>
+                          <a:spcPts val="0"/>
+                        </a:spcAft>
+                        <a:buClrTx/>
+                        <a:buSzTx/>
+                        <a:buFontTx/>
+                        <a:buNone/>
+                        <a:tabLst/>
+                        <a:defRPr/>
+                      </a:pPr>
+                      <a:r>
+                        <a:rPr lang="en-GB" sz="1400" dirty="0"/>
+                        <a:t>MSCI World</a:t>
+                      </a:r>
+                    </a:p>
+                  </a:txBody>
+                  <a:tcPr/>
+                </a:tc>
+                <a:extLst>
+                  <a:ext uri="{0D108BD9-81ED-4DB2-BD59-A6C34878D82A}">
+                    <a16:rowId xmlns:a16="http://schemas.microsoft.com/office/drawing/2014/main" val="4115820358"/>
+                  </a:ext>
+                </a:extLst>
+              </a:tr>
+            </a:tbl>
+          </a:graphicData>
+        </a:graphic>
+      </p:graphicFrame>
     </p:spTree>
     <p:extLst>
       <p:ext uri="{BB962C8B-B14F-4D97-AF65-F5344CB8AC3E}">
-        <p14:creationId xmlns:p14="http://schemas.microsoft.com/office/powerpoint/2010/main" val="3151015656"/>
+        <p14:creationId xmlns:p14="http://schemas.microsoft.com/office/powerpoint/2010/main" val="1939164525"/>
       </p:ext>
     </p:extLst>
   </p:cSld>
   <p:clrMapOvr>
     <a:masterClrMapping/>
   </p:clrMapOvr>
+  <mc:AlternateContent xmlns:mc="http://schemas.openxmlformats.org/markup-compatibility/2006">
+    <mc:Choice xmlns:p14="http://schemas.microsoft.com/office/powerpoint/2010/main" Requires="p14">
+      <p:transition spd="slow" p14:dur="2000" advTm="129682"/>
+    </mc:Choice>
+    <mc:Fallback>
+      <p:transition spd="slow" advTm="129682"/>
+    </mc:Fallback>
+  </mc:AlternateContent>
 </p:sld>
 </file>
 
@@ -11137,7 +16356,7 @@
           <p:cNvPr id="2" name="Content Placeholder 1">
             <a:extLst>
               <a:ext uri="{FF2B5EF4-FFF2-40B4-BE49-F238E27FC236}">
-                <a16:creationId xmlns:a16="http://schemas.microsoft.com/office/drawing/2014/main" id="{4E9BC2B4-91C7-CA61-0F4D-2003BE13D98A}"/>
+                <a16:creationId xmlns:a16="http://schemas.microsoft.com/office/drawing/2014/main" id="{BA3B91CB-0FB6-B720-26EB-BB72921F580E}"/>
               </a:ext>
             </a:extLst>
           </p:cNvPr>
@@ -11153,7 +16372,39 @@
           <a:bodyPr/>
           <a:lstStyle/>
           <a:p>
-            <a:endParaRPr lang="en-DE"/>
+            <a:r>
+              <a:rPr lang="en-DE" dirty="0"/>
+              <a:t>Calculate internal consistency of intended latend variables</a:t>
+            </a:r>
+          </a:p>
+          <a:p>
+            <a:pPr lvl="1"/>
+            <a:r>
+              <a:rPr lang="en-DE" dirty="0"/>
+              <a:t>Not content wise, but based on covariance</a:t>
+            </a:r>
+          </a:p>
+          <a:p>
+            <a:endParaRPr lang="en-DE" dirty="0"/>
+          </a:p>
+          <a:p>
+            <a:endParaRPr lang="en-DE" dirty="0"/>
+          </a:p>
+          <a:p>
+            <a:pPr marL="0" indent="0">
+              <a:buNone/>
+            </a:pPr>
+            <a:endParaRPr lang="en-DE" dirty="0"/>
+          </a:p>
+          <a:p>
+            <a:r>
+              <a:rPr lang="en-DE" dirty="0"/>
+              <a:t>Commonly used interpretation:</a:t>
+            </a:r>
+          </a:p>
+          <a:p>
+            <a:pPr lvl="2"/>
+            <a:endParaRPr lang="en-DE" dirty="0"/>
           </a:p>
         </p:txBody>
       </p:sp>
@@ -11162,7 +16413,7 @@
           <p:cNvPr id="3" name="Date Placeholder 2">
             <a:extLst>
               <a:ext uri="{FF2B5EF4-FFF2-40B4-BE49-F238E27FC236}">
-                <a16:creationId xmlns:a16="http://schemas.microsoft.com/office/drawing/2014/main" id="{15C36A6A-BA78-4180-E353-1CE6A2D3BA70}"/>
+                <a16:creationId xmlns:a16="http://schemas.microsoft.com/office/drawing/2014/main" id="{C6F1B78B-9ABC-3E83-F889-C05323A2F000}"/>
               </a:ext>
             </a:extLst>
           </p:cNvPr>
@@ -11180,7 +16431,7 @@
           <a:p>
             <a:fld id="{162C1F81-0292-4658-B990-314031B5EEE0}" type="datetime4">
               <a:rPr lang="en-US" noProof="0" smtClean="0"/>
-              <a:t>November 26, 2024</a:t>
+              <a:t>December 5, 2024</a:t>
             </a:fld>
             <a:endParaRPr lang="en-US" noProof="0" dirty="0"/>
           </a:p>
@@ -11191,7 +16442,7 @@
           <p:cNvPr id="4" name="Slide Number Placeholder 3">
             <a:extLst>
               <a:ext uri="{FF2B5EF4-FFF2-40B4-BE49-F238E27FC236}">
-                <a16:creationId xmlns:a16="http://schemas.microsoft.com/office/drawing/2014/main" id="{9189DA95-D293-FFE8-5297-9B01B62C2C70}"/>
+                <a16:creationId xmlns:a16="http://schemas.microsoft.com/office/drawing/2014/main" id="{AF90E348-AF47-3CCD-4F25-041FFDBAEFCD}"/>
               </a:ext>
             </a:extLst>
           </p:cNvPr>
@@ -11220,7 +16471,7 @@
           <p:cNvPr id="5" name="Title 4">
             <a:extLst>
               <a:ext uri="{FF2B5EF4-FFF2-40B4-BE49-F238E27FC236}">
-                <a16:creationId xmlns:a16="http://schemas.microsoft.com/office/drawing/2014/main" id="{9B58428E-06D3-C538-19F6-7AB6F0DF1756}"/>
+                <a16:creationId xmlns:a16="http://schemas.microsoft.com/office/drawing/2014/main" id="{7C8D89E7-05EE-6D40-EBCB-37F485DBA47D}"/>
               </a:ext>
             </a:extLst>
           </p:cNvPr>
@@ -11238,26 +16489,1342 @@
           <a:p>
             <a:r>
               <a:rPr lang="en-DE" dirty="0"/>
-              <a:t>Explorative Factor Analyse (EFA)</a:t>
-            </a:r>
-          </a:p>
-        </p:txBody>
-      </p:sp>
+              <a:t>Cronbach Alpha</a:t>
+            </a:r>
+          </a:p>
+        </p:txBody>
+      </p:sp>
+      <mc:AlternateContent xmlns:mc="http://schemas.openxmlformats.org/markup-compatibility/2006">
+        <mc:Choice xmlns:a14="http://schemas.microsoft.com/office/drawing/2010/main" Requires="a14">
+          <p:sp>
+            <p:nvSpPr>
+              <p:cNvPr id="6" name="TextBox 5">
+                <a:extLst>
+                  <a:ext uri="{FF2B5EF4-FFF2-40B4-BE49-F238E27FC236}">
+                    <a16:creationId xmlns:a16="http://schemas.microsoft.com/office/drawing/2014/main" id="{ECFD4293-EEE8-C4AB-5C44-568786EF3282}"/>
+                  </a:ext>
+                </a:extLst>
+              </p:cNvPr>
+              <p:cNvSpPr txBox="1"/>
+              <p:nvPr/>
+            </p:nvSpPr>
+            <p:spPr>
+              <a:xfrm>
+                <a:off x="1143165" y="2579729"/>
+                <a:ext cx="3964287" cy="849271"/>
+              </a:xfrm>
+              <a:prstGeom prst="rect">
+                <a:avLst/>
+              </a:prstGeom>
+              <a:noFill/>
+              <a:ln w="28575">
+                <a:solidFill>
+                  <a:schemeClr val="tx2"/>
+                </a:solidFill>
+              </a:ln>
+            </p:spPr>
+            <p:txBody>
+              <a:bodyPr wrap="square" rtlCol="0">
+                <a:spAutoFit/>
+              </a:bodyPr>
+              <a:lstStyle/>
+              <a:p>
+                <a14:m>
+                  <m:oMathPara xmlns:m="http://schemas.openxmlformats.org/officeDocument/2006/math">
+                    <m:oMathParaPr>
+                      <m:jc m:val="centerGroup"/>
+                    </m:oMathParaPr>
+                    <m:oMath xmlns:m="http://schemas.openxmlformats.org/officeDocument/2006/math">
+                      <m:r>
+                        <a:rPr lang="en-DE" i="1" smtClean="0">
+                          <a:latin typeface="Cambria Math" panose="02040503050406030204" pitchFamily="18" charset="0"/>
+                          <a:ea typeface="Cambria Math" panose="02040503050406030204" pitchFamily="18" charset="0"/>
+                        </a:rPr>
+                        <m:t>𝛼</m:t>
+                      </m:r>
+                      <m:r>
+                        <a:rPr lang="de-DE" b="0" i="1" smtClean="0">
+                          <a:latin typeface="Cambria Math" panose="02040503050406030204" pitchFamily="18" charset="0"/>
+                          <a:ea typeface="Cambria Math" panose="02040503050406030204" pitchFamily="18" charset="0"/>
+                        </a:rPr>
+                        <m:t>=</m:t>
+                      </m:r>
+                      <m:f>
+                        <m:fPr>
+                          <m:ctrlPr>
+                            <a:rPr lang="de-DE" b="0" i="1" smtClean="0">
+                              <a:latin typeface="Cambria Math" panose="02040503050406030204" pitchFamily="18" charset="0"/>
+                              <a:ea typeface="Cambria Math" panose="02040503050406030204" pitchFamily="18" charset="0"/>
+                            </a:rPr>
+                          </m:ctrlPr>
+                        </m:fPr>
+                        <m:num>
+                          <m:r>
+                            <a:rPr lang="de-DE" b="0" i="1" smtClean="0">
+                              <a:latin typeface="Cambria Math" panose="02040503050406030204" pitchFamily="18" charset="0"/>
+                              <a:ea typeface="Cambria Math" panose="02040503050406030204" pitchFamily="18" charset="0"/>
+                            </a:rPr>
+                            <m:t>𝑁</m:t>
+                          </m:r>
+                          <m:r>
+                            <a:rPr lang="de-DE" b="0" i="1" smtClean="0">
+                              <a:latin typeface="Cambria Math" panose="02040503050406030204" pitchFamily="18" charset="0"/>
+                              <a:ea typeface="Cambria Math" panose="02040503050406030204" pitchFamily="18" charset="0"/>
+                            </a:rPr>
+                            <m:t>×</m:t>
+                          </m:r>
+                          <m:acc>
+                            <m:accPr>
+                              <m:chr m:val="̅"/>
+                              <m:ctrlPr>
+                                <a:rPr lang="de-DE" b="0" i="1" smtClean="0">
+                                  <a:latin typeface="Cambria Math" panose="02040503050406030204" pitchFamily="18" charset="0"/>
+                                  <a:ea typeface="Cambria Math" panose="02040503050406030204" pitchFamily="18" charset="0"/>
+                                </a:rPr>
+                              </m:ctrlPr>
+                            </m:accPr>
+                            <m:e>
+                              <m:r>
+                                <a:rPr lang="de-DE" b="0" i="1" smtClean="0">
+                                  <a:latin typeface="Cambria Math" panose="02040503050406030204" pitchFamily="18" charset="0"/>
+                                  <a:ea typeface="Cambria Math" panose="02040503050406030204" pitchFamily="18" charset="0"/>
+                                </a:rPr>
+                                <m:t>𝑐</m:t>
+                              </m:r>
+                            </m:e>
+                          </m:acc>
+                        </m:num>
+                        <m:den>
+                          <m:acc>
+                            <m:accPr>
+                              <m:chr m:val="̅"/>
+                              <m:ctrlPr>
+                                <a:rPr lang="de-DE" b="0" i="1" smtClean="0">
+                                  <a:latin typeface="Cambria Math" panose="02040503050406030204" pitchFamily="18" charset="0"/>
+                                  <a:ea typeface="Cambria Math" panose="02040503050406030204" pitchFamily="18" charset="0"/>
+                                </a:rPr>
+                              </m:ctrlPr>
+                            </m:accPr>
+                            <m:e>
+                              <m:r>
+                                <a:rPr lang="de-DE" b="0" i="1" smtClean="0">
+                                  <a:latin typeface="Cambria Math" panose="02040503050406030204" pitchFamily="18" charset="0"/>
+                                  <a:ea typeface="Cambria Math" panose="02040503050406030204" pitchFamily="18" charset="0"/>
+                                </a:rPr>
+                                <m:t>𝑣</m:t>
+                              </m:r>
+                            </m:e>
+                          </m:acc>
+                          <m:r>
+                            <a:rPr lang="de-DE" b="0" i="1" smtClean="0">
+                              <a:latin typeface="Cambria Math" panose="02040503050406030204" pitchFamily="18" charset="0"/>
+                              <a:ea typeface="Cambria Math" panose="02040503050406030204" pitchFamily="18" charset="0"/>
+                            </a:rPr>
+                            <m:t>+(</m:t>
+                          </m:r>
+                          <m:r>
+                            <a:rPr lang="de-DE" b="0" i="1" smtClean="0">
+                              <a:latin typeface="Cambria Math" panose="02040503050406030204" pitchFamily="18" charset="0"/>
+                              <a:ea typeface="Cambria Math" panose="02040503050406030204" pitchFamily="18" charset="0"/>
+                            </a:rPr>
+                            <m:t>𝑁</m:t>
+                          </m:r>
+                          <m:r>
+                            <a:rPr lang="de-DE" b="0" i="1" smtClean="0">
+                              <a:latin typeface="Cambria Math" panose="02040503050406030204" pitchFamily="18" charset="0"/>
+                              <a:ea typeface="Cambria Math" panose="02040503050406030204" pitchFamily="18" charset="0"/>
+                            </a:rPr>
+                            <m:t>−1</m:t>
+                          </m:r>
+                          <m:r>
+                            <a:rPr lang="de-DE" b="0" i="1" smtClean="0">
+                              <a:latin typeface="Cambria Math" panose="02040503050406030204" pitchFamily="18" charset="0"/>
+                              <a:ea typeface="Cambria Math" panose="02040503050406030204" pitchFamily="18" charset="0"/>
+                            </a:rPr>
+                            <m:t>)×</m:t>
+                          </m:r>
+                          <m:acc>
+                            <m:accPr>
+                              <m:chr m:val="̅"/>
+                              <m:ctrlPr>
+                                <a:rPr lang="de-DE" i="1">
+                                  <a:latin typeface="Cambria Math" panose="02040503050406030204" pitchFamily="18" charset="0"/>
+                                  <a:ea typeface="Cambria Math" panose="02040503050406030204" pitchFamily="18" charset="0"/>
+                                </a:rPr>
+                              </m:ctrlPr>
+                            </m:accPr>
+                            <m:e>
+                              <m:r>
+                                <a:rPr lang="de-DE" i="1">
+                                  <a:latin typeface="Cambria Math" panose="02040503050406030204" pitchFamily="18" charset="0"/>
+                                  <a:ea typeface="Cambria Math" panose="02040503050406030204" pitchFamily="18" charset="0"/>
+                                </a:rPr>
+                                <m:t>𝑐</m:t>
+                              </m:r>
+                            </m:e>
+                          </m:acc>
+                        </m:den>
+                      </m:f>
+                    </m:oMath>
+                  </m:oMathPara>
+                </a14:m>
+                <a:endParaRPr lang="en-DE" dirty="0"/>
+              </a:p>
+            </p:txBody>
+          </p:sp>
+        </mc:Choice>
+        <mc:Fallback>
+          <p:sp>
+            <p:nvSpPr>
+              <p:cNvPr id="6" name="TextBox 5">
+                <a:extLst>
+                  <a:ext uri="{FF2B5EF4-FFF2-40B4-BE49-F238E27FC236}">
+                    <a16:creationId xmlns:a16="http://schemas.microsoft.com/office/drawing/2014/main" id="{ECFD4293-EEE8-C4AB-5C44-568786EF3282}"/>
+                  </a:ext>
+                </a:extLst>
+              </p:cNvPr>
+              <p:cNvSpPr txBox="1">
+                <a:spLocks noRot="1" noChangeAspect="1" noMove="1" noResize="1" noEditPoints="1" noAdjustHandles="1" noChangeArrowheads="1" noChangeShapeType="1" noTextEdit="1"/>
+              </p:cNvSpPr>
+              <p:nvPr/>
+            </p:nvSpPr>
+            <p:spPr>
+              <a:xfrm>
+                <a:off x="1143165" y="2579729"/>
+                <a:ext cx="3964287" cy="849271"/>
+              </a:xfrm>
+              <a:prstGeom prst="rect">
+                <a:avLst/>
+              </a:prstGeom>
+              <a:blipFill>
+                <a:blip r:embed="rId3"/>
+                <a:stretch>
+                  <a:fillRect b="-7143"/>
+                </a:stretch>
+              </a:blipFill>
+              <a:ln w="28575">
+                <a:solidFill>
+                  <a:schemeClr val="tx2"/>
+                </a:solidFill>
+              </a:ln>
+            </p:spPr>
+            <p:txBody>
+              <a:bodyPr/>
+              <a:lstStyle/>
+              <a:p>
+                <a:r>
+                  <a:rPr lang="en-DE">
+                    <a:noFill/>
+                  </a:rPr>
+                  <a:t> </a:t>
+                </a:r>
+              </a:p>
+            </p:txBody>
+          </p:sp>
+        </mc:Fallback>
+      </mc:AlternateContent>
+      <p:graphicFrame>
+        <p:nvGraphicFramePr>
+          <p:cNvPr id="8" name="Table 7">
+            <a:extLst>
+              <a:ext uri="{FF2B5EF4-FFF2-40B4-BE49-F238E27FC236}">
+                <a16:creationId xmlns:a16="http://schemas.microsoft.com/office/drawing/2014/main" id="{F8B5176A-986D-2924-79C3-F9ED5A492F9B}"/>
+              </a:ext>
+            </a:extLst>
+          </p:cNvPr>
+          <p:cNvGraphicFramePr>
+            <a:graphicFrameLocks noGrp="1"/>
+          </p:cNvGraphicFramePr>
+          <p:nvPr>
+            <p:extLst>
+              <p:ext uri="{D42A27DB-BD31-4B8C-83A1-F6EECF244321}">
+                <p14:modId xmlns:p14="http://schemas.microsoft.com/office/powerpoint/2010/main" val="3952699440"/>
+              </p:ext>
+            </p:extLst>
+          </p:nvPr>
+        </p:nvGraphicFramePr>
+        <p:xfrm>
+          <a:off x="1143163" y="4028642"/>
+          <a:ext cx="3421025" cy="2217918"/>
+        </p:xfrm>
+        <a:graphic>
+          <a:graphicData uri="http://schemas.openxmlformats.org/drawingml/2006/table">
+            <a:tbl>
+              <a:tblPr firstRow="1" bandRow="1">
+                <a:tableStyleId>{D7AC3CCA-C797-4891-BE02-D94E43425B78}</a:tableStyleId>
+              </a:tblPr>
+              <a:tblGrid>
+                <a:gridCol w="1436231">
+                  <a:extLst>
+                    <a:ext uri="{9D8B030D-6E8A-4147-A177-3AD203B41FA5}">
+                      <a16:colId xmlns:a16="http://schemas.microsoft.com/office/drawing/2014/main" val="96479914"/>
+                    </a:ext>
+                  </a:extLst>
+                </a:gridCol>
+                <a:gridCol w="1984794">
+                  <a:extLst>
+                    <a:ext uri="{9D8B030D-6E8A-4147-A177-3AD203B41FA5}">
+                      <a16:colId xmlns:a16="http://schemas.microsoft.com/office/drawing/2014/main" val="32151576"/>
+                    </a:ext>
+                  </a:extLst>
+                </a:gridCol>
+              </a:tblGrid>
+              <a:tr h="369863">
+                <a:tc>
+                  <a:txBody>
+                    <a:bodyPr/>
+                    <a:lstStyle/>
+                    <a:p>
+                      <a:pPr algn="l" fontAlgn="t"/>
+                      <a:r>
+                        <a:rPr lang="en-DE" b="0" dirty="0">
+                          <a:effectLst/>
+                        </a:rPr>
+                        <a:t>&gt; 0,9</a:t>
+                      </a:r>
+                    </a:p>
+                  </a:txBody>
+                  <a:tcPr marL="95250" marR="95250" marT="47625" marB="47625">
+                    <a:lnL w="12700" cap="flat" cmpd="sng" algn="ctr">
+                      <a:solidFill>
+                        <a:schemeClr val="tx1"/>
+                      </a:solidFill>
+                      <a:prstDash val="solid"/>
+                      <a:round/>
+                      <a:headEnd type="none" w="med" len="med"/>
+                      <a:tailEnd type="none" w="med" len="med"/>
+                    </a:lnL>
+                    <a:lnR w="12700" cap="flat" cmpd="sng" algn="ctr">
+                      <a:solidFill>
+                        <a:schemeClr val="tx1"/>
+                      </a:solidFill>
+                      <a:prstDash val="solid"/>
+                      <a:round/>
+                      <a:headEnd type="none" w="med" len="med"/>
+                      <a:tailEnd type="none" w="med" len="med"/>
+                    </a:lnR>
+                    <a:lnT w="12700" cap="flat" cmpd="sng" algn="ctr">
+                      <a:solidFill>
+                        <a:schemeClr val="tx1"/>
+                      </a:solidFill>
+                      <a:prstDash val="solid"/>
+                      <a:round/>
+                      <a:headEnd type="none" w="med" len="med"/>
+                      <a:tailEnd type="none" w="med" len="med"/>
+                    </a:lnT>
+                    <a:lnB w="12700" cap="flat" cmpd="sng" algn="ctr">
+                      <a:solidFill>
+                        <a:schemeClr val="tx1"/>
+                      </a:solidFill>
+                      <a:prstDash val="solid"/>
+                      <a:round/>
+                      <a:headEnd type="none" w="med" len="med"/>
+                      <a:tailEnd type="none" w="med" len="med"/>
+                    </a:lnB>
+                    <a:solidFill>
+                      <a:schemeClr val="tx2"/>
+                    </a:solidFill>
+                  </a:tcPr>
+                </a:tc>
+                <a:tc>
+                  <a:txBody>
+                    <a:bodyPr/>
+                    <a:lstStyle/>
+                    <a:p>
+                      <a:pPr algn="l" fontAlgn="t"/>
+                      <a:r>
+                        <a:rPr lang="en-GB" b="0" dirty="0">
+                          <a:effectLst/>
+                        </a:rPr>
+                        <a:t>Excellent</a:t>
+                      </a:r>
+                    </a:p>
+                  </a:txBody>
+                  <a:tcPr marL="95250" marR="95250" marT="47625" marB="47625">
+                    <a:lnL w="12700" cap="flat" cmpd="sng" algn="ctr">
+                      <a:solidFill>
+                        <a:schemeClr val="tx1"/>
+                      </a:solidFill>
+                      <a:prstDash val="solid"/>
+                      <a:round/>
+                      <a:headEnd type="none" w="med" len="med"/>
+                      <a:tailEnd type="none" w="med" len="med"/>
+                    </a:lnL>
+                    <a:lnR w="12700" cap="flat" cmpd="sng" algn="ctr">
+                      <a:solidFill>
+                        <a:schemeClr val="tx1"/>
+                      </a:solidFill>
+                      <a:prstDash val="solid"/>
+                      <a:round/>
+                      <a:headEnd type="none" w="med" len="med"/>
+                      <a:tailEnd type="none" w="med" len="med"/>
+                    </a:lnR>
+                    <a:lnT w="12700" cap="flat" cmpd="sng" algn="ctr">
+                      <a:solidFill>
+                        <a:schemeClr val="tx1"/>
+                      </a:solidFill>
+                      <a:prstDash val="solid"/>
+                      <a:round/>
+                      <a:headEnd type="none" w="med" len="med"/>
+                      <a:tailEnd type="none" w="med" len="med"/>
+                    </a:lnT>
+                    <a:lnB w="12700" cap="flat" cmpd="sng" algn="ctr">
+                      <a:solidFill>
+                        <a:schemeClr val="tx1"/>
+                      </a:solidFill>
+                      <a:prstDash val="solid"/>
+                      <a:round/>
+                      <a:headEnd type="none" w="med" len="med"/>
+                      <a:tailEnd type="none" w="med" len="med"/>
+                    </a:lnB>
+                    <a:solidFill>
+                      <a:schemeClr val="tx2"/>
+                    </a:solidFill>
+                  </a:tcPr>
+                </a:tc>
+                <a:extLst>
+                  <a:ext uri="{0D108BD9-81ED-4DB2-BD59-A6C34878D82A}">
+                    <a16:rowId xmlns:a16="http://schemas.microsoft.com/office/drawing/2014/main" val="2166742631"/>
+                  </a:ext>
+                </a:extLst>
+              </a:tr>
+              <a:tr h="369863">
+                <a:tc>
+                  <a:txBody>
+                    <a:bodyPr/>
+                    <a:lstStyle/>
+                    <a:p>
+                      <a:pPr algn="l" fontAlgn="t"/>
+                      <a:r>
+                        <a:rPr lang="en-DE" b="0" dirty="0">
+                          <a:effectLst/>
+                        </a:rPr>
+                        <a:t>&gt; 0,8</a:t>
+                      </a:r>
+                    </a:p>
+                  </a:txBody>
+                  <a:tcPr marL="95250" marR="95250" marT="47625" marB="47625">
+                    <a:lnL w="12700" cap="flat" cmpd="sng" algn="ctr">
+                      <a:solidFill>
+                        <a:schemeClr val="tx1"/>
+                      </a:solidFill>
+                      <a:prstDash val="solid"/>
+                      <a:round/>
+                      <a:headEnd type="none" w="med" len="med"/>
+                      <a:tailEnd type="none" w="med" len="med"/>
+                    </a:lnL>
+                    <a:lnR w="12700" cap="flat" cmpd="sng" algn="ctr">
+                      <a:solidFill>
+                        <a:schemeClr val="tx1"/>
+                      </a:solidFill>
+                      <a:prstDash val="solid"/>
+                      <a:round/>
+                      <a:headEnd type="none" w="med" len="med"/>
+                      <a:tailEnd type="none" w="med" len="med"/>
+                    </a:lnR>
+                    <a:lnT w="12700" cap="flat" cmpd="sng" algn="ctr">
+                      <a:solidFill>
+                        <a:schemeClr val="tx1"/>
+                      </a:solidFill>
+                      <a:prstDash val="solid"/>
+                      <a:round/>
+                      <a:headEnd type="none" w="med" len="med"/>
+                      <a:tailEnd type="none" w="med" len="med"/>
+                    </a:lnT>
+                    <a:lnB w="12700" cap="flat" cmpd="sng" algn="ctr">
+                      <a:solidFill>
+                        <a:schemeClr val="tx1"/>
+                      </a:solidFill>
+                      <a:prstDash val="solid"/>
+                      <a:round/>
+                      <a:headEnd type="none" w="med" len="med"/>
+                      <a:tailEnd type="none" w="med" len="med"/>
+                    </a:lnB>
+                    <a:solidFill>
+                      <a:srgbClr val="00B050"/>
+                    </a:solidFill>
+                  </a:tcPr>
+                </a:tc>
+                <a:tc>
+                  <a:txBody>
+                    <a:bodyPr/>
+                    <a:lstStyle/>
+                    <a:p>
+                      <a:pPr algn="l" fontAlgn="t"/>
+                      <a:r>
+                        <a:rPr lang="en-GB" b="0" dirty="0">
+                          <a:effectLst/>
+                        </a:rPr>
+                        <a:t>Good</a:t>
+                      </a:r>
+                    </a:p>
+                  </a:txBody>
+                  <a:tcPr marL="95250" marR="95250" marT="47625" marB="47625">
+                    <a:lnL w="12700" cap="flat" cmpd="sng" algn="ctr">
+                      <a:solidFill>
+                        <a:schemeClr val="tx1"/>
+                      </a:solidFill>
+                      <a:prstDash val="solid"/>
+                      <a:round/>
+                      <a:headEnd type="none" w="med" len="med"/>
+                      <a:tailEnd type="none" w="med" len="med"/>
+                    </a:lnL>
+                    <a:lnR w="12700" cap="flat" cmpd="sng" algn="ctr">
+                      <a:solidFill>
+                        <a:schemeClr val="tx1"/>
+                      </a:solidFill>
+                      <a:prstDash val="solid"/>
+                      <a:round/>
+                      <a:headEnd type="none" w="med" len="med"/>
+                      <a:tailEnd type="none" w="med" len="med"/>
+                    </a:lnR>
+                    <a:lnT w="12700" cap="flat" cmpd="sng" algn="ctr">
+                      <a:solidFill>
+                        <a:schemeClr val="tx1"/>
+                      </a:solidFill>
+                      <a:prstDash val="solid"/>
+                      <a:round/>
+                      <a:headEnd type="none" w="med" len="med"/>
+                      <a:tailEnd type="none" w="med" len="med"/>
+                    </a:lnT>
+                    <a:lnB w="12700" cap="flat" cmpd="sng" algn="ctr">
+                      <a:solidFill>
+                        <a:schemeClr val="tx1"/>
+                      </a:solidFill>
+                      <a:prstDash val="solid"/>
+                      <a:round/>
+                      <a:headEnd type="none" w="med" len="med"/>
+                      <a:tailEnd type="none" w="med" len="med"/>
+                    </a:lnB>
+                    <a:solidFill>
+                      <a:srgbClr val="00B050"/>
+                    </a:solidFill>
+                  </a:tcPr>
+                </a:tc>
+                <a:extLst>
+                  <a:ext uri="{0D108BD9-81ED-4DB2-BD59-A6C34878D82A}">
+                    <a16:rowId xmlns:a16="http://schemas.microsoft.com/office/drawing/2014/main" val="3845527533"/>
+                  </a:ext>
+                </a:extLst>
+              </a:tr>
+              <a:tr h="369863">
+                <a:tc>
+                  <a:txBody>
+                    <a:bodyPr/>
+                    <a:lstStyle/>
+                    <a:p>
+                      <a:pPr algn="l" fontAlgn="t"/>
+                      <a:r>
+                        <a:rPr lang="en-DE" b="0" dirty="0">
+                          <a:effectLst/>
+                        </a:rPr>
+                        <a:t>&gt; 0,7</a:t>
+                      </a:r>
+                    </a:p>
+                  </a:txBody>
+                  <a:tcPr marL="95250" marR="95250" marT="47625" marB="47625">
+                    <a:lnL w="12700" cap="flat" cmpd="sng" algn="ctr">
+                      <a:solidFill>
+                        <a:schemeClr val="tx1"/>
+                      </a:solidFill>
+                      <a:prstDash val="solid"/>
+                      <a:round/>
+                      <a:headEnd type="none" w="med" len="med"/>
+                      <a:tailEnd type="none" w="med" len="med"/>
+                    </a:lnL>
+                    <a:lnR w="12700" cap="flat" cmpd="sng" algn="ctr">
+                      <a:solidFill>
+                        <a:schemeClr val="tx1"/>
+                      </a:solidFill>
+                      <a:prstDash val="solid"/>
+                      <a:round/>
+                      <a:headEnd type="none" w="med" len="med"/>
+                      <a:tailEnd type="none" w="med" len="med"/>
+                    </a:lnR>
+                    <a:lnT w="12700" cap="flat" cmpd="sng" algn="ctr">
+                      <a:solidFill>
+                        <a:schemeClr val="tx1"/>
+                      </a:solidFill>
+                      <a:prstDash val="solid"/>
+                      <a:round/>
+                      <a:headEnd type="none" w="med" len="med"/>
+                      <a:tailEnd type="none" w="med" len="med"/>
+                    </a:lnT>
+                    <a:lnB w="12700" cap="flat" cmpd="sng" algn="ctr">
+                      <a:solidFill>
+                        <a:schemeClr val="tx1"/>
+                      </a:solidFill>
+                      <a:prstDash val="solid"/>
+                      <a:round/>
+                      <a:headEnd type="none" w="med" len="med"/>
+                      <a:tailEnd type="none" w="med" len="med"/>
+                    </a:lnB>
+                    <a:solidFill>
+                      <a:srgbClr val="92D050"/>
+                    </a:solidFill>
+                  </a:tcPr>
+                </a:tc>
+                <a:tc>
+                  <a:txBody>
+                    <a:bodyPr/>
+                    <a:lstStyle/>
+                    <a:p>
+                      <a:pPr algn="l" fontAlgn="t"/>
+                      <a:r>
+                        <a:rPr lang="en-GB" b="0" dirty="0">
+                          <a:effectLst/>
+                        </a:rPr>
+                        <a:t>Acceptable</a:t>
+                      </a:r>
+                    </a:p>
+                  </a:txBody>
+                  <a:tcPr marL="95250" marR="95250" marT="47625" marB="47625">
+                    <a:lnL w="12700" cap="flat" cmpd="sng" algn="ctr">
+                      <a:solidFill>
+                        <a:schemeClr val="tx1"/>
+                      </a:solidFill>
+                      <a:prstDash val="solid"/>
+                      <a:round/>
+                      <a:headEnd type="none" w="med" len="med"/>
+                      <a:tailEnd type="none" w="med" len="med"/>
+                    </a:lnL>
+                    <a:lnR w="12700" cap="flat" cmpd="sng" algn="ctr">
+                      <a:solidFill>
+                        <a:schemeClr val="tx1"/>
+                      </a:solidFill>
+                      <a:prstDash val="solid"/>
+                      <a:round/>
+                      <a:headEnd type="none" w="med" len="med"/>
+                      <a:tailEnd type="none" w="med" len="med"/>
+                    </a:lnR>
+                    <a:lnT w="12700" cap="flat" cmpd="sng" algn="ctr">
+                      <a:solidFill>
+                        <a:schemeClr val="tx1"/>
+                      </a:solidFill>
+                      <a:prstDash val="solid"/>
+                      <a:round/>
+                      <a:headEnd type="none" w="med" len="med"/>
+                      <a:tailEnd type="none" w="med" len="med"/>
+                    </a:lnT>
+                    <a:lnB w="12700" cap="flat" cmpd="sng" algn="ctr">
+                      <a:solidFill>
+                        <a:schemeClr val="tx1"/>
+                      </a:solidFill>
+                      <a:prstDash val="solid"/>
+                      <a:round/>
+                      <a:headEnd type="none" w="med" len="med"/>
+                      <a:tailEnd type="none" w="med" len="med"/>
+                    </a:lnB>
+                    <a:solidFill>
+                      <a:srgbClr val="92D050"/>
+                    </a:solidFill>
+                  </a:tcPr>
+                </a:tc>
+                <a:extLst>
+                  <a:ext uri="{0D108BD9-81ED-4DB2-BD59-A6C34878D82A}">
+                    <a16:rowId xmlns:a16="http://schemas.microsoft.com/office/drawing/2014/main" val="2665500671"/>
+                  </a:ext>
+                </a:extLst>
+              </a:tr>
+              <a:tr h="368474">
+                <a:tc>
+                  <a:txBody>
+                    <a:bodyPr/>
+                    <a:lstStyle/>
+                    <a:p>
+                      <a:pPr algn="l" fontAlgn="t"/>
+                      <a:r>
+                        <a:rPr lang="en-DE" b="0" dirty="0">
+                          <a:effectLst/>
+                        </a:rPr>
+                        <a:t>&gt; 0,6</a:t>
+                      </a:r>
+                    </a:p>
+                  </a:txBody>
+                  <a:tcPr marL="95250" marR="95250" marT="47625" marB="47625">
+                    <a:lnL w="12700" cap="flat" cmpd="sng" algn="ctr">
+                      <a:solidFill>
+                        <a:schemeClr val="tx1"/>
+                      </a:solidFill>
+                      <a:prstDash val="solid"/>
+                      <a:round/>
+                      <a:headEnd type="none" w="med" len="med"/>
+                      <a:tailEnd type="none" w="med" len="med"/>
+                    </a:lnL>
+                    <a:lnR w="12700" cap="flat" cmpd="sng" algn="ctr">
+                      <a:solidFill>
+                        <a:schemeClr val="tx1"/>
+                      </a:solidFill>
+                      <a:prstDash val="solid"/>
+                      <a:round/>
+                      <a:headEnd type="none" w="med" len="med"/>
+                      <a:tailEnd type="none" w="med" len="med"/>
+                    </a:lnR>
+                    <a:lnT w="12700" cap="flat" cmpd="sng" algn="ctr">
+                      <a:solidFill>
+                        <a:schemeClr val="tx1"/>
+                      </a:solidFill>
+                      <a:prstDash val="solid"/>
+                      <a:round/>
+                      <a:headEnd type="none" w="med" len="med"/>
+                      <a:tailEnd type="none" w="med" len="med"/>
+                    </a:lnT>
+                    <a:lnB w="12700" cap="flat" cmpd="sng" algn="ctr">
+                      <a:solidFill>
+                        <a:schemeClr val="tx1"/>
+                      </a:solidFill>
+                      <a:prstDash val="solid"/>
+                      <a:round/>
+                      <a:headEnd type="none" w="med" len="med"/>
+                      <a:tailEnd type="none" w="med" len="med"/>
+                    </a:lnB>
+                    <a:solidFill>
+                      <a:srgbClr val="FFFF00"/>
+                    </a:solidFill>
+                  </a:tcPr>
+                </a:tc>
+                <a:tc>
+                  <a:txBody>
+                    <a:bodyPr/>
+                    <a:lstStyle/>
+                    <a:p>
+                      <a:pPr algn="l" fontAlgn="t"/>
+                      <a:r>
+                        <a:rPr lang="en-GB" b="0" dirty="0">
+                          <a:effectLst/>
+                        </a:rPr>
+                        <a:t>Questionable</a:t>
+                      </a:r>
+                    </a:p>
+                  </a:txBody>
+                  <a:tcPr marL="95250" marR="95250" marT="47625" marB="47625">
+                    <a:lnL w="12700" cap="flat" cmpd="sng" algn="ctr">
+                      <a:solidFill>
+                        <a:schemeClr val="tx1"/>
+                      </a:solidFill>
+                      <a:prstDash val="solid"/>
+                      <a:round/>
+                      <a:headEnd type="none" w="med" len="med"/>
+                      <a:tailEnd type="none" w="med" len="med"/>
+                    </a:lnL>
+                    <a:lnR w="12700" cap="flat" cmpd="sng" algn="ctr">
+                      <a:solidFill>
+                        <a:schemeClr val="tx1"/>
+                      </a:solidFill>
+                      <a:prstDash val="solid"/>
+                      <a:round/>
+                      <a:headEnd type="none" w="med" len="med"/>
+                      <a:tailEnd type="none" w="med" len="med"/>
+                    </a:lnR>
+                    <a:lnT w="12700" cap="flat" cmpd="sng" algn="ctr">
+                      <a:solidFill>
+                        <a:schemeClr val="tx1"/>
+                      </a:solidFill>
+                      <a:prstDash val="solid"/>
+                      <a:round/>
+                      <a:headEnd type="none" w="med" len="med"/>
+                      <a:tailEnd type="none" w="med" len="med"/>
+                    </a:lnT>
+                    <a:lnB w="12700" cap="flat" cmpd="sng" algn="ctr">
+                      <a:solidFill>
+                        <a:schemeClr val="tx1"/>
+                      </a:solidFill>
+                      <a:prstDash val="solid"/>
+                      <a:round/>
+                      <a:headEnd type="none" w="med" len="med"/>
+                      <a:tailEnd type="none" w="med" len="med"/>
+                    </a:lnB>
+                    <a:solidFill>
+                      <a:srgbClr val="FFFF00"/>
+                    </a:solidFill>
+                  </a:tcPr>
+                </a:tc>
+                <a:extLst>
+                  <a:ext uri="{0D108BD9-81ED-4DB2-BD59-A6C34878D82A}">
+                    <a16:rowId xmlns:a16="http://schemas.microsoft.com/office/drawing/2014/main" val="462200948"/>
+                  </a:ext>
+                </a:extLst>
+              </a:tr>
+              <a:tr h="368474">
+                <a:tc>
+                  <a:txBody>
+                    <a:bodyPr/>
+                    <a:lstStyle/>
+                    <a:p>
+                      <a:pPr algn="l" fontAlgn="t"/>
+                      <a:r>
+                        <a:rPr lang="en-DE" b="0" dirty="0">
+                          <a:effectLst/>
+                        </a:rPr>
+                        <a:t>&gt; 0,5</a:t>
+                      </a:r>
+                    </a:p>
+                  </a:txBody>
+                  <a:tcPr marL="95250" marR="95250" marT="47625" marB="47625">
+                    <a:lnL w="12700" cap="flat" cmpd="sng" algn="ctr">
+                      <a:solidFill>
+                        <a:schemeClr val="tx1"/>
+                      </a:solidFill>
+                      <a:prstDash val="solid"/>
+                      <a:round/>
+                      <a:headEnd type="none" w="med" len="med"/>
+                      <a:tailEnd type="none" w="med" len="med"/>
+                    </a:lnL>
+                    <a:lnR w="12700" cap="flat" cmpd="sng" algn="ctr">
+                      <a:solidFill>
+                        <a:schemeClr val="tx1"/>
+                      </a:solidFill>
+                      <a:prstDash val="solid"/>
+                      <a:round/>
+                      <a:headEnd type="none" w="med" len="med"/>
+                      <a:tailEnd type="none" w="med" len="med"/>
+                    </a:lnR>
+                    <a:lnT w="12700" cap="flat" cmpd="sng" algn="ctr">
+                      <a:solidFill>
+                        <a:schemeClr val="tx1"/>
+                      </a:solidFill>
+                      <a:prstDash val="solid"/>
+                      <a:round/>
+                      <a:headEnd type="none" w="med" len="med"/>
+                      <a:tailEnd type="none" w="med" len="med"/>
+                    </a:lnT>
+                    <a:lnB w="12700" cap="flat" cmpd="sng" algn="ctr">
+                      <a:solidFill>
+                        <a:schemeClr val="tx1"/>
+                      </a:solidFill>
+                      <a:prstDash val="solid"/>
+                      <a:round/>
+                      <a:headEnd type="none" w="med" len="med"/>
+                      <a:tailEnd type="none" w="med" len="med"/>
+                    </a:lnB>
+                    <a:solidFill>
+                      <a:srgbClr val="FFC000"/>
+                    </a:solidFill>
+                  </a:tcPr>
+                </a:tc>
+                <a:tc>
+                  <a:txBody>
+                    <a:bodyPr/>
+                    <a:lstStyle/>
+                    <a:p>
+                      <a:pPr algn="l" fontAlgn="t"/>
+                      <a:r>
+                        <a:rPr lang="en-GB" b="0" dirty="0">
+                          <a:effectLst/>
+                        </a:rPr>
+                        <a:t>Bad</a:t>
+                      </a:r>
+                    </a:p>
+                  </a:txBody>
+                  <a:tcPr marL="95250" marR="95250" marT="47625" marB="47625">
+                    <a:lnL w="12700" cap="flat" cmpd="sng" algn="ctr">
+                      <a:solidFill>
+                        <a:schemeClr val="tx1"/>
+                      </a:solidFill>
+                      <a:prstDash val="solid"/>
+                      <a:round/>
+                      <a:headEnd type="none" w="med" len="med"/>
+                      <a:tailEnd type="none" w="med" len="med"/>
+                    </a:lnL>
+                    <a:lnR w="12700" cap="flat" cmpd="sng" algn="ctr">
+                      <a:solidFill>
+                        <a:schemeClr val="tx1"/>
+                      </a:solidFill>
+                      <a:prstDash val="solid"/>
+                      <a:round/>
+                      <a:headEnd type="none" w="med" len="med"/>
+                      <a:tailEnd type="none" w="med" len="med"/>
+                    </a:lnR>
+                    <a:lnT w="12700" cap="flat" cmpd="sng" algn="ctr">
+                      <a:solidFill>
+                        <a:schemeClr val="tx1"/>
+                      </a:solidFill>
+                      <a:prstDash val="solid"/>
+                      <a:round/>
+                      <a:headEnd type="none" w="med" len="med"/>
+                      <a:tailEnd type="none" w="med" len="med"/>
+                    </a:lnT>
+                    <a:lnB w="12700" cap="flat" cmpd="sng" algn="ctr">
+                      <a:solidFill>
+                        <a:schemeClr val="tx1"/>
+                      </a:solidFill>
+                      <a:prstDash val="solid"/>
+                      <a:round/>
+                      <a:headEnd type="none" w="med" len="med"/>
+                      <a:tailEnd type="none" w="med" len="med"/>
+                    </a:lnB>
+                    <a:solidFill>
+                      <a:srgbClr val="FFC000"/>
+                    </a:solidFill>
+                  </a:tcPr>
+                </a:tc>
+                <a:extLst>
+                  <a:ext uri="{0D108BD9-81ED-4DB2-BD59-A6C34878D82A}">
+                    <a16:rowId xmlns:a16="http://schemas.microsoft.com/office/drawing/2014/main" val="3903762110"/>
+                  </a:ext>
+                </a:extLst>
+              </a:tr>
+              <a:tr h="285647">
+                <a:tc>
+                  <a:txBody>
+                    <a:bodyPr/>
+                    <a:lstStyle/>
+                    <a:p>
+                      <a:pPr algn="l" fontAlgn="t"/>
+                      <a:r>
+                        <a:rPr lang="en-DE" b="0" dirty="0">
+                          <a:effectLst/>
+                        </a:rPr>
+                        <a:t>&lt; 0,5</a:t>
+                      </a:r>
+                    </a:p>
+                  </a:txBody>
+                  <a:tcPr marL="95250" marR="95250" marT="47625" marB="47625">
+                    <a:lnL w="12700" cap="flat" cmpd="sng" algn="ctr">
+                      <a:solidFill>
+                        <a:schemeClr val="tx1"/>
+                      </a:solidFill>
+                      <a:prstDash val="solid"/>
+                      <a:round/>
+                      <a:headEnd type="none" w="med" len="med"/>
+                      <a:tailEnd type="none" w="med" len="med"/>
+                    </a:lnL>
+                    <a:lnR w="12700" cap="flat" cmpd="sng" algn="ctr">
+                      <a:solidFill>
+                        <a:schemeClr val="tx1"/>
+                      </a:solidFill>
+                      <a:prstDash val="solid"/>
+                      <a:round/>
+                      <a:headEnd type="none" w="med" len="med"/>
+                      <a:tailEnd type="none" w="med" len="med"/>
+                    </a:lnR>
+                    <a:lnT w="12700" cap="flat" cmpd="sng" algn="ctr">
+                      <a:solidFill>
+                        <a:schemeClr val="tx1"/>
+                      </a:solidFill>
+                      <a:prstDash val="solid"/>
+                      <a:round/>
+                      <a:headEnd type="none" w="med" len="med"/>
+                      <a:tailEnd type="none" w="med" len="med"/>
+                    </a:lnT>
+                    <a:lnB w="12700" cap="flat" cmpd="sng" algn="ctr">
+                      <a:solidFill>
+                        <a:schemeClr val="tx1"/>
+                      </a:solidFill>
+                      <a:prstDash val="solid"/>
+                      <a:round/>
+                      <a:headEnd type="none" w="med" len="med"/>
+                      <a:tailEnd type="none" w="med" len="med"/>
+                    </a:lnB>
+                    <a:solidFill>
+                      <a:srgbClr val="FF0000"/>
+                    </a:solidFill>
+                  </a:tcPr>
+                </a:tc>
+                <a:tc>
+                  <a:txBody>
+                    <a:bodyPr/>
+                    <a:lstStyle/>
+                    <a:p>
+                      <a:pPr algn="l" fontAlgn="t"/>
+                      <a:r>
+                        <a:rPr lang="en-GB" b="0" dirty="0">
+                          <a:effectLst/>
+                        </a:rPr>
+                        <a:t>Inacceptable</a:t>
+                      </a:r>
+                    </a:p>
+                  </a:txBody>
+                  <a:tcPr marL="95250" marR="95250" marT="47625" marB="47625">
+                    <a:lnL w="12700" cap="flat" cmpd="sng" algn="ctr">
+                      <a:solidFill>
+                        <a:schemeClr val="tx1"/>
+                      </a:solidFill>
+                      <a:prstDash val="solid"/>
+                      <a:round/>
+                      <a:headEnd type="none" w="med" len="med"/>
+                      <a:tailEnd type="none" w="med" len="med"/>
+                    </a:lnL>
+                    <a:lnR w="12700" cap="flat" cmpd="sng" algn="ctr">
+                      <a:solidFill>
+                        <a:schemeClr val="tx1"/>
+                      </a:solidFill>
+                      <a:prstDash val="solid"/>
+                      <a:round/>
+                      <a:headEnd type="none" w="med" len="med"/>
+                      <a:tailEnd type="none" w="med" len="med"/>
+                    </a:lnR>
+                    <a:lnT w="12700" cap="flat" cmpd="sng" algn="ctr">
+                      <a:solidFill>
+                        <a:schemeClr val="tx1"/>
+                      </a:solidFill>
+                      <a:prstDash val="solid"/>
+                      <a:round/>
+                      <a:headEnd type="none" w="med" len="med"/>
+                      <a:tailEnd type="none" w="med" len="med"/>
+                    </a:lnT>
+                    <a:lnB w="12700" cap="flat" cmpd="sng" algn="ctr">
+                      <a:solidFill>
+                        <a:schemeClr val="tx1"/>
+                      </a:solidFill>
+                      <a:prstDash val="solid"/>
+                      <a:round/>
+                      <a:headEnd type="none" w="med" len="med"/>
+                      <a:tailEnd type="none" w="med" len="med"/>
+                    </a:lnB>
+                    <a:solidFill>
+                      <a:srgbClr val="FF0000"/>
+                    </a:solidFill>
+                  </a:tcPr>
+                </a:tc>
+                <a:extLst>
+                  <a:ext uri="{0D108BD9-81ED-4DB2-BD59-A6C34878D82A}">
+                    <a16:rowId xmlns:a16="http://schemas.microsoft.com/office/drawing/2014/main" val="20759248"/>
+                  </a:ext>
+                </a:extLst>
+              </a:tr>
+            </a:tbl>
+          </a:graphicData>
+        </a:graphic>
+      </p:graphicFrame>
+      <p:graphicFrame>
+        <p:nvGraphicFramePr>
+          <p:cNvPr id="9" name="Table 8">
+            <a:extLst>
+              <a:ext uri="{FF2B5EF4-FFF2-40B4-BE49-F238E27FC236}">
+                <a16:creationId xmlns:a16="http://schemas.microsoft.com/office/drawing/2014/main" id="{B583A1AF-2267-4587-8338-A3C6300C8605}"/>
+              </a:ext>
+            </a:extLst>
+          </p:cNvPr>
+          <p:cNvGraphicFramePr>
+            <a:graphicFrameLocks noGrp="1"/>
+          </p:cNvGraphicFramePr>
+          <p:nvPr>
+            <p:extLst>
+              <p:ext uri="{D42A27DB-BD31-4B8C-83A1-F6EECF244321}">
+                <p14:modId xmlns:p14="http://schemas.microsoft.com/office/powerpoint/2010/main" val="1046776841"/>
+              </p:ext>
+            </p:extLst>
+          </p:nvPr>
+        </p:nvGraphicFramePr>
+        <p:xfrm>
+          <a:off x="6984837" y="3758480"/>
+          <a:ext cx="4064000" cy="2399792"/>
+        </p:xfrm>
+        <a:graphic>
+          <a:graphicData uri="http://schemas.openxmlformats.org/drawingml/2006/table">
+            <a:tbl>
+              <a:tblPr firstRow="1" bandRow="1">
+                <a:tableStyleId>{D7AC3CCA-C797-4891-BE02-D94E43425B78}</a:tableStyleId>
+              </a:tblPr>
+              <a:tblGrid>
+                <a:gridCol w="4064000">
+                  <a:extLst>
+                    <a:ext uri="{9D8B030D-6E8A-4147-A177-3AD203B41FA5}">
+                      <a16:colId xmlns:a16="http://schemas.microsoft.com/office/drawing/2014/main" val="1721444863"/>
+                    </a:ext>
+                  </a:extLst>
+                </a:gridCol>
+              </a:tblGrid>
+              <a:tr h="0">
+                <a:tc>
+                  <a:txBody>
+                    <a:bodyPr/>
+                    <a:lstStyle/>
+                    <a:p>
+                      <a:pPr algn="l" fontAlgn="t"/>
+                      <a:r>
+                        <a:rPr lang="en-GB" b="0" dirty="0">
+                          <a:effectLst/>
+                        </a:rPr>
+                        <a:t>Economic Indices</a:t>
+                      </a:r>
+                    </a:p>
+                  </a:txBody>
+                  <a:tcPr marL="95250" marR="95250" marT="47625" marB="47625"/>
+                </a:tc>
+                <a:extLst>
+                  <a:ext uri="{0D108BD9-81ED-4DB2-BD59-A6C34878D82A}">
+                    <a16:rowId xmlns:a16="http://schemas.microsoft.com/office/drawing/2014/main" val="1434483814"/>
+                  </a:ext>
+                </a:extLst>
+              </a:tr>
+              <a:tr h="370840">
+                <a:tc>
+                  <a:txBody>
+                    <a:bodyPr/>
+                    <a:lstStyle/>
+                    <a:p>
+                      <a:pPr algn="l" fontAlgn="t"/>
+                      <a:endParaRPr lang="en-GB" b="0" dirty="0">
+                        <a:effectLst/>
+                      </a:endParaRPr>
+                    </a:p>
+                  </a:txBody>
+                  <a:tcPr marL="95250" marR="95250" marT="47625" marB="47625"/>
+                </a:tc>
+                <a:extLst>
+                  <a:ext uri="{0D108BD9-81ED-4DB2-BD59-A6C34878D82A}">
+                    <a16:rowId xmlns:a16="http://schemas.microsoft.com/office/drawing/2014/main" val="190719593"/>
+                  </a:ext>
+                </a:extLst>
+              </a:tr>
+              <a:tr h="370840">
+                <a:tc>
+                  <a:txBody>
+                    <a:bodyPr/>
+                    <a:lstStyle/>
+                    <a:p>
+                      <a:pPr marL="0" marR="0" lvl="0" indent="0" algn="l" defTabSz="914347" rtl="0" eaLnBrk="1" fontAlgn="t" latinLnBrk="0" hangingPunct="1">
+                        <a:lnSpc>
+                          <a:spcPct val="100000"/>
+                        </a:lnSpc>
+                        <a:spcBef>
+                          <a:spcPts val="0"/>
+                        </a:spcBef>
+                        <a:spcAft>
+                          <a:spcPts val="0"/>
+                        </a:spcAft>
+                        <a:buClrTx/>
+                        <a:buSzTx/>
+                        <a:buFontTx/>
+                        <a:buNone/>
+                        <a:tabLst/>
+                        <a:defRPr/>
+                      </a:pPr>
+                      <a:r>
+                        <a:rPr lang="en-GB" b="0" dirty="0">
+                          <a:effectLst/>
+                        </a:rPr>
+                        <a:t>Information Awareness, Ukraine War Sentiment, Energy Crisis Sentiment, Investment Behaviour</a:t>
+                      </a:r>
+                    </a:p>
+                  </a:txBody>
+                  <a:tcPr marL="95250" marR="95250" marT="47625" marB="47625"/>
+                </a:tc>
+                <a:extLst>
+                  <a:ext uri="{0D108BD9-81ED-4DB2-BD59-A6C34878D82A}">
+                    <a16:rowId xmlns:a16="http://schemas.microsoft.com/office/drawing/2014/main" val="359976877"/>
+                  </a:ext>
+                </a:extLst>
+              </a:tr>
+              <a:tr h="370840">
+                <a:tc>
+                  <a:txBody>
+                    <a:bodyPr/>
+                    <a:lstStyle/>
+                    <a:p>
+                      <a:pPr algn="l" fontAlgn="t"/>
+                      <a:endParaRPr lang="en-GB" b="0" dirty="0">
+                        <a:effectLst/>
+                      </a:endParaRPr>
+                    </a:p>
+                  </a:txBody>
+                  <a:tcPr marL="95250" marR="95250" marT="47625" marB="47625"/>
+                </a:tc>
+                <a:extLst>
+                  <a:ext uri="{0D108BD9-81ED-4DB2-BD59-A6C34878D82A}">
+                    <a16:rowId xmlns:a16="http://schemas.microsoft.com/office/drawing/2014/main" val="1345682843"/>
+                  </a:ext>
+                </a:extLst>
+              </a:tr>
+              <a:tr h="370840">
+                <a:tc>
+                  <a:txBody>
+                    <a:bodyPr/>
+                    <a:lstStyle/>
+                    <a:p>
+                      <a:pPr marL="0" marR="0" lvl="0" indent="0" algn="l" defTabSz="914347" rtl="0" eaLnBrk="1" fontAlgn="t" latinLnBrk="0" hangingPunct="1">
+                        <a:lnSpc>
+                          <a:spcPct val="100000"/>
+                        </a:lnSpc>
+                        <a:spcBef>
+                          <a:spcPts val="0"/>
+                        </a:spcBef>
+                        <a:spcAft>
+                          <a:spcPts val="0"/>
+                        </a:spcAft>
+                        <a:buClrTx/>
+                        <a:buSzTx/>
+                        <a:buFontTx/>
+                        <a:buNone/>
+                        <a:tabLst/>
+                        <a:defRPr/>
+                      </a:pPr>
+                      <a:r>
+                        <a:rPr lang="en-GB" b="0" dirty="0">
+                          <a:effectLst/>
+                        </a:rPr>
+                        <a:t>Corona Sentiment</a:t>
+                      </a:r>
+                    </a:p>
+                  </a:txBody>
+                  <a:tcPr marL="95250" marR="95250" marT="47625" marB="47625"/>
+                </a:tc>
+                <a:extLst>
+                  <a:ext uri="{0D108BD9-81ED-4DB2-BD59-A6C34878D82A}">
+                    <a16:rowId xmlns:a16="http://schemas.microsoft.com/office/drawing/2014/main" val="3495303643"/>
+                  </a:ext>
+                </a:extLst>
+              </a:tr>
+            </a:tbl>
+          </a:graphicData>
+        </a:graphic>
+      </p:graphicFrame>
+      <p:cxnSp>
+        <p:nvCxnSpPr>
+          <p:cNvPr id="11" name="Straight Arrow Connector 10">
+            <a:extLst>
+              <a:ext uri="{FF2B5EF4-FFF2-40B4-BE49-F238E27FC236}">
+                <a16:creationId xmlns:a16="http://schemas.microsoft.com/office/drawing/2014/main" id="{CB909CF7-D531-A036-5929-AA5B2427DB15}"/>
+              </a:ext>
+            </a:extLst>
+          </p:cNvPr>
+          <p:cNvCxnSpPr/>
+          <p:nvPr/>
+        </p:nvCxnSpPr>
+        <p:spPr>
+          <a:xfrm flipH="1">
+            <a:off x="4564188" y="3945391"/>
+            <a:ext cx="2420649" cy="254076"/>
+          </a:xfrm>
+          <a:prstGeom prst="straightConnector1">
+            <a:avLst/>
+          </a:prstGeom>
+          <a:ln w="38100">
+            <a:solidFill>
+              <a:schemeClr val="tx2"/>
+            </a:solidFill>
+            <a:tailEnd type="triangle"/>
+          </a:ln>
+        </p:spPr>
+        <p:style>
+          <a:lnRef idx="1">
+            <a:schemeClr val="accent1"/>
+          </a:lnRef>
+          <a:fillRef idx="0">
+            <a:schemeClr val="accent1"/>
+          </a:fillRef>
+          <a:effectRef idx="0">
+            <a:schemeClr val="accent1"/>
+          </a:effectRef>
+          <a:fontRef idx="minor">
+            <a:schemeClr val="tx1"/>
+          </a:fontRef>
+        </p:style>
+      </p:cxnSp>
+      <p:cxnSp>
+        <p:nvCxnSpPr>
+          <p:cNvPr id="12" name="Straight Arrow Connector 11">
+            <a:extLst>
+              <a:ext uri="{FF2B5EF4-FFF2-40B4-BE49-F238E27FC236}">
+                <a16:creationId xmlns:a16="http://schemas.microsoft.com/office/drawing/2014/main" id="{5666BB2E-5D64-EDB8-02D7-D5FA939F34BD}"/>
+              </a:ext>
+            </a:extLst>
+          </p:cNvPr>
+          <p:cNvCxnSpPr>
+            <a:cxnSpLocks/>
+            <a:stCxn id="9" idx="1"/>
+          </p:cNvCxnSpPr>
+          <p:nvPr/>
+        </p:nvCxnSpPr>
+        <p:spPr>
+          <a:xfrm flipH="1" flipV="1">
+            <a:off x="4564188" y="4620360"/>
+            <a:ext cx="2420649" cy="338016"/>
+          </a:xfrm>
+          <a:prstGeom prst="straightConnector1">
+            <a:avLst/>
+          </a:prstGeom>
+          <a:ln w="38100">
+            <a:solidFill>
+              <a:schemeClr val="tx2"/>
+            </a:solidFill>
+            <a:tailEnd type="triangle"/>
+          </a:ln>
+        </p:spPr>
+        <p:style>
+          <a:lnRef idx="1">
+            <a:schemeClr val="accent1"/>
+          </a:lnRef>
+          <a:fillRef idx="0">
+            <a:schemeClr val="accent1"/>
+          </a:fillRef>
+          <a:effectRef idx="0">
+            <a:schemeClr val="accent1"/>
+          </a:effectRef>
+          <a:fontRef idx="minor">
+            <a:schemeClr val="tx1"/>
+          </a:fontRef>
+        </p:style>
+      </p:cxnSp>
+      <p:cxnSp>
+        <p:nvCxnSpPr>
+          <p:cNvPr id="15" name="Straight Arrow Connector 14">
+            <a:extLst>
+              <a:ext uri="{FF2B5EF4-FFF2-40B4-BE49-F238E27FC236}">
+                <a16:creationId xmlns:a16="http://schemas.microsoft.com/office/drawing/2014/main" id="{0FEDEA92-E634-9B6D-EEE6-83624B9B883E}"/>
+              </a:ext>
+            </a:extLst>
+          </p:cNvPr>
+          <p:cNvCxnSpPr>
+            <a:cxnSpLocks/>
+          </p:cNvCxnSpPr>
+          <p:nvPr/>
+        </p:nvCxnSpPr>
+        <p:spPr>
+          <a:xfrm flipH="1" flipV="1">
+            <a:off x="4564188" y="4919282"/>
+            <a:ext cx="2420649" cy="1096581"/>
+          </a:xfrm>
+          <a:prstGeom prst="straightConnector1">
+            <a:avLst/>
+          </a:prstGeom>
+          <a:ln w="38100">
+            <a:solidFill>
+              <a:schemeClr val="tx2"/>
+            </a:solidFill>
+            <a:tailEnd type="triangle"/>
+          </a:ln>
+        </p:spPr>
+        <p:style>
+          <a:lnRef idx="1">
+            <a:schemeClr val="accent1"/>
+          </a:lnRef>
+          <a:fillRef idx="0">
+            <a:schemeClr val="accent1"/>
+          </a:fillRef>
+          <a:effectRef idx="0">
+            <a:schemeClr val="accent1"/>
+          </a:effectRef>
+          <a:fontRef idx="minor">
+            <a:schemeClr val="tx1"/>
+          </a:fontRef>
+        </p:style>
+      </p:cxnSp>
     </p:spTree>
     <p:extLst>
       <p:ext uri="{BB962C8B-B14F-4D97-AF65-F5344CB8AC3E}">
-        <p14:creationId xmlns:p14="http://schemas.microsoft.com/office/powerpoint/2010/main" val="3649017613"/>
+        <p14:creationId xmlns:p14="http://schemas.microsoft.com/office/powerpoint/2010/main" val="520010825"/>
       </p:ext>
     </p:extLst>
   </p:cSld>
   <p:clrMapOvr>
     <a:masterClrMapping/>
   </p:clrMapOvr>
+  <mc:AlternateContent xmlns:mc="http://schemas.openxmlformats.org/markup-compatibility/2006">
+    <mc:Choice xmlns:p14="http://schemas.microsoft.com/office/powerpoint/2010/main" Requires="p14">
+      <p:transition spd="slow" p14:dur="2000" advTm="7982"/>
+    </mc:Choice>
+    <mc:Fallback>
+      <p:transition spd="slow" advTm="7982"/>
+    </mc:Fallback>
+  </mc:AlternateContent>
 </p:sld>
 </file>
 
 <file path=ppt/slides/slide9.xml><?xml version="1.0" encoding="utf-8"?>
-<p:sld xmlns:a="http://schemas.openxmlformats.org/drawingml/2006/main" xmlns:r="http://schemas.openxmlformats.org/officeDocument/2006/relationships" xmlns:p="http://schemas.openxmlformats.org/presentationml/2006/main">
+<p:sld xmlns:a="http://schemas.openxmlformats.org/drawingml/2006/main" xmlns:r="http://schemas.openxmlformats.org/officeDocument/2006/relationships" xmlns:p="http://schemas.openxmlformats.org/presentationml/2006/main" show="0">
   <p:cSld>
     <p:spTree>
       <p:nvGrpSpPr>
@@ -11278,7 +17845,7 @@
           <p:cNvPr id="2" name="Content Placeholder 1">
             <a:extLst>
               <a:ext uri="{FF2B5EF4-FFF2-40B4-BE49-F238E27FC236}">
-                <a16:creationId xmlns:a16="http://schemas.microsoft.com/office/drawing/2014/main" id="{BA3B91CB-0FB6-B720-26EB-BB72921F580E}"/>
+                <a16:creationId xmlns:a16="http://schemas.microsoft.com/office/drawing/2014/main" id="{4E9BC2B4-91C7-CA61-0F4D-2003BE13D98A}"/>
               </a:ext>
             </a:extLst>
           </p:cNvPr>
@@ -11303,7 +17870,7 @@
           <p:cNvPr id="3" name="Date Placeholder 2">
             <a:extLst>
               <a:ext uri="{FF2B5EF4-FFF2-40B4-BE49-F238E27FC236}">
-                <a16:creationId xmlns:a16="http://schemas.microsoft.com/office/drawing/2014/main" id="{C6F1B78B-9ABC-3E83-F889-C05323A2F000}"/>
+                <a16:creationId xmlns:a16="http://schemas.microsoft.com/office/drawing/2014/main" id="{15C36A6A-BA78-4180-E353-1CE6A2D3BA70}"/>
               </a:ext>
             </a:extLst>
           </p:cNvPr>
@@ -11321,7 +17888,7 @@
           <a:p>
             <a:fld id="{162C1F81-0292-4658-B990-314031B5EEE0}" type="datetime4">
               <a:rPr lang="en-US" noProof="0" smtClean="0"/>
-              <a:t>November 26, 2024</a:t>
+              <a:t>December 3, 2024</a:t>
             </a:fld>
             <a:endParaRPr lang="en-US" noProof="0" dirty="0"/>
           </a:p>
@@ -11332,7 +17899,7 @@
           <p:cNvPr id="4" name="Slide Number Placeholder 3">
             <a:extLst>
               <a:ext uri="{FF2B5EF4-FFF2-40B4-BE49-F238E27FC236}">
-                <a16:creationId xmlns:a16="http://schemas.microsoft.com/office/drawing/2014/main" id="{AF90E348-AF47-3CCD-4F25-041FFDBAEFCD}"/>
+                <a16:creationId xmlns:a16="http://schemas.microsoft.com/office/drawing/2014/main" id="{9189DA95-D293-FFE8-5297-9B01B62C2C70}"/>
               </a:ext>
             </a:extLst>
           </p:cNvPr>
@@ -11361,7 +17928,7 @@
           <p:cNvPr id="5" name="Title 4">
             <a:extLst>
               <a:ext uri="{FF2B5EF4-FFF2-40B4-BE49-F238E27FC236}">
-                <a16:creationId xmlns:a16="http://schemas.microsoft.com/office/drawing/2014/main" id="{7C8D89E7-05EE-6D40-EBCB-37F485DBA47D}"/>
+                <a16:creationId xmlns:a16="http://schemas.microsoft.com/office/drawing/2014/main" id="{9B58428E-06D3-C538-19F6-7AB6F0DF1756}"/>
               </a:ext>
             </a:extLst>
           </p:cNvPr>
@@ -11379,7 +17946,7 @@
           <a:p>
             <a:r>
               <a:rPr lang="en-DE" dirty="0"/>
-              <a:t>Cornbach Alpha</a:t>
+              <a:t>Explorative Factor Analyse (EFA)</a:t>
             </a:r>
           </a:p>
         </p:txBody>
@@ -11387,7 +17954,7 @@
     </p:spTree>
     <p:extLst>
       <p:ext uri="{BB962C8B-B14F-4D97-AF65-F5344CB8AC3E}">
-        <p14:creationId xmlns:p14="http://schemas.microsoft.com/office/powerpoint/2010/main" val="520010825"/>
+        <p14:creationId xmlns:p14="http://schemas.microsoft.com/office/powerpoint/2010/main" val="3649017613"/>
       </p:ext>
     </p:extLst>
   </p:cSld>
